--- a/presentation/forecasting_recessions.pptx
+++ b/presentation/forecasting_recessions.pptx
@@ -5,7 +5,7 @@
     <p:sldMasterId id="2147483684" r:id="rId4"/>
   </p:sldMasterIdLst>
   <p:notesMasterIdLst>
-    <p:notesMasterId r:id="rId24"/>
+    <p:notesMasterId r:id="rId23"/>
   </p:notesMasterIdLst>
   <p:sldIdLst>
     <p:sldId id="256" r:id="rId5"/>
@@ -17,16 +17,15 @@
     <p:sldId id="349" r:id="rId11"/>
     <p:sldId id="350" r:id="rId12"/>
     <p:sldId id="351" r:id="rId13"/>
-    <p:sldId id="352" r:id="rId14"/>
-    <p:sldId id="353" r:id="rId15"/>
-    <p:sldId id="354" r:id="rId16"/>
-    <p:sldId id="355" r:id="rId17"/>
-    <p:sldId id="356" r:id="rId18"/>
-    <p:sldId id="357" r:id="rId19"/>
-    <p:sldId id="358" r:id="rId20"/>
-    <p:sldId id="359" r:id="rId21"/>
-    <p:sldId id="331" r:id="rId22"/>
-    <p:sldId id="334" r:id="rId23"/>
+    <p:sldId id="353" r:id="rId14"/>
+    <p:sldId id="354" r:id="rId15"/>
+    <p:sldId id="355" r:id="rId16"/>
+    <p:sldId id="356" r:id="rId17"/>
+    <p:sldId id="357" r:id="rId18"/>
+    <p:sldId id="358" r:id="rId19"/>
+    <p:sldId id="359" r:id="rId20"/>
+    <p:sldId id="331" r:id="rId21"/>
+    <p:sldId id="334" r:id="rId22"/>
   </p:sldIdLst>
   <p:sldSz cx="9144000" cy="6858000" type="screen4x3"/>
   <p:notesSz cx="6858000" cy="9144000"/>
@@ -148,8 +147,8 @@
 <file path=ppt/revisionInfo.xml><?xml version="1.0" encoding="utf-8"?>
 <p1510:revInfo xmlns:a="http://schemas.openxmlformats.org/drawingml/2006/main" xmlns:r="http://schemas.openxmlformats.org/officeDocument/2006/relationships" xmlns:p1510="http://schemas.microsoft.com/office/powerpoint/2015/10/main">
   <p1510:revLst>
-    <p1510:client id="{9C132FEF-8FA4-4DAD-9FA6-1CB896569D0D}" v="183" dt="2020-03-19T09:48:10.597"/>
-    <p1510:client id="{E24FDE7B-63EA-4A56-82D1-2D3C48C9BE2B}" v="3110" dt="2020-03-19T11:59:40.390"/>
+    <p1510:client id="{4F54638B-689E-F436-C1E2-ED43CD01727D}" v="4" dt="2020-03-21T14:55:36.902"/>
+    <p1510:client id="{E24FDE7B-63EA-4A56-82D1-2D3C48C9BE2B}" v="3126" dt="2020-03-21T15:02:19.801"/>
   </p1510:revLst>
 </p1510:revInfo>
 </file>
@@ -159,12 +158,12 @@
   <pc:docChgLst>
     <pc:chgData name="Gupta, Nikhil" userId="7ec69372-1d6c-41bc-a393-621db78cf6a5" providerId="ADAL" clId="{E24FDE7B-63EA-4A56-82D1-2D3C48C9BE2B}"/>
     <pc:docChg chg="undo redo custSel mod addSld delSld modSld sldOrd">
-      <pc:chgData name="Gupta, Nikhil" userId="7ec69372-1d6c-41bc-a393-621db78cf6a5" providerId="ADAL" clId="{E24FDE7B-63EA-4A56-82D1-2D3C48C9BE2B}" dt="2020-03-19T12:00:55.024" v="5164" actId="255"/>
+      <pc:chgData name="Gupta, Nikhil" userId="7ec69372-1d6c-41bc-a393-621db78cf6a5" providerId="ADAL" clId="{E24FDE7B-63EA-4A56-82D1-2D3C48C9BE2B}" dt="2020-03-21T15:02:19.801" v="5178" actId="478"/>
       <pc:docMkLst>
         <pc:docMk/>
       </pc:docMkLst>
-      <pc:sldChg chg="modSp">
-        <pc:chgData name="Gupta, Nikhil" userId="7ec69372-1d6c-41bc-a393-621db78cf6a5" providerId="ADAL" clId="{E24FDE7B-63EA-4A56-82D1-2D3C48C9BE2B}" dt="2020-03-19T11:14:50.481" v="3624" actId="20577"/>
+      <pc:sldChg chg="addSp delSp modSp delAnim">
+        <pc:chgData name="Gupta, Nikhil" userId="7ec69372-1d6c-41bc-a393-621db78cf6a5" providerId="ADAL" clId="{E24FDE7B-63EA-4A56-82D1-2D3C48C9BE2B}" dt="2020-03-21T15:02:11.540" v="5175" actId="478"/>
         <pc:sldMkLst>
           <pc:docMk/>
           <pc:sldMk cId="1677321490" sldId="256"/>
@@ -177,6 +176,22 @@
             <ac:spMk id="2" creationId="{00000000-0000-0000-0000-000000000000}"/>
           </ac:spMkLst>
         </pc:spChg>
+        <pc:picChg chg="add del mod">
+          <ac:chgData name="Gupta, Nikhil" userId="7ec69372-1d6c-41bc-a393-621db78cf6a5" providerId="ADAL" clId="{E24FDE7B-63EA-4A56-82D1-2D3C48C9BE2B}" dt="2020-03-21T14:44:45.413" v="5166"/>
+          <ac:picMkLst>
+            <pc:docMk/>
+            <pc:sldMk cId="1677321490" sldId="256"/>
+            <ac:picMk id="5" creationId="{FD188481-50DD-4C1D-9821-324939A52310}"/>
+          </ac:picMkLst>
+        </pc:picChg>
+        <pc:picChg chg="add del mod">
+          <ac:chgData name="Gupta, Nikhil" userId="7ec69372-1d6c-41bc-a393-621db78cf6a5" providerId="ADAL" clId="{E24FDE7B-63EA-4A56-82D1-2D3C48C9BE2B}" dt="2020-03-21T15:02:11.540" v="5175" actId="478"/>
+          <ac:picMkLst>
+            <pc:docMk/>
+            <pc:sldMk cId="1677321490" sldId="256"/>
+            <ac:picMk id="6" creationId="{3BC00579-E4FA-43F2-98F7-519B0C429BD0}"/>
+          </ac:picMkLst>
+        </pc:picChg>
       </pc:sldChg>
       <pc:sldChg chg="del">
         <pc:chgData name="Gupta, Nikhil" userId="7ec69372-1d6c-41bc-a393-621db78cf6a5" providerId="ADAL" clId="{E24FDE7B-63EA-4A56-82D1-2D3C48C9BE2B}" dt="2020-03-19T09:59:57.339" v="301" actId="2696"/>
@@ -185,8 +200,8 @@
           <pc:sldMk cId="273623629" sldId="267"/>
         </pc:sldMkLst>
       </pc:sldChg>
-      <pc:sldChg chg="modSp">
-        <pc:chgData name="Gupta, Nikhil" userId="7ec69372-1d6c-41bc-a393-621db78cf6a5" providerId="ADAL" clId="{E24FDE7B-63EA-4A56-82D1-2D3C48C9BE2B}" dt="2020-03-19T09:55:52.066" v="7" actId="20577"/>
+      <pc:sldChg chg="addSp delSp modSp delAnim">
+        <pc:chgData name="Gupta, Nikhil" userId="7ec69372-1d6c-41bc-a393-621db78cf6a5" providerId="ADAL" clId="{E24FDE7B-63EA-4A56-82D1-2D3C48C9BE2B}" dt="2020-03-21T15:02:14.460" v="5176" actId="478"/>
         <pc:sldMkLst>
           <pc:docMk/>
           <pc:sldMk cId="1992848247" sldId="287"/>
@@ -199,9 +214,33 @@
             <ac:spMk id="2" creationId="{00000000-0000-0000-0000-000000000000}"/>
           </ac:spMkLst>
         </pc:spChg>
+        <pc:picChg chg="add del mod">
+          <ac:chgData name="Gupta, Nikhil" userId="7ec69372-1d6c-41bc-a393-621db78cf6a5" providerId="ADAL" clId="{E24FDE7B-63EA-4A56-82D1-2D3C48C9BE2B}" dt="2020-03-21T14:44:45.413" v="5166"/>
+          <ac:picMkLst>
+            <pc:docMk/>
+            <pc:sldMk cId="1992848247" sldId="287"/>
+            <ac:picMk id="6" creationId="{E5DD77B0-95C9-4F12-872C-B2985209D1D4}"/>
+          </ac:picMkLst>
+        </pc:picChg>
+        <pc:picChg chg="add del mod">
+          <ac:chgData name="Gupta, Nikhil" userId="7ec69372-1d6c-41bc-a393-621db78cf6a5" providerId="ADAL" clId="{E24FDE7B-63EA-4A56-82D1-2D3C48C9BE2B}" dt="2020-03-21T14:53:05.961" v="5174"/>
+          <ac:picMkLst>
+            <pc:docMk/>
+            <pc:sldMk cId="1992848247" sldId="287"/>
+            <ac:picMk id="7" creationId="{126BEE01-AB6C-4716-8C95-65A98A81117A}"/>
+          </ac:picMkLst>
+        </pc:picChg>
+        <pc:picChg chg="add del mod">
+          <ac:chgData name="Gupta, Nikhil" userId="7ec69372-1d6c-41bc-a393-621db78cf6a5" providerId="ADAL" clId="{E24FDE7B-63EA-4A56-82D1-2D3C48C9BE2B}" dt="2020-03-21T15:02:14.460" v="5176" actId="478"/>
+          <ac:picMkLst>
+            <pc:docMk/>
+            <pc:sldMk cId="1992848247" sldId="287"/>
+            <ac:picMk id="8" creationId="{B8DE04A0-4DEB-44C1-9683-BE5588B39FE9}"/>
+          </ac:picMkLst>
+        </pc:picChg>
       </pc:sldChg>
-      <pc:sldChg chg="addSp modSp">
-        <pc:chgData name="Gupta, Nikhil" userId="7ec69372-1d6c-41bc-a393-621db78cf6a5" providerId="ADAL" clId="{E24FDE7B-63EA-4A56-82D1-2D3C48C9BE2B}" dt="2020-03-19T09:59:51.765" v="300" actId="20577"/>
+      <pc:sldChg chg="addSp delSp modSp delAnim">
+        <pc:chgData name="Gupta, Nikhil" userId="7ec69372-1d6c-41bc-a393-621db78cf6a5" providerId="ADAL" clId="{E24FDE7B-63EA-4A56-82D1-2D3C48C9BE2B}" dt="2020-03-21T15:02:17.071" v="5177" actId="478"/>
         <pc:sldMkLst>
           <pc:docMk/>
           <pc:sldMk cId="1039224075" sldId="293"/>
@@ -230,9 +269,17 @@
             <ac:graphicFrameMk id="13" creationId="{153F4360-4623-40FD-A840-2D1188FEDBE4}"/>
           </ac:graphicFrameMkLst>
         </pc:graphicFrameChg>
+        <pc:picChg chg="add del mod">
+          <ac:chgData name="Gupta, Nikhil" userId="7ec69372-1d6c-41bc-a393-621db78cf6a5" providerId="ADAL" clId="{E24FDE7B-63EA-4A56-82D1-2D3C48C9BE2B}" dt="2020-03-21T15:02:17.071" v="5177" actId="478"/>
+          <ac:picMkLst>
+            <pc:docMk/>
+            <pc:sldMk cId="1039224075" sldId="293"/>
+            <ac:picMk id="5" creationId="{003F9188-201D-4DA7-8007-815E14912FC7}"/>
+          </ac:picMkLst>
+        </pc:picChg>
       </pc:sldChg>
-      <pc:sldChg chg="addSp delSp modSp mod setBg setClrOvrMap">
-        <pc:chgData name="Gupta, Nikhil" userId="7ec69372-1d6c-41bc-a393-621db78cf6a5" providerId="ADAL" clId="{E24FDE7B-63EA-4A56-82D1-2D3C48C9BE2B}" dt="2020-03-19T10:19:32.498" v="1108"/>
+      <pc:sldChg chg="addSp delSp modSp mod setBg delAnim setClrOvrMap">
+        <pc:chgData name="Gupta, Nikhil" userId="7ec69372-1d6c-41bc-a393-621db78cf6a5" providerId="ADAL" clId="{E24FDE7B-63EA-4A56-82D1-2D3C48C9BE2B}" dt="2020-03-21T15:02:19.801" v="5178" actId="478"/>
         <pc:sldMkLst>
           <pc:docMk/>
           <pc:sldMk cId="364964430" sldId="294"/>
@@ -565,6 +612,14 @@
             <ac:graphicFrameMk id="9" creationId="{6FD50998-C449-4E57-89EA-F7C62C71140B}"/>
           </ac:graphicFrameMkLst>
         </pc:graphicFrameChg>
+        <pc:picChg chg="add del mod">
+          <ac:chgData name="Gupta, Nikhil" userId="7ec69372-1d6c-41bc-a393-621db78cf6a5" providerId="ADAL" clId="{E24FDE7B-63EA-4A56-82D1-2D3C48C9BE2B}" dt="2020-03-21T15:02:19.801" v="5178" actId="478"/>
+          <ac:picMkLst>
+            <pc:docMk/>
+            <pc:sldMk cId="364964430" sldId="294"/>
+            <ac:picMk id="3" creationId="{506F5125-3E44-4371-A262-6A8D6E591859}"/>
+          </ac:picMkLst>
+        </pc:picChg>
         <pc:picChg chg="add mod ord">
           <ac:chgData name="Gupta, Nikhil" userId="7ec69372-1d6c-41bc-a393-621db78cf6a5" providerId="ADAL" clId="{E24FDE7B-63EA-4A56-82D1-2D3C48C9BE2B}" dt="2020-03-19T10:05:22.404" v="409" actId="1076"/>
           <ac:picMkLst>
@@ -1666,6 +1721,784 @@
       </pc:sldChg>
     </pc:docChg>
   </pc:docChgLst>
+  <pc:docChgLst>
+    <pc:chgData name="Stuart Miller" userId="eef9e874-669a-4875-a100-91d0a03487e0" providerId="ADAL" clId="{0CC54A76-4662-4914-A334-F2A0D6CC94D8}"/>
+    <pc:docChg chg="undo custSel mod addSld delSld modSld">
+      <pc:chgData name="Stuart Miller" userId="eef9e874-669a-4875-a100-91d0a03487e0" providerId="ADAL" clId="{0CC54A76-4662-4914-A334-F2A0D6CC94D8}" dt="2020-03-20T02:54:34.391" v="373"/>
+      <pc:docMkLst>
+        <pc:docMk/>
+      </pc:docMkLst>
+      <pc:sldChg chg="modAnim">
+        <pc:chgData name="Stuart Miller" userId="eef9e874-669a-4875-a100-91d0a03487e0" providerId="ADAL" clId="{0CC54A76-4662-4914-A334-F2A0D6CC94D8}" dt="2020-03-20T02:27:43.843" v="299"/>
+        <pc:sldMkLst>
+          <pc:docMk/>
+          <pc:sldMk cId="1039224075" sldId="293"/>
+        </pc:sldMkLst>
+      </pc:sldChg>
+      <pc:sldChg chg="modSp mod modAnim">
+        <pc:chgData name="Stuart Miller" userId="eef9e874-669a-4875-a100-91d0a03487e0" providerId="ADAL" clId="{0CC54A76-4662-4914-A334-F2A0D6CC94D8}" dt="2020-03-20T02:28:09.860" v="302"/>
+        <pc:sldMkLst>
+          <pc:docMk/>
+          <pc:sldMk cId="364964430" sldId="294"/>
+        </pc:sldMkLst>
+        <pc:spChg chg="mod">
+          <ac:chgData name="Stuart Miller" userId="eef9e874-669a-4875-a100-91d0a03487e0" providerId="ADAL" clId="{0CC54A76-4662-4914-A334-F2A0D6CC94D8}" dt="2020-03-20T01:36:47.077" v="64" actId="20577"/>
+          <ac:spMkLst>
+            <pc:docMk/>
+            <pc:sldMk cId="364964430" sldId="294"/>
+            <ac:spMk id="2" creationId="{00000000-0000-0000-0000-000000000000}"/>
+          </ac:spMkLst>
+        </pc:spChg>
+        <pc:graphicFrameChg chg="mod">
+          <ac:chgData name="Stuart Miller" userId="eef9e874-669a-4875-a100-91d0a03487e0" providerId="ADAL" clId="{0CC54A76-4662-4914-A334-F2A0D6CC94D8}" dt="2020-03-20T02:28:09.860" v="302"/>
+          <ac:graphicFrameMkLst>
+            <pc:docMk/>
+            <pc:sldMk cId="364964430" sldId="294"/>
+            <ac:graphicFrameMk id="9" creationId="{6FD50998-C449-4E57-89EA-F7C62C71140B}"/>
+          </ac:graphicFrameMkLst>
+        </pc:graphicFrameChg>
+      </pc:sldChg>
+      <pc:sldChg chg="modSp mod">
+        <pc:chgData name="Stuart Miller" userId="eef9e874-669a-4875-a100-91d0a03487e0" providerId="ADAL" clId="{0CC54A76-4662-4914-A334-F2A0D6CC94D8}" dt="2020-03-20T01:36:53.993" v="78" actId="20577"/>
+        <pc:sldMkLst>
+          <pc:docMk/>
+          <pc:sldMk cId="3261138834" sldId="347"/>
+        </pc:sldMkLst>
+        <pc:spChg chg="mod">
+          <ac:chgData name="Stuart Miller" userId="eef9e874-669a-4875-a100-91d0a03487e0" providerId="ADAL" clId="{0CC54A76-4662-4914-A334-F2A0D6CC94D8}" dt="2020-03-20T01:36:53.993" v="78" actId="20577"/>
+          <ac:spMkLst>
+            <pc:docMk/>
+            <pc:sldMk cId="3261138834" sldId="347"/>
+            <ac:spMk id="2" creationId="{00000000-0000-0000-0000-000000000000}"/>
+          </ac:spMkLst>
+        </pc:spChg>
+      </pc:sldChg>
+      <pc:sldChg chg="modSp mod">
+        <pc:chgData name="Stuart Miller" userId="eef9e874-669a-4875-a100-91d0a03487e0" providerId="ADAL" clId="{0CC54A76-4662-4914-A334-F2A0D6CC94D8}" dt="2020-03-20T01:37:02.334" v="92" actId="20577"/>
+        <pc:sldMkLst>
+          <pc:docMk/>
+          <pc:sldMk cId="3658957209" sldId="348"/>
+        </pc:sldMkLst>
+        <pc:spChg chg="mod">
+          <ac:chgData name="Stuart Miller" userId="eef9e874-669a-4875-a100-91d0a03487e0" providerId="ADAL" clId="{0CC54A76-4662-4914-A334-F2A0D6CC94D8}" dt="2020-03-20T01:37:02.334" v="92" actId="20577"/>
+          <ac:spMkLst>
+            <pc:docMk/>
+            <pc:sldMk cId="3658957209" sldId="348"/>
+            <ac:spMk id="2" creationId="{00000000-0000-0000-0000-000000000000}"/>
+          </ac:spMkLst>
+        </pc:spChg>
+      </pc:sldChg>
+      <pc:sldChg chg="addSp delSp modSp mod addAnim delAnim modAnim">
+        <pc:chgData name="Stuart Miller" userId="eef9e874-669a-4875-a100-91d0a03487e0" providerId="ADAL" clId="{0CC54A76-4662-4914-A334-F2A0D6CC94D8}" dt="2020-03-20T02:41:33.234" v="336"/>
+        <pc:sldMkLst>
+          <pc:docMk/>
+          <pc:sldMk cId="862816865" sldId="350"/>
+        </pc:sldMkLst>
+        <pc:spChg chg="mod">
+          <ac:chgData name="Stuart Miller" userId="eef9e874-669a-4875-a100-91d0a03487e0" providerId="ADAL" clId="{0CC54A76-4662-4914-A334-F2A0D6CC94D8}" dt="2020-03-20T02:37:49.073" v="318" actId="26606"/>
+          <ac:spMkLst>
+            <pc:docMk/>
+            <pc:sldMk cId="862816865" sldId="350"/>
+            <ac:spMk id="2" creationId="{00000000-0000-0000-0000-000000000000}"/>
+          </ac:spMkLst>
+        </pc:spChg>
+        <pc:spChg chg="mod ord">
+          <ac:chgData name="Stuart Miller" userId="eef9e874-669a-4875-a100-91d0a03487e0" providerId="ADAL" clId="{0CC54A76-4662-4914-A334-F2A0D6CC94D8}" dt="2020-03-20T02:37:49.073" v="318" actId="26606"/>
+          <ac:spMkLst>
+            <pc:docMk/>
+            <pc:sldMk cId="862816865" sldId="350"/>
+            <ac:spMk id="4" creationId="{00000000-0000-0000-0000-000000000000}"/>
+          </ac:spMkLst>
+        </pc:spChg>
+        <pc:spChg chg="add mod">
+          <ac:chgData name="Stuart Miller" userId="eef9e874-669a-4875-a100-91d0a03487e0" providerId="ADAL" clId="{0CC54A76-4662-4914-A334-F2A0D6CC94D8}" dt="2020-03-20T02:37:49.073" v="318" actId="26606"/>
+          <ac:spMkLst>
+            <pc:docMk/>
+            <pc:sldMk cId="862816865" sldId="350"/>
+            <ac:spMk id="7" creationId="{094AE341-0747-4E74-8674-2A487B1CDB67}"/>
+          </ac:spMkLst>
+        </pc:spChg>
+        <pc:spChg chg="mod">
+          <ac:chgData name="Stuart Miller" userId="eef9e874-669a-4875-a100-91d0a03487e0" providerId="ADAL" clId="{0CC54A76-4662-4914-A334-F2A0D6CC94D8}" dt="2020-03-20T02:37:49.073" v="318" actId="26606"/>
+          <ac:spMkLst>
+            <pc:docMk/>
+            <pc:sldMk cId="862816865" sldId="350"/>
+            <ac:spMk id="9" creationId="{13A96D5A-EE31-4B1B-81E1-6267FCA976CE}"/>
+          </ac:spMkLst>
+        </pc:spChg>
+        <pc:spChg chg="add mod">
+          <ac:chgData name="Stuart Miller" userId="eef9e874-669a-4875-a100-91d0a03487e0" providerId="ADAL" clId="{0CC54A76-4662-4914-A334-F2A0D6CC94D8}" dt="2020-03-20T02:37:49.073" v="318" actId="26606"/>
+          <ac:spMkLst>
+            <pc:docMk/>
+            <pc:sldMk cId="862816865" sldId="350"/>
+            <ac:spMk id="11" creationId="{3B55566D-D7B0-443E-AEF9-900CBF6CDEBD}"/>
+          </ac:spMkLst>
+        </pc:spChg>
+        <pc:spChg chg="add del">
+          <ac:chgData name="Stuart Miller" userId="eef9e874-669a-4875-a100-91d0a03487e0" providerId="ADAL" clId="{0CC54A76-4662-4914-A334-F2A0D6CC94D8}" dt="2020-03-20T02:37:49.073" v="318" actId="26606"/>
+          <ac:spMkLst>
+            <pc:docMk/>
+            <pc:sldMk cId="862816865" sldId="350"/>
+            <ac:spMk id="21" creationId="{A4AC5506-6312-4701-8D3C-40187889A947}"/>
+          </ac:spMkLst>
+        </pc:spChg>
+        <pc:spChg chg="add del">
+          <ac:chgData name="Stuart Miller" userId="eef9e874-669a-4875-a100-91d0a03487e0" providerId="ADAL" clId="{0CC54A76-4662-4914-A334-F2A0D6CC94D8}" dt="2020-03-20T02:37:49.073" v="318" actId="26606"/>
+          <ac:spMkLst>
+            <pc:docMk/>
+            <pc:sldMk cId="862816865" sldId="350"/>
+            <ac:spMk id="23" creationId="{C4E4288A-DFC8-40A2-90E5-70E851A933AD}"/>
+          </ac:spMkLst>
+        </pc:spChg>
+        <pc:spChg chg="add del">
+          <ac:chgData name="Stuart Miller" userId="eef9e874-669a-4875-a100-91d0a03487e0" providerId="ADAL" clId="{0CC54A76-4662-4914-A334-F2A0D6CC94D8}" dt="2020-03-20T02:37:49.073" v="318" actId="26606"/>
+          <ac:spMkLst>
+            <pc:docMk/>
+            <pc:sldMk cId="862816865" sldId="350"/>
+            <ac:spMk id="24" creationId="{A94A2FC9-6D19-473C-B868-99FDB2044AA9}"/>
+          </ac:spMkLst>
+        </pc:spChg>
+        <pc:spChg chg="add del">
+          <ac:chgData name="Stuart Miller" userId="eef9e874-669a-4875-a100-91d0a03487e0" providerId="ADAL" clId="{0CC54A76-4662-4914-A334-F2A0D6CC94D8}" dt="2020-03-20T02:37:49.073" v="318" actId="26606"/>
+          <ac:spMkLst>
+            <pc:docMk/>
+            <pc:sldMk cId="862816865" sldId="350"/>
+            <ac:spMk id="30" creationId="{8BED0409-854E-49C4-876E-A78C6D881BC8}"/>
+          </ac:spMkLst>
+        </pc:spChg>
+        <pc:spChg chg="add del">
+          <ac:chgData name="Stuart Miller" userId="eef9e874-669a-4875-a100-91d0a03487e0" providerId="ADAL" clId="{0CC54A76-4662-4914-A334-F2A0D6CC94D8}" dt="2020-03-20T02:37:49.073" v="318" actId="26606"/>
+          <ac:spMkLst>
+            <pc:docMk/>
+            <pc:sldMk cId="862816865" sldId="350"/>
+            <ac:spMk id="32" creationId="{D4340B2E-01FD-4F5D-9C4D-AD3923AD20BA}"/>
+          </ac:spMkLst>
+        </pc:spChg>
+        <pc:picChg chg="add mod ord">
+          <ac:chgData name="Stuart Miller" userId="eef9e874-669a-4875-a100-91d0a03487e0" providerId="ADAL" clId="{0CC54A76-4662-4914-A334-F2A0D6CC94D8}" dt="2020-03-20T02:37:49.073" v="318" actId="26606"/>
+          <ac:picMkLst>
+            <pc:docMk/>
+            <pc:sldMk cId="862816865" sldId="350"/>
+            <ac:picMk id="3" creationId="{EAA83FC5-D7A0-4A8A-9816-983ADA5C2C3A}"/>
+          </ac:picMkLst>
+        </pc:picChg>
+        <pc:picChg chg="add del">
+          <ac:chgData name="Stuart Miller" userId="eef9e874-669a-4875-a100-91d0a03487e0" providerId="ADAL" clId="{0CC54A76-4662-4914-A334-F2A0D6CC94D8}" dt="2020-03-20T02:04:38.690" v="202" actId="478"/>
+          <ac:picMkLst>
+            <pc:docMk/>
+            <pc:sldMk cId="862816865" sldId="350"/>
+            <ac:picMk id="5" creationId="{A6967F55-D459-43EC-9FAF-C94ADBD84193}"/>
+          </ac:picMkLst>
+        </pc:picChg>
+        <pc:picChg chg="add mod">
+          <ac:chgData name="Stuart Miller" userId="eef9e874-669a-4875-a100-91d0a03487e0" providerId="ADAL" clId="{0CC54A76-4662-4914-A334-F2A0D6CC94D8}" dt="2020-03-20T02:37:49.073" v="318" actId="26606"/>
+          <ac:picMkLst>
+            <pc:docMk/>
+            <pc:sldMk cId="862816865" sldId="350"/>
+            <ac:picMk id="6" creationId="{2F9E95D7-EDF3-4E8C-8CAC-91EA3F5F0CBF}"/>
+          </ac:picMkLst>
+        </pc:picChg>
+        <pc:picChg chg="add mod ord">
+          <ac:chgData name="Stuart Miller" userId="eef9e874-669a-4875-a100-91d0a03487e0" providerId="ADAL" clId="{0CC54A76-4662-4914-A334-F2A0D6CC94D8}" dt="2020-03-20T02:38:12.008" v="321" actId="14100"/>
+          <ac:picMkLst>
+            <pc:docMk/>
+            <pc:sldMk cId="862816865" sldId="350"/>
+            <ac:picMk id="8" creationId="{5FFFFAE6-9BF2-4CBD-9A78-286380835909}"/>
+          </ac:picMkLst>
+        </pc:picChg>
+        <pc:picChg chg="add del">
+          <ac:chgData name="Stuart Miller" userId="eef9e874-669a-4875-a100-91d0a03487e0" providerId="ADAL" clId="{0CC54A76-4662-4914-A334-F2A0D6CC94D8}" dt="2020-03-20T02:05:09.880" v="205" actId="478"/>
+          <ac:picMkLst>
+            <pc:docMk/>
+            <pc:sldMk cId="862816865" sldId="350"/>
+            <ac:picMk id="13" creationId="{766090BA-1837-4B61-B00A-13E5120F0BBD}"/>
+          </ac:picMkLst>
+        </pc:picChg>
+      </pc:sldChg>
+      <pc:sldChg chg="addSp delSp modSp mod delAnim modAnim">
+        <pc:chgData name="Stuart Miller" userId="eef9e874-669a-4875-a100-91d0a03487e0" providerId="ADAL" clId="{0CC54A76-4662-4914-A334-F2A0D6CC94D8}" dt="2020-03-20T02:22:47.094" v="282"/>
+        <pc:sldMkLst>
+          <pc:docMk/>
+          <pc:sldMk cId="2203466774" sldId="351"/>
+        </pc:sldMkLst>
+        <pc:picChg chg="del">
+          <ac:chgData name="Stuart Miller" userId="eef9e874-669a-4875-a100-91d0a03487e0" providerId="ADAL" clId="{0CC54A76-4662-4914-A334-F2A0D6CC94D8}" dt="2020-03-20T02:10:45.105" v="237" actId="478"/>
+          <ac:picMkLst>
+            <pc:docMk/>
+            <pc:sldMk cId="2203466774" sldId="351"/>
+            <ac:picMk id="3" creationId="{FE30C285-D0D1-4407-A741-B5EE4DCF7AC6}"/>
+          </ac:picMkLst>
+        </pc:picChg>
+        <pc:picChg chg="add mod">
+          <ac:chgData name="Stuart Miller" userId="eef9e874-669a-4875-a100-91d0a03487e0" providerId="ADAL" clId="{0CC54A76-4662-4914-A334-F2A0D6CC94D8}" dt="2020-03-20T02:12:08.357" v="242" actId="1076"/>
+          <ac:picMkLst>
+            <pc:docMk/>
+            <pc:sldMk cId="2203466774" sldId="351"/>
+            <ac:picMk id="5" creationId="{BC829FBC-895C-483D-A53E-0C9028858002}"/>
+          </ac:picMkLst>
+        </pc:picChg>
+        <pc:picChg chg="add mod">
+          <ac:chgData name="Stuart Miller" userId="eef9e874-669a-4875-a100-91d0a03487e0" providerId="ADAL" clId="{0CC54A76-4662-4914-A334-F2A0D6CC94D8}" dt="2020-03-20T02:17:50.443" v="258" actId="1076"/>
+          <ac:picMkLst>
+            <pc:docMk/>
+            <pc:sldMk cId="2203466774" sldId="351"/>
+            <ac:picMk id="6" creationId="{D743B2F8-803B-47FB-9698-4B01804192E6}"/>
+          </ac:picMkLst>
+        </pc:picChg>
+        <pc:picChg chg="del">
+          <ac:chgData name="Stuart Miller" userId="eef9e874-669a-4875-a100-91d0a03487e0" providerId="ADAL" clId="{0CC54A76-4662-4914-A334-F2A0D6CC94D8}" dt="2020-03-20T02:10:44.380" v="236" actId="478"/>
+          <ac:picMkLst>
+            <pc:docMk/>
+            <pc:sldMk cId="2203466774" sldId="351"/>
+            <ac:picMk id="7" creationId="{DBD16A37-9C54-43BE-9BE0-E5AD3E71EA59}"/>
+          </ac:picMkLst>
+        </pc:picChg>
+        <pc:picChg chg="del">
+          <ac:chgData name="Stuart Miller" userId="eef9e874-669a-4875-a100-91d0a03487e0" providerId="ADAL" clId="{0CC54A76-4662-4914-A334-F2A0D6CC94D8}" dt="2020-03-20T02:10:43.639" v="235" actId="478"/>
+          <ac:picMkLst>
+            <pc:docMk/>
+            <pc:sldMk cId="2203466774" sldId="351"/>
+            <ac:picMk id="8" creationId="{A585322B-56DB-4BCA-BDF0-9085ECC8F655}"/>
+          </ac:picMkLst>
+        </pc:picChg>
+        <pc:picChg chg="del">
+          <ac:chgData name="Stuart Miller" userId="eef9e874-669a-4875-a100-91d0a03487e0" providerId="ADAL" clId="{0CC54A76-4662-4914-A334-F2A0D6CC94D8}" dt="2020-03-20T02:10:40.586" v="234" actId="478"/>
+          <ac:picMkLst>
+            <pc:docMk/>
+            <pc:sldMk cId="2203466774" sldId="351"/>
+            <ac:picMk id="10" creationId="{77DD988E-962A-47F2-8743-5A35F2B5A851}"/>
+          </ac:picMkLst>
+        </pc:picChg>
+        <pc:picChg chg="del">
+          <ac:chgData name="Stuart Miller" userId="eef9e874-669a-4875-a100-91d0a03487e0" providerId="ADAL" clId="{0CC54A76-4662-4914-A334-F2A0D6CC94D8}" dt="2020-03-20T02:10:46.831" v="239" actId="478"/>
+          <ac:picMkLst>
+            <pc:docMk/>
+            <pc:sldMk cId="2203466774" sldId="351"/>
+            <ac:picMk id="11" creationId="{05650EE9-C11C-429F-9EBB-34386B0A2B8D}"/>
+          </ac:picMkLst>
+        </pc:picChg>
+        <pc:picChg chg="del">
+          <ac:chgData name="Stuart Miller" userId="eef9e874-669a-4875-a100-91d0a03487e0" providerId="ADAL" clId="{0CC54A76-4662-4914-A334-F2A0D6CC94D8}" dt="2020-03-20T02:10:45.983" v="238" actId="478"/>
+          <ac:picMkLst>
+            <pc:docMk/>
+            <pc:sldMk cId="2203466774" sldId="351"/>
+            <ac:picMk id="12" creationId="{42380A93-5946-496A-9390-87A169BF6E1D}"/>
+          </ac:picMkLst>
+        </pc:picChg>
+        <pc:picChg chg="add mod">
+          <ac:chgData name="Stuart Miller" userId="eef9e874-669a-4875-a100-91d0a03487e0" providerId="ADAL" clId="{0CC54A76-4662-4914-A334-F2A0D6CC94D8}" dt="2020-03-20T02:20:22.852" v="269" actId="1076"/>
+          <ac:picMkLst>
+            <pc:docMk/>
+            <pc:sldMk cId="2203466774" sldId="351"/>
+            <ac:picMk id="13" creationId="{7F018434-79CE-4E1D-BBA3-F1667551B68F}"/>
+          </ac:picMkLst>
+        </pc:picChg>
+        <pc:picChg chg="add mod">
+          <ac:chgData name="Stuart Miller" userId="eef9e874-669a-4875-a100-91d0a03487e0" providerId="ADAL" clId="{0CC54A76-4662-4914-A334-F2A0D6CC94D8}" dt="2020-03-20T02:20:52.748" v="273" actId="14100"/>
+          <ac:picMkLst>
+            <pc:docMk/>
+            <pc:sldMk cId="2203466774" sldId="351"/>
+            <ac:picMk id="14" creationId="{80492B61-25F9-4407-912C-813DAAE1C41C}"/>
+          </ac:picMkLst>
+        </pc:picChg>
+        <pc:picChg chg="add mod">
+          <ac:chgData name="Stuart Miller" userId="eef9e874-669a-4875-a100-91d0a03487e0" providerId="ADAL" clId="{0CC54A76-4662-4914-A334-F2A0D6CC94D8}" dt="2020-03-20T02:22:25.208" v="280" actId="1076"/>
+          <ac:picMkLst>
+            <pc:docMk/>
+            <pc:sldMk cId="2203466774" sldId="351"/>
+            <ac:picMk id="15" creationId="{ACCBF236-FBB4-479A-9306-EAD61E4A4C75}"/>
+          </ac:picMkLst>
+        </pc:picChg>
+      </pc:sldChg>
+      <pc:sldChg chg="del">
+        <pc:chgData name="Stuart Miller" userId="eef9e874-669a-4875-a100-91d0a03487e0" providerId="ADAL" clId="{0CC54A76-4662-4914-A334-F2A0D6CC94D8}" dt="2020-03-20T01:36:16.571" v="50" actId="47"/>
+        <pc:sldMkLst>
+          <pc:docMk/>
+          <pc:sldMk cId="3362703317" sldId="352"/>
+        </pc:sldMkLst>
+      </pc:sldChg>
+      <pc:sldChg chg="addSp delSp modSp mod delAnim modAnim">
+        <pc:chgData name="Stuart Miller" userId="eef9e874-669a-4875-a100-91d0a03487e0" providerId="ADAL" clId="{0CC54A76-4662-4914-A334-F2A0D6CC94D8}" dt="2020-03-20T02:50:14.504" v="355"/>
+        <pc:sldMkLst>
+          <pc:docMk/>
+          <pc:sldMk cId="4167825555" sldId="353"/>
+        </pc:sldMkLst>
+        <pc:grpChg chg="ord">
+          <ac:chgData name="Stuart Miller" userId="eef9e874-669a-4875-a100-91d0a03487e0" providerId="ADAL" clId="{0CC54A76-4662-4914-A334-F2A0D6CC94D8}" dt="2020-03-20T02:45:04.668" v="339" actId="167"/>
+          <ac:grpSpMkLst>
+            <pc:docMk/>
+            <pc:sldMk cId="4167825555" sldId="353"/>
+            <ac:grpSpMk id="11" creationId="{D6A5462E-8CE3-4922-9382-BD91F4AD3E7E}"/>
+          </ac:grpSpMkLst>
+        </pc:grpChg>
+        <pc:grpChg chg="ord">
+          <ac:chgData name="Stuart Miller" userId="eef9e874-669a-4875-a100-91d0a03487e0" providerId="ADAL" clId="{0CC54A76-4662-4914-A334-F2A0D6CC94D8}" dt="2020-03-20T02:45:02.027" v="338" actId="167"/>
+          <ac:grpSpMkLst>
+            <pc:docMk/>
+            <pc:sldMk cId="4167825555" sldId="353"/>
+            <ac:grpSpMk id="13" creationId="{46870159-3E77-4699-BB22-B195D1924997}"/>
+          </ac:grpSpMkLst>
+        </pc:grpChg>
+        <pc:graphicFrameChg chg="add del">
+          <ac:chgData name="Stuart Miller" userId="eef9e874-669a-4875-a100-91d0a03487e0" providerId="ADAL" clId="{0CC54A76-4662-4914-A334-F2A0D6CC94D8}" dt="2020-03-20T02:49:38.398" v="345"/>
+          <ac:graphicFrameMkLst>
+            <pc:docMk/>
+            <pc:sldMk cId="4167825555" sldId="353"/>
+            <ac:graphicFrameMk id="5" creationId="{6127701B-C309-4A7C-8B5B-CDCD18BCCE12}"/>
+          </ac:graphicFrameMkLst>
+        </pc:graphicFrameChg>
+        <pc:picChg chg="add mod">
+          <ac:chgData name="Stuart Miller" userId="eef9e874-669a-4875-a100-91d0a03487e0" providerId="ADAL" clId="{0CC54A76-4662-4914-A334-F2A0D6CC94D8}" dt="2020-03-20T02:49:57.625" v="352" actId="1076"/>
+          <ac:picMkLst>
+            <pc:docMk/>
+            <pc:sldMk cId="4167825555" sldId="353"/>
+            <ac:picMk id="6" creationId="{51E02C03-971A-47A2-83F2-8AABE539D409}"/>
+          </ac:picMkLst>
+        </pc:picChg>
+        <pc:picChg chg="del">
+          <ac:chgData name="Stuart Miller" userId="eef9e874-669a-4875-a100-91d0a03487e0" providerId="ADAL" clId="{0CC54A76-4662-4914-A334-F2A0D6CC94D8}" dt="2020-03-20T02:49:50.054" v="351" actId="478"/>
+          <ac:picMkLst>
+            <pc:docMk/>
+            <pc:sldMk cId="4167825555" sldId="353"/>
+            <ac:picMk id="8" creationId="{4AF008D6-D254-4E08-B77B-56C45F0C14B4}"/>
+          </ac:picMkLst>
+        </pc:picChg>
+      </pc:sldChg>
+      <pc:sldChg chg="addSp delSp modSp mod delAnim modAnim">
+        <pc:chgData name="Stuart Miller" userId="eef9e874-669a-4875-a100-91d0a03487e0" providerId="ADAL" clId="{0CC54A76-4662-4914-A334-F2A0D6CC94D8}" dt="2020-03-20T02:43:53.311" v="337"/>
+        <pc:sldMkLst>
+          <pc:docMk/>
+          <pc:sldMk cId="3811326482" sldId="355"/>
+        </pc:sldMkLst>
+        <pc:spChg chg="add del mod">
+          <ac:chgData name="Stuart Miller" userId="eef9e874-669a-4875-a100-91d0a03487e0" providerId="ADAL" clId="{0CC54A76-4662-4914-A334-F2A0D6CC94D8}" dt="2020-03-20T01:46:19.331" v="121" actId="478"/>
+          <ac:spMkLst>
+            <pc:docMk/>
+            <pc:sldMk cId="3811326482" sldId="355"/>
+            <ac:spMk id="5" creationId="{9DD07DA0-1E36-4241-B0D1-0C2F11395DAF}"/>
+          </ac:spMkLst>
+        </pc:spChg>
+        <pc:spChg chg="add mod">
+          <ac:chgData name="Stuart Miller" userId="eef9e874-669a-4875-a100-91d0a03487e0" providerId="ADAL" clId="{0CC54A76-4662-4914-A334-F2A0D6CC94D8}" dt="2020-03-20T01:46:57.623" v="144" actId="1038"/>
+          <ac:spMkLst>
+            <pc:docMk/>
+            <pc:sldMk cId="3811326482" sldId="355"/>
+            <ac:spMk id="6" creationId="{52E00BE3-78C2-4AB5-A960-2EA8F26FD48D}"/>
+          </ac:spMkLst>
+        </pc:spChg>
+        <pc:spChg chg="topLvl">
+          <ac:chgData name="Stuart Miller" userId="eef9e874-669a-4875-a100-91d0a03487e0" providerId="ADAL" clId="{0CC54A76-4662-4914-A334-F2A0D6CC94D8}" dt="2020-03-20T01:35:41.243" v="37" actId="478"/>
+          <ac:spMkLst>
+            <pc:docMk/>
+            <pc:sldMk cId="3811326482" sldId="355"/>
+            <ac:spMk id="8" creationId="{FA24CC33-DE8A-4AE8-9AC3-1F44D10BE808}"/>
+          </ac:spMkLst>
+        </pc:spChg>
+        <pc:spChg chg="add mod">
+          <ac:chgData name="Stuart Miller" userId="eef9e874-669a-4875-a100-91d0a03487e0" providerId="ADAL" clId="{0CC54A76-4662-4914-A334-F2A0D6CC94D8}" dt="2020-03-20T01:48:23.317" v="171" actId="1036"/>
+          <ac:spMkLst>
+            <pc:docMk/>
+            <pc:sldMk cId="3811326482" sldId="355"/>
+            <ac:spMk id="10" creationId="{6A9843B5-FDDA-461E-B426-D3E601214057}"/>
+          </ac:spMkLst>
+        </pc:spChg>
+        <pc:spChg chg="mod topLvl">
+          <ac:chgData name="Stuart Miller" userId="eef9e874-669a-4875-a100-91d0a03487e0" providerId="ADAL" clId="{0CC54A76-4662-4914-A334-F2A0D6CC94D8}" dt="2020-03-20T01:46:12.587" v="120" actId="1076"/>
+          <ac:spMkLst>
+            <pc:docMk/>
+            <pc:sldMk cId="3811326482" sldId="355"/>
+            <ac:spMk id="11" creationId="{AAC64673-D39D-4FBC-BECD-F837B953CBF8}"/>
+          </ac:spMkLst>
+        </pc:spChg>
+        <pc:spChg chg="add mod">
+          <ac:chgData name="Stuart Miller" userId="eef9e874-669a-4875-a100-91d0a03487e0" providerId="ADAL" clId="{0CC54A76-4662-4914-A334-F2A0D6CC94D8}" dt="2020-03-20T01:35:57.259" v="48" actId="1036"/>
+          <ac:spMkLst>
+            <pc:docMk/>
+            <pc:sldMk cId="3811326482" sldId="355"/>
+            <ac:spMk id="17" creationId="{8BDEB7E0-E631-43C6-86CF-170A6BF4DE8B}"/>
+          </ac:spMkLst>
+        </pc:spChg>
+        <pc:spChg chg="add mod">
+          <ac:chgData name="Stuart Miller" userId="eef9e874-669a-4875-a100-91d0a03487e0" providerId="ADAL" clId="{0CC54A76-4662-4914-A334-F2A0D6CC94D8}" dt="2020-03-20T01:48:28.895" v="172" actId="1076"/>
+          <ac:spMkLst>
+            <pc:docMk/>
+            <pc:sldMk cId="3811326482" sldId="355"/>
+            <ac:spMk id="18" creationId="{66EB3503-0C99-43A0-856B-E9FAE33134B1}"/>
+          </ac:spMkLst>
+        </pc:spChg>
+        <pc:spChg chg="add mod">
+          <ac:chgData name="Stuart Miller" userId="eef9e874-669a-4875-a100-91d0a03487e0" providerId="ADAL" clId="{0CC54A76-4662-4914-A334-F2A0D6CC94D8}" dt="2020-03-20T01:45:54.493" v="119" actId="1076"/>
+          <ac:spMkLst>
+            <pc:docMk/>
+            <pc:sldMk cId="3811326482" sldId="355"/>
+            <ac:spMk id="19" creationId="{BE679E07-A016-428B-87A4-A139525F375F}"/>
+          </ac:spMkLst>
+        </pc:spChg>
+        <pc:spChg chg="add mod">
+          <ac:chgData name="Stuart Miller" userId="eef9e874-669a-4875-a100-91d0a03487e0" providerId="ADAL" clId="{0CC54A76-4662-4914-A334-F2A0D6CC94D8}" dt="2020-03-20T01:48:47.903" v="176" actId="1076"/>
+          <ac:spMkLst>
+            <pc:docMk/>
+            <pc:sldMk cId="3811326482" sldId="355"/>
+            <ac:spMk id="20" creationId="{50FBD282-1380-4F72-A2C0-7273B1265705}"/>
+          </ac:spMkLst>
+        </pc:spChg>
+        <pc:spChg chg="add mod">
+          <ac:chgData name="Stuart Miller" userId="eef9e874-669a-4875-a100-91d0a03487e0" providerId="ADAL" clId="{0CC54A76-4662-4914-A334-F2A0D6CC94D8}" dt="2020-03-20T02:35:55.465" v="303" actId="13926"/>
+          <ac:spMkLst>
+            <pc:docMk/>
+            <pc:sldMk cId="3811326482" sldId="355"/>
+            <ac:spMk id="22" creationId="{CDA6EC82-6EF0-4F48-89F4-5A18B7943B62}"/>
+          </ac:spMkLst>
+        </pc:spChg>
+        <pc:grpChg chg="del">
+          <ac:chgData name="Stuart Miller" userId="eef9e874-669a-4875-a100-91d0a03487e0" providerId="ADAL" clId="{0CC54A76-4662-4914-A334-F2A0D6CC94D8}" dt="2020-03-20T01:35:41.243" v="37" actId="478"/>
+          <ac:grpSpMkLst>
+            <pc:docMk/>
+            <pc:sldMk cId="3811326482" sldId="355"/>
+            <ac:grpSpMk id="9" creationId="{D441619C-1A97-4ACD-BF1E-5750BC4F1E8E}"/>
+          </ac:grpSpMkLst>
+        </pc:grpChg>
+        <pc:grpChg chg="del">
+          <ac:chgData name="Stuart Miller" userId="eef9e874-669a-4875-a100-91d0a03487e0" providerId="ADAL" clId="{0CC54A76-4662-4914-A334-F2A0D6CC94D8}" dt="2020-03-20T01:35:39.748" v="36" actId="478"/>
+          <ac:grpSpMkLst>
+            <pc:docMk/>
+            <pc:sldMk cId="3811326482" sldId="355"/>
+            <ac:grpSpMk id="12" creationId="{A87F932B-123E-45ED-9972-131EBB7EA684}"/>
+          </ac:grpSpMkLst>
+        </pc:grpChg>
+        <pc:picChg chg="del topLvl">
+          <ac:chgData name="Stuart Miller" userId="eef9e874-669a-4875-a100-91d0a03487e0" providerId="ADAL" clId="{0CC54A76-4662-4914-A334-F2A0D6CC94D8}" dt="2020-03-20T01:35:41.243" v="37" actId="478"/>
+          <ac:picMkLst>
+            <pc:docMk/>
+            <pc:sldMk cId="3811326482" sldId="355"/>
+            <ac:picMk id="3" creationId="{78B309D7-9248-4FD2-B041-5C6BD2D0158D}"/>
+          </ac:picMkLst>
+        </pc:picChg>
+        <pc:picChg chg="del topLvl">
+          <ac:chgData name="Stuart Miller" userId="eef9e874-669a-4875-a100-91d0a03487e0" providerId="ADAL" clId="{0CC54A76-4662-4914-A334-F2A0D6CC94D8}" dt="2020-03-20T01:35:39.748" v="36" actId="478"/>
+          <ac:picMkLst>
+            <pc:docMk/>
+            <pc:sldMk cId="3811326482" sldId="355"/>
+            <ac:picMk id="7" creationId="{B8F935D8-0B03-4A4B-8D2F-E2EAA32FC40F}"/>
+          </ac:picMkLst>
+        </pc:picChg>
+        <pc:picChg chg="add del mod">
+          <ac:chgData name="Stuart Miller" userId="eef9e874-669a-4875-a100-91d0a03487e0" providerId="ADAL" clId="{0CC54A76-4662-4914-A334-F2A0D6CC94D8}" dt="2020-03-20T01:42:23.660" v="93" actId="478"/>
+          <ac:picMkLst>
+            <pc:docMk/>
+            <pc:sldMk cId="3811326482" sldId="355"/>
+            <ac:picMk id="13" creationId="{2D8E2790-87EC-447E-ACFE-FB2234B2BA94}"/>
+          </ac:picMkLst>
+        </pc:picChg>
+        <pc:picChg chg="add del mod">
+          <ac:chgData name="Stuart Miller" userId="eef9e874-669a-4875-a100-91d0a03487e0" providerId="ADAL" clId="{0CC54A76-4662-4914-A334-F2A0D6CC94D8}" dt="2020-03-20T01:45:26.695" v="112" actId="478"/>
+          <ac:picMkLst>
+            <pc:docMk/>
+            <pc:sldMk cId="3811326482" sldId="355"/>
+            <ac:picMk id="14" creationId="{5BE7A340-4910-455B-BED0-4975572B107A}"/>
+          </ac:picMkLst>
+        </pc:picChg>
+        <pc:picChg chg="add mod">
+          <ac:chgData name="Stuart Miller" userId="eef9e874-669a-4875-a100-91d0a03487e0" providerId="ADAL" clId="{0CC54A76-4662-4914-A334-F2A0D6CC94D8}" dt="2020-03-20T01:45:45.663" v="118" actId="1076"/>
+          <ac:picMkLst>
+            <pc:docMk/>
+            <pc:sldMk cId="3811326482" sldId="355"/>
+            <ac:picMk id="15" creationId="{B790A404-6356-4AE6-817D-6CFA876B3514}"/>
+          </ac:picMkLst>
+        </pc:picChg>
+        <pc:picChg chg="add mod">
+          <ac:chgData name="Stuart Miller" userId="eef9e874-669a-4875-a100-91d0a03487e0" providerId="ADAL" clId="{0CC54A76-4662-4914-A334-F2A0D6CC94D8}" dt="2020-03-20T02:40:40.438" v="330" actId="1076"/>
+          <ac:picMkLst>
+            <pc:docMk/>
+            <pc:sldMk cId="3811326482" sldId="355"/>
+            <ac:picMk id="16" creationId="{51893E36-B1FC-49B4-B37C-C6C8838C73F9}"/>
+          </ac:picMkLst>
+        </pc:picChg>
+        <pc:picChg chg="add del mod">
+          <ac:chgData name="Stuart Miller" userId="eef9e874-669a-4875-a100-91d0a03487e0" providerId="ADAL" clId="{0CC54A76-4662-4914-A334-F2A0D6CC94D8}" dt="2020-03-20T02:38:22.047" v="322" actId="478"/>
+          <ac:picMkLst>
+            <pc:docMk/>
+            <pc:sldMk cId="3811326482" sldId="355"/>
+            <ac:picMk id="23" creationId="{A650B3A8-7E57-487C-9E50-CC6EF1584559}"/>
+          </ac:picMkLst>
+        </pc:picChg>
+        <pc:picChg chg="add mod">
+          <ac:chgData name="Stuart Miller" userId="eef9e874-669a-4875-a100-91d0a03487e0" providerId="ADAL" clId="{0CC54A76-4662-4914-A334-F2A0D6CC94D8}" dt="2020-03-20T02:40:20.952" v="329" actId="14100"/>
+          <ac:picMkLst>
+            <pc:docMk/>
+            <pc:sldMk cId="3811326482" sldId="355"/>
+            <ac:picMk id="24" creationId="{19E76B27-8BF2-4AF1-B9B0-9F958E2B728E}"/>
+          </ac:picMkLst>
+        </pc:picChg>
+      </pc:sldChg>
+      <pc:sldChg chg="addSp delSp modSp mod delAnim modAnim">
+        <pc:chgData name="Stuart Miller" userId="eef9e874-669a-4875-a100-91d0a03487e0" providerId="ADAL" clId="{0CC54A76-4662-4914-A334-F2A0D6CC94D8}" dt="2020-03-20T02:54:34.391" v="373"/>
+        <pc:sldMkLst>
+          <pc:docMk/>
+          <pc:sldMk cId="3955012381" sldId="356"/>
+        </pc:sldMkLst>
+        <pc:grpChg chg="ord">
+          <ac:chgData name="Stuart Miller" userId="eef9e874-669a-4875-a100-91d0a03487e0" providerId="ADAL" clId="{0CC54A76-4662-4914-A334-F2A0D6CC94D8}" dt="2020-03-20T02:52:02.029" v="357" actId="167"/>
+          <ac:grpSpMkLst>
+            <pc:docMk/>
+            <pc:sldMk cId="3955012381" sldId="356"/>
+            <ac:grpSpMk id="11" creationId="{D6A5462E-8CE3-4922-9382-BD91F4AD3E7E}"/>
+          </ac:grpSpMkLst>
+        </pc:grpChg>
+        <pc:grpChg chg="ord">
+          <ac:chgData name="Stuart Miller" userId="eef9e874-669a-4875-a100-91d0a03487e0" providerId="ADAL" clId="{0CC54A76-4662-4914-A334-F2A0D6CC94D8}" dt="2020-03-20T02:52:00.371" v="356" actId="167"/>
+          <ac:grpSpMkLst>
+            <pc:docMk/>
+            <pc:sldMk cId="3955012381" sldId="356"/>
+            <ac:grpSpMk id="13" creationId="{46870159-3E77-4699-BB22-B195D1924997}"/>
+          </ac:grpSpMkLst>
+        </pc:grpChg>
+        <pc:graphicFrameChg chg="add del">
+          <ac:chgData name="Stuart Miller" userId="eef9e874-669a-4875-a100-91d0a03487e0" providerId="ADAL" clId="{0CC54A76-4662-4914-A334-F2A0D6CC94D8}" dt="2020-03-20T02:54:07.980" v="363"/>
+          <ac:graphicFrameMkLst>
+            <pc:docMk/>
+            <pc:sldMk cId="3955012381" sldId="356"/>
+            <ac:graphicFrameMk id="5" creationId="{69417936-6719-44DC-8AED-7BA8FD8F3FF3}"/>
+          </ac:graphicFrameMkLst>
+        </pc:graphicFrameChg>
+        <pc:picChg chg="add mod">
+          <ac:chgData name="Stuart Miller" userId="eef9e874-669a-4875-a100-91d0a03487e0" providerId="ADAL" clId="{0CC54A76-4662-4914-A334-F2A0D6CC94D8}" dt="2020-03-20T02:54:23.475" v="370" actId="1076"/>
+          <ac:picMkLst>
+            <pc:docMk/>
+            <pc:sldMk cId="3955012381" sldId="356"/>
+            <ac:picMk id="6" creationId="{A1E7AFCE-3B19-4124-A4DE-1494224739B8}"/>
+          </ac:picMkLst>
+        </pc:picChg>
+        <pc:picChg chg="del">
+          <ac:chgData name="Stuart Miller" userId="eef9e874-669a-4875-a100-91d0a03487e0" providerId="ADAL" clId="{0CC54A76-4662-4914-A334-F2A0D6CC94D8}" dt="2020-03-20T02:54:20.399" v="369" actId="478"/>
+          <ac:picMkLst>
+            <pc:docMk/>
+            <pc:sldMk cId="3955012381" sldId="356"/>
+            <ac:picMk id="8" creationId="{4AF008D6-D254-4E08-B77B-56C45F0C14B4}"/>
+          </ac:picMkLst>
+        </pc:picChg>
+      </pc:sldChg>
+      <pc:sldChg chg="addSp delSp modSp mod">
+        <pc:chgData name="Stuart Miller" userId="eef9e874-669a-4875-a100-91d0a03487e0" providerId="ADAL" clId="{0CC54A76-4662-4914-A334-F2A0D6CC94D8}" dt="2020-03-20T01:35:10.856" v="35" actId="167"/>
+        <pc:sldMkLst>
+          <pc:docMk/>
+          <pc:sldMk cId="4004435357" sldId="357"/>
+        </pc:sldMkLst>
+        <pc:picChg chg="del">
+          <ac:chgData name="Stuart Miller" userId="eef9e874-669a-4875-a100-91d0a03487e0" providerId="ADAL" clId="{0CC54A76-4662-4914-A334-F2A0D6CC94D8}" dt="2020-03-20T01:34:52.160" v="33" actId="478"/>
+          <ac:picMkLst>
+            <pc:docMk/>
+            <pc:sldMk cId="4004435357" sldId="357"/>
+            <ac:picMk id="5" creationId="{C5089AF2-8955-4DD4-B485-A50FCB027A4D}"/>
+          </ac:picMkLst>
+        </pc:picChg>
+        <pc:picChg chg="del">
+          <ac:chgData name="Stuart Miller" userId="eef9e874-669a-4875-a100-91d0a03487e0" providerId="ADAL" clId="{0CC54A76-4662-4914-A334-F2A0D6CC94D8}" dt="2020-03-20T01:34:51.558" v="32" actId="478"/>
+          <ac:picMkLst>
+            <pc:docMk/>
+            <pc:sldMk cId="4004435357" sldId="357"/>
+            <ac:picMk id="6" creationId="{11CED8C9-2143-4A74-851C-01A6914EF08C}"/>
+          </ac:picMkLst>
+        </pc:picChg>
+        <pc:picChg chg="add">
+          <ac:chgData name="Stuart Miller" userId="eef9e874-669a-4875-a100-91d0a03487e0" providerId="ADAL" clId="{0CC54A76-4662-4914-A334-F2A0D6CC94D8}" dt="2020-03-20T01:34:59.420" v="34"/>
+          <ac:picMkLst>
+            <pc:docMk/>
+            <pc:sldMk cId="4004435357" sldId="357"/>
+            <ac:picMk id="7" creationId="{89CEA17C-4483-483C-B76B-365A9A207DC5}"/>
+          </ac:picMkLst>
+        </pc:picChg>
+        <pc:picChg chg="add ord">
+          <ac:chgData name="Stuart Miller" userId="eef9e874-669a-4875-a100-91d0a03487e0" providerId="ADAL" clId="{0CC54A76-4662-4914-A334-F2A0D6CC94D8}" dt="2020-03-20T01:35:10.856" v="35" actId="167"/>
+          <ac:picMkLst>
+            <pc:docMk/>
+            <pc:sldMk cId="4004435357" sldId="357"/>
+            <ac:picMk id="8" creationId="{7786BF54-E029-4AE0-B396-1D752044546C}"/>
+          </ac:picMkLst>
+        </pc:picChg>
+      </pc:sldChg>
+      <pc:sldChg chg="addSp delSp modSp mod delAnim">
+        <pc:chgData name="Stuart Miller" userId="eef9e874-669a-4875-a100-91d0a03487e0" providerId="ADAL" clId="{0CC54A76-4662-4914-A334-F2A0D6CC94D8}" dt="2020-03-20T01:34:34.529" v="31" actId="20577"/>
+        <pc:sldMkLst>
+          <pc:docMk/>
+          <pc:sldMk cId="3770759415" sldId="358"/>
+        </pc:sldMkLst>
+        <pc:spChg chg="add mod">
+          <ac:chgData name="Stuart Miller" userId="eef9e874-669a-4875-a100-91d0a03487e0" providerId="ADAL" clId="{0CC54A76-4662-4914-A334-F2A0D6CC94D8}" dt="2020-03-20T01:34:34.529" v="31" actId="20577"/>
+          <ac:spMkLst>
+            <pc:docMk/>
+            <pc:sldMk cId="3770759415" sldId="358"/>
+            <ac:spMk id="11" creationId="{F477FEAE-6B6D-4D69-8FA7-037313320B10}"/>
+          </ac:spMkLst>
+        </pc:spChg>
+        <pc:grpChg chg="del">
+          <ac:chgData name="Stuart Miller" userId="eef9e874-669a-4875-a100-91d0a03487e0" providerId="ADAL" clId="{0CC54A76-4662-4914-A334-F2A0D6CC94D8}" dt="2020-03-20T01:34:07.396" v="9" actId="478"/>
+          <ac:grpSpMkLst>
+            <pc:docMk/>
+            <pc:sldMk cId="3770759415" sldId="358"/>
+            <ac:grpSpMk id="9" creationId="{A7B2A40B-A3B9-4887-B16C-BC6274073052}"/>
+          </ac:grpSpMkLst>
+        </pc:grpChg>
+        <pc:picChg chg="del">
+          <ac:chgData name="Stuart Miller" userId="eef9e874-669a-4875-a100-91d0a03487e0" providerId="ADAL" clId="{0CC54A76-4662-4914-A334-F2A0D6CC94D8}" dt="2020-03-20T01:34:06.490" v="8" actId="478"/>
+          <ac:picMkLst>
+            <pc:docMk/>
+            <pc:sldMk cId="3770759415" sldId="358"/>
+            <ac:picMk id="8" creationId="{3EFDAB55-C396-4F7D-A025-74631F512369}"/>
+          </ac:picMkLst>
+        </pc:picChg>
+        <pc:picChg chg="add">
+          <ac:chgData name="Stuart Miller" userId="eef9e874-669a-4875-a100-91d0a03487e0" providerId="ADAL" clId="{0CC54A76-4662-4914-A334-F2A0D6CC94D8}" dt="2020-03-20T01:34:13.859" v="10"/>
+          <ac:picMkLst>
+            <pc:docMk/>
+            <pc:sldMk cId="3770759415" sldId="358"/>
+            <ac:picMk id="10" creationId="{A40BEAAF-3B57-464E-86C7-83FED80568E8}"/>
+          </ac:picMkLst>
+        </pc:picChg>
+        <pc:picChg chg="add">
+          <ac:chgData name="Stuart Miller" userId="eef9e874-669a-4875-a100-91d0a03487e0" providerId="ADAL" clId="{0CC54A76-4662-4914-A334-F2A0D6CC94D8}" dt="2020-03-20T01:34:13.859" v="10"/>
+          <ac:picMkLst>
+            <pc:docMk/>
+            <pc:sldMk cId="3770759415" sldId="358"/>
+            <ac:picMk id="12" creationId="{B7E3983F-FD32-4573-83C5-810990CB6755}"/>
+          </ac:picMkLst>
+        </pc:picChg>
+      </pc:sldChg>
+      <pc:sldChg chg="addSp delSp add del mod setBg modAnim delDesignElem">
+        <pc:chgData name="Stuart Miller" userId="eef9e874-669a-4875-a100-91d0a03487e0" providerId="ADAL" clId="{0CC54A76-4662-4914-A334-F2A0D6CC94D8}" dt="2020-03-20T01:33:44.785" v="7"/>
+        <pc:sldMkLst>
+          <pc:docMk/>
+          <pc:sldMk cId="3456642097" sldId="359"/>
+        </pc:sldMkLst>
+        <pc:spChg chg="add del">
+          <ac:chgData name="Stuart Miller" userId="eef9e874-669a-4875-a100-91d0a03487e0" providerId="ADAL" clId="{0CC54A76-4662-4914-A334-F2A0D6CC94D8}" dt="2020-03-20T01:33:33.745" v="3"/>
+          <ac:spMkLst>
+            <pc:docMk/>
+            <pc:sldMk cId="3456642097" sldId="359"/>
+            <ac:spMk id="21" creationId="{A4AC5506-6312-4701-8D3C-40187889A947}"/>
+          </ac:spMkLst>
+        </pc:spChg>
+        <pc:picChg chg="del">
+          <ac:chgData name="Stuart Miller" userId="eef9e874-669a-4875-a100-91d0a03487e0" providerId="ADAL" clId="{0CC54A76-4662-4914-A334-F2A0D6CC94D8}" dt="2020-03-20T01:33:38.485" v="5" actId="478"/>
+          <ac:picMkLst>
+            <pc:docMk/>
+            <pc:sldMk cId="3456642097" sldId="359"/>
+            <ac:picMk id="5" creationId="{8A70FD03-1F3D-4680-9E5A-B7113A69956F}"/>
+          </ac:picMkLst>
+        </pc:picChg>
+        <pc:picChg chg="del">
+          <ac:chgData name="Stuart Miller" userId="eef9e874-669a-4875-a100-91d0a03487e0" providerId="ADAL" clId="{0CC54A76-4662-4914-A334-F2A0D6CC94D8}" dt="2020-03-20T01:33:39.313" v="6" actId="478"/>
+          <ac:picMkLst>
+            <pc:docMk/>
+            <pc:sldMk cId="3456642097" sldId="359"/>
+            <ac:picMk id="6" creationId="{35363BF3-E799-4C0B-BECD-EA19174E5783}"/>
+          </ac:picMkLst>
+        </pc:picChg>
+        <pc:picChg chg="add">
+          <ac:chgData name="Stuart Miller" userId="eef9e874-669a-4875-a100-91d0a03487e0" providerId="ADAL" clId="{0CC54A76-4662-4914-A334-F2A0D6CC94D8}" dt="2020-03-20T01:33:44.785" v="7"/>
+          <ac:picMkLst>
+            <pc:docMk/>
+            <pc:sldMk cId="3456642097" sldId="359"/>
+            <ac:picMk id="7" creationId="{CE60BB0B-F84D-4472-B157-AAA00E573A73}"/>
+          </ac:picMkLst>
+        </pc:picChg>
+        <pc:picChg chg="add">
+          <ac:chgData name="Stuart Miller" userId="eef9e874-669a-4875-a100-91d0a03487e0" providerId="ADAL" clId="{0CC54A76-4662-4914-A334-F2A0D6CC94D8}" dt="2020-03-20T01:33:44.785" v="7"/>
+          <ac:picMkLst>
+            <pc:docMk/>
+            <pc:sldMk cId="3456642097" sldId="359"/>
+            <ac:picMk id="8" creationId="{1EA8EB5A-930C-4567-8012-496A78020E63}"/>
+          </ac:picMkLst>
+        </pc:picChg>
+        <pc:picChg chg="add">
+          <ac:chgData name="Stuart Miller" userId="eef9e874-669a-4875-a100-91d0a03487e0" providerId="ADAL" clId="{0CC54A76-4662-4914-A334-F2A0D6CC94D8}" dt="2020-03-20T01:33:44.785" v="7"/>
+          <ac:picMkLst>
+            <pc:docMk/>
+            <pc:sldMk cId="3456642097" sldId="359"/>
+            <ac:picMk id="9" creationId="{05D04C0F-ED7F-420A-A7EB-0FED180C65F2}"/>
+          </ac:picMkLst>
+        </pc:picChg>
+      </pc:sldChg>
+    </pc:docChg>
+  </pc:docChgLst>
+  <pc:docChgLst>
+    <pc:chgData name="Gupta, Nikhil" userId="S::guptan@smu.edu::7ec69372-1d6c-41bc-a393-621db78cf6a5" providerId="AD" clId="Web-{4F54638B-689E-F436-C1E2-ED43CD01727D}"/>
+    <pc:docChg chg="modSld">
+      <pc:chgData name="Gupta, Nikhil" userId="S::guptan@smu.edu::7ec69372-1d6c-41bc-a393-621db78cf6a5" providerId="AD" clId="Web-{4F54638B-689E-F436-C1E2-ED43CD01727D}" dt="2020-03-21T14:55:36.902" v="2"/>
+      <pc:docMkLst>
+        <pc:docMk/>
+      </pc:docMkLst>
+      <pc:sldChg chg="delSp delAnim">
+        <pc:chgData name="Gupta, Nikhil" userId="S::guptan@smu.edu::7ec69372-1d6c-41bc-a393-621db78cf6a5" providerId="AD" clId="Web-{4F54638B-689E-F436-C1E2-ED43CD01727D}" dt="2020-03-21T14:55:31.652" v="0"/>
+        <pc:sldMkLst>
+          <pc:docMk/>
+          <pc:sldMk cId="1992848247" sldId="287"/>
+        </pc:sldMkLst>
+        <pc:picChg chg="del">
+          <ac:chgData name="Gupta, Nikhil" userId="S::guptan@smu.edu::7ec69372-1d6c-41bc-a393-621db78cf6a5" providerId="AD" clId="Web-{4F54638B-689E-F436-C1E2-ED43CD01727D}" dt="2020-03-21T14:55:31.652" v="0"/>
+          <ac:picMkLst>
+            <pc:docMk/>
+            <pc:sldMk cId="1992848247" sldId="287"/>
+            <ac:picMk id="7" creationId="{126BEE01-AB6C-4716-8C95-65A98A81117A}"/>
+          </ac:picMkLst>
+        </pc:picChg>
+      </pc:sldChg>
+      <pc:sldChg chg="delSp delAnim">
+        <pc:chgData name="Gupta, Nikhil" userId="S::guptan@smu.edu::7ec69372-1d6c-41bc-a393-621db78cf6a5" providerId="AD" clId="Web-{4F54638B-689E-F436-C1E2-ED43CD01727D}" dt="2020-03-21T14:55:34.043" v="1"/>
+        <pc:sldMkLst>
+          <pc:docMk/>
+          <pc:sldMk cId="1039224075" sldId="293"/>
+        </pc:sldMkLst>
+        <pc:picChg chg="del">
+          <ac:chgData name="Gupta, Nikhil" userId="S::guptan@smu.edu::7ec69372-1d6c-41bc-a393-621db78cf6a5" providerId="AD" clId="Web-{4F54638B-689E-F436-C1E2-ED43CD01727D}" dt="2020-03-21T14:55:34.043" v="1"/>
+          <ac:picMkLst>
+            <pc:docMk/>
+            <pc:sldMk cId="1039224075" sldId="293"/>
+            <ac:picMk id="5" creationId="{003F9188-201D-4DA7-8007-815E14912FC7}"/>
+          </ac:picMkLst>
+        </pc:picChg>
+      </pc:sldChg>
+      <pc:sldChg chg="delSp delAnim">
+        <pc:chgData name="Gupta, Nikhil" userId="S::guptan@smu.edu::7ec69372-1d6c-41bc-a393-621db78cf6a5" providerId="AD" clId="Web-{4F54638B-689E-F436-C1E2-ED43CD01727D}" dt="2020-03-21T14:55:36.902" v="2"/>
+        <pc:sldMkLst>
+          <pc:docMk/>
+          <pc:sldMk cId="364964430" sldId="294"/>
+        </pc:sldMkLst>
+        <pc:picChg chg="del">
+          <ac:chgData name="Gupta, Nikhil" userId="S::guptan@smu.edu::7ec69372-1d6c-41bc-a393-621db78cf6a5" providerId="AD" clId="Web-{4F54638B-689E-F436-C1E2-ED43CD01727D}" dt="2020-03-21T14:55:36.902" v="2"/>
+          <ac:picMkLst>
+            <pc:docMk/>
+            <pc:sldMk cId="364964430" sldId="294"/>
+            <ac:picMk id="3" creationId="{506F5125-3E44-4371-A262-6A8D6E591859}"/>
+          </ac:picMkLst>
+        </pc:picChg>
+      </pc:sldChg>
+    </pc:docChg>
+  </pc:docChgLst>
+  <pc:docChgLst>
+    <pc:chgData clId="Web-{4F54638B-689E-F436-C1E2-ED43CD01727D}"/>
+    <pc:docChg chg="modSld">
+      <pc:chgData name="" userId="" providerId="" clId="Web-{4F54638B-689E-F436-C1E2-ED43CD01727D}" dt="2020-03-21T14:55:29.543" v="0"/>
+      <pc:docMkLst>
+        <pc:docMk/>
+      </pc:docMkLst>
+      <pc:sldChg chg="delSp delAnim">
+        <pc:chgData name="" userId="" providerId="" clId="Web-{4F54638B-689E-F436-C1E2-ED43CD01727D}" dt="2020-03-21T14:55:29.543" v="0"/>
+        <pc:sldMkLst>
+          <pc:docMk/>
+          <pc:sldMk cId="1677321490" sldId="256"/>
+        </pc:sldMkLst>
+        <pc:picChg chg="del">
+          <ac:chgData name="" userId="" providerId="" clId="Web-{4F54638B-689E-F436-C1E2-ED43CD01727D}" dt="2020-03-21T14:55:29.543" v="0"/>
+          <ac:picMkLst>
+            <pc:docMk/>
+            <pc:sldMk cId="1677321490" sldId="256"/>
+            <ac:picMk id="6" creationId="{3BC00579-E4FA-43F2-98F7-519B0C429BD0}"/>
+          </ac:picMkLst>
+        </pc:picChg>
+      </pc:sldChg>
+    </pc:docChg>
+  </pc:docChgLst>
 </pc:chgInfo>
 </file>
 
@@ -7755,10 +8588,10 @@
         <a:lstStyle/>
         <a:p>
           <a:r>
-            <a:rPr lang="en-US" dirty="0"/>
+            <a:rPr lang="en-US"/>
             <a:t>We would like to forecast the next recession. </a:t>
           </a:r>
-          <a:endParaRPr lang="en-US" dirty="0">
+          <a:endParaRPr lang="en-US">
             <a:latin typeface="Abadi Extra Light" panose="020B0204020104020204" pitchFamily="34" charset="0"/>
           </a:endParaRPr>
         </a:p>
@@ -7798,7 +8631,7 @@
         <a:lstStyle/>
         <a:p>
           <a:r>
-            <a:rPr lang="en-US" dirty="0">
+            <a:rPr lang="en-US">
               <a:latin typeface="Abadi Extra Light" panose="020B0204020104020204" pitchFamily="34" charset="0"/>
             </a:rPr>
             <a:t>Definition</a:t>
@@ -7840,10 +8673,10 @@
         <a:lstStyle/>
         <a:p>
           <a:r>
-            <a:rPr lang="en-US" dirty="0"/>
+            <a:rPr lang="en-US"/>
             <a:t>Two consecutive quarters of decline in GDP is considered a working definition of a recession.*</a:t>
           </a:r>
-          <a:endParaRPr lang="en-US" dirty="0">
+          <a:endParaRPr lang="en-US">
             <a:latin typeface="Abadi Extra Light" panose="020B0204020104020204" pitchFamily="34" charset="0"/>
           </a:endParaRPr>
         </a:p>
@@ -7883,7 +8716,7 @@
         <a:lstStyle/>
         <a:p>
           <a:r>
-            <a:rPr lang="en-US" dirty="0">
+            <a:rPr lang="en-US">
               <a:latin typeface="Abadi Extra Light" panose="020B0204020104020204" pitchFamily="34" charset="0"/>
             </a:rPr>
             <a:t>Proposed Solution</a:t>
@@ -7925,10 +8758,10 @@
         <a:lstStyle/>
         <a:p>
           <a:r>
-            <a:rPr lang="en-US" dirty="0"/>
+            <a:rPr lang="en-US"/>
             <a:t>We will forecast the GDP for the next 2 quarters to see if the  models can predict the next recession.</a:t>
           </a:r>
-          <a:endParaRPr lang="en-US" b="1" dirty="0">
+          <a:endParaRPr lang="en-US" b="1">
             <a:latin typeface="Abadi Extra Light" panose="020B0204020104020204" pitchFamily="34" charset="0"/>
           </a:endParaRPr>
         </a:p>
@@ -7967,7 +8800,7 @@
         <a:bodyPr/>
         <a:lstStyle/>
         <a:p>
-          <a:endParaRPr lang="en-US" dirty="0"/>
+          <a:endParaRPr lang="en-US"/>
         </a:p>
       </dgm:t>
     </dgm:pt>
@@ -8000,7 +8833,7 @@
         <a:bodyPr/>
         <a:lstStyle/>
         <a:p>
-          <a:endParaRPr lang="en-US" dirty="0">
+          <a:endParaRPr lang="en-US">
             <a:latin typeface="Abadi Extra Light" panose="020B0204020104020204" pitchFamily="34" charset="0"/>
           </a:endParaRPr>
         </a:p>
@@ -8166,7 +8999,7 @@
         <a:lstStyle/>
         <a:p>
           <a:r>
-            <a:rPr lang="en-US" dirty="0">
+            <a:rPr lang="en-US">
               <a:latin typeface="Abadi Extra Light" panose="020B0204020104020204" pitchFamily="34" charset="0"/>
             </a:rPr>
             <a:t>Response Variable</a:t>
@@ -8208,7 +9041,7 @@
         <a:lstStyle/>
         <a:p>
           <a:r>
-            <a:rPr lang="en-US" dirty="0">
+            <a:rPr lang="en-US">
               <a:latin typeface="Abadi Extra Light" panose="020B0204020104020204" pitchFamily="34" charset="0"/>
             </a:rPr>
             <a:t>Exogenous Variables</a:t>
@@ -8250,10 +9083,10 @@
         <a:lstStyle/>
         <a:p>
           <a:r>
-            <a:rPr lang="en-US" sz="2200" kern="1200" dirty="0"/>
+            <a:rPr lang="en-US" sz="2200" kern="1200"/>
             <a:t>An additional 13 exogenous variables were also collected. </a:t>
           </a:r>
-          <a:endParaRPr lang="en-US" sz="2200" kern="1200" dirty="0">
+          <a:endParaRPr lang="en-US" sz="2200" kern="1200">
             <a:latin typeface="Abadi Extra Light" panose="020B0204020104020204" pitchFamily="34" charset="0"/>
           </a:endParaRPr>
         </a:p>
@@ -8293,10 +9126,10 @@
         <a:lstStyle/>
         <a:p>
           <a:r>
-            <a:rPr lang="en-US" dirty="0"/>
+            <a:rPr lang="en-US"/>
             <a:t>Response Variable: % change in GDP (USA)</a:t>
           </a:r>
-          <a:endParaRPr lang="en-US" dirty="0">
+          <a:endParaRPr lang="en-US">
             <a:latin typeface="Abadi Extra Light" panose="020B0204020104020204" pitchFamily="34" charset="0"/>
           </a:endParaRPr>
         </a:p>
@@ -8336,10 +9169,10 @@
         <a:lstStyle/>
         <a:p>
           <a:r>
-            <a:rPr lang="en-US" dirty="0"/>
+            <a:rPr lang="en-US"/>
             <a:t>Quarterly observations from 1971 to 2019</a:t>
           </a:r>
-          <a:endParaRPr lang="en-US" dirty="0">
+          <a:endParaRPr lang="en-US">
             <a:latin typeface="Abadi Extra Light" panose="020B0204020104020204" pitchFamily="34" charset="0"/>
           </a:endParaRPr>
         </a:p>
@@ -8375,10 +9208,10 @@
         <a:lstStyle/>
         <a:p>
           <a:r>
-            <a:rPr lang="en-US" dirty="0"/>
+            <a:rPr lang="en-US"/>
             <a:t>195 observations</a:t>
           </a:r>
-          <a:endParaRPr lang="en-US" dirty="0">
+          <a:endParaRPr lang="en-US">
             <a:latin typeface="Abadi Extra Light" panose="020B0204020104020204" pitchFamily="34" charset="0"/>
           </a:endParaRPr>
         </a:p>
@@ -8414,7 +9247,7 @@
         <a:lstStyle/>
         <a:p>
           <a:r>
-            <a:rPr lang="en-US" sz="2200" kern="1200" dirty="0">
+            <a:rPr lang="en-US" sz="2200" kern="1200">
               <a:solidFill>
                 <a:prstClr val="black">
                   <a:hueOff val="0"/>
@@ -8594,10 +9427,10 @@
             </a:lnSpc>
           </a:pPr>
           <a:r>
-            <a:rPr lang="en-US" sz="1800" b="1" dirty="0"/>
+            <a:rPr lang="en-US" sz="1800" b="1"/>
             <a:t>Condition 1: Mean does not depend on time</a:t>
           </a:r>
-          <a:endParaRPr lang="en-US" sz="1800" dirty="0">
+          <a:endParaRPr lang="en-US" sz="1800">
             <a:latin typeface="Abadi Extra Light" panose="020B0204020104020204" pitchFamily="34" charset="0"/>
           </a:endParaRPr>
         </a:p>
@@ -8650,10 +9483,10 @@
             <a:buChar char="o"/>
           </a:pPr>
           <a:r>
-            <a:rPr lang="en-US" sz="1300" kern="1200" dirty="0"/>
+            <a:rPr lang="en-US" sz="1300" kern="1200"/>
             <a:t> There appears to be a slight downward trend in the realization. </a:t>
           </a:r>
-          <a:endParaRPr lang="en-US" sz="1300" kern="1200" dirty="0">
+          <a:endParaRPr lang="en-US" sz="1300" kern="1200">
             <a:latin typeface="Abadi Extra Light" panose="020B0204020104020204" pitchFamily="34" charset="0"/>
           </a:endParaRPr>
         </a:p>
@@ -8706,7 +9539,7 @@
             <a:buChar char="o"/>
           </a:pPr>
           <a:r>
-            <a:rPr lang="en-US" sz="1300" kern="1200" dirty="0"/>
+            <a:rPr lang="en-US" sz="1300" kern="1200"/>
             <a:t> The spectral density shows a high peak at 0, which could be generated by a stationary or non-stationary process.</a:t>
           </a:r>
         </a:p>
@@ -8755,7 +9588,7 @@
             <a:buChar char="o"/>
           </a:pPr>
           <a:r>
-            <a:rPr lang="en-US" sz="1300" kern="1200" dirty="0"/>
+            <a:rPr lang="en-US" sz="1300" kern="1200"/>
             <a:t> The ACF shows a hint of extended autocorrelations, which could indicate a non-stationary process.</a:t>
           </a:r>
         </a:p>
@@ -8804,7 +9637,7 @@
             <a:buChar char="o"/>
           </a:pPr>
           <a:r>
-            <a:rPr lang="en-US" sz="1300" kern="1200" dirty="0"/>
+            <a:rPr lang="en-US" sz="1300" kern="1200"/>
             <a:t> Since the mean appears to change over time, this suggests a non-stationary process.</a:t>
           </a:r>
         </a:p>
@@ -8853,7 +9686,7 @@
             <a:buChar char="o"/>
           </a:pPr>
           <a:r>
-            <a:rPr lang="en-US" sz="1300" kern="1200" dirty="0">
+            <a:rPr lang="en-US" sz="1300" kern="1200">
               <a:solidFill>
                 <a:prstClr val="black">
                   <a:hueOff val="0"/>
@@ -8914,7 +9747,7 @@
             <a:buChar char="o"/>
           </a:pPr>
           <a:r>
-            <a:rPr lang="en-US" sz="1300" kern="1200" dirty="0">
+            <a:rPr lang="en-US" sz="1300" kern="1200">
               <a:solidFill>
                 <a:prstClr val="black">
                   <a:hueOff val="0"/>
@@ -8975,7 +9808,7 @@
             <a:buChar char="o"/>
           </a:pPr>
           <a:r>
-            <a:rPr lang="en-US" sz="1300" kern="1200" dirty="0">
+            <a:rPr lang="en-US" sz="1300" kern="1200">
               <a:solidFill>
                 <a:prstClr val="black">
                   <a:hueOff val="0"/>
@@ -9035,7 +9868,7 @@
             <a:buChar char="•"/>
           </a:pPr>
           <a:r>
-            <a:rPr lang="en-US" sz="1600" kern="1200" dirty="0">
+            <a:rPr lang="en-US" sz="1600" kern="1200">
               <a:solidFill>
                 <a:prstClr val="black">
                   <a:hueOff val="0"/>
@@ -9093,7 +9926,7 @@
               <a:spcPct val="15000"/>
             </a:spcAft>
           </a:pPr>
-          <a:endParaRPr lang="en-US" sz="1300" kern="1200" dirty="0"/>
+          <a:endParaRPr lang="en-US" sz="1300" kern="1200"/>
         </a:p>
       </dgm:t>
     </dgm:pt>
@@ -9139,7 +9972,7 @@
             <a:buChar char="•"/>
           </a:pPr>
           <a:r>
-            <a:rPr lang="en-US" sz="1600" kern="1200" dirty="0">
+            <a:rPr lang="en-US" sz="1600" kern="1200">
               <a:solidFill>
                 <a:prstClr val="black">
                   <a:hueOff val="0"/>
@@ -9287,10 +10120,10 @@
             </a:lnSpc>
           </a:pPr>
           <a:r>
-            <a:rPr lang="en-US" sz="1800" b="1" dirty="0"/>
+            <a:rPr lang="en-US" sz="1800" b="1"/>
             <a:t>Condition 2: Variance does not depend on time</a:t>
           </a:r>
-          <a:endParaRPr lang="en-US" sz="1800" dirty="0">
+          <a:endParaRPr lang="en-US" sz="1800">
             <a:latin typeface="Abadi Extra Light" panose="020B0204020104020204" pitchFamily="34" charset="0"/>
           </a:endParaRPr>
         </a:p>
@@ -9342,10 +10175,10 @@
             <a:buChar char="•"/>
           </a:pPr>
           <a:r>
-            <a:rPr lang="en-US" sz="1600" kern="1200" dirty="0"/>
+            <a:rPr lang="en-US" sz="1600" kern="1200"/>
             <a:t>Since only one realization is possible, it is difficult to assess the realization variance.</a:t>
           </a:r>
-          <a:endParaRPr lang="en-US" sz="1600" kern="1200" dirty="0">
+          <a:endParaRPr lang="en-US" sz="1600" kern="1200">
             <a:latin typeface="Calibri" panose="020F0502020204030204"/>
             <a:ea typeface="+mn-ea"/>
             <a:cs typeface="+mn-cs"/>
@@ -9395,7 +10228,7 @@
             <a:buChar char="•"/>
           </a:pPr>
           <a:r>
-            <a:rPr lang="en-US" sz="1600" kern="1200" dirty="0">
+            <a:rPr lang="en-US" sz="1600" kern="1200">
               <a:solidFill>
                 <a:prstClr val="black">
                   <a:hueOff val="0"/>
@@ -9454,7 +10287,7 @@
             </a:spcAft>
             <a:buChar char="•"/>
           </a:pPr>
-          <a:endParaRPr lang="en-US" sz="1600" kern="1200" dirty="0">
+          <a:endParaRPr lang="en-US" sz="1600" kern="1200">
             <a:solidFill>
               <a:prstClr val="black">
                 <a:hueOff val="0"/>
@@ -9512,7 +10345,7 @@
             <a:buChar char="•"/>
           </a:pPr>
           <a:r>
-            <a:rPr lang="en-US" sz="1600" kern="1200" dirty="0">
+            <a:rPr lang="en-US" sz="1600" kern="1200">
               <a:solidFill>
                 <a:prstClr val="black">
                   <a:hueOff val="0"/>
@@ -9571,7 +10404,7 @@
             </a:spcAft>
             <a:buChar char="•"/>
           </a:pPr>
-          <a:endParaRPr lang="en-US" sz="1600" kern="1200" dirty="0">
+          <a:endParaRPr lang="en-US" sz="1600" kern="1200">
             <a:solidFill>
               <a:prstClr val="black">
                 <a:hueOff val="0"/>
@@ -9709,7 +10542,7 @@
                 </a:lnSpc>
               </a:pPr>
               <a:r>
-                <a:rPr lang="en-US" sz="1800" b="1" dirty="0"/>
+                <a:rPr lang="en-US" sz="1800" b="1"/>
                 <a:t>Condition 3: The correlation of </a:t>
               </a:r>
               <a14:m>
@@ -9761,7 +10594,7 @@
                 </m:oMath>
               </a14:m>
               <a:r>
-                <a:rPr lang="en-US" sz="1800" b="1" dirty="0"/>
+                <a:rPr lang="en-US" sz="1800" b="1"/>
                 <a:t> and </a:t>
               </a:r>
               <a14:m>
@@ -9813,7 +10646,7 @@
                 </m:oMath>
               </a14:m>
               <a:r>
-                <a:rPr lang="en-US" sz="1800" b="1" dirty="0"/>
+                <a:rPr lang="en-US" sz="1800" b="1"/>
                 <a:t> depends only on </a:t>
               </a:r>
               <a14:m>
@@ -9876,7 +10709,7 @@
                   </m:sSub>
                 </m:oMath>
               </a14:m>
-              <a:endParaRPr lang="en-US" sz="1800" dirty="0">
+              <a:endParaRPr lang="en-US" sz="1800">
                 <a:latin typeface="Abadi Extra Light" panose="020B0204020104020204" pitchFamily="34" charset="0"/>
               </a:endParaRPr>
             </a:p>
@@ -9897,7 +10730,7 @@
                 </a:lnSpc>
               </a:pPr>
               <a:r>
-                <a:rPr lang="en-US" sz="1800" b="1" dirty="0"/>
+                <a:rPr lang="en-US" sz="1800" b="1"/>
                 <a:t>Condition 3: The correlation of </a:t>
               </a:r>
               <a:r>
@@ -9907,7 +10740,7 @@
                 <a:t>𝑿_(𝒕_𝟏 )</a:t>
               </a:r>
               <a:r>
-                <a:rPr lang="en-US" sz="1800" b="1" dirty="0"/>
+                <a:rPr lang="en-US" sz="1800" b="1"/>
                 <a:t> and </a:t>
               </a:r>
               <a:r>
@@ -9917,7 +10750,7 @@
                 <a:t>𝑿_(𝒕_𝟐 )</a:t>
               </a:r>
               <a:r>
-                <a:rPr lang="en-US" sz="1800" b="1" dirty="0"/>
+                <a:rPr lang="en-US" sz="1800" b="1"/>
                 <a:t> depends only on </a:t>
               </a:r>
               <a:r>
@@ -9926,7 +10759,7 @@
                 </a:rPr>
                 <a:t>𝒕_𝟐−𝒕_𝟏</a:t>
               </a:r>
-              <a:endParaRPr lang="en-US" sz="1800" dirty="0">
+              <a:endParaRPr lang="en-US" sz="1800">
                 <a:latin typeface="Abadi Extra Light" panose="020B0204020104020204" pitchFamily="34" charset="0"/>
               </a:endParaRPr>
             </a:p>
@@ -9980,10 +10813,10 @@
             <a:buChar char="•"/>
           </a:pPr>
           <a:r>
-            <a:rPr lang="en-US" sz="1600" kern="1200" dirty="0"/>
+            <a:rPr lang="en-US" sz="1600" kern="1200"/>
             <a:t>The ACFs of the first and second half exhibit different characteristics.</a:t>
           </a:r>
-          <a:endParaRPr lang="en-US" sz="1600" kern="1200" dirty="0">
+          <a:endParaRPr lang="en-US" sz="1600" kern="1200">
             <a:solidFill>
               <a:prstClr val="black">
                 <a:hueOff val="0"/>
@@ -10041,7 +10874,7 @@
             <a:buChar char="•"/>
           </a:pPr>
           <a:r>
-            <a:rPr lang="en-US" sz="1600" kern="1200" dirty="0">
+            <a:rPr lang="en-US" sz="1600" kern="1200">
               <a:solidFill>
                 <a:prstClr val="black">
                   <a:hueOff val="0"/>
@@ -10101,7 +10934,7 @@
             <a:buChar char="•"/>
           </a:pPr>
           <a:r>
-            <a:rPr lang="en-US" sz="1600" kern="1200" dirty="0">
+            <a:rPr lang="en-US" sz="1600" kern="1200">
               <a:solidFill>
                 <a:prstClr val="black">
                   <a:hueOff val="0"/>
@@ -10161,7 +10994,7 @@
             <a:buChar char="•"/>
           </a:pPr>
           <a:r>
-            <a:rPr lang="en-US" sz="1600" kern="1200" dirty="0">
+            <a:rPr lang="en-US" sz="1600" kern="1200">
               <a:solidFill>
                 <a:prstClr val="black">
                   <a:hueOff val="0"/>
@@ -10220,7 +11053,7 @@
             </a:spcAft>
             <a:buChar char="•"/>
           </a:pPr>
-          <a:endParaRPr lang="en-US" sz="1600" kern="1200" dirty="0">
+          <a:endParaRPr lang="en-US" sz="1600" kern="1200">
             <a:solidFill>
               <a:prstClr val="black">
                 <a:hueOff val="0"/>
@@ -10277,7 +11110,7 @@
             </a:spcAft>
             <a:buChar char="•"/>
           </a:pPr>
-          <a:endParaRPr lang="en-US" sz="1600" kern="1200" dirty="0">
+          <a:endParaRPr lang="en-US" sz="1600" kern="1200">
             <a:solidFill>
               <a:prstClr val="black">
                 <a:hueOff val="0"/>
@@ -10334,7 +11167,7 @@
             </a:spcAft>
             <a:buChar char="•"/>
           </a:pPr>
-          <a:endParaRPr lang="en-US" sz="1600" kern="1200" dirty="0">
+          <a:endParaRPr lang="en-US" sz="1600" kern="1200">
             <a:solidFill>
               <a:prstClr val="black">
                 <a:hueOff val="0"/>
@@ -10530,10 +11363,10 @@
             <a:buChar char="•"/>
           </a:pPr>
           <a:r>
-            <a:rPr lang="en-US" sz="1600" kern="1200" dirty="0"/>
+            <a:rPr lang="en-US" sz="1600" kern="1200"/>
             <a:t>The ACFs of the first and second half exhibit different characteristics.</a:t>
           </a:r>
-          <a:endParaRPr lang="en-US" sz="1600" kern="1200" dirty="0">
+          <a:endParaRPr lang="en-US" sz="1600" kern="1200">
             <a:solidFill>
               <a:prstClr val="black">
                 <a:hueOff val="0"/>
@@ -10591,7 +11424,7 @@
             <a:buChar char="•"/>
           </a:pPr>
           <a:r>
-            <a:rPr lang="en-US" sz="1600" kern="1200" dirty="0">
+            <a:rPr lang="en-US" sz="1600" kern="1200">
               <a:solidFill>
                 <a:prstClr val="black">
                   <a:hueOff val="0"/>
@@ -10651,7 +11484,7 @@
             <a:buChar char="•"/>
           </a:pPr>
           <a:r>
-            <a:rPr lang="en-US" sz="1600" kern="1200" dirty="0">
+            <a:rPr lang="en-US" sz="1600" kern="1200">
               <a:solidFill>
                 <a:prstClr val="black">
                   <a:hueOff val="0"/>
@@ -10711,7 +11544,7 @@
             <a:buChar char="•"/>
           </a:pPr>
           <a:r>
-            <a:rPr lang="en-US" sz="1600" kern="1200" dirty="0">
+            <a:rPr lang="en-US" sz="1600" kern="1200">
               <a:solidFill>
                 <a:prstClr val="black">
                   <a:hueOff val="0"/>
@@ -10770,7 +11603,7 @@
             </a:spcAft>
             <a:buChar char="•"/>
           </a:pPr>
-          <a:endParaRPr lang="en-US" sz="1600" kern="1200" dirty="0">
+          <a:endParaRPr lang="en-US" sz="1600" kern="1200">
             <a:solidFill>
               <a:prstClr val="black">
                 <a:hueOff val="0"/>
@@ -10827,7 +11660,7 @@
             </a:spcAft>
             <a:buChar char="•"/>
           </a:pPr>
-          <a:endParaRPr lang="en-US" sz="1600" kern="1200" dirty="0">
+          <a:endParaRPr lang="en-US" sz="1600" kern="1200">
             <a:solidFill>
               <a:prstClr val="black">
                 <a:hueOff val="0"/>
@@ -10884,7 +11717,7 @@
             </a:spcAft>
             <a:buChar char="•"/>
           </a:pPr>
-          <a:endParaRPr lang="en-US" sz="1600" kern="1200" dirty="0">
+          <a:endParaRPr lang="en-US" sz="1600" kern="1200">
             <a:solidFill>
               <a:prstClr val="black">
                 <a:hueOff val="0"/>
@@ -11024,10 +11857,10 @@
             </a:lnSpc>
           </a:pPr>
           <a:r>
-            <a:rPr lang="en-US" sz="1800" b="1" dirty="0"/>
+            <a:rPr lang="en-US" sz="1800" b="1"/>
             <a:t>Conclusion</a:t>
           </a:r>
-          <a:endParaRPr lang="en-US" sz="1800" dirty="0">
+          <a:endParaRPr lang="en-US" sz="1800">
             <a:latin typeface="Abadi Extra Light" panose="020B0204020104020204" pitchFamily="34" charset="0"/>
           </a:endParaRPr>
         </a:p>
@@ -11079,7 +11912,7 @@
             <a:buChar char="•"/>
           </a:pPr>
           <a:r>
-            <a:rPr lang="en-US" sz="1600" kern="1200" dirty="0">
+            <a:rPr lang="en-US" sz="1600" kern="1200">
               <a:latin typeface="Calibri" panose="020F0502020204030204"/>
               <a:ea typeface="+mn-ea"/>
               <a:cs typeface="+mn-cs"/>
@@ -11130,7 +11963,7 @@
             </a:spcAft>
             <a:buChar char="•"/>
           </a:pPr>
-          <a:endParaRPr lang="en-US" sz="1600" kern="1200" dirty="0">
+          <a:endParaRPr lang="en-US" sz="1600" kern="1200">
             <a:solidFill>
               <a:prstClr val="black">
                 <a:hueOff val="0"/>
@@ -11188,7 +12021,7 @@
             <a:buChar char="•"/>
           </a:pPr>
           <a:r>
-            <a:rPr lang="en-US" sz="1600" b="1" kern="1200" dirty="0">
+            <a:rPr lang="en-US" sz="1600" b="1" kern="1200">
               <a:latin typeface="Calibri" panose="020F0502020204030204"/>
               <a:ea typeface="+mn-ea"/>
               <a:cs typeface="+mn-cs"/>
@@ -11240,11 +12073,11 @@
             <a:buChar char="•"/>
           </a:pPr>
           <a:r>
-            <a:rPr lang="en-US" sz="1600" kern="1200" dirty="0"/>
+            <a:rPr lang="en-US" sz="1600" kern="1200"/>
             <a:t>Based on the analysis, there appears to be some evidence that the process is </a:t>
           </a:r>
           <a:r>
-            <a:rPr lang="en-US" sz="1600" kern="1200" dirty="0">
+            <a:rPr lang="en-US" sz="1600" kern="1200">
               <a:latin typeface="Calibri" panose="020F0502020204030204"/>
               <a:ea typeface="+mn-ea"/>
               <a:cs typeface="+mn-cs"/>
@@ -11295,7 +12128,7 @@
             </a:spcAft>
             <a:buChar char="•"/>
           </a:pPr>
-          <a:endParaRPr lang="en-US" sz="1600" kern="1200" dirty="0">
+          <a:endParaRPr lang="en-US" sz="1600" kern="1200">
             <a:solidFill>
               <a:prstClr val="black">
                 <a:hueOff val="0"/>
@@ -11426,7 +12259,7 @@
         <a:lstStyle/>
         <a:p>
           <a:r>
-            <a:rPr lang="en-US" dirty="0">
+            <a:rPr lang="en-US">
               <a:cs typeface="Calibri Light"/>
             </a:rPr>
             <a:t>Lower Ordered Models</a:t>
@@ -11464,7 +12297,7 @@
         <a:lstStyle/>
         <a:p>
           <a:r>
-            <a:rPr lang="en-US" sz="1400" dirty="0">
+            <a:rPr lang="en-US" sz="1400">
               <a:cs typeface="Calibri Light"/>
             </a:rPr>
             <a:t>Not sufficient to capture the trend in the data.</a:t>
@@ -11502,7 +12335,7 @@
         <a:lstStyle/>
         <a:p>
           <a:r>
-            <a:rPr lang="en-US" dirty="0">
+            <a:rPr lang="en-US">
               <a:cs typeface="Calibri Light"/>
             </a:rPr>
             <a:t>Higher Ordered Models</a:t>
@@ -11540,7 +12373,7 @@
         <a:lstStyle/>
         <a:p>
           <a:r>
-            <a:rPr lang="en-US" sz="3000" dirty="0">
+            <a:rPr lang="en-US" sz="3000">
               <a:cs typeface="Calibri Light" panose="020F0302020204030204"/>
             </a:rPr>
             <a:t>ARMA(13,1) vs. ARIMA(11,1,0)</a:t>
@@ -11578,7 +12411,7 @@
         <a:lstStyle/>
         <a:p>
           <a:r>
-            <a:rPr lang="en-US" sz="1400" dirty="0">
+            <a:rPr lang="en-US" sz="1400">
               <a:cs typeface="Calibri Light" panose="020F0302020204030204"/>
             </a:rPr>
             <a:t>ARMA captures characteristics of the data better than ARIMA</a:t>
@@ -11616,7 +12449,7 @@
         <a:lstStyle/>
         <a:p>
           <a:r>
-            <a:rPr lang="en-US" sz="1400" dirty="0">
+            <a:rPr lang="en-US" sz="1400">
               <a:cs typeface="Calibri Light" panose="020F0302020204030204"/>
             </a:rPr>
             <a:t>Add exogenous variables to improve modeling.</a:t>
@@ -11654,7 +12487,7 @@
         <a:lstStyle/>
         <a:p>
           <a:r>
-            <a:rPr lang="en-US" sz="3000" dirty="0">
+            <a:rPr lang="en-US" sz="3000">
               <a:cs typeface="Calibri Light" panose="020F0302020204030204"/>
             </a:rPr>
             <a:t>Next Steps</a:t>
@@ -11692,7 +12525,7 @@
         <a:lstStyle/>
         <a:p>
           <a:r>
-            <a:rPr lang="en-US" sz="1400" dirty="0">
+            <a:rPr lang="en-US" sz="1400">
               <a:cs typeface="Calibri Light"/>
             </a:rPr>
             <a:t>Residuals are not white noise.</a:t>
@@ -11742,7 +12575,7 @@
             <a:buChar char="•"/>
           </a:pPr>
           <a:r>
-            <a:rPr lang="en-US" sz="1400" kern="1200" dirty="0">
+            <a:rPr lang="en-US" sz="1400" kern="1200">
               <a:solidFill>
                 <a:prstClr val="black">
                   <a:hueOff val="0"/>
@@ -11790,7 +12623,7 @@
         <a:lstStyle/>
         <a:p>
           <a:r>
-            <a:rPr lang="en-US" sz="1400" dirty="0">
+            <a:rPr lang="en-US" sz="1400">
               <a:cs typeface="Calibri Light" panose="020F0302020204030204"/>
             </a:rPr>
             <a:t>Mean ASE lower for ARMA although statistically not different.</a:t>
@@ -11828,7 +12661,7 @@
         <a:lstStyle/>
         <a:p>
           <a:r>
-            <a:rPr lang="en-US" sz="1400" dirty="0">
+            <a:rPr lang="en-US" sz="1400">
               <a:cs typeface="Calibri Light" panose="020F0302020204030204"/>
             </a:rPr>
             <a:t>Modeling the GDP using univariate analysis is not easy. </a:t>
@@ -11865,7 +12698,7 @@
         <a:bodyPr/>
         <a:lstStyle/>
         <a:p>
-          <a:endParaRPr lang="en-US" sz="1400" dirty="0">
+          <a:endParaRPr lang="en-US" sz="1400">
             <a:cs typeface="Calibri Light"/>
           </a:endParaRPr>
         </a:p>
@@ -11913,7 +12746,7 @@
             <a:buChar char="•"/>
           </a:pPr>
           <a:r>
-            <a:rPr lang="en-US" sz="1400" kern="1200" dirty="0">
+            <a:rPr lang="en-US" sz="1400" kern="1200">
               <a:solidFill>
                 <a:prstClr val="black">
                   <a:hueOff val="0"/>
@@ -11973,7 +12806,7 @@
             <a:buChar char="•"/>
           </a:pPr>
           <a:r>
-            <a:rPr lang="en-US" sz="1400" kern="1200" dirty="0">
+            <a:rPr lang="en-US" sz="1400" kern="1200">
               <a:solidFill>
                 <a:prstClr val="black">
                   <a:hueOff val="0"/>
@@ -12020,7 +12853,7 @@
         <a:bodyPr/>
         <a:lstStyle/>
         <a:p>
-          <a:endParaRPr lang="en-US" sz="1400" dirty="0">
+          <a:endParaRPr lang="en-US" sz="1400">
             <a:cs typeface="Calibri Light" panose="020F0302020204030204"/>
           </a:endParaRPr>
         </a:p>
@@ -12055,7 +12888,7 @@
         <a:bodyPr/>
         <a:lstStyle/>
         <a:p>
-          <a:endParaRPr lang="en-US" sz="1400" dirty="0">
+          <a:endParaRPr lang="en-US" sz="1400">
             <a:cs typeface="Calibri Light" panose="020F0302020204030204"/>
           </a:endParaRPr>
         </a:p>
@@ -12102,7 +12935,7 @@
             </a:spcAft>
             <a:buChar char="•"/>
           </a:pPr>
-          <a:endParaRPr lang="en-US" sz="400" kern="1200" dirty="0">
+          <a:endParaRPr lang="en-US" sz="400" kern="1200">
             <a:solidFill>
               <a:prstClr val="black">
                 <a:hueOff val="0"/>
@@ -12463,10 +13296,10 @@
             <a:buNone/>
           </a:pPr>
           <a:r>
-            <a:rPr lang="en-US" sz="1700" kern="1200" dirty="0"/>
+            <a:rPr lang="en-US" sz="1700" kern="1200"/>
             <a:t>We would like to forecast the next recession. </a:t>
           </a:r>
-          <a:endParaRPr lang="en-US" sz="1700" kern="1200" dirty="0">
+          <a:endParaRPr lang="en-US" sz="1700" kern="1200">
             <a:latin typeface="Abadi Extra Light" panose="020B0204020104020204" pitchFamily="34" charset="0"/>
           </a:endParaRPr>
         </a:p>
@@ -12483,7 +13316,7 @@
             </a:spcAft>
             <a:buNone/>
           </a:pPr>
-          <a:endParaRPr lang="en-US" sz="1700" kern="1200" dirty="0"/>
+          <a:endParaRPr lang="en-US" sz="1700" kern="1200"/>
         </a:p>
       </dsp:txBody>
       <dsp:txXfrm>
@@ -12559,7 +13392,7 @@
             <a:buNone/>
           </a:pPr>
           <a:r>
-            <a:rPr lang="en-US" sz="2300" kern="1200" dirty="0">
+            <a:rPr lang="en-US" sz="2300" kern="1200">
               <a:latin typeface="Abadi Extra Light" panose="020B0204020104020204" pitchFamily="34" charset="0"/>
             </a:rPr>
             <a:t>Definition</a:t>
@@ -12641,10 +13474,10 @@
             <a:buNone/>
           </a:pPr>
           <a:r>
-            <a:rPr lang="en-US" sz="1700" kern="1200" dirty="0"/>
+            <a:rPr lang="en-US" sz="1700" kern="1200"/>
             <a:t>Two consecutive quarters of decline in GDP is considered a working definition of a recession.*</a:t>
           </a:r>
-          <a:endParaRPr lang="en-US" sz="1700" kern="1200" dirty="0">
+          <a:endParaRPr lang="en-US" sz="1700" kern="1200">
             <a:latin typeface="Abadi Extra Light" panose="020B0204020104020204" pitchFamily="34" charset="0"/>
           </a:endParaRPr>
         </a:p>
@@ -12661,7 +13494,7 @@
             </a:spcAft>
             <a:buNone/>
           </a:pPr>
-          <a:endParaRPr lang="en-US" sz="1700" kern="1200" dirty="0">
+          <a:endParaRPr lang="en-US" sz="1700" kern="1200">
             <a:latin typeface="Abadi Extra Light" panose="020B0204020104020204" pitchFamily="34" charset="0"/>
           </a:endParaRPr>
         </a:p>
@@ -12739,7 +13572,7 @@
             <a:buNone/>
           </a:pPr>
           <a:r>
-            <a:rPr lang="en-US" sz="2300" kern="1200" dirty="0">
+            <a:rPr lang="en-US" sz="2300" kern="1200">
               <a:latin typeface="Abadi Extra Light" panose="020B0204020104020204" pitchFamily="34" charset="0"/>
             </a:rPr>
             <a:t>Proposed Solution</a:t>
@@ -12821,10 +13654,10 @@
             <a:buNone/>
           </a:pPr>
           <a:r>
-            <a:rPr lang="en-US" sz="1700" kern="1200" dirty="0"/>
+            <a:rPr lang="en-US" sz="1700" kern="1200"/>
             <a:t>We will forecast the GDP for the next 2 quarters to see if the  models can predict the next recession.</a:t>
           </a:r>
-          <a:endParaRPr lang="en-US" sz="1700" b="1" kern="1200" dirty="0">
+          <a:endParaRPr lang="en-US" sz="1700" b="1" kern="1200">
             <a:latin typeface="Abadi Extra Light" panose="020B0204020104020204" pitchFamily="34" charset="0"/>
           </a:endParaRPr>
         </a:p>
@@ -12913,10 +13746,10 @@
             <a:buChar char="•"/>
           </a:pPr>
           <a:r>
-            <a:rPr lang="en-US" sz="2400" kern="1200" dirty="0"/>
+            <a:rPr lang="en-US" sz="2400" kern="1200"/>
             <a:t>Response Variable: % change in GDP (USA)</a:t>
           </a:r>
-          <a:endParaRPr lang="en-US" sz="2400" kern="1200" dirty="0">
+          <a:endParaRPr lang="en-US" sz="2400" kern="1200">
             <a:latin typeface="Abadi Extra Light" panose="020B0204020104020204" pitchFamily="34" charset="0"/>
           </a:endParaRPr>
         </a:p>
@@ -12934,10 +13767,10 @@
             <a:buChar char="•"/>
           </a:pPr>
           <a:r>
-            <a:rPr lang="en-US" sz="2400" kern="1200" dirty="0"/>
+            <a:rPr lang="en-US" sz="2400" kern="1200"/>
             <a:t>Quarterly observations from 1971 to 2019</a:t>
           </a:r>
-          <a:endParaRPr lang="en-US" sz="2400" kern="1200" dirty="0">
+          <a:endParaRPr lang="en-US" sz="2400" kern="1200">
             <a:latin typeface="Abadi Extra Light" panose="020B0204020104020204" pitchFamily="34" charset="0"/>
           </a:endParaRPr>
         </a:p>
@@ -12955,10 +13788,10 @@
             <a:buChar char="•"/>
           </a:pPr>
           <a:r>
-            <a:rPr lang="en-US" sz="2400" kern="1200" dirty="0"/>
+            <a:rPr lang="en-US" sz="2400" kern="1200"/>
             <a:t>195 observations</a:t>
           </a:r>
-          <a:endParaRPr lang="en-US" sz="2400" kern="1200" dirty="0">
+          <a:endParaRPr lang="en-US" sz="2400" kern="1200">
             <a:latin typeface="Abadi Extra Light" panose="020B0204020104020204" pitchFamily="34" charset="0"/>
           </a:endParaRPr>
         </a:p>
@@ -13036,7 +13869,7 @@
             <a:buNone/>
           </a:pPr>
           <a:r>
-            <a:rPr lang="en-US" sz="2400" kern="1200" dirty="0">
+            <a:rPr lang="en-US" sz="2400" kern="1200">
               <a:latin typeface="Abadi Extra Light" panose="020B0204020104020204" pitchFamily="34" charset="0"/>
             </a:rPr>
             <a:t>Response Variable</a:t>
@@ -13115,10 +13948,10 @@
             <a:buChar char="•"/>
           </a:pPr>
           <a:r>
-            <a:rPr lang="en-US" sz="2200" kern="1200" dirty="0"/>
+            <a:rPr lang="en-US" sz="2200" kern="1200"/>
             <a:t>An additional 13 exogenous variables were also collected. </a:t>
           </a:r>
-          <a:endParaRPr lang="en-US" sz="2200" kern="1200" dirty="0">
+          <a:endParaRPr lang="en-US" sz="2200" kern="1200">
             <a:latin typeface="Abadi Extra Light" panose="020B0204020104020204" pitchFamily="34" charset="0"/>
           </a:endParaRPr>
         </a:p>
@@ -13136,7 +13969,7 @@
             <a:buChar char="•"/>
           </a:pPr>
           <a:r>
-            <a:rPr lang="en-US" sz="2200" kern="1200" dirty="0">
+            <a:rPr lang="en-US" sz="2200" kern="1200">
               <a:solidFill>
                 <a:prstClr val="black">
                   <a:hueOff val="0"/>
@@ -13226,7 +14059,7 @@
             <a:buNone/>
           </a:pPr>
           <a:r>
-            <a:rPr lang="en-US" sz="2400" kern="1200" dirty="0">
+            <a:rPr lang="en-US" sz="2400" kern="1200">
               <a:latin typeface="Abadi Extra Light" panose="020B0204020104020204" pitchFamily="34" charset="0"/>
             </a:rPr>
             <a:t>Exogenous Variables</a:t>
@@ -13317,7 +14150,7 @@
             <a:buChar char="•"/>
           </a:pPr>
           <a:r>
-            <a:rPr lang="en-US" sz="1600" kern="1200" dirty="0">
+            <a:rPr lang="en-US" sz="1600" kern="1200">
               <a:solidFill>
                 <a:prstClr val="black">
                   <a:hueOff val="0"/>
@@ -13348,10 +14181,10 @@
             <a:buChar char="o"/>
           </a:pPr>
           <a:r>
-            <a:rPr lang="en-US" sz="1300" kern="1200" dirty="0"/>
+            <a:rPr lang="en-US" sz="1300" kern="1200"/>
             <a:t> There appears to be a slight downward trend in the realization. </a:t>
           </a:r>
-          <a:endParaRPr lang="en-US" sz="1300" kern="1200" dirty="0">
+          <a:endParaRPr lang="en-US" sz="1300" kern="1200">
             <a:latin typeface="Abadi Extra Light" panose="020B0204020104020204" pitchFamily="34" charset="0"/>
           </a:endParaRPr>
         </a:p>
@@ -13370,7 +14203,7 @@
             <a:buChar char="o"/>
           </a:pPr>
           <a:r>
-            <a:rPr lang="en-US" sz="1300" kern="1200" dirty="0"/>
+            <a:rPr lang="en-US" sz="1300" kern="1200"/>
             <a:t> The spectral density shows a high peak at 0, which could be generated by a stationary or non-stationary process.</a:t>
           </a:r>
         </a:p>
@@ -13389,7 +14222,7 @@
             <a:buChar char="o"/>
           </a:pPr>
           <a:r>
-            <a:rPr lang="en-US" sz="1300" kern="1200" dirty="0"/>
+            <a:rPr lang="en-US" sz="1300" kern="1200"/>
             <a:t> The ACF shows a hint of extended autocorrelations, which could indicate a non-stationary process.</a:t>
           </a:r>
         </a:p>
@@ -13408,7 +14241,7 @@
             <a:buChar char="o"/>
           </a:pPr>
           <a:r>
-            <a:rPr lang="en-US" sz="1300" kern="1200" dirty="0"/>
+            <a:rPr lang="en-US" sz="1300" kern="1200"/>
             <a:t> Since the mean appears to change over time, this suggests a non-stationary process.</a:t>
           </a:r>
         </a:p>
@@ -13425,7 +14258,7 @@
             </a:spcAft>
             <a:buChar char="•"/>
           </a:pPr>
-          <a:endParaRPr lang="en-US" sz="1300" kern="1200" dirty="0"/>
+          <a:endParaRPr lang="en-US" sz="1300" kern="1200"/>
         </a:p>
         <a:p>
           <a:pPr marL="171450" lvl="1" indent="-171450" algn="l" defTabSz="711200">
@@ -13441,7 +14274,7 @@
             <a:buChar char="•"/>
           </a:pPr>
           <a:r>
-            <a:rPr lang="en-US" sz="1600" kern="1200" dirty="0">
+            <a:rPr lang="en-US" sz="1600" kern="1200">
               <a:solidFill>
                 <a:prstClr val="black">
                   <a:hueOff val="0"/>
@@ -13472,7 +14305,7 @@
             <a:buChar char="o"/>
           </a:pPr>
           <a:r>
-            <a:rPr lang="en-US" sz="1300" kern="1200" dirty="0">
+            <a:rPr lang="en-US" sz="1300" kern="1200">
               <a:solidFill>
                 <a:prstClr val="black">
                   <a:hueOff val="0"/>
@@ -13503,7 +14336,7 @@
             <a:buChar char="o"/>
           </a:pPr>
           <a:r>
-            <a:rPr lang="en-US" sz="1300" kern="1200" dirty="0">
+            <a:rPr lang="en-US" sz="1300" kern="1200">
               <a:solidFill>
                 <a:prstClr val="black">
                   <a:hueOff val="0"/>
@@ -13534,7 +14367,7 @@
             <a:buChar char="o"/>
           </a:pPr>
           <a:r>
-            <a:rPr lang="en-US" sz="1300" kern="1200" dirty="0">
+            <a:rPr lang="en-US" sz="1300" kern="1200">
               <a:solidFill>
                 <a:prstClr val="black">
                   <a:hueOff val="0"/>
@@ -13624,10 +14457,10 @@
             <a:buNone/>
           </a:pPr>
           <a:r>
-            <a:rPr lang="en-US" sz="1800" b="1" kern="1200" dirty="0"/>
+            <a:rPr lang="en-US" sz="1800" b="1" kern="1200"/>
             <a:t>Condition 1: Mean does not depend on time</a:t>
           </a:r>
-          <a:endParaRPr lang="en-US" sz="1800" kern="1200" dirty="0">
+          <a:endParaRPr lang="en-US" sz="1800" kern="1200">
             <a:latin typeface="Abadi Extra Light" panose="020B0204020104020204" pitchFamily="34" charset="0"/>
           </a:endParaRPr>
         </a:p>
@@ -13716,10 +14549,10 @@
             <a:buChar char="•"/>
           </a:pPr>
           <a:r>
-            <a:rPr lang="en-US" sz="1600" kern="1200" dirty="0"/>
+            <a:rPr lang="en-US" sz="1600" kern="1200"/>
             <a:t>Since only one realization is possible, it is difficult to assess the realization variance.</a:t>
           </a:r>
-          <a:endParaRPr lang="en-US" sz="1600" kern="1200" dirty="0">
+          <a:endParaRPr lang="en-US" sz="1600" kern="1200">
             <a:latin typeface="Calibri" panose="020F0502020204030204"/>
             <a:ea typeface="+mn-ea"/>
             <a:cs typeface="+mn-cs"/>
@@ -13738,7 +14571,7 @@
             </a:spcAft>
             <a:buChar char="•"/>
           </a:pPr>
-          <a:endParaRPr lang="en-US" sz="1600" kern="1200" dirty="0">
+          <a:endParaRPr lang="en-US" sz="1600" kern="1200">
             <a:solidFill>
               <a:prstClr val="black">
                 <a:hueOff val="0"/>
@@ -13766,7 +14599,7 @@
             <a:buChar char="•"/>
           </a:pPr>
           <a:r>
-            <a:rPr lang="en-US" sz="1600" kern="1200" dirty="0">
+            <a:rPr lang="en-US" sz="1600" kern="1200">
               <a:solidFill>
                 <a:prstClr val="black">
                   <a:hueOff val="0"/>
@@ -13795,7 +14628,7 @@
             </a:spcAft>
             <a:buChar char="•"/>
           </a:pPr>
-          <a:endParaRPr lang="en-US" sz="1600" kern="1200" dirty="0">
+          <a:endParaRPr lang="en-US" sz="1600" kern="1200">
             <a:solidFill>
               <a:prstClr val="black">
                 <a:hueOff val="0"/>
@@ -13823,7 +14656,7 @@
             <a:buChar char="•"/>
           </a:pPr>
           <a:r>
-            <a:rPr lang="en-US" sz="1600" kern="1200" dirty="0">
+            <a:rPr lang="en-US" sz="1600" kern="1200">
               <a:solidFill>
                 <a:prstClr val="black">
                   <a:hueOff val="0"/>
@@ -13913,10 +14746,10 @@
             <a:buNone/>
           </a:pPr>
           <a:r>
-            <a:rPr lang="en-US" sz="1800" b="1" kern="1200" dirty="0"/>
+            <a:rPr lang="en-US" sz="1800" b="1" kern="1200"/>
             <a:t>Condition 2: Variance does not depend on time</a:t>
           </a:r>
-          <a:endParaRPr lang="en-US" sz="1800" kern="1200" dirty="0">
+          <a:endParaRPr lang="en-US" sz="1800" kern="1200">
             <a:latin typeface="Abadi Extra Light" panose="020B0204020104020204" pitchFamily="34" charset="0"/>
           </a:endParaRPr>
         </a:p>
@@ -14005,10 +14838,10 @@
             <a:buChar char="•"/>
           </a:pPr>
           <a:r>
-            <a:rPr lang="en-US" sz="1600" kern="1200" dirty="0"/>
+            <a:rPr lang="en-US" sz="1600" kern="1200"/>
             <a:t>The ACFs of the first and second half exhibit different characteristics.</a:t>
           </a:r>
-          <a:endParaRPr lang="en-US" sz="1600" kern="1200" dirty="0">
+          <a:endParaRPr lang="en-US" sz="1600" kern="1200">
             <a:solidFill>
               <a:prstClr val="black">
                 <a:hueOff val="0"/>
@@ -14035,7 +14868,7 @@
             </a:spcAft>
             <a:buChar char="•"/>
           </a:pPr>
-          <a:endParaRPr lang="en-US" sz="1600" kern="1200" dirty="0">
+          <a:endParaRPr lang="en-US" sz="1600" kern="1200">
             <a:solidFill>
               <a:prstClr val="black">
                 <a:hueOff val="0"/>
@@ -14063,7 +14896,7 @@
             <a:buChar char="•"/>
           </a:pPr>
           <a:r>
-            <a:rPr lang="en-US" sz="1600" kern="1200" dirty="0">
+            <a:rPr lang="en-US" sz="1600" kern="1200">
               <a:solidFill>
                 <a:prstClr val="black">
                   <a:hueOff val="0"/>
@@ -14092,7 +14925,7 @@
             </a:spcAft>
             <a:buChar char="•"/>
           </a:pPr>
-          <a:endParaRPr lang="en-US" sz="1600" kern="1200" dirty="0">
+          <a:endParaRPr lang="en-US" sz="1600" kern="1200">
             <a:solidFill>
               <a:prstClr val="black">
                 <a:hueOff val="0"/>
@@ -14120,7 +14953,7 @@
             <a:buChar char="•"/>
           </a:pPr>
           <a:r>
-            <a:rPr lang="en-US" sz="1600" kern="1200" dirty="0">
+            <a:rPr lang="en-US" sz="1600" kern="1200">
               <a:solidFill>
                 <a:prstClr val="black">
                   <a:hueOff val="0"/>
@@ -14149,7 +14982,7 @@
             </a:spcAft>
             <a:buChar char="•"/>
           </a:pPr>
-          <a:endParaRPr lang="en-US" sz="1600" kern="1200" dirty="0">
+          <a:endParaRPr lang="en-US" sz="1600" kern="1200">
             <a:solidFill>
               <a:prstClr val="black">
                 <a:hueOff val="0"/>
@@ -14177,7 +15010,7 @@
             <a:buChar char="•"/>
           </a:pPr>
           <a:r>
-            <a:rPr lang="en-US" sz="1600" kern="1200" dirty="0">
+            <a:rPr lang="en-US" sz="1600" kern="1200">
               <a:solidFill>
                 <a:prstClr val="black">
                   <a:hueOff val="0"/>
@@ -14267,7 +15100,7 @@
             <a:buNone/>
           </a:pPr>
           <a:r>
-            <a:rPr lang="en-US" sz="1800" b="1" kern="1200" dirty="0"/>
+            <a:rPr lang="en-US" sz="1800" b="1" kern="1200"/>
             <a:t>Condition 3: The correlation of </a:t>
           </a:r>
           <a14:m xmlns:a14="http://schemas.microsoft.com/office/drawing/2010/main">
@@ -14319,7 +15152,7 @@
             </m:oMath>
           </a14:m>
           <a:r>
-            <a:rPr lang="en-US" sz="1800" b="1" kern="1200" dirty="0"/>
+            <a:rPr lang="en-US" sz="1800" b="1" kern="1200"/>
             <a:t> and </a:t>
           </a:r>
           <a14:m xmlns:a14="http://schemas.microsoft.com/office/drawing/2010/main">
@@ -14371,7 +15204,7 @@
             </m:oMath>
           </a14:m>
           <a:r>
-            <a:rPr lang="en-US" sz="1800" b="1" kern="1200" dirty="0"/>
+            <a:rPr lang="en-US" sz="1800" b="1" kern="1200"/>
             <a:t> depends only on </a:t>
           </a:r>
           <a14:m xmlns:a14="http://schemas.microsoft.com/office/drawing/2010/main">
@@ -14434,7 +15267,7 @@
               </m:sSub>
             </m:oMath>
           </a14:m>
-          <a:endParaRPr lang="en-US" sz="1800" kern="1200" dirty="0">
+          <a:endParaRPr lang="en-US" sz="1800" kern="1200">
             <a:latin typeface="Abadi Extra Light" panose="020B0204020104020204" pitchFamily="34" charset="0"/>
           </a:endParaRPr>
         </a:p>
@@ -14523,11 +15356,11 @@
             <a:buChar char="•"/>
           </a:pPr>
           <a:r>
-            <a:rPr lang="en-US" sz="1600" kern="1200" dirty="0"/>
+            <a:rPr lang="en-US" sz="1600" kern="1200"/>
             <a:t>Based on the analysis, there appears to be some evidence that the process is </a:t>
           </a:r>
           <a:r>
-            <a:rPr lang="en-US" sz="1600" kern="1200" dirty="0">
+            <a:rPr lang="en-US" sz="1600" kern="1200">
               <a:latin typeface="Calibri" panose="020F0502020204030204"/>
               <a:ea typeface="+mn-ea"/>
               <a:cs typeface="+mn-cs"/>
@@ -14548,7 +15381,7 @@
             </a:spcAft>
             <a:buChar char="•"/>
           </a:pPr>
-          <a:endParaRPr lang="en-US" sz="1600" kern="1200" dirty="0">
+          <a:endParaRPr lang="en-US" sz="1600" kern="1200">
             <a:solidFill>
               <a:prstClr val="black">
                 <a:hueOff val="0"/>
@@ -14576,7 +15409,7 @@
             <a:buChar char="•"/>
           </a:pPr>
           <a:r>
-            <a:rPr lang="en-US" sz="1600" kern="1200" dirty="0">
+            <a:rPr lang="en-US" sz="1600" kern="1200">
               <a:latin typeface="Calibri" panose="020F0502020204030204"/>
               <a:ea typeface="+mn-ea"/>
               <a:cs typeface="+mn-cs"/>
@@ -14597,7 +15430,7 @@
             </a:spcAft>
             <a:buChar char="•"/>
           </a:pPr>
-          <a:endParaRPr lang="en-US" sz="1600" kern="1200" dirty="0">
+          <a:endParaRPr lang="en-US" sz="1600" kern="1200">
             <a:solidFill>
               <a:prstClr val="black">
                 <a:hueOff val="0"/>
@@ -14625,7 +15458,7 @@
             <a:buChar char="•"/>
           </a:pPr>
           <a:r>
-            <a:rPr lang="en-US" sz="1600" b="1" kern="1200" dirty="0">
+            <a:rPr lang="en-US" sz="1600" b="1" kern="1200">
               <a:latin typeface="Calibri" panose="020F0502020204030204"/>
               <a:ea typeface="+mn-ea"/>
               <a:cs typeface="+mn-cs"/>
@@ -14707,10 +15540,10 @@
             <a:buNone/>
           </a:pPr>
           <a:r>
-            <a:rPr lang="en-US" sz="1800" b="1" kern="1200" dirty="0"/>
+            <a:rPr lang="en-US" sz="1800" b="1" kern="1200"/>
             <a:t>Conclusion</a:t>
           </a:r>
-          <a:endParaRPr lang="en-US" sz="1800" kern="1200" dirty="0">
+          <a:endParaRPr lang="en-US" sz="1800" kern="1200">
             <a:latin typeface="Abadi Extra Light" panose="020B0204020104020204" pitchFamily="34" charset="0"/>
           </a:endParaRPr>
         </a:p>
@@ -14804,7 +15637,7 @@
             </a:spcAft>
             <a:buChar char="•"/>
           </a:pPr>
-          <a:endParaRPr lang="en-US" sz="1400" kern="1200" dirty="0">
+          <a:endParaRPr lang="en-US" sz="1400" kern="1200">
             <a:cs typeface="Calibri Light"/>
           </a:endParaRPr>
         </a:p>
@@ -14822,7 +15655,7 @@
             <a:buChar char="•"/>
           </a:pPr>
           <a:r>
-            <a:rPr lang="en-US" sz="1400" kern="1200" dirty="0">
+            <a:rPr lang="en-US" sz="1400" kern="1200">
               <a:cs typeface="Calibri Light"/>
             </a:rPr>
             <a:t>Not sufficient to capture the trend in the data.</a:t>
@@ -14842,7 +15675,7 @@
             <a:buChar char="•"/>
           </a:pPr>
           <a:r>
-            <a:rPr lang="en-US" sz="1400" kern="1200" dirty="0">
+            <a:rPr lang="en-US" sz="1400" kern="1200">
               <a:cs typeface="Calibri Light"/>
             </a:rPr>
             <a:t>Residuals are not white noise.</a:t>
@@ -14922,7 +15755,7 @@
             <a:buNone/>
           </a:pPr>
           <a:r>
-            <a:rPr lang="en-US" sz="3000" kern="1200" dirty="0">
+            <a:rPr lang="en-US" sz="3000" kern="1200">
               <a:cs typeface="Calibri Light"/>
             </a:rPr>
             <a:t>Lower Ordered Models</a:t>
@@ -15006,7 +15839,7 @@
             </a:spcAft>
             <a:buChar char="•"/>
           </a:pPr>
-          <a:endParaRPr lang="en-US" sz="400" kern="1200" dirty="0">
+          <a:endParaRPr lang="en-US" sz="400" kern="1200">
             <a:solidFill>
               <a:prstClr val="black">
                 <a:hueOff val="0"/>
@@ -15034,7 +15867,7 @@
             <a:buChar char="•"/>
           </a:pPr>
           <a:r>
-            <a:rPr lang="en-US" sz="1400" kern="1200" dirty="0">
+            <a:rPr lang="en-US" sz="1400" kern="1200">
               <a:solidFill>
                 <a:prstClr val="black">
                   <a:hueOff val="0"/>
@@ -15064,7 +15897,7 @@
             <a:buChar char="•"/>
           </a:pPr>
           <a:r>
-            <a:rPr lang="en-US" sz="1400" kern="1200" dirty="0">
+            <a:rPr lang="en-US" sz="1400" kern="1200">
               <a:solidFill>
                 <a:prstClr val="black">
                   <a:hueOff val="0"/>
@@ -15094,7 +15927,7 @@
             <a:buChar char="•"/>
           </a:pPr>
           <a:r>
-            <a:rPr lang="en-US" sz="1400" kern="1200" dirty="0">
+            <a:rPr lang="en-US" sz="1400" kern="1200">
               <a:solidFill>
                 <a:prstClr val="black">
                   <a:hueOff val="0"/>
@@ -15184,7 +16017,7 @@
             <a:buNone/>
           </a:pPr>
           <a:r>
-            <a:rPr lang="en-US" sz="3000" kern="1200" dirty="0">
+            <a:rPr lang="en-US" sz="3000" kern="1200">
               <a:cs typeface="Calibri Light"/>
             </a:rPr>
             <a:t>Higher Ordered Models</a:t>
@@ -15268,7 +16101,7 @@
             </a:spcAft>
             <a:buChar char="•"/>
           </a:pPr>
-          <a:endParaRPr lang="en-US" sz="1400" kern="1200" dirty="0">
+          <a:endParaRPr lang="en-US" sz="1400" kern="1200">
             <a:cs typeface="Calibri Light" panose="020F0302020204030204"/>
           </a:endParaRPr>
         </a:p>
@@ -15286,7 +16119,7 @@
             <a:buChar char="•"/>
           </a:pPr>
           <a:r>
-            <a:rPr lang="en-US" sz="1400" kern="1200" dirty="0">
+            <a:rPr lang="en-US" sz="1400" kern="1200">
               <a:cs typeface="Calibri Light" panose="020F0302020204030204"/>
             </a:rPr>
             <a:t>ARMA captures characteristics of the data better than ARIMA</a:t>
@@ -15306,7 +16139,7 @@
             <a:buChar char="•"/>
           </a:pPr>
           <a:r>
-            <a:rPr lang="en-US" sz="1400" kern="1200" dirty="0">
+            <a:rPr lang="en-US" sz="1400" kern="1200">
               <a:cs typeface="Calibri Light" panose="020F0302020204030204"/>
             </a:rPr>
             <a:t>Mean ASE lower for ARMA although statistically not different.</a:t>
@@ -15386,7 +16219,7 @@
             <a:buNone/>
           </a:pPr>
           <a:r>
-            <a:rPr lang="en-US" sz="3000" kern="1200" dirty="0">
+            <a:rPr lang="en-US" sz="3000" kern="1200">
               <a:cs typeface="Calibri Light" panose="020F0302020204030204"/>
             </a:rPr>
             <a:t>ARMA(13,1) vs. ARIMA(11,1,0)</a:t>
@@ -15470,7 +16303,7 @@
             </a:spcAft>
             <a:buChar char="•"/>
           </a:pPr>
-          <a:endParaRPr lang="en-US" sz="1400" kern="1200" dirty="0">
+          <a:endParaRPr lang="en-US" sz="1400" kern="1200">
             <a:cs typeface="Calibri Light" panose="020F0302020204030204"/>
           </a:endParaRPr>
         </a:p>
@@ -15488,7 +16321,7 @@
             <a:buChar char="•"/>
           </a:pPr>
           <a:r>
-            <a:rPr lang="en-US" sz="1400" kern="1200" dirty="0">
+            <a:rPr lang="en-US" sz="1400" kern="1200">
               <a:cs typeface="Calibri Light" panose="020F0302020204030204"/>
             </a:rPr>
             <a:t>Modeling the GDP using univariate analysis is not easy. </a:t>
@@ -15508,7 +16341,7 @@
             <a:buChar char="•"/>
           </a:pPr>
           <a:r>
-            <a:rPr lang="en-US" sz="1400" kern="1200" dirty="0">
+            <a:rPr lang="en-US" sz="1400" kern="1200">
               <a:cs typeface="Calibri Light" panose="020F0302020204030204"/>
             </a:rPr>
             <a:t>Add exogenous variables to improve modeling.</a:t>
@@ -15588,7 +16421,7 @@
             <a:buNone/>
           </a:pPr>
           <a:r>
-            <a:rPr lang="en-US" sz="3000" kern="1200" dirty="0">
+            <a:rPr lang="en-US" sz="3000" kern="1200">
               <a:cs typeface="Calibri Light" panose="020F0302020204030204"/>
             </a:rPr>
             <a:t>Next Steps</a:t>
@@ -24422,7 +25255,7 @@
           <a:p>
             <a:fld id="{935336F5-A68D-9A4A-83AB-B8CD6FA5C732}" type="datetimeFigureOut">
               <a:rPr lang="en-US" smtClean="0"/>
-              <a:t>3/19/2020</a:t>
+              <a:t>3/21/2020</a:t>
             </a:fld>
             <a:endParaRPr lang="en-US"/>
           </a:p>
@@ -24817,7 +25650,7 @@
           <a:bodyPr/>
           <a:lstStyle/>
           <a:p>
-            <a:endParaRPr lang="en-US" dirty="0"/>
+            <a:endParaRPr lang="en-US"/>
           </a:p>
         </p:txBody>
       </p:sp>
@@ -24838,7 +25671,7 @@
           <a:p>
             <a:fld id="{BAA9633A-392A-4347-9D1C-FF5FFE9476B1}" type="slidenum">
               <a:rPr lang="en-US" smtClean="0"/>
-              <a:t>18</a:t>
+              <a:t>17</a:t>
             </a:fld>
             <a:endParaRPr lang="en-US"/>
           </a:p>
@@ -24986,7 +25819,7 @@
           <a:p>
             <a:fld id="{C764DE79-268F-4C1A-8933-263129D2AF90}" type="datetimeFigureOut">
               <a:rPr lang="en-US" dirty="0"/>
-              <a:t>3/19/2020</a:t>
+              <a:t>3/21/2020</a:t>
             </a:fld>
             <a:endParaRPr lang="en-US"/>
           </a:p>
@@ -25045,11 +25878,11 @@
   <p:clrMapOvr>
     <a:masterClrMapping/>
   </p:clrMapOvr>
-  <mc:AlternateContent xmlns:mc="http://schemas.openxmlformats.org/markup-compatibility/2006" xmlns:p14="http://schemas.microsoft.com/office/powerpoint/2010/main">
-    <mc:Choice Requires="p14">
+  <mc:AlternateContent xmlns:mc="http://schemas.openxmlformats.org/markup-compatibility/2006">
+    <mc:Choice xmlns:p14="http://schemas.microsoft.com/office/powerpoint/2010/main" Requires="p14">
       <p:transition p14:dur="10" advClick="0"/>
     </mc:Choice>
-    <mc:Fallback xmlns="">
+    <mc:Fallback>
       <p:transition advClick="0"/>
     </mc:Fallback>
   </mc:AlternateContent>
@@ -25163,7 +25996,7 @@
           <a:p>
             <a:fld id="{D8AC05B1-2526-7C44-8A74-66C916069F4A}" type="datetime1">
               <a:rPr lang="en-US" smtClean="0"/>
-              <a:t>3/19/2020</a:t>
+              <a:t>3/21/2020</a:t>
             </a:fld>
             <a:endParaRPr lang="en-US"/>
           </a:p>
@@ -25221,11 +26054,11 @@
   <p:clrMapOvr>
     <a:masterClrMapping/>
   </p:clrMapOvr>
-  <mc:AlternateContent xmlns:mc="http://schemas.openxmlformats.org/markup-compatibility/2006" xmlns:p14="http://schemas.microsoft.com/office/powerpoint/2010/main">
-    <mc:Choice Requires="p14">
+  <mc:AlternateContent xmlns:mc="http://schemas.openxmlformats.org/markup-compatibility/2006">
+    <mc:Choice xmlns:p14="http://schemas.microsoft.com/office/powerpoint/2010/main" Requires="p14">
       <p:transition p14:dur="10" advClick="0"/>
     </mc:Choice>
-    <mc:Fallback xmlns="">
+    <mc:Fallback>
       <p:transition advClick="0"/>
     </mc:Fallback>
   </mc:AlternateContent>
@@ -25349,7 +26182,7 @@
           <a:p>
             <a:fld id="{C0E5C021-D243-504D-84B8-D45D829E8B6B}" type="datetime1">
               <a:rPr lang="en-US" smtClean="0"/>
-              <a:t>3/19/2020</a:t>
+              <a:t>3/21/2020</a:t>
             </a:fld>
             <a:endParaRPr lang="en-US"/>
           </a:p>
@@ -25407,11 +26240,11 @@
   <p:clrMapOvr>
     <a:masterClrMapping/>
   </p:clrMapOvr>
-  <mc:AlternateContent xmlns:mc="http://schemas.openxmlformats.org/markup-compatibility/2006" xmlns:p14="http://schemas.microsoft.com/office/powerpoint/2010/main">
-    <mc:Choice Requires="p14">
+  <mc:AlternateContent xmlns:mc="http://schemas.openxmlformats.org/markup-compatibility/2006">
+    <mc:Choice xmlns:p14="http://schemas.microsoft.com/office/powerpoint/2010/main" Requires="p14">
       <p:transition p14:dur="10" advClick="0"/>
     </mc:Choice>
-    <mc:Fallback xmlns="">
+    <mc:Fallback>
       <p:transition advClick="0"/>
     </mc:Fallback>
   </mc:AlternateContent>
@@ -25525,7 +26358,7 @@
           <a:p>
             <a:fld id="{B6F93F85-28A1-8344-9763-EF19E19F9128}" type="datetime1">
               <a:rPr lang="en-US" smtClean="0"/>
-              <a:t>3/19/2020</a:t>
+              <a:t>3/21/2020</a:t>
             </a:fld>
             <a:endParaRPr lang="en-US"/>
           </a:p>
@@ -25584,11 +26417,11 @@
   <p:clrMapOvr>
     <a:masterClrMapping/>
   </p:clrMapOvr>
-  <mc:AlternateContent xmlns:mc="http://schemas.openxmlformats.org/markup-compatibility/2006" xmlns:p14="http://schemas.microsoft.com/office/powerpoint/2010/main">
-    <mc:Choice Requires="p14">
+  <mc:AlternateContent xmlns:mc="http://schemas.openxmlformats.org/markup-compatibility/2006">
+    <mc:Choice xmlns:p14="http://schemas.microsoft.com/office/powerpoint/2010/main" Requires="p14">
       <p:transition p14:dur="10" advClick="0"/>
     </mc:Choice>
-    <mc:Fallback xmlns="">
+    <mc:Fallback>
       <p:transition advClick="0"/>
     </mc:Fallback>
   </mc:AlternateContent>
@@ -25777,7 +26610,7 @@
           <a:p>
             <a:fld id="{A2B5E9FB-9AD4-754B-A772-6D3733DD5BAC}" type="datetime1">
               <a:rPr lang="en-US" smtClean="0"/>
-              <a:t>3/19/2020</a:t>
+              <a:t>3/21/2020</a:t>
             </a:fld>
             <a:endParaRPr lang="en-US"/>
           </a:p>
@@ -25835,11 +26668,11 @@
   <p:clrMapOvr>
     <a:masterClrMapping/>
   </p:clrMapOvr>
-  <mc:AlternateContent xmlns:mc="http://schemas.openxmlformats.org/markup-compatibility/2006" xmlns:p14="http://schemas.microsoft.com/office/powerpoint/2010/main">
-    <mc:Choice Requires="p14">
+  <mc:AlternateContent xmlns:mc="http://schemas.openxmlformats.org/markup-compatibility/2006">
+    <mc:Choice xmlns:p14="http://schemas.microsoft.com/office/powerpoint/2010/main" Requires="p14">
       <p:transition p14:dur="10" advClick="0"/>
     </mc:Choice>
-    <mc:Fallback xmlns="">
+    <mc:Fallback>
       <p:transition advClick="0"/>
     </mc:Fallback>
   </mc:AlternateContent>
@@ -26014,7 +26847,7 @@
           <a:p>
             <a:fld id="{3140DF9E-9222-EE48-A64D-28DE5FAE4784}" type="datetime1">
               <a:rPr lang="en-US" smtClean="0"/>
-              <a:t>3/19/2020</a:t>
+              <a:t>3/21/2020</a:t>
             </a:fld>
             <a:endParaRPr lang="en-US"/>
           </a:p>
@@ -26072,11 +26905,11 @@
   <p:clrMapOvr>
     <a:masterClrMapping/>
   </p:clrMapOvr>
-  <mc:AlternateContent xmlns:mc="http://schemas.openxmlformats.org/markup-compatibility/2006" xmlns:p14="http://schemas.microsoft.com/office/powerpoint/2010/main">
-    <mc:Choice Requires="p14">
+  <mc:AlternateContent xmlns:mc="http://schemas.openxmlformats.org/markup-compatibility/2006">
+    <mc:Choice xmlns:p14="http://schemas.microsoft.com/office/powerpoint/2010/main" Requires="p14">
       <p:transition p14:dur="10" advClick="0"/>
     </mc:Choice>
-    <mc:Fallback xmlns="">
+    <mc:Fallback>
       <p:transition advClick="0"/>
     </mc:Fallback>
   </mc:AlternateContent>
@@ -26386,7 +27219,7 @@
           <a:p>
             <a:fld id="{A61490FA-57A5-0041-9FDC-ACD83A9AA0E7}" type="datetime1">
               <a:rPr lang="en-US" smtClean="0"/>
-              <a:t>3/19/2020</a:t>
+              <a:t>3/21/2020</a:t>
             </a:fld>
             <a:endParaRPr lang="en-US"/>
           </a:p>
@@ -26444,11 +27277,11 @@
   <p:clrMapOvr>
     <a:masterClrMapping/>
   </p:clrMapOvr>
-  <mc:AlternateContent xmlns:mc="http://schemas.openxmlformats.org/markup-compatibility/2006" xmlns:p14="http://schemas.microsoft.com/office/powerpoint/2010/main">
-    <mc:Choice Requires="p14">
+  <mc:AlternateContent xmlns:mc="http://schemas.openxmlformats.org/markup-compatibility/2006">
+    <mc:Choice xmlns:p14="http://schemas.microsoft.com/office/powerpoint/2010/main" Requires="p14">
       <p:transition p14:dur="10" advClick="0"/>
     </mc:Choice>
-    <mc:Fallback xmlns="">
+    <mc:Fallback>
       <p:transition advClick="0"/>
     </mc:Fallback>
   </mc:AlternateContent>
@@ -26511,7 +27344,7 @@
           <a:p>
             <a:fld id="{7E8290BC-2F66-E549-BF33-0BE20A5801B5}" type="datetime1">
               <a:rPr lang="en-US" smtClean="0"/>
-              <a:t>3/19/2020</a:t>
+              <a:t>3/21/2020</a:t>
             </a:fld>
             <a:endParaRPr lang="en-US"/>
           </a:p>
@@ -26569,11 +27402,11 @@
   <p:clrMapOvr>
     <a:masterClrMapping/>
   </p:clrMapOvr>
-  <mc:AlternateContent xmlns:mc="http://schemas.openxmlformats.org/markup-compatibility/2006" xmlns:p14="http://schemas.microsoft.com/office/powerpoint/2010/main">
-    <mc:Choice Requires="p14">
+  <mc:AlternateContent xmlns:mc="http://schemas.openxmlformats.org/markup-compatibility/2006">
+    <mc:Choice xmlns:p14="http://schemas.microsoft.com/office/powerpoint/2010/main" Requires="p14">
       <p:transition p14:dur="10" advClick="0"/>
     </mc:Choice>
-    <mc:Fallback xmlns="">
+    <mc:Fallback>
       <p:transition advClick="0"/>
     </mc:Fallback>
   </mc:AlternateContent>
@@ -26614,7 +27447,7 @@
           <a:p>
             <a:fld id="{3BC728CC-7587-8545-9431-C9A8BB34EC62}" type="datetime1">
               <a:rPr lang="en-US" smtClean="0"/>
-              <a:t>3/19/2020</a:t>
+              <a:t>3/21/2020</a:t>
             </a:fld>
             <a:endParaRPr lang="en-US"/>
           </a:p>
@@ -26672,11 +27505,11 @@
   <p:clrMapOvr>
     <a:masterClrMapping/>
   </p:clrMapOvr>
-  <mc:AlternateContent xmlns:mc="http://schemas.openxmlformats.org/markup-compatibility/2006" xmlns:p14="http://schemas.microsoft.com/office/powerpoint/2010/main">
-    <mc:Choice Requires="p14">
+  <mc:AlternateContent xmlns:mc="http://schemas.openxmlformats.org/markup-compatibility/2006">
+    <mc:Choice xmlns:p14="http://schemas.microsoft.com/office/powerpoint/2010/main" Requires="p14">
       <p:transition p14:dur="10" advClick="0"/>
     </mc:Choice>
-    <mc:Fallback xmlns="">
+    <mc:Fallback>
       <p:transition advClick="0"/>
     </mc:Fallback>
   </mc:AlternateContent>
@@ -26897,7 +27730,7 @@
           <a:p>
             <a:fld id="{9A66CD15-5422-0542-9CE8-BC312846333A}" type="datetime1">
               <a:rPr lang="en-US" smtClean="0"/>
-              <a:t>3/19/2020</a:t>
+              <a:t>3/21/2020</a:t>
             </a:fld>
             <a:endParaRPr lang="en-US"/>
           </a:p>
@@ -26955,11 +27788,11 @@
   <p:clrMapOvr>
     <a:masterClrMapping/>
   </p:clrMapOvr>
-  <mc:AlternateContent xmlns:mc="http://schemas.openxmlformats.org/markup-compatibility/2006" xmlns:p14="http://schemas.microsoft.com/office/powerpoint/2010/main">
-    <mc:Choice Requires="p14">
+  <mc:AlternateContent xmlns:mc="http://schemas.openxmlformats.org/markup-compatibility/2006">
+    <mc:Choice xmlns:p14="http://schemas.microsoft.com/office/powerpoint/2010/main" Requires="p14">
       <p:transition p14:dur="10" advClick="0"/>
     </mc:Choice>
-    <mc:Fallback xmlns="">
+    <mc:Fallback>
       <p:transition advClick="0"/>
     </mc:Fallback>
   </mc:AlternateContent>
@@ -27160,7 +27993,7 @@
           <a:p>
             <a:fld id="{2A2384D1-AE54-4D4A-B83F-6EAD03BEB987}" type="datetime1">
               <a:rPr lang="en-US" smtClean="0"/>
-              <a:t>3/19/2020</a:t>
+              <a:t>3/21/2020</a:t>
             </a:fld>
             <a:endParaRPr lang="en-US"/>
           </a:p>
@@ -27218,11 +28051,11 @@
   <p:clrMapOvr>
     <a:masterClrMapping/>
   </p:clrMapOvr>
-  <mc:AlternateContent xmlns:mc="http://schemas.openxmlformats.org/markup-compatibility/2006" xmlns:p14="http://schemas.microsoft.com/office/powerpoint/2010/main">
-    <mc:Choice Requires="p14">
+  <mc:AlternateContent xmlns:mc="http://schemas.openxmlformats.org/markup-compatibility/2006">
+    <mc:Choice xmlns:p14="http://schemas.microsoft.com/office/powerpoint/2010/main" Requires="p14">
       <p:transition p14:dur="10" advClick="0"/>
     </mc:Choice>
-    <mc:Fallback xmlns="">
+    <mc:Fallback>
       <p:transition advClick="0"/>
     </mc:Fallback>
   </mc:AlternateContent>
@@ -27379,7 +28212,7 @@
           <a:p>
             <a:fld id="{C764DE79-268F-4C1A-8933-263129D2AF90}" type="datetimeFigureOut">
               <a:rPr lang="en-US" smtClean="0"/>
-              <a:t>3/19/2020</a:t>
+              <a:t>3/21/2020</a:t>
             </a:fld>
             <a:endParaRPr lang="en-US"/>
           </a:p>
@@ -27712,11 +28545,11 @@
     <p:sldLayoutId id="2147483694" r:id="rId10"/>
     <p:sldLayoutId id="2147483695" r:id="rId11"/>
   </p:sldLayoutIdLst>
-  <mc:AlternateContent xmlns:mc="http://schemas.openxmlformats.org/markup-compatibility/2006" xmlns:p14="http://schemas.microsoft.com/office/powerpoint/2010/main">
-    <mc:Choice Requires="p14">
+  <mc:AlternateContent xmlns:mc="http://schemas.openxmlformats.org/markup-compatibility/2006">
+    <mc:Choice xmlns:p14="http://schemas.microsoft.com/office/powerpoint/2010/main" Requires="p14">
       <p:transition p14:dur="10" advClick="0"/>
     </mc:Choice>
-    <mc:Fallback xmlns="">
+    <mc:Fallback>
       <p:transition advClick="0"/>
     </mc:Fallback>
   </mc:AlternateContent>
@@ -28039,13 +28872,13 @@
           <a:lstStyle/>
           <a:p>
             <a:r>
-              <a:rPr lang="en-US" dirty="0">
+              <a:rPr lang="en-US">
                 <a:latin typeface="Arial"/>
                 <a:cs typeface="Arial"/>
               </a:rPr>
               <a:t>Forecasting the Next Recession</a:t>
             </a:r>
-            <a:endParaRPr lang="en-US" dirty="0"/>
+            <a:endParaRPr lang="en-US"/>
           </a:p>
         </p:txBody>
       </p:sp>
@@ -28066,20 +28899,20 @@
           </a:bodyPr>
           <a:lstStyle/>
           <a:p>
-            <a:endParaRPr lang="en-US" dirty="0">
+            <a:endParaRPr lang="en-US">
               <a:latin typeface="Arial"/>
               <a:cs typeface="Arial"/>
             </a:endParaRPr>
           </a:p>
           <a:p>
             <a:r>
-              <a:rPr lang="en-US" dirty="0"/>
+              <a:rPr lang="en-US"/>
               <a:t>Nikhil Gupta</a:t>
             </a:r>
           </a:p>
           <a:p>
             <a:r>
-              <a:rPr lang="en-US" dirty="0"/>
+              <a:rPr lang="en-US"/>
               <a:t>Stuart Miller</a:t>
             </a:r>
           </a:p>
@@ -28118,12 +28951,12 @@
   <p:clrMapOvr>
     <a:masterClrMapping/>
   </p:clrMapOvr>
-  <mc:AlternateContent xmlns:mc="http://schemas.openxmlformats.org/markup-compatibility/2006" xmlns:p14="http://schemas.microsoft.com/office/powerpoint/2010/main">
-    <mc:Choice Requires="p14">
-      <p:transition p14:dur="10" advClick="0"/>
+  <mc:AlternateContent xmlns:mc="http://schemas.openxmlformats.org/markup-compatibility/2006">
+    <mc:Choice xmlns:p14="http://schemas.microsoft.com/office/powerpoint/2010/main" Requires="p14">
+      <p:transition p14:dur="10" advClick="0" advTm="10430"/>
     </mc:Choice>
-    <mc:Fallback xmlns="">
-      <p:transition advClick="0"/>
+    <mc:Fallback>
+      <p:transition advClick="0" advTm="10430"/>
     </mc:Fallback>
   </mc:AlternateContent>
 </p:sld>
@@ -28154,6 +28987,194 @@
           <a:chExt cx="0" cy="0"/>
         </a:xfrm>
       </p:grpSpPr>
+      <p:grpSp>
+        <p:nvGrpSpPr>
+          <p:cNvPr id="11" name="ARMA(2,1) White Noise">
+            <a:extLst>
+              <a:ext uri="{FF2B5EF4-FFF2-40B4-BE49-F238E27FC236}">
+                <a16:creationId xmlns:a16="http://schemas.microsoft.com/office/drawing/2014/main" id="{D6A5462E-8CE3-4922-9382-BD91F4AD3E7E}"/>
+              </a:ext>
+            </a:extLst>
+          </p:cNvPr>
+          <p:cNvGrpSpPr/>
+          <p:nvPr/>
+        </p:nvGrpSpPr>
+        <p:grpSpPr>
+          <a:xfrm>
+            <a:off x="4572000" y="1947096"/>
+            <a:ext cx="4494109" cy="3697896"/>
+            <a:chOff x="4572000" y="1947096"/>
+            <a:chExt cx="4494109" cy="3697896"/>
+          </a:xfrm>
+        </p:grpSpPr>
+        <p:pic>
+          <p:nvPicPr>
+            <p:cNvPr id="3" name="Picture 2">
+              <a:extLst>
+                <a:ext uri="{FF2B5EF4-FFF2-40B4-BE49-F238E27FC236}">
+                  <a16:creationId xmlns:a16="http://schemas.microsoft.com/office/drawing/2014/main" id="{D1654EE3-8586-4DAB-A2C2-35C983AEFC8A}"/>
+                </a:ext>
+              </a:extLst>
+            </p:cNvPr>
+            <p:cNvPicPr>
+              <a:picLocks noChangeAspect="1"/>
+            </p:cNvPicPr>
+            <p:nvPr/>
+          </p:nvPicPr>
+          <p:blipFill>
+            <a:blip r:embed="rId2"/>
+            <a:stretch>
+              <a:fillRect/>
+            </a:stretch>
+          </p:blipFill>
+          <p:spPr>
+            <a:xfrm>
+              <a:off x="4572000" y="1947096"/>
+              <a:ext cx="4494109" cy="3167213"/>
+            </a:xfrm>
+            <a:prstGeom prst="rect">
+              <a:avLst/>
+            </a:prstGeom>
+          </p:spPr>
+        </p:pic>
+        <p:sp>
+          <p:nvSpPr>
+            <p:cNvPr id="10" name="TextBox 9">
+              <a:extLst>
+                <a:ext uri="{FF2B5EF4-FFF2-40B4-BE49-F238E27FC236}">
+                  <a16:creationId xmlns:a16="http://schemas.microsoft.com/office/drawing/2014/main" id="{0753EA8D-023B-4488-83A4-2CFA84362F76}"/>
+                </a:ext>
+              </a:extLst>
+            </p:cNvPr>
+            <p:cNvSpPr txBox="1"/>
+            <p:nvPr/>
+          </p:nvSpPr>
+          <p:spPr>
+            <a:xfrm>
+              <a:off x="5122416" y="5275660"/>
+              <a:ext cx="3622089" cy="369332"/>
+            </a:xfrm>
+            <a:prstGeom prst="rect">
+              <a:avLst/>
+            </a:prstGeom>
+            <a:noFill/>
+          </p:spPr>
+          <p:txBody>
+            <a:bodyPr wrap="square" rtlCol="0">
+              <a:spAutoFit/>
+            </a:bodyPr>
+            <a:lstStyle/>
+            <a:p>
+              <a:r>
+                <a:rPr lang="en-US" b="1">
+                  <a:highlight>
+                    <a:srgbClr val="FFFF00"/>
+                  </a:highlight>
+                </a:rPr>
+                <a:t>ARMA(2,1)</a:t>
+              </a:r>
+              <a:r>
+                <a:rPr lang="en-US" b="1"/>
+                <a:t> White Noise Evaluation</a:t>
+              </a:r>
+            </a:p>
+          </p:txBody>
+        </p:sp>
+      </p:grpSp>
+      <p:grpSp>
+        <p:nvGrpSpPr>
+          <p:cNvPr id="13" name="ARIMA(0,1,1) White Noise">
+            <a:extLst>
+              <a:ext uri="{FF2B5EF4-FFF2-40B4-BE49-F238E27FC236}">
+                <a16:creationId xmlns:a16="http://schemas.microsoft.com/office/drawing/2014/main" id="{46870159-3E77-4699-BB22-B195D1924997}"/>
+              </a:ext>
+            </a:extLst>
+          </p:cNvPr>
+          <p:cNvGrpSpPr/>
+          <p:nvPr/>
+        </p:nvGrpSpPr>
+        <p:grpSpPr>
+          <a:xfrm>
+            <a:off x="4475432" y="1947096"/>
+            <a:ext cx="4474447" cy="3757490"/>
+            <a:chOff x="4351145" y="2090907"/>
+            <a:chExt cx="4474447" cy="3757490"/>
+          </a:xfrm>
+        </p:grpSpPr>
+        <p:pic>
+          <p:nvPicPr>
+            <p:cNvPr id="7" name="Picture 6">
+              <a:extLst>
+                <a:ext uri="{FF2B5EF4-FFF2-40B4-BE49-F238E27FC236}">
+                  <a16:creationId xmlns:a16="http://schemas.microsoft.com/office/drawing/2014/main" id="{026B1201-C3B5-4684-B73F-ADA6ABEBCB9A}"/>
+                </a:ext>
+              </a:extLst>
+            </p:cNvPr>
+            <p:cNvPicPr>
+              <a:picLocks noChangeAspect="1"/>
+            </p:cNvPicPr>
+            <p:nvPr/>
+          </p:nvPicPr>
+          <p:blipFill>
+            <a:blip r:embed="rId3"/>
+            <a:stretch>
+              <a:fillRect/>
+            </a:stretch>
+          </p:blipFill>
+          <p:spPr>
+            <a:xfrm>
+              <a:off x="4351145" y="2090907"/>
+              <a:ext cx="4474447" cy="3184753"/>
+            </a:xfrm>
+            <a:prstGeom prst="rect">
+              <a:avLst/>
+            </a:prstGeom>
+          </p:spPr>
+        </p:pic>
+        <p:sp>
+          <p:nvSpPr>
+            <p:cNvPr id="12" name="TextBox 11">
+              <a:extLst>
+                <a:ext uri="{FF2B5EF4-FFF2-40B4-BE49-F238E27FC236}">
+                  <a16:creationId xmlns:a16="http://schemas.microsoft.com/office/drawing/2014/main" id="{9D2882F1-E479-4D1F-9982-55DE93B32BFD}"/>
+                </a:ext>
+              </a:extLst>
+            </p:cNvPr>
+            <p:cNvSpPr txBox="1"/>
+            <p:nvPr/>
+          </p:nvSpPr>
+          <p:spPr>
+            <a:xfrm>
+              <a:off x="4873841" y="5479065"/>
+              <a:ext cx="3796207" cy="369332"/>
+            </a:xfrm>
+            <a:prstGeom prst="rect">
+              <a:avLst/>
+            </a:prstGeom>
+            <a:noFill/>
+          </p:spPr>
+          <p:txBody>
+            <a:bodyPr wrap="square" rtlCol="0">
+              <a:spAutoFit/>
+            </a:bodyPr>
+            <a:lstStyle/>
+            <a:p>
+              <a:r>
+                <a:rPr lang="en-US" b="1">
+                  <a:highlight>
+                    <a:srgbClr val="FFFF00"/>
+                  </a:highlight>
+                </a:rPr>
+                <a:t>ARIMA(0,1,1) </a:t>
+              </a:r>
+              <a:r>
+                <a:rPr lang="en-US" b="1"/>
+                <a:t>White Noise Evaluation</a:t>
+              </a:r>
+            </a:p>
+          </p:txBody>
+        </p:sp>
+      </p:grpSp>
       <p:sp>
         <p:nvSpPr>
           <p:cNvPr id="21" name="Rectangle 11">
@@ -28270,7 +29291,7 @@
           <a:p>
             <a:pPr algn="ctr"/>
             <a:r>
-              <a:rPr lang="en-US" sz="4800" kern="1200" dirty="0">
+              <a:rPr lang="en-US" sz="3600" kern="1200">
                 <a:solidFill>
                   <a:schemeClr val="bg1"/>
                 </a:solidFill>
@@ -28278,16 +29299,19 @@
                 <a:ea typeface="+mj-ea"/>
                 <a:cs typeface="+mj-cs"/>
               </a:rPr>
-              <a:t>Model Comparison</a:t>
+              <a:t>Model Comparison: </a:t>
             </a:r>
-            <a:endParaRPr lang="en-US" sz="4800" kern="1200" dirty="0">
-              <a:solidFill>
-                <a:srgbClr val="FFFF00"/>
-              </a:solidFill>
-              <a:latin typeface="+mj-lt"/>
-              <a:ea typeface="+mj-ea"/>
-              <a:cs typeface="+mj-cs"/>
-            </a:endParaRPr>
+            <a:r>
+              <a:rPr lang="en-US" sz="3600" kern="1200">
+                <a:solidFill>
+                  <a:srgbClr val="FFFF00"/>
+                </a:solidFill>
+                <a:latin typeface="+mj-lt"/>
+                <a:ea typeface="+mj-ea"/>
+                <a:cs typeface="+mj-cs"/>
+              </a:rPr>
+              <a:t>White Noise Evaluation</a:t>
+            </a:r>
           </a:p>
         </p:txBody>
       </p:sp>
@@ -28400,417 +29424,6 @@
         <p:spPr>
           <a:xfrm>
             <a:off x="266329" y="1582340"/>
-            <a:ext cx="8559263" cy="1200329"/>
-          </a:xfrm>
-          <a:prstGeom prst="rect">
-            <a:avLst/>
-          </a:prstGeom>
-          <a:noFill/>
-        </p:spPr>
-        <p:txBody>
-          <a:bodyPr wrap="square" rtlCol="0">
-            <a:spAutoFit/>
-          </a:bodyPr>
-          <a:lstStyle/>
-          <a:p>
-            <a:pPr marL="285750" indent="-285750">
-              <a:buFont typeface="Arial" panose="020B0604020202020204" pitchFamily="34" charset="0"/>
-              <a:buChar char="•"/>
-            </a:pPr>
-            <a:r>
-              <a:rPr lang="en-US" dirty="0"/>
-              <a:t>Model Comparison was done using the </a:t>
-            </a:r>
-            <a:r>
-              <a:rPr lang="en-US" dirty="0" err="1"/>
-              <a:t>ModelCompareUnivariate</a:t>
-            </a:r>
-            <a:r>
-              <a:rPr lang="en-US" dirty="0"/>
-              <a:t> class object available in the </a:t>
-            </a:r>
-            <a:r>
-              <a:rPr lang="en-US" dirty="0" err="1"/>
-              <a:t>tswgewrapped</a:t>
-            </a:r>
-            <a:r>
-              <a:rPr lang="en-US" dirty="0"/>
-              <a:t> package. </a:t>
-            </a:r>
-          </a:p>
-          <a:p>
-            <a:pPr marL="285750" indent="-285750">
-              <a:buFont typeface="Arial" panose="020B0604020202020204" pitchFamily="34" charset="0"/>
-              <a:buChar char="•"/>
-            </a:pPr>
-            <a:r>
-              <a:rPr lang="en-US" dirty="0"/>
-              <a:t>Note that this class was developed by our team.</a:t>
-            </a:r>
-          </a:p>
-          <a:p>
-            <a:pPr marL="285750" indent="-285750">
-              <a:buFont typeface="Arial" panose="020B0604020202020204" pitchFamily="34" charset="0"/>
-              <a:buChar char="•"/>
-            </a:pPr>
-            <a:endParaRPr lang="en-US" dirty="0"/>
-          </a:p>
-        </p:txBody>
-      </p:sp>
-      <p:pic>
-        <p:nvPicPr>
-          <p:cNvPr id="5" name="Picture 4">
-            <a:extLst>
-              <a:ext uri="{FF2B5EF4-FFF2-40B4-BE49-F238E27FC236}">
-                <a16:creationId xmlns:a16="http://schemas.microsoft.com/office/drawing/2014/main" id="{310265F4-9F30-42B2-8BA0-17EEA6030891}"/>
-              </a:ext>
-            </a:extLst>
-          </p:cNvPr>
-          <p:cNvPicPr>
-            <a:picLocks noChangeAspect="1"/>
-          </p:cNvPicPr>
-          <p:nvPr/>
-        </p:nvPicPr>
-        <p:blipFill>
-          <a:blip r:embed="rId2"/>
-          <a:stretch>
-            <a:fillRect/>
-          </a:stretch>
-        </p:blipFill>
-        <p:spPr>
-          <a:xfrm>
-            <a:off x="628648" y="3428999"/>
-            <a:ext cx="8251957" cy="3362418"/>
-          </a:xfrm>
-          <a:prstGeom prst="rect">
-            <a:avLst/>
-          </a:prstGeom>
-        </p:spPr>
-      </p:pic>
-      <p:pic>
-        <p:nvPicPr>
-          <p:cNvPr id="6" name="Picture 5">
-            <a:extLst>
-              <a:ext uri="{FF2B5EF4-FFF2-40B4-BE49-F238E27FC236}">
-                <a16:creationId xmlns:a16="http://schemas.microsoft.com/office/drawing/2014/main" id="{C1167962-FD28-45CC-857D-2CD59FAE90D8}"/>
-              </a:ext>
-            </a:extLst>
-          </p:cNvPr>
-          <p:cNvPicPr>
-            <a:picLocks noChangeAspect="1"/>
-          </p:cNvPicPr>
-          <p:nvPr/>
-        </p:nvPicPr>
-        <p:blipFill rotWithShape="1">
-          <a:blip r:embed="rId3"/>
-          <a:srcRect t="44214"/>
-          <a:stretch/>
-        </p:blipFill>
-        <p:spPr>
-          <a:xfrm>
-            <a:off x="575380" y="2782668"/>
-            <a:ext cx="4864177" cy="646331"/>
-          </a:xfrm>
-          <a:prstGeom prst="rect">
-            <a:avLst/>
-          </a:prstGeom>
-        </p:spPr>
-      </p:pic>
-    </p:spTree>
-    <p:extLst>
-      <p:ext uri="{BB962C8B-B14F-4D97-AF65-F5344CB8AC3E}">
-        <p14:creationId xmlns:p14="http://schemas.microsoft.com/office/powerpoint/2010/main" val="3362703317"/>
-      </p:ext>
-    </p:extLst>
-  </p:cSld>
-  <p:clrMapOvr>
-    <a:masterClrMapping/>
-  </p:clrMapOvr>
-  <mc:AlternateContent xmlns:mc="http://schemas.openxmlformats.org/markup-compatibility/2006" xmlns:p14="http://schemas.microsoft.com/office/powerpoint/2010/main">
-    <mc:Choice Requires="p14">
-      <p:transition p14:dur="10" advClick="0"/>
-    </mc:Choice>
-    <mc:Fallback xmlns="">
-      <p:transition advClick="0"/>
-    </mc:Fallback>
-  </mc:AlternateContent>
-</p:sld>
-</file>
-
-<file path=ppt/slides/slide11.xml><?xml version="1.0" encoding="utf-8"?>
-<p:sld xmlns:a="http://schemas.openxmlformats.org/drawingml/2006/main" xmlns:r="http://schemas.openxmlformats.org/officeDocument/2006/relationships" xmlns:p="http://schemas.openxmlformats.org/presentationml/2006/main">
-  <p:cSld>
-    <p:bg>
-      <p:bgPr>
-        <a:solidFill>
-          <a:schemeClr val="bg1"/>
-        </a:solidFill>
-        <a:effectLst/>
-      </p:bgPr>
-    </p:bg>
-    <p:spTree>
-      <p:nvGrpSpPr>
-        <p:cNvPr id="1" name=""/>
-        <p:cNvGrpSpPr/>
-        <p:nvPr/>
-      </p:nvGrpSpPr>
-      <p:grpSpPr>
-        <a:xfrm>
-          <a:off x="0" y="0"/>
-          <a:ext cx="0" cy="0"/>
-          <a:chOff x="0" y="0"/>
-          <a:chExt cx="0" cy="0"/>
-        </a:xfrm>
-      </p:grpSpPr>
-      <p:sp>
-        <p:nvSpPr>
-          <p:cNvPr id="21" name="Rectangle 11">
-            <a:extLst>
-              <a:ext uri="{FF2B5EF4-FFF2-40B4-BE49-F238E27FC236}">
-                <a16:creationId xmlns:a16="http://schemas.microsoft.com/office/drawing/2014/main" id="{A4AC5506-6312-4701-8D3C-40187889A947}"/>
-              </a:ext>
-              <a:ext uri="{C183D7F6-B498-43B3-948B-1728B52AA6E4}">
-                <adec:decorative xmlns:adec="http://schemas.microsoft.com/office/drawing/2017/decorative" val="1"/>
-              </a:ext>
-            </a:extLst>
-          </p:cNvPr>
-          <p:cNvSpPr>
-            <a:spLocks noGrp="1" noRot="1" noChangeAspect="1" noMove="1" noResize="1" noEditPoints="1" noAdjustHandles="1" noChangeArrowheads="1" noChangeShapeType="1" noTextEdit="1"/>
-          </p:cNvSpPr>
-          <p:nvPr>
-            <p:extLst>
-              <p:ext uri="{386F3935-93C4-4BCD-93E2-E3B085C9AB24}">
-                <p16:designElem xmlns:p16="http://schemas.microsoft.com/office/powerpoint/2015/main" val="1"/>
-              </p:ext>
-            </p:extLst>
-          </p:nvPr>
-        </p:nvSpPr>
-        <p:spPr>
-          <a:xfrm>
-            <a:off x="0" y="651752"/>
-            <a:ext cx="9144000" cy="736551"/>
-          </a:xfrm>
-          <a:prstGeom prst="rect">
-            <a:avLst/>
-          </a:prstGeom>
-          <a:solidFill>
-            <a:schemeClr val="tx1"/>
-          </a:solidFill>
-          <a:ln>
-            <a:noFill/>
-          </a:ln>
-        </p:spPr>
-        <p:style>
-          <a:lnRef idx="2">
-            <a:schemeClr val="accent1">
-              <a:shade val="50000"/>
-            </a:schemeClr>
-          </a:lnRef>
-          <a:fillRef idx="1">
-            <a:schemeClr val="accent1"/>
-          </a:fillRef>
-          <a:effectRef idx="0">
-            <a:schemeClr val="accent1"/>
-          </a:effectRef>
-          <a:fontRef idx="minor">
-            <a:schemeClr val="lt1"/>
-          </a:fontRef>
-        </p:style>
-        <p:txBody>
-          <a:bodyPr rtlCol="0" anchor="ctr"/>
-          <a:lstStyle/>
-          <a:p>
-            <a:pPr marL="0" marR="0" lvl="0" indent="0" algn="ctr" defTabSz="457200" rtl="0" eaLnBrk="1" fontAlgn="auto" latinLnBrk="0" hangingPunct="1">
-              <a:lnSpc>
-                <a:spcPct val="100000"/>
-              </a:lnSpc>
-              <a:spcBef>
-                <a:spcPts val="0"/>
-              </a:spcBef>
-              <a:spcAft>
-                <a:spcPts val="0"/>
-              </a:spcAft>
-              <a:buClrTx/>
-              <a:buSzTx/>
-              <a:buFontTx/>
-              <a:buNone/>
-              <a:tabLst/>
-              <a:defRPr/>
-            </a:pPr>
-            <a:endParaRPr kumimoji="0" lang="en-US" sz="1800" b="0" i="0" u="none" strike="noStrike" kern="1200" cap="none" spc="0" normalizeH="0" baseline="0" noProof="0">
-              <a:ln>
-                <a:noFill/>
-              </a:ln>
-              <a:solidFill>
-                <a:prstClr val="white"/>
-              </a:solidFill>
-              <a:effectLst/>
-              <a:uLnTx/>
-              <a:uFillTx/>
-              <a:latin typeface="Calibri" panose="020F0502020204030204"/>
-              <a:ea typeface="+mn-ea"/>
-              <a:cs typeface="+mn-cs"/>
-            </a:endParaRPr>
-          </a:p>
-        </p:txBody>
-      </p:sp>
-      <p:sp>
-        <p:nvSpPr>
-          <p:cNvPr id="2" name="Title 1"/>
-          <p:cNvSpPr>
-            <a:spLocks noGrp="1"/>
-          </p:cNvSpPr>
-          <p:nvPr>
-            <p:ph type="title"/>
-          </p:nvPr>
-        </p:nvSpPr>
-        <p:spPr>
-          <a:xfrm>
-            <a:off x="417399" y="643467"/>
-            <a:ext cx="8408193" cy="744836"/>
-          </a:xfrm>
-        </p:spPr>
-        <p:txBody>
-          <a:bodyPr vert="horz" lIns="91440" tIns="45720" rIns="91440" bIns="45720" rtlCol="0" anchor="ctr">
-            <a:noAutofit/>
-          </a:bodyPr>
-          <a:lstStyle/>
-          <a:p>
-            <a:pPr algn="ctr"/>
-            <a:r>
-              <a:rPr lang="en-US" sz="3600" kern="1200" dirty="0">
-                <a:solidFill>
-                  <a:schemeClr val="bg1"/>
-                </a:solidFill>
-                <a:latin typeface="+mj-lt"/>
-                <a:ea typeface="+mj-ea"/>
-                <a:cs typeface="+mj-cs"/>
-              </a:rPr>
-              <a:t>Model Comparison: </a:t>
-            </a:r>
-            <a:r>
-              <a:rPr lang="en-US" sz="3600" kern="1200" dirty="0">
-                <a:solidFill>
-                  <a:srgbClr val="FFFF00"/>
-                </a:solidFill>
-                <a:latin typeface="+mj-lt"/>
-                <a:ea typeface="+mj-ea"/>
-                <a:cs typeface="+mj-cs"/>
-              </a:rPr>
-              <a:t>White Noise Evaluation</a:t>
-            </a:r>
-          </a:p>
-        </p:txBody>
-      </p:sp>
-      <p:sp>
-        <p:nvSpPr>
-          <p:cNvPr id="4" name="Slide Number Placeholder 3"/>
-          <p:cNvSpPr>
-            <a:spLocks noGrp="1"/>
-          </p:cNvSpPr>
-          <p:nvPr>
-            <p:ph type="sldNum" sz="quarter" idx="12"/>
-          </p:nvPr>
-        </p:nvSpPr>
-        <p:spPr>
-          <a:xfrm>
-            <a:off x="6457950" y="6356350"/>
-            <a:ext cx="2057400" cy="365125"/>
-          </a:xfrm>
-        </p:spPr>
-        <p:txBody>
-          <a:bodyPr vert="horz" lIns="91440" tIns="45720" rIns="91440" bIns="45720" rtlCol="0" anchor="ctr">
-            <a:normAutofit/>
-          </a:bodyPr>
-          <a:lstStyle/>
-          <a:p>
-            <a:pPr marL="0" marR="0" lvl="0" indent="0" algn="r" defTabSz="914400" rtl="0" eaLnBrk="1" fontAlgn="auto" latinLnBrk="0" hangingPunct="1">
-              <a:lnSpc>
-                <a:spcPct val="100000"/>
-              </a:lnSpc>
-              <a:spcBef>
-                <a:spcPts val="0"/>
-              </a:spcBef>
-              <a:spcAft>
-                <a:spcPts val="600"/>
-              </a:spcAft>
-              <a:buClrTx/>
-              <a:buSzTx/>
-              <a:buFontTx/>
-              <a:buNone/>
-              <a:tabLst/>
-              <a:defRPr/>
-            </a:pPr>
-            <a:fld id="{38327683-8978-6B4B-9130-4A6A841F0549}" type="slidenum">
-              <a:rPr kumimoji="0" lang="en-US" sz="1200" b="0" i="0" u="none" strike="noStrike" kern="1200" cap="none" spc="0" normalizeH="0" baseline="0" noProof="0" smtClean="0">
-                <a:ln>
-                  <a:noFill/>
-                </a:ln>
-                <a:solidFill>
-                  <a:prstClr val="black">
-                    <a:tint val="75000"/>
-                  </a:prstClr>
-                </a:solidFill>
-                <a:effectLst/>
-                <a:uLnTx/>
-                <a:uFillTx/>
-                <a:latin typeface="Calibri" panose="020F0502020204030204"/>
-                <a:ea typeface="+mn-ea"/>
-                <a:cs typeface="+mn-cs"/>
-              </a:rPr>
-              <a:pPr marL="0" marR="0" lvl="0" indent="0" algn="r" defTabSz="914400" rtl="0" eaLnBrk="1" fontAlgn="auto" latinLnBrk="0" hangingPunct="1">
-                <a:lnSpc>
-                  <a:spcPct val="100000"/>
-                </a:lnSpc>
-                <a:spcBef>
-                  <a:spcPts val="0"/>
-                </a:spcBef>
-                <a:spcAft>
-                  <a:spcPts val="600"/>
-                </a:spcAft>
-                <a:buClrTx/>
-                <a:buSzTx/>
-                <a:buFontTx/>
-                <a:buNone/>
-                <a:tabLst/>
-                <a:defRPr/>
-              </a:pPr>
-              <a:t>11</a:t>
-            </a:fld>
-            <a:endParaRPr kumimoji="0" lang="en-US" sz="1200" b="0" i="0" u="none" strike="noStrike" kern="1200" cap="none" spc="0" normalizeH="0" baseline="0" noProof="0">
-              <a:ln>
-                <a:noFill/>
-              </a:ln>
-              <a:solidFill>
-                <a:prstClr val="black">
-                  <a:tint val="75000"/>
-                </a:prstClr>
-              </a:solidFill>
-              <a:effectLst/>
-              <a:uLnTx/>
-              <a:uFillTx/>
-              <a:latin typeface="Calibri" panose="020F0502020204030204"/>
-              <a:ea typeface="+mn-ea"/>
-              <a:cs typeface="+mn-cs"/>
-            </a:endParaRPr>
-          </a:p>
-        </p:txBody>
-      </p:sp>
-      <p:sp>
-        <p:nvSpPr>
-          <p:cNvPr id="9" name="TextBox 8">
-            <a:extLst>
-              <a:ext uri="{FF2B5EF4-FFF2-40B4-BE49-F238E27FC236}">
-                <a16:creationId xmlns:a16="http://schemas.microsoft.com/office/drawing/2014/main" id="{13A96D5A-EE31-4B1B-81E1-6267FCA976CE}"/>
-              </a:ext>
-            </a:extLst>
-          </p:cNvPr>
-          <p:cNvSpPr txBox="1"/>
-          <p:nvPr/>
-        </p:nvSpPr>
-        <p:spPr>
-          <a:xfrm>
-            <a:off x="266329" y="1582340"/>
             <a:ext cx="4006925" cy="4801314"/>
           </a:xfrm>
           <a:prstGeom prst="rect">
@@ -28829,7 +29442,7 @@
               <a:buChar char="•"/>
             </a:pPr>
             <a:r>
-              <a:rPr lang="en-US" dirty="0"/>
+              <a:rPr lang="en-US"/>
               <a:t>Evaluating the residuals for the ARMA(2,1) model, we see that they do not look like white noise. </a:t>
             </a:r>
           </a:p>
@@ -28838,7 +29451,7 @@
               <a:buFont typeface="Arial" panose="020B0604020202020204" pitchFamily="34" charset="0"/>
               <a:buChar char="•"/>
             </a:pPr>
-            <a:endParaRPr lang="en-US" dirty="0"/>
+            <a:endParaRPr lang="en-US"/>
           </a:p>
           <a:p>
             <a:pPr marL="285750" indent="-285750">
@@ -28846,7 +29459,7 @@
               <a:buChar char="•"/>
             </a:pPr>
             <a:r>
-              <a:rPr lang="en-US" dirty="0"/>
+              <a:rPr lang="en-US"/>
               <a:t>Evaluating the residuals for the ARIMA(0,1,1) model also do not indicate that the residuals are white noise</a:t>
             </a:r>
           </a:p>
@@ -28855,7 +29468,7 @@
               <a:buFont typeface="Arial" panose="020B0604020202020204" pitchFamily="34" charset="0"/>
               <a:buChar char="•"/>
             </a:pPr>
-            <a:endParaRPr lang="en-US" dirty="0"/>
+            <a:endParaRPr lang="en-US"/>
           </a:p>
           <a:p>
             <a:pPr marL="285750" indent="-285750">
@@ -28863,15 +29476,15 @@
               <a:buChar char="•"/>
             </a:pPr>
             <a:r>
-              <a:rPr lang="en-US" dirty="0"/>
+              <a:rPr lang="en-US"/>
               <a:t>The </a:t>
             </a:r>
             <a:r>
-              <a:rPr lang="en-US" dirty="0" err="1"/>
+              <a:rPr lang="en-US" err="1"/>
               <a:t>Ljung</a:t>
             </a:r>
             <a:r>
-              <a:rPr lang="en-US" dirty="0"/>
+              <a:rPr lang="en-US"/>
               <a:t>-Box test for white noise also rejects the null hypothesis for both models for K = 24 and K = 48.</a:t>
             </a:r>
           </a:p>
@@ -28880,7 +29493,7 @@
               <a:buFont typeface="Arial" panose="020B0604020202020204" pitchFamily="34" charset="0"/>
               <a:buChar char="•"/>
             </a:pPr>
-            <a:endParaRPr lang="en-US" dirty="0"/>
+            <a:endParaRPr lang="en-US"/>
           </a:p>
           <a:p>
             <a:pPr marL="285750" indent="-285750">
@@ -28888,7 +29501,7 @@
               <a:buChar char="•"/>
             </a:pPr>
             <a:r>
-              <a:rPr lang="en-US" b="1" dirty="0"/>
+              <a:rPr lang="en-US" b="1"/>
               <a:t>Hence both these models may not be the best model since they are not capturing all the trend in the data.</a:t>
             </a:r>
           </a:p>
@@ -28897,16 +29510,16 @@
               <a:buFont typeface="Arial" panose="020B0604020202020204" pitchFamily="34" charset="0"/>
               <a:buChar char="•"/>
             </a:pPr>
-            <a:endParaRPr lang="en-US" dirty="0"/>
+            <a:endParaRPr lang="en-US"/>
           </a:p>
         </p:txBody>
       </p:sp>
       <p:pic>
         <p:nvPicPr>
-          <p:cNvPr id="8" name="Picture 7">
+          <p:cNvPr id="6" name="Picture 5">
             <a:extLst>
               <a:ext uri="{FF2B5EF4-FFF2-40B4-BE49-F238E27FC236}">
-                <a16:creationId xmlns:a16="http://schemas.microsoft.com/office/drawing/2014/main" id="{4AF008D6-D254-4E08-B77B-56C45F0C14B4}"/>
+                <a16:creationId xmlns:a16="http://schemas.microsoft.com/office/drawing/2014/main" id="{51E02C03-971A-47A2-83F2-8AABE539D409}"/>
               </a:ext>
             </a:extLst>
           </p:cNvPr>
@@ -28916,209 +29529,21 @@
           <p:nvPr/>
         </p:nvPicPr>
         <p:blipFill>
-          <a:blip r:embed="rId2"/>
+          <a:blip r:embed="rId4"/>
           <a:stretch>
             <a:fillRect/>
           </a:stretch>
         </p:blipFill>
         <p:spPr>
           <a:xfrm>
-            <a:off x="4405578" y="3293412"/>
-            <a:ext cx="4738422" cy="1242041"/>
+            <a:off x="4572000" y="3192288"/>
+            <a:ext cx="4369651" cy="1757490"/>
           </a:xfrm>
           <a:prstGeom prst="rect">
             <a:avLst/>
           </a:prstGeom>
         </p:spPr>
       </p:pic>
-      <p:grpSp>
-        <p:nvGrpSpPr>
-          <p:cNvPr id="11" name="ARMA(2,1) White Noise">
-            <a:extLst>
-              <a:ext uri="{FF2B5EF4-FFF2-40B4-BE49-F238E27FC236}">
-                <a16:creationId xmlns:a16="http://schemas.microsoft.com/office/drawing/2014/main" id="{D6A5462E-8CE3-4922-9382-BD91F4AD3E7E}"/>
-              </a:ext>
-            </a:extLst>
-          </p:cNvPr>
-          <p:cNvGrpSpPr/>
-          <p:nvPr/>
-        </p:nvGrpSpPr>
-        <p:grpSpPr>
-          <a:xfrm>
-            <a:off x="4572000" y="1947096"/>
-            <a:ext cx="4494109" cy="3697896"/>
-            <a:chOff x="4572000" y="1947096"/>
-            <a:chExt cx="4494109" cy="3697896"/>
-          </a:xfrm>
-        </p:grpSpPr>
-        <p:pic>
-          <p:nvPicPr>
-            <p:cNvPr id="3" name="Picture 2">
-              <a:extLst>
-                <a:ext uri="{FF2B5EF4-FFF2-40B4-BE49-F238E27FC236}">
-                  <a16:creationId xmlns:a16="http://schemas.microsoft.com/office/drawing/2014/main" id="{D1654EE3-8586-4DAB-A2C2-35C983AEFC8A}"/>
-                </a:ext>
-              </a:extLst>
-            </p:cNvPr>
-            <p:cNvPicPr>
-              <a:picLocks noChangeAspect="1"/>
-            </p:cNvPicPr>
-            <p:nvPr/>
-          </p:nvPicPr>
-          <p:blipFill>
-            <a:blip r:embed="rId3"/>
-            <a:stretch>
-              <a:fillRect/>
-            </a:stretch>
-          </p:blipFill>
-          <p:spPr>
-            <a:xfrm>
-              <a:off x="4572000" y="1947096"/>
-              <a:ext cx="4494109" cy="3167213"/>
-            </a:xfrm>
-            <a:prstGeom prst="rect">
-              <a:avLst/>
-            </a:prstGeom>
-          </p:spPr>
-        </p:pic>
-        <p:sp>
-          <p:nvSpPr>
-            <p:cNvPr id="10" name="TextBox 9">
-              <a:extLst>
-                <a:ext uri="{FF2B5EF4-FFF2-40B4-BE49-F238E27FC236}">
-                  <a16:creationId xmlns:a16="http://schemas.microsoft.com/office/drawing/2014/main" id="{0753EA8D-023B-4488-83A4-2CFA84362F76}"/>
-                </a:ext>
-              </a:extLst>
-            </p:cNvPr>
-            <p:cNvSpPr txBox="1"/>
-            <p:nvPr/>
-          </p:nvSpPr>
-          <p:spPr>
-            <a:xfrm>
-              <a:off x="5122416" y="5275660"/>
-              <a:ext cx="3622089" cy="369332"/>
-            </a:xfrm>
-            <a:prstGeom prst="rect">
-              <a:avLst/>
-            </a:prstGeom>
-            <a:noFill/>
-          </p:spPr>
-          <p:txBody>
-            <a:bodyPr wrap="square" rtlCol="0">
-              <a:spAutoFit/>
-            </a:bodyPr>
-            <a:lstStyle/>
-            <a:p>
-              <a:r>
-                <a:rPr lang="en-US" b="1" dirty="0">
-                  <a:highlight>
-                    <a:srgbClr val="FFFF00"/>
-                  </a:highlight>
-                </a:rPr>
-                <a:t>ARMA(2,1)</a:t>
-              </a:r>
-              <a:r>
-                <a:rPr lang="en-US" b="1" dirty="0"/>
-                <a:t> White Noise Evaluation</a:t>
-              </a:r>
-            </a:p>
-          </p:txBody>
-        </p:sp>
-      </p:grpSp>
-      <p:grpSp>
-        <p:nvGrpSpPr>
-          <p:cNvPr id="13" name="ARIMA(0,1,1) White Noise">
-            <a:extLst>
-              <a:ext uri="{FF2B5EF4-FFF2-40B4-BE49-F238E27FC236}">
-                <a16:creationId xmlns:a16="http://schemas.microsoft.com/office/drawing/2014/main" id="{46870159-3E77-4699-BB22-B195D1924997}"/>
-              </a:ext>
-            </a:extLst>
-          </p:cNvPr>
-          <p:cNvGrpSpPr/>
-          <p:nvPr/>
-        </p:nvGrpSpPr>
-        <p:grpSpPr>
-          <a:xfrm>
-            <a:off x="4475432" y="1947096"/>
-            <a:ext cx="4474447" cy="3757490"/>
-            <a:chOff x="4351145" y="2090907"/>
-            <a:chExt cx="4474447" cy="3757490"/>
-          </a:xfrm>
-        </p:grpSpPr>
-        <p:pic>
-          <p:nvPicPr>
-            <p:cNvPr id="7" name="Picture 6">
-              <a:extLst>
-                <a:ext uri="{FF2B5EF4-FFF2-40B4-BE49-F238E27FC236}">
-                  <a16:creationId xmlns:a16="http://schemas.microsoft.com/office/drawing/2014/main" id="{026B1201-C3B5-4684-B73F-ADA6ABEBCB9A}"/>
-                </a:ext>
-              </a:extLst>
-            </p:cNvPr>
-            <p:cNvPicPr>
-              <a:picLocks noChangeAspect="1"/>
-            </p:cNvPicPr>
-            <p:nvPr/>
-          </p:nvPicPr>
-          <p:blipFill>
-            <a:blip r:embed="rId4"/>
-            <a:stretch>
-              <a:fillRect/>
-            </a:stretch>
-          </p:blipFill>
-          <p:spPr>
-            <a:xfrm>
-              <a:off x="4351145" y="2090907"/>
-              <a:ext cx="4474447" cy="3184753"/>
-            </a:xfrm>
-            <a:prstGeom prst="rect">
-              <a:avLst/>
-            </a:prstGeom>
-          </p:spPr>
-        </p:pic>
-        <p:sp>
-          <p:nvSpPr>
-            <p:cNvPr id="12" name="TextBox 11">
-              <a:extLst>
-                <a:ext uri="{FF2B5EF4-FFF2-40B4-BE49-F238E27FC236}">
-                  <a16:creationId xmlns:a16="http://schemas.microsoft.com/office/drawing/2014/main" id="{9D2882F1-E479-4D1F-9982-55DE93B32BFD}"/>
-                </a:ext>
-              </a:extLst>
-            </p:cNvPr>
-            <p:cNvSpPr txBox="1"/>
-            <p:nvPr/>
-          </p:nvSpPr>
-          <p:spPr>
-            <a:xfrm>
-              <a:off x="4873841" y="5479065"/>
-              <a:ext cx="3796207" cy="369332"/>
-            </a:xfrm>
-            <a:prstGeom prst="rect">
-              <a:avLst/>
-            </a:prstGeom>
-            <a:noFill/>
-          </p:spPr>
-          <p:txBody>
-            <a:bodyPr wrap="square" rtlCol="0">
-              <a:spAutoFit/>
-            </a:bodyPr>
-            <a:lstStyle/>
-            <a:p>
-              <a:r>
-                <a:rPr lang="en-US" b="1" dirty="0">
-                  <a:highlight>
-                    <a:srgbClr val="FFFF00"/>
-                  </a:highlight>
-                </a:rPr>
-                <a:t>ARIMA(0,1,1) </a:t>
-              </a:r>
-              <a:r>
-                <a:rPr lang="en-US" b="1" dirty="0"/>
-                <a:t>White Noise Evaluation</a:t>
-              </a:r>
-            </a:p>
-          </p:txBody>
-        </p:sp>
-      </p:grpSp>
     </p:spTree>
     <p:extLst>
       <p:ext uri="{BB962C8B-B14F-4D97-AF65-F5344CB8AC3E}">
@@ -29129,11 +29554,11 @@
   <p:clrMapOvr>
     <a:masterClrMapping/>
   </p:clrMapOvr>
-  <mc:AlternateContent xmlns:mc="http://schemas.openxmlformats.org/markup-compatibility/2006" xmlns:p14="http://schemas.microsoft.com/office/powerpoint/2010/main">
-    <mc:Choice Requires="p14">
+  <mc:AlternateContent xmlns:mc="http://schemas.openxmlformats.org/markup-compatibility/2006">
+    <mc:Choice xmlns:p14="http://schemas.microsoft.com/office/powerpoint/2010/main" Requires="p14">
       <p:transition p14:dur="10" advClick="0"/>
     </mc:Choice>
-    <mc:Fallback xmlns="">
+    <mc:Fallback>
       <p:transition advClick="0"/>
     </mc:Fallback>
   </mc:AlternateContent>
@@ -29408,7 +29833,7 @@
                                           </p:stCondLst>
                                         </p:cTn>
                                         <p:tgtEl>
-                                          <p:spTgt spid="8"/>
+                                          <p:spTgt spid="6"/>
                                         </p:tgtEl>
                                         <p:attrNameLst>
                                           <p:attrName>style.visibility</p:attrName>
@@ -29501,7 +29926,7 @@
 </p:sld>
 </file>
 
-<file path=ppt/slides/slide12.xml><?xml version="1.0" encoding="utf-8"?>
+<file path=ppt/slides/slide11.xml><?xml version="1.0" encoding="utf-8"?>
 <p:sld xmlns:a="http://schemas.openxmlformats.org/drawingml/2006/main" xmlns:r="http://schemas.openxmlformats.org/officeDocument/2006/relationships" xmlns:p="http://schemas.openxmlformats.org/presentationml/2006/main">
   <p:cSld>
     <p:bg>
@@ -29671,7 +30096,7 @@
           <a:p>
             <a:pPr algn="ctr"/>
             <a:r>
-              <a:rPr lang="en-US" sz="3600" kern="1200" dirty="0">
+              <a:rPr lang="en-US" sz="3600" kern="1200">
                 <a:solidFill>
                   <a:schemeClr val="bg1"/>
                 </a:solidFill>
@@ -29682,14 +30107,14 @@
               <a:t>Model Comparison: </a:t>
             </a:r>
             <a:r>
-              <a:rPr lang="en-US" sz="3600" dirty="0">
+              <a:rPr lang="en-US" sz="3600">
                 <a:solidFill>
                   <a:srgbClr val="FFFF00"/>
                 </a:solidFill>
               </a:rPr>
               <a:t>Forecasting</a:t>
             </a:r>
-            <a:endParaRPr lang="en-US" sz="3600" kern="1200" dirty="0">
+            <a:endParaRPr lang="en-US" sz="3600" kern="1200">
               <a:solidFill>
                 <a:srgbClr val="FFFF00"/>
               </a:solidFill>
@@ -29773,7 +30198,7 @@
                 <a:tabLst/>
                 <a:defRPr/>
               </a:pPr>
-              <a:t>12</a:t>
+              <a:t>11</a:t>
             </a:fld>
             <a:endParaRPr kumimoji="0" lang="en-US" sz="1200" b="0" i="0" u="none" strike="noStrike" kern="1200" cap="none" spc="0" normalizeH="0" baseline="0" noProof="0">
               <a:ln>
@@ -29833,18 +30258,18 @@
   <p:clrMapOvr>
     <a:masterClrMapping/>
   </p:clrMapOvr>
-  <mc:AlternateContent xmlns:mc="http://schemas.openxmlformats.org/markup-compatibility/2006" xmlns:p14="http://schemas.microsoft.com/office/powerpoint/2010/main">
-    <mc:Choice Requires="p14">
+  <mc:AlternateContent xmlns:mc="http://schemas.openxmlformats.org/markup-compatibility/2006">
+    <mc:Choice xmlns:p14="http://schemas.microsoft.com/office/powerpoint/2010/main" Requires="p14">
       <p:transition p14:dur="10" advClick="0"/>
     </mc:Choice>
-    <mc:Fallback xmlns="">
+    <mc:Fallback>
       <p:transition advClick="0"/>
     </mc:Fallback>
   </mc:AlternateContent>
 </p:sld>
 </file>
 
-<file path=ppt/slides/slide13.xml><?xml version="1.0" encoding="utf-8"?>
+<file path=ppt/slides/slide12.xml><?xml version="1.0" encoding="utf-8"?>
 <p:sld xmlns:a="http://schemas.openxmlformats.org/drawingml/2006/main" xmlns:r="http://schemas.openxmlformats.org/officeDocument/2006/relationships" xmlns:p="http://schemas.openxmlformats.org/presentationml/2006/main">
   <p:cSld>
     <p:bg>
@@ -29985,7 +30410,7 @@
           <a:p>
             <a:pPr algn="ctr"/>
             <a:r>
-              <a:rPr lang="en-US" sz="3600" kern="1200" dirty="0">
+              <a:rPr lang="en-US" sz="3600" kern="1200">
                 <a:solidFill>
                   <a:schemeClr val="bg1"/>
                 </a:solidFill>
@@ -29996,7 +30421,7 @@
               <a:t>Fitting </a:t>
             </a:r>
             <a:r>
-              <a:rPr lang="en-US" sz="3600" kern="1200" dirty="0">
+              <a:rPr lang="en-US" sz="3600" kern="1200">
                 <a:solidFill>
                   <a:srgbClr val="FFFF00"/>
                 </a:solidFill>
@@ -30007,7 +30432,7 @@
               <a:t>Higher Ordered </a:t>
             </a:r>
             <a:r>
-              <a:rPr lang="en-US" sz="3600" kern="1200" dirty="0">
+              <a:rPr lang="en-US" sz="3600" kern="1200">
                 <a:solidFill>
                   <a:schemeClr val="bg1"/>
                 </a:solidFill>
@@ -30017,7 +30442,7 @@
               </a:rPr>
               <a:t>Models</a:t>
             </a:r>
-            <a:endParaRPr lang="en-US" sz="3600" kern="1200" dirty="0">
+            <a:endParaRPr lang="en-US" sz="3600" kern="1200">
               <a:solidFill>
                 <a:srgbClr val="FFFF00"/>
               </a:solidFill>
@@ -30101,7 +30526,7 @@
                 <a:tabLst/>
                 <a:defRPr/>
               </a:pPr>
-              <a:t>13</a:t>
+              <a:t>12</a:t>
             </a:fld>
             <a:endParaRPr kumimoji="0" lang="en-US" sz="1200" b="0" i="0" u="none" strike="noStrike" kern="1200" cap="none" spc="0" normalizeH="0" baseline="0" noProof="0">
               <a:ln>
@@ -30122,178 +30547,1484 @@
           </a:p>
         </p:txBody>
       </p:sp>
-      <p:grpSp>
-        <p:nvGrpSpPr>
-          <p:cNvPr id="9" name="Group 8">
+      <p:sp>
+        <p:nvSpPr>
+          <p:cNvPr id="8" name="TextBox 7">
             <a:extLst>
               <a:ext uri="{FF2B5EF4-FFF2-40B4-BE49-F238E27FC236}">
-                <a16:creationId xmlns:a16="http://schemas.microsoft.com/office/drawing/2014/main" id="{D441619C-1A97-4ACD-BF1E-5750BC4F1E8E}"/>
+                <a16:creationId xmlns:a16="http://schemas.microsoft.com/office/drawing/2014/main" id="{FA24CC33-DE8A-4AE8-9AC3-1F44D10BE808}"/>
               </a:ext>
             </a:extLst>
           </p:cNvPr>
-          <p:cNvGrpSpPr/>
+          <p:cNvSpPr txBox="1"/>
           <p:nvPr/>
-        </p:nvGrpSpPr>
-        <p:grpSpPr>
+        </p:nvSpPr>
+        <p:spPr>
           <a:xfrm>
-            <a:off x="106532" y="1753260"/>
-            <a:ext cx="4194118" cy="4478864"/>
-            <a:chOff x="106532" y="1753260"/>
-            <a:chExt cx="4194118" cy="4478864"/>
+            <a:off x="578977" y="1753260"/>
+            <a:ext cx="3249227" cy="369332"/>
           </a:xfrm>
-        </p:grpSpPr>
-        <p:pic>
-          <p:nvPicPr>
-            <p:cNvPr id="3" name="Picture 2">
-              <a:extLst>
-                <a:ext uri="{FF2B5EF4-FFF2-40B4-BE49-F238E27FC236}">
-                  <a16:creationId xmlns:a16="http://schemas.microsoft.com/office/drawing/2014/main" id="{78B309D7-9248-4FD2-B041-5C6BD2D0158D}"/>
-                </a:ext>
-              </a:extLst>
-            </p:cNvPr>
-            <p:cNvPicPr>
-              <a:picLocks noChangeAspect="1"/>
-            </p:cNvPicPr>
-            <p:nvPr/>
-          </p:nvPicPr>
-          <p:blipFill>
-            <a:blip r:embed="rId2"/>
-            <a:stretch>
-              <a:fillRect/>
-            </a:stretch>
-          </p:blipFill>
-          <p:spPr>
-            <a:xfrm>
-              <a:off x="106532" y="2197972"/>
-              <a:ext cx="4194118" cy="4034152"/>
-            </a:xfrm>
-            <a:prstGeom prst="rect">
-              <a:avLst/>
-            </a:prstGeom>
-          </p:spPr>
-        </p:pic>
-        <p:sp>
-          <p:nvSpPr>
-            <p:cNvPr id="8" name="TextBox 7">
-              <a:extLst>
-                <a:ext uri="{FF2B5EF4-FFF2-40B4-BE49-F238E27FC236}">
-                  <a16:creationId xmlns:a16="http://schemas.microsoft.com/office/drawing/2014/main" id="{FA24CC33-DE8A-4AE8-9AC3-1F44D10BE808}"/>
-                </a:ext>
-              </a:extLst>
-            </p:cNvPr>
-            <p:cNvSpPr txBox="1"/>
-            <p:nvPr/>
-          </p:nvSpPr>
-          <p:spPr>
-            <a:xfrm>
-              <a:off x="578977" y="1753260"/>
-              <a:ext cx="3249227" cy="369332"/>
-            </a:xfrm>
-            <a:prstGeom prst="rect">
-              <a:avLst/>
-            </a:prstGeom>
-            <a:noFill/>
-          </p:spPr>
-          <p:txBody>
-            <a:bodyPr wrap="square" rtlCol="0">
-              <a:spAutoFit/>
-            </a:bodyPr>
-            <a:lstStyle/>
-            <a:p>
-              <a:r>
-                <a:rPr lang="en-US" b="1" dirty="0"/>
-                <a:t>Stationary ARMA(13,1) Model</a:t>
-              </a:r>
-            </a:p>
-          </p:txBody>
-        </p:sp>
-      </p:grpSp>
-      <p:grpSp>
-        <p:nvGrpSpPr>
-          <p:cNvPr id="12" name="Group 11">
+          <a:prstGeom prst="rect">
+            <a:avLst/>
+          </a:prstGeom>
+          <a:noFill/>
+        </p:spPr>
+        <p:txBody>
+          <a:bodyPr wrap="square" rtlCol="0">
+            <a:spAutoFit/>
+          </a:bodyPr>
+          <a:lstStyle/>
+          <a:p>
+            <a:r>
+              <a:rPr lang="en-US" b="1"/>
+              <a:t>Stationary ARMA(13,1) Model</a:t>
+            </a:r>
+          </a:p>
+        </p:txBody>
+      </p:sp>
+      <p:sp>
+        <p:nvSpPr>
+          <p:cNvPr id="11" name="TextBox 10">
             <a:extLst>
               <a:ext uri="{FF2B5EF4-FFF2-40B4-BE49-F238E27FC236}">
-                <a16:creationId xmlns:a16="http://schemas.microsoft.com/office/drawing/2014/main" id="{A87F932B-123E-45ED-9972-131EBB7EA684}"/>
+                <a16:creationId xmlns:a16="http://schemas.microsoft.com/office/drawing/2014/main" id="{AAC64673-D39D-4FBC-BECD-F837B953CBF8}"/>
               </a:ext>
             </a:extLst>
           </p:cNvPr>
-          <p:cNvGrpSpPr/>
+          <p:cNvSpPr txBox="1"/>
           <p:nvPr/>
-        </p:nvGrpSpPr>
-        <p:grpSpPr>
+        </p:nvSpPr>
+        <p:spPr>
           <a:xfrm>
-            <a:off x="4502727" y="1753260"/>
-            <a:ext cx="4641273" cy="4273762"/>
-            <a:chOff x="4502727" y="1753260"/>
-            <a:chExt cx="4641273" cy="4273762"/>
+            <a:off x="417399" y="4405788"/>
+            <a:ext cx="3893855" cy="369332"/>
           </a:xfrm>
-        </p:grpSpPr>
-        <p:pic>
-          <p:nvPicPr>
-            <p:cNvPr id="7" name="Picture 6">
-              <a:extLst>
-                <a:ext uri="{FF2B5EF4-FFF2-40B4-BE49-F238E27FC236}">
-                  <a16:creationId xmlns:a16="http://schemas.microsoft.com/office/drawing/2014/main" id="{B8F935D8-0B03-4A4B-8D2F-E2EAA32FC40F}"/>
-                </a:ext>
-              </a:extLst>
-            </p:cNvPr>
-            <p:cNvPicPr>
-              <a:picLocks noChangeAspect="1"/>
-            </p:cNvPicPr>
-            <p:nvPr/>
-          </p:nvPicPr>
-          <p:blipFill>
-            <a:blip r:embed="rId3"/>
-            <a:stretch>
-              <a:fillRect/>
-            </a:stretch>
-          </p:blipFill>
-          <p:spPr>
-            <a:xfrm>
-              <a:off x="4502727" y="2197972"/>
-              <a:ext cx="4641273" cy="3829050"/>
-            </a:xfrm>
-            <a:prstGeom prst="rect">
-              <a:avLst/>
-            </a:prstGeom>
-          </p:spPr>
-        </p:pic>
-        <p:sp>
-          <p:nvSpPr>
-            <p:cNvPr id="11" name="TextBox 10">
-              <a:extLst>
-                <a:ext uri="{FF2B5EF4-FFF2-40B4-BE49-F238E27FC236}">
-                  <a16:creationId xmlns:a16="http://schemas.microsoft.com/office/drawing/2014/main" id="{AAC64673-D39D-4FBC-BECD-F837B953CBF8}"/>
-                </a:ext>
-              </a:extLst>
-            </p:cNvPr>
-            <p:cNvSpPr txBox="1"/>
-            <p:nvPr/>
-          </p:nvSpPr>
-          <p:spPr>
-            <a:xfrm>
-              <a:off x="4876435" y="1753260"/>
-              <a:ext cx="3893855" cy="369332"/>
-            </a:xfrm>
-            <a:prstGeom prst="rect">
-              <a:avLst/>
-            </a:prstGeom>
-            <a:noFill/>
-          </p:spPr>
-          <p:txBody>
-            <a:bodyPr wrap="square" rtlCol="0">
-              <a:spAutoFit/>
-            </a:bodyPr>
-            <a:lstStyle/>
-            <a:p>
-              <a:r>
-                <a:rPr lang="en-US" b="1" dirty="0"/>
-                <a:t>Non Stationary ARIMA(11,1,0) Model</a:t>
-              </a:r>
-            </a:p>
-          </p:txBody>
-        </p:sp>
-      </p:grpSp>
+          <a:prstGeom prst="rect">
+            <a:avLst/>
+          </a:prstGeom>
+          <a:noFill/>
+        </p:spPr>
+        <p:txBody>
+          <a:bodyPr wrap="square" rtlCol="0">
+            <a:spAutoFit/>
+          </a:bodyPr>
+          <a:lstStyle/>
+          <a:p>
+            <a:r>
+              <a:rPr lang="en-US" b="1"/>
+              <a:t>Non Stationary ARIMA(11,1,0) Model</a:t>
+            </a:r>
+          </a:p>
+        </p:txBody>
+      </p:sp>
+      <p:pic>
+        <p:nvPicPr>
+          <p:cNvPr id="15" name="Picture 14">
+            <a:extLst>
+              <a:ext uri="{FF2B5EF4-FFF2-40B4-BE49-F238E27FC236}">
+                <a16:creationId xmlns:a16="http://schemas.microsoft.com/office/drawing/2014/main" id="{B790A404-6356-4AE6-817D-6CFA876B3514}"/>
+              </a:ext>
+            </a:extLst>
+          </p:cNvPr>
+          <p:cNvPicPr>
+            <a:picLocks noChangeAspect="1"/>
+          </p:cNvPicPr>
+          <p:nvPr/>
+        </p:nvPicPr>
+        <p:blipFill>
+          <a:blip r:embed="rId2"/>
+          <a:stretch>
+            <a:fillRect/>
+          </a:stretch>
+        </p:blipFill>
+        <p:spPr>
+          <a:xfrm>
+            <a:off x="5698998" y="2567205"/>
+            <a:ext cx="3358242" cy="972606"/>
+          </a:xfrm>
+          <a:prstGeom prst="rect">
+            <a:avLst/>
+          </a:prstGeom>
+        </p:spPr>
+      </p:pic>
+      <p:pic>
+        <p:nvPicPr>
+          <p:cNvPr id="16" name="Picture 15">
+            <a:extLst>
+              <a:ext uri="{FF2B5EF4-FFF2-40B4-BE49-F238E27FC236}">
+                <a16:creationId xmlns:a16="http://schemas.microsoft.com/office/drawing/2014/main" id="{51893E36-B1FC-49B4-B37C-C6C8838C73F9}"/>
+              </a:ext>
+            </a:extLst>
+          </p:cNvPr>
+          <p:cNvPicPr>
+            <a:picLocks noChangeAspect="1"/>
+          </p:cNvPicPr>
+          <p:nvPr/>
+        </p:nvPicPr>
+        <p:blipFill>
+          <a:blip r:embed="rId3"/>
+          <a:stretch>
+            <a:fillRect/>
+          </a:stretch>
+        </p:blipFill>
+        <p:spPr>
+          <a:xfrm>
+            <a:off x="5712615" y="5261885"/>
+            <a:ext cx="3358242" cy="895004"/>
+          </a:xfrm>
+          <a:prstGeom prst="rect">
+            <a:avLst/>
+          </a:prstGeom>
+        </p:spPr>
+      </p:pic>
+      <p:sp>
+        <p:nvSpPr>
+          <p:cNvPr id="17" name="TextBox 16">
+            <a:extLst>
+              <a:ext uri="{FF2B5EF4-FFF2-40B4-BE49-F238E27FC236}">
+                <a16:creationId xmlns:a16="http://schemas.microsoft.com/office/drawing/2014/main" id="{8BDEB7E0-E631-43C6-86CF-170A6BF4DE8B}"/>
+              </a:ext>
+            </a:extLst>
+          </p:cNvPr>
+          <p:cNvSpPr txBox="1"/>
+          <p:nvPr/>
+        </p:nvSpPr>
+        <p:spPr>
+          <a:xfrm>
+            <a:off x="417399" y="2183892"/>
+            <a:ext cx="1906701" cy="369332"/>
+          </a:xfrm>
+          <a:prstGeom prst="rect">
+            <a:avLst/>
+          </a:prstGeom>
+          <a:noFill/>
+        </p:spPr>
+        <p:txBody>
+          <a:bodyPr wrap="square" rtlCol="0">
+            <a:spAutoFit/>
+          </a:bodyPr>
+          <a:lstStyle/>
+          <a:p>
+            <a:r>
+              <a:rPr lang="en-US"/>
+              <a:t>Factored Model</a:t>
+            </a:r>
+          </a:p>
+        </p:txBody>
+      </p:sp>
+      <p:sp>
+        <p:nvSpPr>
+          <p:cNvPr id="18" name="TextBox 17">
+            <a:extLst>
+              <a:ext uri="{FF2B5EF4-FFF2-40B4-BE49-F238E27FC236}">
+                <a16:creationId xmlns:a16="http://schemas.microsoft.com/office/drawing/2014/main" id="{66EB3503-0C99-43A0-856B-E9FAE33134B1}"/>
+              </a:ext>
+            </a:extLst>
+          </p:cNvPr>
+          <p:cNvSpPr txBox="1"/>
+          <p:nvPr/>
+        </p:nvSpPr>
+        <p:spPr>
+          <a:xfrm>
+            <a:off x="417398" y="4892553"/>
+            <a:ext cx="1906701" cy="369332"/>
+          </a:xfrm>
+          <a:prstGeom prst="rect">
+            <a:avLst/>
+          </a:prstGeom>
+          <a:noFill/>
+        </p:spPr>
+        <p:txBody>
+          <a:bodyPr wrap="square" rtlCol="0">
+            <a:spAutoFit/>
+          </a:bodyPr>
+          <a:lstStyle/>
+          <a:p>
+            <a:r>
+              <a:rPr lang="en-US"/>
+              <a:t>Factored Model</a:t>
+            </a:r>
+          </a:p>
+        </p:txBody>
+      </p:sp>
+      <p:sp>
+        <p:nvSpPr>
+          <p:cNvPr id="19" name="TextBox 18">
+            <a:extLst>
+              <a:ext uri="{FF2B5EF4-FFF2-40B4-BE49-F238E27FC236}">
+                <a16:creationId xmlns:a16="http://schemas.microsoft.com/office/drawing/2014/main" id="{BE679E07-A016-428B-87A4-A139525F375F}"/>
+              </a:ext>
+            </a:extLst>
+          </p:cNvPr>
+          <p:cNvSpPr txBox="1"/>
+          <p:nvPr/>
+        </p:nvSpPr>
+        <p:spPr>
+          <a:xfrm>
+            <a:off x="5698998" y="2180900"/>
+            <a:ext cx="1906701" cy="369332"/>
+          </a:xfrm>
+          <a:prstGeom prst="rect">
+            <a:avLst/>
+          </a:prstGeom>
+          <a:noFill/>
+        </p:spPr>
+        <p:txBody>
+          <a:bodyPr wrap="square" rtlCol="0">
+            <a:spAutoFit/>
+          </a:bodyPr>
+          <a:lstStyle/>
+          <a:p>
+            <a:r>
+              <a:rPr lang="en-US"/>
+              <a:t>AR Factor Table</a:t>
+            </a:r>
+          </a:p>
+        </p:txBody>
+      </p:sp>
+      <p:sp>
+        <p:nvSpPr>
+          <p:cNvPr id="20" name="TextBox 19">
+            <a:extLst>
+              <a:ext uri="{FF2B5EF4-FFF2-40B4-BE49-F238E27FC236}">
+                <a16:creationId xmlns:a16="http://schemas.microsoft.com/office/drawing/2014/main" id="{50FBD282-1380-4F72-A2C0-7273B1265705}"/>
+              </a:ext>
+            </a:extLst>
+          </p:cNvPr>
+          <p:cNvSpPr txBox="1"/>
+          <p:nvPr/>
+        </p:nvSpPr>
+        <p:spPr>
+          <a:xfrm>
+            <a:off x="5698997" y="4897453"/>
+            <a:ext cx="1906701" cy="369332"/>
+          </a:xfrm>
+          <a:prstGeom prst="rect">
+            <a:avLst/>
+          </a:prstGeom>
+          <a:noFill/>
+        </p:spPr>
+        <p:txBody>
+          <a:bodyPr wrap="square" rtlCol="0">
+            <a:spAutoFit/>
+          </a:bodyPr>
+          <a:lstStyle/>
+          <a:p>
+            <a:r>
+              <a:rPr lang="en-US"/>
+              <a:t>AR Factor Table</a:t>
+            </a:r>
+          </a:p>
+        </p:txBody>
+      </p:sp>
+      <p:sp>
+        <p:nvSpPr>
+          <p:cNvPr id="22" name="TextBox 21">
+            <a:extLst>
+              <a:ext uri="{FF2B5EF4-FFF2-40B4-BE49-F238E27FC236}">
+                <a16:creationId xmlns:a16="http://schemas.microsoft.com/office/drawing/2014/main" id="{CDA6EC82-6EF0-4F48-89F4-5A18B7943B62}"/>
+              </a:ext>
+            </a:extLst>
+          </p:cNvPr>
+          <p:cNvSpPr txBox="1"/>
+          <p:nvPr/>
+        </p:nvSpPr>
+        <p:spPr>
+          <a:xfrm>
+            <a:off x="5698997" y="3655490"/>
+            <a:ext cx="2004377" cy="369332"/>
+          </a:xfrm>
+          <a:prstGeom prst="rect">
+            <a:avLst/>
+          </a:prstGeom>
+          <a:noFill/>
+        </p:spPr>
+        <p:txBody>
+          <a:bodyPr wrap="square" rtlCol="0">
+            <a:spAutoFit/>
+          </a:bodyPr>
+          <a:lstStyle/>
+          <a:p>
+            <a:r>
+              <a:rPr lang="en-US"/>
+              <a:t>MA Factor Table</a:t>
+            </a:r>
+          </a:p>
+        </p:txBody>
+      </p:sp>
+      <mc:AlternateContent xmlns:mc="http://schemas.openxmlformats.org/markup-compatibility/2006">
+        <mc:Choice xmlns:a14="http://schemas.microsoft.com/office/drawing/2010/main" Requires="a14">
+          <p:sp>
+            <p:nvSpPr>
+              <p:cNvPr id="6" name="Rectangle 5">
+                <a:extLst>
+                  <a:ext uri="{FF2B5EF4-FFF2-40B4-BE49-F238E27FC236}">
+                    <a16:creationId xmlns:a16="http://schemas.microsoft.com/office/drawing/2014/main" id="{52E00BE3-78C2-4AB5-A960-2EA8F26FD48D}"/>
+                  </a:ext>
+                </a:extLst>
+              </p:cNvPr>
+              <p:cNvSpPr/>
+              <p:nvPr/>
+            </p:nvSpPr>
+            <p:spPr>
+              <a:xfrm>
+                <a:off x="210135" y="2553921"/>
+                <a:ext cx="5398185" cy="645305"/>
+              </a:xfrm>
+              <a:prstGeom prst="rect">
+                <a:avLst/>
+              </a:prstGeom>
+            </p:spPr>
+            <p:txBody>
+              <a:bodyPr wrap="square">
+                <a:spAutoFit/>
+              </a:bodyPr>
+              <a:lstStyle/>
+              <a:p>
+                <a:pPr/>
+                <a14:m>
+                  <m:oMathPara xmlns:m="http://schemas.openxmlformats.org/officeDocument/2006/math">
+                    <m:oMathParaPr>
+                      <m:jc m:val="centerGroup"/>
+                    </m:oMathParaPr>
+                    <m:oMath xmlns:m="http://schemas.openxmlformats.org/officeDocument/2006/math">
+                      <m:d>
+                        <m:dPr>
+                          <m:ctrlPr>
+                            <a:rPr lang="en-US" sz="1200" i="1">
+                              <a:latin typeface="Cambria Math" panose="02040503050406030204" pitchFamily="18" charset="0"/>
+                            </a:rPr>
+                          </m:ctrlPr>
+                        </m:dPr>
+                        <m:e>
+                          <m:r>
+                            <a:rPr lang="en-US" sz="1200">
+                              <a:latin typeface="Cambria Math" panose="02040503050406030204" pitchFamily="18" charset="0"/>
+                            </a:rPr>
+                            <m:t>1</m:t>
+                          </m:r>
+                          <m:r>
+                            <a:rPr lang="en-US" sz="1200" i="0">
+                              <a:latin typeface="Cambria Math" panose="02040503050406030204" pitchFamily="18" charset="0"/>
+                            </a:rPr>
+                            <m:t>−0.9928 </m:t>
+                          </m:r>
+                          <m:r>
+                            <a:rPr lang="en-US" sz="1200" i="1">
+                              <a:latin typeface="Cambria Math" panose="02040503050406030204" pitchFamily="18" charset="0"/>
+                            </a:rPr>
+                            <m:t>𝐵</m:t>
+                          </m:r>
+                        </m:e>
+                      </m:d>
+                      <m:d>
+                        <m:dPr>
+                          <m:ctrlPr>
+                            <a:rPr lang="en-US" sz="1200" i="1">
+                              <a:latin typeface="Cambria Math" panose="02040503050406030204" pitchFamily="18" charset="0"/>
+                            </a:rPr>
+                          </m:ctrlPr>
+                        </m:dPr>
+                        <m:e>
+                          <m:r>
+                            <a:rPr lang="en-US" sz="1200" i="0">
+                              <a:latin typeface="Cambria Math" panose="02040503050406030204" pitchFamily="18" charset="0"/>
+                            </a:rPr>
+                            <m:t>1− 0.604</m:t>
+                          </m:r>
+                          <m:r>
+                            <a:rPr lang="en-US" sz="1200" i="1">
+                              <a:latin typeface="Cambria Math" panose="02040503050406030204" pitchFamily="18" charset="0"/>
+                            </a:rPr>
+                            <m:t>𝐵</m:t>
+                          </m:r>
+                          <m:r>
+                            <a:rPr lang="en-US" sz="1200" i="0">
+                              <a:latin typeface="Cambria Math" panose="02040503050406030204" pitchFamily="18" charset="0"/>
+                            </a:rPr>
+                            <m:t>+0.888</m:t>
+                          </m:r>
+                          <m:sSup>
+                            <m:sSupPr>
+                              <m:ctrlPr>
+                                <a:rPr lang="en-US" sz="1200" i="1">
+                                  <a:latin typeface="Cambria Math" panose="02040503050406030204" pitchFamily="18" charset="0"/>
+                                </a:rPr>
+                              </m:ctrlPr>
+                            </m:sSupPr>
+                            <m:e>
+                              <m:r>
+                                <a:rPr lang="en-US" sz="1200" i="1">
+                                  <a:latin typeface="Cambria Math" panose="02040503050406030204" pitchFamily="18" charset="0"/>
+                                </a:rPr>
+                                <m:t>𝐵</m:t>
+                              </m:r>
+                            </m:e>
+                            <m:sup>
+                              <m:r>
+                                <a:rPr lang="en-US" sz="1200" i="0">
+                                  <a:latin typeface="Cambria Math" panose="02040503050406030204" pitchFamily="18" charset="0"/>
+                                </a:rPr>
+                                <m:t>2</m:t>
+                              </m:r>
+                            </m:sup>
+                          </m:sSup>
+                        </m:e>
+                      </m:d>
+                      <m:d>
+                        <m:dPr>
+                          <m:ctrlPr>
+                            <a:rPr lang="en-US" sz="1200" i="1">
+                              <a:latin typeface="Cambria Math" panose="02040503050406030204" pitchFamily="18" charset="0"/>
+                            </a:rPr>
+                          </m:ctrlPr>
+                        </m:dPr>
+                        <m:e>
+                          <m:r>
+                            <a:rPr lang="en-US" sz="1200" i="0">
+                              <a:latin typeface="Cambria Math" panose="02040503050406030204" pitchFamily="18" charset="0"/>
+                            </a:rPr>
+                            <m:t>1+1.794</m:t>
+                          </m:r>
+                          <m:r>
+                            <a:rPr lang="en-US" sz="1200" i="1">
+                              <a:latin typeface="Cambria Math" panose="02040503050406030204" pitchFamily="18" charset="0"/>
+                            </a:rPr>
+                            <m:t>𝐵</m:t>
+                          </m:r>
+                          <m:r>
+                            <a:rPr lang="en-US" sz="1200" i="0">
+                              <a:latin typeface="Cambria Math" panose="02040503050406030204" pitchFamily="18" charset="0"/>
+                            </a:rPr>
+                            <m:t> +0.878 </m:t>
+                          </m:r>
+                          <m:sSup>
+                            <m:sSupPr>
+                              <m:ctrlPr>
+                                <a:rPr lang="en-US" sz="1200" i="1">
+                                  <a:latin typeface="Cambria Math" panose="02040503050406030204" pitchFamily="18" charset="0"/>
+                                </a:rPr>
+                              </m:ctrlPr>
+                            </m:sSupPr>
+                            <m:e>
+                              <m:r>
+                                <a:rPr lang="en-US" sz="1200" i="1">
+                                  <a:latin typeface="Cambria Math" panose="02040503050406030204" pitchFamily="18" charset="0"/>
+                                </a:rPr>
+                                <m:t>𝐵</m:t>
+                              </m:r>
+                            </m:e>
+                            <m:sup>
+                              <m:r>
+                                <a:rPr lang="en-US" sz="1200" i="0">
+                                  <a:latin typeface="Cambria Math" panose="02040503050406030204" pitchFamily="18" charset="0"/>
+                                </a:rPr>
+                                <m:t>2</m:t>
+                              </m:r>
+                            </m:sup>
+                          </m:sSup>
+                        </m:e>
+                      </m:d>
+                      <m:d>
+                        <m:dPr>
+                          <m:ctrlPr>
+                            <a:rPr lang="en-US" sz="1200" i="1">
+                              <a:latin typeface="Cambria Math" panose="02040503050406030204" pitchFamily="18" charset="0"/>
+                            </a:rPr>
+                          </m:ctrlPr>
+                        </m:dPr>
+                        <m:e>
+                          <m:r>
+                            <a:rPr lang="en-US" sz="1200" i="0">
+                              <a:latin typeface="Cambria Math" panose="02040503050406030204" pitchFamily="18" charset="0"/>
+                            </a:rPr>
+                            <m:t>1+0.539 </m:t>
+                          </m:r>
+                          <m:r>
+                            <a:rPr lang="en-US" sz="1200" i="1">
+                              <a:latin typeface="Cambria Math" panose="02040503050406030204" pitchFamily="18" charset="0"/>
+                            </a:rPr>
+                            <m:t>𝐵</m:t>
+                          </m:r>
+                          <m:r>
+                            <a:rPr lang="en-US" sz="1200" i="0">
+                              <a:latin typeface="Cambria Math" panose="02040503050406030204" pitchFamily="18" charset="0"/>
+                            </a:rPr>
+                            <m:t> +0.841</m:t>
+                          </m:r>
+                          <m:sSup>
+                            <m:sSupPr>
+                              <m:ctrlPr>
+                                <a:rPr lang="en-US" sz="1200" i="1">
+                                  <a:latin typeface="Cambria Math" panose="02040503050406030204" pitchFamily="18" charset="0"/>
+                                </a:rPr>
+                              </m:ctrlPr>
+                            </m:sSupPr>
+                            <m:e>
+                              <m:r>
+                                <a:rPr lang="en-US" sz="1200" i="1">
+                                  <a:latin typeface="Cambria Math" panose="02040503050406030204" pitchFamily="18" charset="0"/>
+                                </a:rPr>
+                                <m:t>𝐵</m:t>
+                              </m:r>
+                            </m:e>
+                            <m:sup>
+                              <m:r>
+                                <a:rPr lang="en-US" sz="1200" i="0">
+                                  <a:latin typeface="Cambria Math" panose="02040503050406030204" pitchFamily="18" charset="0"/>
+                                </a:rPr>
+                                <m:t>2</m:t>
+                              </m:r>
+                            </m:sup>
+                          </m:sSup>
+                        </m:e>
+                      </m:d>
+                      <m:d>
+                        <m:dPr>
+                          <m:ctrlPr>
+                            <a:rPr lang="en-US" sz="1200" i="1">
+                              <a:latin typeface="Cambria Math" panose="02040503050406030204" pitchFamily="18" charset="0"/>
+                            </a:rPr>
+                          </m:ctrlPr>
+                        </m:dPr>
+                        <m:e>
+                          <m:r>
+                            <a:rPr lang="en-US" sz="1200" i="0">
+                              <a:latin typeface="Cambria Math" panose="02040503050406030204" pitchFamily="18" charset="0"/>
+                            </a:rPr>
+                            <m:t>1−1.424 </m:t>
+                          </m:r>
+                          <m:r>
+                            <a:rPr lang="en-US" sz="1200" i="1">
+                              <a:latin typeface="Cambria Math" panose="02040503050406030204" pitchFamily="18" charset="0"/>
+                            </a:rPr>
+                            <m:t>𝐵</m:t>
+                          </m:r>
+                          <m:r>
+                            <a:rPr lang="en-US" sz="1200" i="0">
+                              <a:latin typeface="Cambria Math" panose="02040503050406030204" pitchFamily="18" charset="0"/>
+                            </a:rPr>
+                            <m:t>+0.807 </m:t>
+                          </m:r>
+                          <m:sSup>
+                            <m:sSupPr>
+                              <m:ctrlPr>
+                                <a:rPr lang="en-US" sz="1200" i="1">
+                                  <a:latin typeface="Cambria Math" panose="02040503050406030204" pitchFamily="18" charset="0"/>
+                                </a:rPr>
+                              </m:ctrlPr>
+                            </m:sSupPr>
+                            <m:e>
+                              <m:r>
+                                <a:rPr lang="en-US" sz="1200" i="1">
+                                  <a:latin typeface="Cambria Math" panose="02040503050406030204" pitchFamily="18" charset="0"/>
+                                </a:rPr>
+                                <m:t>𝐵</m:t>
+                              </m:r>
+                            </m:e>
+                            <m:sup>
+                              <m:r>
+                                <a:rPr lang="en-US" sz="1200" i="0">
+                                  <a:latin typeface="Cambria Math" panose="02040503050406030204" pitchFamily="18" charset="0"/>
+                                </a:rPr>
+                                <m:t>2</m:t>
+                              </m:r>
+                            </m:sup>
+                          </m:sSup>
+                        </m:e>
+                      </m:d>
+                      <m:d>
+                        <m:dPr>
+                          <m:ctrlPr>
+                            <a:rPr lang="en-US" sz="1200" i="1">
+                              <a:latin typeface="Cambria Math" panose="02040503050406030204" pitchFamily="18" charset="0"/>
+                            </a:rPr>
+                          </m:ctrlPr>
+                        </m:dPr>
+                        <m:e>
+                          <m:r>
+                            <a:rPr lang="en-US" sz="1200" i="0">
+                              <a:latin typeface="Cambria Math" panose="02040503050406030204" pitchFamily="18" charset="0"/>
+                            </a:rPr>
+                            <m:t>1−1.662 </m:t>
+                          </m:r>
+                          <m:r>
+                            <a:rPr lang="en-US" sz="1200" i="1">
+                              <a:latin typeface="Cambria Math" panose="02040503050406030204" pitchFamily="18" charset="0"/>
+                            </a:rPr>
+                            <m:t>𝐵</m:t>
+                          </m:r>
+                          <m:r>
+                            <a:rPr lang="en-US" sz="1200" i="0">
+                              <a:latin typeface="Cambria Math" panose="02040503050406030204" pitchFamily="18" charset="0"/>
+                            </a:rPr>
+                            <m:t>+0.742 </m:t>
+                          </m:r>
+                          <m:sSup>
+                            <m:sSupPr>
+                              <m:ctrlPr>
+                                <a:rPr lang="en-US" sz="1200" i="1">
+                                  <a:latin typeface="Cambria Math" panose="02040503050406030204" pitchFamily="18" charset="0"/>
+                                </a:rPr>
+                              </m:ctrlPr>
+                            </m:sSupPr>
+                            <m:e>
+                              <m:r>
+                                <a:rPr lang="en-US" sz="1200" i="1">
+                                  <a:latin typeface="Cambria Math" panose="02040503050406030204" pitchFamily="18" charset="0"/>
+                                </a:rPr>
+                                <m:t>𝐵</m:t>
+                              </m:r>
+                            </m:e>
+                            <m:sup>
+                              <m:r>
+                                <a:rPr lang="en-US" sz="1200" i="0">
+                                  <a:latin typeface="Cambria Math" panose="02040503050406030204" pitchFamily="18" charset="0"/>
+                                </a:rPr>
+                                <m:t>2</m:t>
+                              </m:r>
+                            </m:sup>
+                          </m:sSup>
+                        </m:e>
+                      </m:d>
+                      <m:d>
+                        <m:dPr>
+                          <m:ctrlPr>
+                            <a:rPr lang="en-US" sz="1200" i="1">
+                              <a:latin typeface="Cambria Math" panose="02040503050406030204" pitchFamily="18" charset="0"/>
+                            </a:rPr>
+                          </m:ctrlPr>
+                        </m:dPr>
+                        <m:e>
+                          <m:r>
+                            <a:rPr lang="en-US" sz="1200" i="0">
+                              <a:latin typeface="Cambria Math" panose="02040503050406030204" pitchFamily="18" charset="0"/>
+                            </a:rPr>
+                            <m:t>1+1.155 </m:t>
+                          </m:r>
+                          <m:r>
+                            <a:rPr lang="en-US" sz="1200" i="1">
+                              <a:latin typeface="Cambria Math" panose="02040503050406030204" pitchFamily="18" charset="0"/>
+                            </a:rPr>
+                            <m:t>𝐵</m:t>
+                          </m:r>
+                          <m:r>
+                            <a:rPr lang="en-US" sz="1200" i="0">
+                              <a:latin typeface="Cambria Math" panose="02040503050406030204" pitchFamily="18" charset="0"/>
+                            </a:rPr>
+                            <m:t>+0.720 </m:t>
+                          </m:r>
+                          <m:sSup>
+                            <m:sSupPr>
+                              <m:ctrlPr>
+                                <a:rPr lang="en-US" sz="1200" i="1">
+                                  <a:latin typeface="Cambria Math" panose="02040503050406030204" pitchFamily="18" charset="0"/>
+                                </a:rPr>
+                              </m:ctrlPr>
+                            </m:sSupPr>
+                            <m:e>
+                              <m:r>
+                                <a:rPr lang="en-US" sz="1200" i="1">
+                                  <a:latin typeface="Cambria Math" panose="02040503050406030204" pitchFamily="18" charset="0"/>
+                                </a:rPr>
+                                <m:t>𝐵</m:t>
+                              </m:r>
+                            </m:e>
+                            <m:sup>
+                              <m:r>
+                                <a:rPr lang="en-US" sz="1200" i="0">
+                                  <a:latin typeface="Cambria Math" panose="02040503050406030204" pitchFamily="18" charset="0"/>
+                                </a:rPr>
+                                <m:t>2</m:t>
+                              </m:r>
+                            </m:sup>
+                          </m:sSup>
+                        </m:e>
+                      </m:d>
+                      <m:d>
+                        <m:dPr>
+                          <m:ctrlPr>
+                            <a:rPr lang="en-US" sz="1200" i="1">
+                              <a:latin typeface="Cambria Math" panose="02040503050406030204" pitchFamily="18" charset="0"/>
+                            </a:rPr>
+                          </m:ctrlPr>
+                        </m:dPr>
+                        <m:e>
+                          <m:sSub>
+                            <m:sSubPr>
+                              <m:ctrlPr>
+                                <a:rPr lang="en-US" sz="1200" i="1">
+                                  <a:latin typeface="Cambria Math" panose="02040503050406030204" pitchFamily="18" charset="0"/>
+                                </a:rPr>
+                              </m:ctrlPr>
+                            </m:sSubPr>
+                            <m:e>
+                              <m:r>
+                                <a:rPr lang="en-US" sz="1200" i="1">
+                                  <a:latin typeface="Cambria Math" panose="02040503050406030204" pitchFamily="18" charset="0"/>
+                                </a:rPr>
+                                <m:t>𝑋</m:t>
+                              </m:r>
+                            </m:e>
+                            <m:sub>
+                              <m:r>
+                                <a:rPr lang="en-US" sz="1200" i="1">
+                                  <a:latin typeface="Cambria Math" panose="02040503050406030204" pitchFamily="18" charset="0"/>
+                                </a:rPr>
+                                <m:t>𝑡</m:t>
+                              </m:r>
+                            </m:sub>
+                          </m:sSub>
+                          <m:r>
+                            <a:rPr lang="en-US" sz="1200" i="0">
+                              <a:latin typeface="Cambria Math" panose="02040503050406030204" pitchFamily="18" charset="0"/>
+                            </a:rPr>
+                            <m:t>−6.39</m:t>
+                          </m:r>
+                        </m:e>
+                      </m:d>
+                      <m:r>
+                        <a:rPr lang="en-US" sz="1200" i="0">
+                          <a:latin typeface="Cambria Math" panose="02040503050406030204" pitchFamily="18" charset="0"/>
+                        </a:rPr>
+                        <m:t>=</m:t>
+                      </m:r>
+                      <m:d>
+                        <m:dPr>
+                          <m:ctrlPr>
+                            <a:rPr lang="en-US" sz="1200" i="1">
+                              <a:latin typeface="Cambria Math" panose="02040503050406030204" pitchFamily="18" charset="0"/>
+                            </a:rPr>
+                          </m:ctrlPr>
+                        </m:dPr>
+                        <m:e>
+                          <m:r>
+                            <a:rPr lang="en-US" sz="1200" i="0">
+                              <a:latin typeface="Cambria Math" panose="02040503050406030204" pitchFamily="18" charset="0"/>
+                            </a:rPr>
+                            <m:t>1−0.882</m:t>
+                          </m:r>
+                          <m:r>
+                            <a:rPr lang="en-US" sz="1200" i="1">
+                              <a:latin typeface="Cambria Math" panose="02040503050406030204" pitchFamily="18" charset="0"/>
+                            </a:rPr>
+                            <m:t>𝐵</m:t>
+                          </m:r>
+                        </m:e>
+                      </m:d>
+                      <m:sSub>
+                        <m:sSubPr>
+                          <m:ctrlPr>
+                            <a:rPr lang="en-US" sz="1200" i="1">
+                              <a:latin typeface="Cambria Math" panose="02040503050406030204" pitchFamily="18" charset="0"/>
+                            </a:rPr>
+                          </m:ctrlPr>
+                        </m:sSubPr>
+                        <m:e>
+                          <m:r>
+                            <a:rPr lang="en-US" sz="1200" i="1">
+                              <a:latin typeface="Cambria Math" panose="02040503050406030204" pitchFamily="18" charset="0"/>
+                            </a:rPr>
+                            <m:t>𝑎</m:t>
+                          </m:r>
+                        </m:e>
+                        <m:sub>
+                          <m:r>
+                            <a:rPr lang="en-US" sz="1200" i="1">
+                              <a:latin typeface="Cambria Math" panose="02040503050406030204" pitchFamily="18" charset="0"/>
+                            </a:rPr>
+                            <m:t>𝑡</m:t>
+                          </m:r>
+                        </m:sub>
+                      </m:sSub>
+                      <m:r>
+                        <a:rPr lang="en-US" sz="1200" i="0">
+                          <a:latin typeface="Cambria Math" panose="02040503050406030204" pitchFamily="18" charset="0"/>
+                        </a:rPr>
+                        <m:t>  </m:t>
+                      </m:r>
+                      <m:r>
+                        <a:rPr lang="en-US" sz="1200" i="1">
+                          <a:latin typeface="Cambria Math" panose="02040503050406030204" pitchFamily="18" charset="0"/>
+                        </a:rPr>
+                        <m:t>𝑤𝑖𝑡h</m:t>
+                      </m:r>
+                      <m:r>
+                        <a:rPr lang="en-US" sz="1200" i="0">
+                          <a:latin typeface="Cambria Math" panose="02040503050406030204" pitchFamily="18" charset="0"/>
+                        </a:rPr>
+                        <m:t>  </m:t>
+                      </m:r>
+                      <m:sSubSup>
+                        <m:sSubSupPr>
+                          <m:ctrlPr>
+                            <a:rPr lang="en-US" sz="1200" i="1">
+                              <a:latin typeface="Cambria Math" panose="02040503050406030204" pitchFamily="18" charset="0"/>
+                            </a:rPr>
+                          </m:ctrlPr>
+                        </m:sSubSupPr>
+                        <m:e>
+                          <m:acc>
+                            <m:accPr>
+                              <m:chr m:val="̂"/>
+                              <m:ctrlPr>
+                                <a:rPr lang="en-US" sz="1200" i="1">
+                                  <a:latin typeface="Cambria Math" panose="02040503050406030204" pitchFamily="18" charset="0"/>
+                                </a:rPr>
+                              </m:ctrlPr>
+                            </m:accPr>
+                            <m:e>
+                              <m:r>
+                                <a:rPr lang="en-US" sz="1200" i="1">
+                                  <a:latin typeface="Cambria Math" panose="02040503050406030204" pitchFamily="18" charset="0"/>
+                                </a:rPr>
+                                <m:t>𝜎</m:t>
+                              </m:r>
+                            </m:e>
+                          </m:acc>
+                        </m:e>
+                        <m:sub>
+                          <m:r>
+                            <a:rPr lang="en-US" sz="1200" i="1">
+                              <a:latin typeface="Cambria Math" panose="02040503050406030204" pitchFamily="18" charset="0"/>
+                            </a:rPr>
+                            <m:t>𝑎</m:t>
+                          </m:r>
+                        </m:sub>
+                        <m:sup>
+                          <m:r>
+                            <a:rPr lang="en-US" sz="1200" i="0">
+                              <a:latin typeface="Cambria Math" panose="02040503050406030204" pitchFamily="18" charset="0"/>
+                            </a:rPr>
+                            <m:t>2</m:t>
+                          </m:r>
+                        </m:sup>
+                      </m:sSubSup>
+                      <m:r>
+                        <a:rPr lang="en-US" sz="1200" i="0">
+                          <a:latin typeface="Cambria Math" panose="02040503050406030204" pitchFamily="18" charset="0"/>
+                        </a:rPr>
+                        <m:t>=8.56</m:t>
+                      </m:r>
+                    </m:oMath>
+                  </m:oMathPara>
+                </a14:m>
+                <a:endParaRPr lang="en-US" sz="1200"/>
+              </a:p>
+            </p:txBody>
+          </p:sp>
+        </mc:Choice>
+        <mc:Fallback>
+          <p:sp>
+            <p:nvSpPr>
+              <p:cNvPr id="6" name="Rectangle 5">
+                <a:extLst>
+                  <a:ext uri="{FF2B5EF4-FFF2-40B4-BE49-F238E27FC236}">
+                    <a16:creationId xmlns:a16="http://schemas.microsoft.com/office/drawing/2014/main" id="{52E00BE3-78C2-4AB5-A960-2EA8F26FD48D}"/>
+                  </a:ext>
+                </a:extLst>
+              </p:cNvPr>
+              <p:cNvSpPr>
+                <a:spLocks noRot="1" noChangeAspect="1" noMove="1" noResize="1" noEditPoints="1" noAdjustHandles="1" noChangeArrowheads="1" noChangeShapeType="1" noTextEdit="1"/>
+              </p:cNvSpPr>
+              <p:nvPr/>
+            </p:nvSpPr>
+            <p:spPr>
+              <a:xfrm>
+                <a:off x="210135" y="2553921"/>
+                <a:ext cx="5398185" cy="645305"/>
+              </a:xfrm>
+              <a:prstGeom prst="rect">
+                <a:avLst/>
+              </a:prstGeom>
+              <a:blipFill>
+                <a:blip r:embed="rId4"/>
+                <a:stretch>
+                  <a:fillRect t="-45283" b="-69811"/>
+                </a:stretch>
+              </a:blipFill>
+            </p:spPr>
+            <p:txBody>
+              <a:bodyPr/>
+              <a:lstStyle/>
+              <a:p>
+                <a:r>
+                  <a:rPr lang="en-US">
+                    <a:noFill/>
+                  </a:rPr>
+                  <a:t> </a:t>
+                </a:r>
+              </a:p>
+            </p:txBody>
+          </p:sp>
+        </mc:Fallback>
+      </mc:AlternateContent>
+      <mc:AlternateContent xmlns:mc="http://schemas.openxmlformats.org/markup-compatibility/2006">
+        <mc:Choice xmlns:a14="http://schemas.microsoft.com/office/drawing/2010/main" Requires="a14">
+          <p:sp>
+            <p:nvSpPr>
+              <p:cNvPr id="10" name="Rectangle 9">
+                <a:extLst>
+                  <a:ext uri="{FF2B5EF4-FFF2-40B4-BE49-F238E27FC236}">
+                    <a16:creationId xmlns:a16="http://schemas.microsoft.com/office/drawing/2014/main" id="{6A9843B5-FDDA-461E-B426-D3E601214057}"/>
+                  </a:ext>
+                </a:extLst>
+              </p:cNvPr>
+              <p:cNvSpPr/>
+              <p:nvPr/>
+            </p:nvSpPr>
+            <p:spPr>
+              <a:xfrm>
+                <a:off x="210135" y="5379318"/>
+                <a:ext cx="5398184" cy="645305"/>
+              </a:xfrm>
+              <a:prstGeom prst="rect">
+                <a:avLst/>
+              </a:prstGeom>
+            </p:spPr>
+            <p:txBody>
+              <a:bodyPr wrap="square">
+                <a:spAutoFit/>
+              </a:bodyPr>
+              <a:lstStyle/>
+              <a:p>
+                <a:pPr/>
+                <a14:m>
+                  <m:oMathPara xmlns:m="http://schemas.openxmlformats.org/officeDocument/2006/math">
+                    <m:oMathParaPr>
+                      <m:jc m:val="centerGroup"/>
+                    </m:oMathParaPr>
+                    <m:oMath xmlns:m="http://schemas.openxmlformats.org/officeDocument/2006/math">
+                      <m:d>
+                        <m:dPr>
+                          <m:ctrlPr>
+                            <a:rPr lang="en-US" sz="1200" i="1">
+                              <a:latin typeface="Cambria Math" panose="02040503050406030204" pitchFamily="18" charset="0"/>
+                            </a:rPr>
+                          </m:ctrlPr>
+                        </m:dPr>
+                        <m:e>
+                          <m:r>
+                            <a:rPr lang="en-US" sz="1200">
+                              <a:latin typeface="Cambria Math" panose="02040503050406030204" pitchFamily="18" charset="0"/>
+                            </a:rPr>
+                            <m:t>1</m:t>
+                          </m:r>
+                          <m:r>
+                            <a:rPr lang="en-US" sz="1200" i="0">
+                              <a:latin typeface="Cambria Math" panose="02040503050406030204" pitchFamily="18" charset="0"/>
+                            </a:rPr>
+                            <m:t> −0.6227</m:t>
+                          </m:r>
+                          <m:r>
+                            <a:rPr lang="en-US" sz="1200" i="1">
+                              <a:latin typeface="Cambria Math" panose="02040503050406030204" pitchFamily="18" charset="0"/>
+                            </a:rPr>
+                            <m:t>𝐵</m:t>
+                          </m:r>
+                          <m:r>
+                            <a:rPr lang="en-US" sz="1200" i="0">
+                              <a:latin typeface="Cambria Math" panose="02040503050406030204" pitchFamily="18" charset="0"/>
+                            </a:rPr>
+                            <m:t> +0.8766</m:t>
+                          </m:r>
+                          <m:sSup>
+                            <m:sSupPr>
+                              <m:ctrlPr>
+                                <a:rPr lang="en-US" sz="1200" i="1">
+                                  <a:latin typeface="Cambria Math" panose="02040503050406030204" pitchFamily="18" charset="0"/>
+                                </a:rPr>
+                              </m:ctrlPr>
+                            </m:sSupPr>
+                            <m:e>
+                              <m:r>
+                                <a:rPr lang="en-US" sz="1200" i="1">
+                                  <a:latin typeface="Cambria Math" panose="02040503050406030204" pitchFamily="18" charset="0"/>
+                                </a:rPr>
+                                <m:t>𝐵</m:t>
+                              </m:r>
+                            </m:e>
+                            <m:sup>
+                              <m:r>
+                                <a:rPr lang="en-US" sz="1200" i="0">
+                                  <a:latin typeface="Cambria Math" panose="02040503050406030204" pitchFamily="18" charset="0"/>
+                                </a:rPr>
+                                <m:t>2</m:t>
+                              </m:r>
+                            </m:sup>
+                          </m:sSup>
+                        </m:e>
+                      </m:d>
+                      <m:d>
+                        <m:dPr>
+                          <m:ctrlPr>
+                            <a:rPr lang="en-US" sz="1200" i="1">
+                              <a:latin typeface="Cambria Math" panose="02040503050406030204" pitchFamily="18" charset="0"/>
+                            </a:rPr>
+                          </m:ctrlPr>
+                        </m:dPr>
+                        <m:e>
+                          <m:r>
+                            <a:rPr lang="en-US" sz="1200" i="0">
+                              <a:latin typeface="Cambria Math" panose="02040503050406030204" pitchFamily="18" charset="0"/>
+                            </a:rPr>
+                            <m:t>1+1.7743 </m:t>
+                          </m:r>
+                          <m:r>
+                            <a:rPr lang="en-US" sz="1200" i="1">
+                              <a:latin typeface="Cambria Math" panose="02040503050406030204" pitchFamily="18" charset="0"/>
+                            </a:rPr>
+                            <m:t>𝐵</m:t>
+                          </m:r>
+                          <m:r>
+                            <a:rPr lang="en-US" sz="1200" i="0">
+                              <a:latin typeface="Cambria Math" panose="02040503050406030204" pitchFamily="18" charset="0"/>
+                            </a:rPr>
+                            <m:t>+0.8617 </m:t>
+                          </m:r>
+                          <m:sSup>
+                            <m:sSupPr>
+                              <m:ctrlPr>
+                                <a:rPr lang="en-US" sz="1200" i="1">
+                                  <a:latin typeface="Cambria Math" panose="02040503050406030204" pitchFamily="18" charset="0"/>
+                                </a:rPr>
+                              </m:ctrlPr>
+                            </m:sSupPr>
+                            <m:e>
+                              <m:r>
+                                <a:rPr lang="en-US" sz="1200" i="1">
+                                  <a:latin typeface="Cambria Math" panose="02040503050406030204" pitchFamily="18" charset="0"/>
+                                </a:rPr>
+                                <m:t>𝐵</m:t>
+                              </m:r>
+                            </m:e>
+                            <m:sup>
+                              <m:r>
+                                <a:rPr lang="en-US" sz="1200" i="0">
+                                  <a:latin typeface="Cambria Math" panose="02040503050406030204" pitchFamily="18" charset="0"/>
+                                </a:rPr>
+                                <m:t>2</m:t>
+                              </m:r>
+                            </m:sup>
+                          </m:sSup>
+                        </m:e>
+                      </m:d>
+                      <m:d>
+                        <m:dPr>
+                          <m:ctrlPr>
+                            <a:rPr lang="en-US" sz="1200" i="1">
+                              <a:latin typeface="Cambria Math" panose="02040503050406030204" pitchFamily="18" charset="0"/>
+                            </a:rPr>
+                          </m:ctrlPr>
+                        </m:dPr>
+                        <m:e>
+                          <m:r>
+                            <a:rPr lang="en-US" sz="1200" i="0">
+                              <a:latin typeface="Cambria Math" panose="02040503050406030204" pitchFamily="18" charset="0"/>
+                            </a:rPr>
+                            <m:t>1−1.5025 </m:t>
+                          </m:r>
+                          <m:r>
+                            <a:rPr lang="en-US" sz="1200" i="1">
+                              <a:latin typeface="Cambria Math" panose="02040503050406030204" pitchFamily="18" charset="0"/>
+                            </a:rPr>
+                            <m:t>𝐵</m:t>
+                          </m:r>
+                          <m:r>
+                            <a:rPr lang="en-US" sz="1200" i="0">
+                              <a:latin typeface="Cambria Math" panose="02040503050406030204" pitchFamily="18" charset="0"/>
+                            </a:rPr>
+                            <m:t>+0.8361 </m:t>
+                          </m:r>
+                          <m:sSup>
+                            <m:sSupPr>
+                              <m:ctrlPr>
+                                <a:rPr lang="en-US" sz="1200" i="1">
+                                  <a:latin typeface="Cambria Math" panose="02040503050406030204" pitchFamily="18" charset="0"/>
+                                </a:rPr>
+                              </m:ctrlPr>
+                            </m:sSupPr>
+                            <m:e>
+                              <m:r>
+                                <a:rPr lang="en-US" sz="1200" i="1">
+                                  <a:latin typeface="Cambria Math" panose="02040503050406030204" pitchFamily="18" charset="0"/>
+                                </a:rPr>
+                                <m:t>𝐵</m:t>
+                              </m:r>
+                            </m:e>
+                            <m:sup>
+                              <m:r>
+                                <a:rPr lang="en-US" sz="1200" i="0">
+                                  <a:latin typeface="Cambria Math" panose="02040503050406030204" pitchFamily="18" charset="0"/>
+                                </a:rPr>
+                                <m:t>2</m:t>
+                              </m:r>
+                            </m:sup>
+                          </m:sSup>
+                        </m:e>
+                      </m:d>
+                      <m:d>
+                        <m:dPr>
+                          <m:ctrlPr>
+                            <a:rPr lang="en-US" sz="1200" i="1">
+                              <a:latin typeface="Cambria Math" panose="02040503050406030204" pitchFamily="18" charset="0"/>
+                            </a:rPr>
+                          </m:ctrlPr>
+                        </m:dPr>
+                        <m:e>
+                          <m:r>
+                            <a:rPr lang="en-US" sz="1200" i="0">
+                              <a:latin typeface="Cambria Math" panose="02040503050406030204" pitchFamily="18" charset="0"/>
+                            </a:rPr>
+                            <m:t>1 +0.5210</m:t>
+                          </m:r>
+                          <m:r>
+                            <a:rPr lang="en-US" sz="1200" i="1">
+                              <a:latin typeface="Cambria Math" panose="02040503050406030204" pitchFamily="18" charset="0"/>
+                            </a:rPr>
+                            <m:t>𝐵</m:t>
+                          </m:r>
+                          <m:r>
+                            <a:rPr lang="en-US" sz="1200" i="0">
+                              <a:latin typeface="Cambria Math" panose="02040503050406030204" pitchFamily="18" charset="0"/>
+                            </a:rPr>
+                            <m:t>+0.8091 </m:t>
+                          </m:r>
+                          <m:sSup>
+                            <m:sSupPr>
+                              <m:ctrlPr>
+                                <a:rPr lang="en-US" sz="1200" i="1">
+                                  <a:latin typeface="Cambria Math" panose="02040503050406030204" pitchFamily="18" charset="0"/>
+                                </a:rPr>
+                              </m:ctrlPr>
+                            </m:sSupPr>
+                            <m:e>
+                              <m:r>
+                                <a:rPr lang="en-US" sz="1200" i="1">
+                                  <a:latin typeface="Cambria Math" panose="02040503050406030204" pitchFamily="18" charset="0"/>
+                                </a:rPr>
+                                <m:t>𝐵</m:t>
+                              </m:r>
+                            </m:e>
+                            <m:sup>
+                              <m:r>
+                                <a:rPr lang="en-US" sz="1200" i="0">
+                                  <a:latin typeface="Cambria Math" panose="02040503050406030204" pitchFamily="18" charset="0"/>
+                                </a:rPr>
+                                <m:t>2</m:t>
+                              </m:r>
+                            </m:sup>
+                          </m:sSup>
+                        </m:e>
+                      </m:d>
+                      <m:d>
+                        <m:dPr>
+                          <m:ctrlPr>
+                            <a:rPr lang="en-US" sz="1200" i="1">
+                              <a:latin typeface="Cambria Math" panose="02040503050406030204" pitchFamily="18" charset="0"/>
+                            </a:rPr>
+                          </m:ctrlPr>
+                        </m:dPr>
+                        <m:e>
+                          <m:r>
+                            <a:rPr lang="en-US" sz="1200" i="0">
+                              <a:latin typeface="Cambria Math" panose="02040503050406030204" pitchFamily="18" charset="0"/>
+                            </a:rPr>
+                            <m:t>1 +1.0965</m:t>
+                          </m:r>
+                          <m:r>
+                            <a:rPr lang="en-US" sz="1200" i="1">
+                              <a:latin typeface="Cambria Math" panose="02040503050406030204" pitchFamily="18" charset="0"/>
+                            </a:rPr>
+                            <m:t>𝐵</m:t>
+                          </m:r>
+                          <m:r>
+                            <a:rPr lang="en-US" sz="1200" i="0">
+                              <a:latin typeface="Cambria Math" panose="02040503050406030204" pitchFamily="18" charset="0"/>
+                            </a:rPr>
+                            <m:t>+0.6776 </m:t>
+                          </m:r>
+                          <m:sSup>
+                            <m:sSupPr>
+                              <m:ctrlPr>
+                                <a:rPr lang="en-US" sz="1200" i="1">
+                                  <a:latin typeface="Cambria Math" panose="02040503050406030204" pitchFamily="18" charset="0"/>
+                                </a:rPr>
+                              </m:ctrlPr>
+                            </m:sSupPr>
+                            <m:e>
+                              <m:r>
+                                <a:rPr lang="en-US" sz="1200" i="1">
+                                  <a:latin typeface="Cambria Math" panose="02040503050406030204" pitchFamily="18" charset="0"/>
+                                </a:rPr>
+                                <m:t>𝐵</m:t>
+                              </m:r>
+                            </m:e>
+                            <m:sup>
+                              <m:r>
+                                <a:rPr lang="en-US" sz="1200" i="0">
+                                  <a:latin typeface="Cambria Math" panose="02040503050406030204" pitchFamily="18" charset="0"/>
+                                </a:rPr>
+                                <m:t>2</m:t>
+                              </m:r>
+                            </m:sup>
+                          </m:sSup>
+                        </m:e>
+                      </m:d>
+                      <m:d>
+                        <m:dPr>
+                          <m:ctrlPr>
+                            <a:rPr lang="en-US" sz="1200" i="1">
+                              <a:latin typeface="Cambria Math" panose="02040503050406030204" pitchFamily="18" charset="0"/>
+                            </a:rPr>
+                          </m:ctrlPr>
+                        </m:dPr>
+                        <m:e>
+                          <m:r>
+                            <a:rPr lang="en-US" sz="1200" i="0">
+                              <a:latin typeface="Cambria Math" panose="02040503050406030204" pitchFamily="18" charset="0"/>
+                            </a:rPr>
+                            <m:t>1 −0.6025</m:t>
+                          </m:r>
+                          <m:r>
+                            <a:rPr lang="en-US" sz="1200" i="1">
+                              <a:latin typeface="Cambria Math" panose="02040503050406030204" pitchFamily="18" charset="0"/>
+                            </a:rPr>
+                            <m:t>𝐵</m:t>
+                          </m:r>
+                        </m:e>
+                      </m:d>
+                      <m:d>
+                        <m:dPr>
+                          <m:ctrlPr>
+                            <a:rPr lang="en-US" sz="1200" i="1">
+                              <a:latin typeface="Cambria Math" panose="02040503050406030204" pitchFamily="18" charset="0"/>
+                            </a:rPr>
+                          </m:ctrlPr>
+                        </m:dPr>
+                        <m:e>
+                          <m:r>
+                            <a:rPr lang="en-US" sz="1200" i="0">
+                              <a:latin typeface="Cambria Math" panose="02040503050406030204" pitchFamily="18" charset="0"/>
+                            </a:rPr>
+                            <m:t>1−</m:t>
+                          </m:r>
+                          <m:r>
+                            <a:rPr lang="en-US" sz="1200" i="1">
+                              <a:latin typeface="Cambria Math" panose="02040503050406030204" pitchFamily="18" charset="0"/>
+                            </a:rPr>
+                            <m:t>𝐵</m:t>
+                          </m:r>
+                        </m:e>
+                      </m:d>
+                      <m:sSub>
+                        <m:sSubPr>
+                          <m:ctrlPr>
+                            <a:rPr lang="en-US" sz="1200" i="1">
+                              <a:latin typeface="Cambria Math" panose="02040503050406030204" pitchFamily="18" charset="0"/>
+                            </a:rPr>
+                          </m:ctrlPr>
+                        </m:sSubPr>
+                        <m:e>
+                          <m:r>
+                            <a:rPr lang="en-US" sz="1200" i="1">
+                              <a:latin typeface="Cambria Math" panose="02040503050406030204" pitchFamily="18" charset="0"/>
+                            </a:rPr>
+                            <m:t>𝑋</m:t>
+                          </m:r>
+                        </m:e>
+                        <m:sub>
+                          <m:r>
+                            <a:rPr lang="en-US" sz="1200" i="1">
+                              <a:latin typeface="Cambria Math" panose="02040503050406030204" pitchFamily="18" charset="0"/>
+                            </a:rPr>
+                            <m:t>𝑡</m:t>
+                          </m:r>
+                        </m:sub>
+                      </m:sSub>
+                      <m:r>
+                        <a:rPr lang="en-US" sz="1200" i="0">
+                          <a:latin typeface="Cambria Math" panose="02040503050406030204" pitchFamily="18" charset="0"/>
+                        </a:rPr>
+                        <m:t>=</m:t>
+                      </m:r>
+                      <m:sSub>
+                        <m:sSubPr>
+                          <m:ctrlPr>
+                            <a:rPr lang="en-US" sz="1200" i="1">
+                              <a:latin typeface="Cambria Math" panose="02040503050406030204" pitchFamily="18" charset="0"/>
+                            </a:rPr>
+                          </m:ctrlPr>
+                        </m:sSubPr>
+                        <m:e>
+                          <m:r>
+                            <a:rPr lang="en-US" sz="1200" i="1">
+                              <a:latin typeface="Cambria Math" panose="02040503050406030204" pitchFamily="18" charset="0"/>
+                            </a:rPr>
+                            <m:t>𝑎</m:t>
+                          </m:r>
+                        </m:e>
+                        <m:sub>
+                          <m:r>
+                            <a:rPr lang="en-US" sz="1200" i="1">
+                              <a:latin typeface="Cambria Math" panose="02040503050406030204" pitchFamily="18" charset="0"/>
+                            </a:rPr>
+                            <m:t>𝑡</m:t>
+                          </m:r>
+                        </m:sub>
+                      </m:sSub>
+                      <m:r>
+                        <a:rPr lang="en-US" sz="1200" i="0">
+                          <a:latin typeface="Cambria Math" panose="02040503050406030204" pitchFamily="18" charset="0"/>
+                        </a:rPr>
+                        <m:t>  </m:t>
+                      </m:r>
+                      <m:r>
+                        <a:rPr lang="en-US" sz="1200" i="1">
+                          <a:latin typeface="Cambria Math" panose="02040503050406030204" pitchFamily="18" charset="0"/>
+                        </a:rPr>
+                        <m:t>𝑤𝑖𝑡h</m:t>
+                      </m:r>
+                      <m:r>
+                        <a:rPr lang="en-US" sz="1200" i="0">
+                          <a:latin typeface="Cambria Math" panose="02040503050406030204" pitchFamily="18" charset="0"/>
+                        </a:rPr>
+                        <m:t>  </m:t>
+                      </m:r>
+                      <m:sSubSup>
+                        <m:sSubSupPr>
+                          <m:ctrlPr>
+                            <a:rPr lang="en-US" sz="1200" i="1">
+                              <a:latin typeface="Cambria Math" panose="02040503050406030204" pitchFamily="18" charset="0"/>
+                            </a:rPr>
+                          </m:ctrlPr>
+                        </m:sSubSupPr>
+                        <m:e>
+                          <m:acc>
+                            <m:accPr>
+                              <m:chr m:val="̂"/>
+                              <m:ctrlPr>
+                                <a:rPr lang="en-US" sz="1200" i="1">
+                                  <a:latin typeface="Cambria Math" panose="02040503050406030204" pitchFamily="18" charset="0"/>
+                                </a:rPr>
+                              </m:ctrlPr>
+                            </m:accPr>
+                            <m:e>
+                              <m:r>
+                                <a:rPr lang="en-US" sz="1200" i="1">
+                                  <a:latin typeface="Cambria Math" panose="02040503050406030204" pitchFamily="18" charset="0"/>
+                                </a:rPr>
+                                <m:t>𝜎</m:t>
+                              </m:r>
+                            </m:e>
+                          </m:acc>
+                        </m:e>
+                        <m:sub>
+                          <m:r>
+                            <a:rPr lang="en-US" sz="1200" i="1">
+                              <a:latin typeface="Cambria Math" panose="02040503050406030204" pitchFamily="18" charset="0"/>
+                            </a:rPr>
+                            <m:t>𝑎</m:t>
+                          </m:r>
+                        </m:sub>
+                        <m:sup>
+                          <m:r>
+                            <a:rPr lang="en-US" sz="1200" i="0">
+                              <a:latin typeface="Cambria Math" panose="02040503050406030204" pitchFamily="18" charset="0"/>
+                            </a:rPr>
+                            <m:t>2</m:t>
+                          </m:r>
+                        </m:sup>
+                      </m:sSubSup>
+                      <m:r>
+                        <a:rPr lang="en-US" sz="1200" i="0">
+                          <a:latin typeface="Cambria Math" panose="02040503050406030204" pitchFamily="18" charset="0"/>
+                        </a:rPr>
+                        <m:t>=9.05</m:t>
+                      </m:r>
+                    </m:oMath>
+                  </m:oMathPara>
+                </a14:m>
+                <a:endParaRPr lang="en-US" sz="1200"/>
+              </a:p>
+            </p:txBody>
+          </p:sp>
+        </mc:Choice>
+        <mc:Fallback>
+          <p:sp>
+            <p:nvSpPr>
+              <p:cNvPr id="10" name="Rectangle 9">
+                <a:extLst>
+                  <a:ext uri="{FF2B5EF4-FFF2-40B4-BE49-F238E27FC236}">
+                    <a16:creationId xmlns:a16="http://schemas.microsoft.com/office/drawing/2014/main" id="{6A9843B5-FDDA-461E-B426-D3E601214057}"/>
+                  </a:ext>
+                </a:extLst>
+              </p:cNvPr>
+              <p:cNvSpPr>
+                <a:spLocks noRot="1" noChangeAspect="1" noMove="1" noResize="1" noEditPoints="1" noAdjustHandles="1" noChangeArrowheads="1" noChangeShapeType="1" noTextEdit="1"/>
+              </p:cNvSpPr>
+              <p:nvPr/>
+            </p:nvSpPr>
+            <p:spPr>
+              <a:xfrm>
+                <a:off x="210135" y="5379318"/>
+                <a:ext cx="5398184" cy="645305"/>
+              </a:xfrm>
+              <a:prstGeom prst="rect">
+                <a:avLst/>
+              </a:prstGeom>
+              <a:blipFill>
+                <a:blip r:embed="rId5"/>
+                <a:stretch>
+                  <a:fillRect t="-45283" b="-69811"/>
+                </a:stretch>
+              </a:blipFill>
+            </p:spPr>
+            <p:txBody>
+              <a:bodyPr/>
+              <a:lstStyle/>
+              <a:p>
+                <a:r>
+                  <a:rPr lang="en-US">
+                    <a:noFill/>
+                  </a:rPr>
+                  <a:t> </a:t>
+                </a:r>
+              </a:p>
+            </p:txBody>
+          </p:sp>
+        </mc:Fallback>
+      </mc:AlternateContent>
+      <p:pic>
+        <p:nvPicPr>
+          <p:cNvPr id="24" name="Picture 23">
+            <a:extLst>
+              <a:ext uri="{FF2B5EF4-FFF2-40B4-BE49-F238E27FC236}">
+                <a16:creationId xmlns:a16="http://schemas.microsoft.com/office/drawing/2014/main" id="{19E76B27-8BF2-4AF1-B9B0-9F958E2B728E}"/>
+              </a:ext>
+            </a:extLst>
+          </p:cNvPr>
+          <p:cNvPicPr>
+            <a:picLocks noChangeAspect="1"/>
+          </p:cNvPicPr>
+          <p:nvPr/>
+        </p:nvPicPr>
+        <p:blipFill>
+          <a:blip r:embed="rId6"/>
+          <a:stretch>
+            <a:fillRect/>
+          </a:stretch>
+        </p:blipFill>
+        <p:spPr>
+          <a:xfrm>
+            <a:off x="5698997" y="3994723"/>
+            <a:ext cx="3385479" cy="247077"/>
+          </a:xfrm>
+          <a:prstGeom prst="rect">
+            <a:avLst/>
+          </a:prstGeom>
+        </p:spPr>
+      </p:pic>
     </p:spTree>
     <p:extLst>
       <p:ext uri="{BB962C8B-B14F-4D97-AF65-F5344CB8AC3E}">
@@ -30304,11 +32035,11 @@
   <p:clrMapOvr>
     <a:masterClrMapping/>
   </p:clrMapOvr>
-  <mc:AlternateContent xmlns:mc="http://schemas.openxmlformats.org/markup-compatibility/2006" xmlns:p14="http://schemas.microsoft.com/office/powerpoint/2010/main">
-    <mc:Choice Requires="p14">
+  <mc:AlternateContent xmlns:mc="http://schemas.openxmlformats.org/markup-compatibility/2006">
+    <mc:Choice xmlns:p14="http://schemas.microsoft.com/office/powerpoint/2010/main" Requires="p14">
       <p:transition p14:dur="10" advClick="0"/>
     </mc:Choice>
-    <mc:Fallback xmlns="">
+    <mc:Fallback>
       <p:transition advClick="0"/>
     </mc:Fallback>
   </mc:AlternateContent>
@@ -30333,7 +32064,7 @@
                             </p:stCondLst>
                             <p:childTnLst>
                               <p:par>
-                                <p:cTn id="5" presetID="1" presetClass="entr" presetSubtype="0" fill="hold" nodeType="clickEffect">
+                                <p:cTn id="5" presetID="1" presetClass="entr" presetSubtype="0" fill="hold" grpId="0" nodeType="clickEffect">
                                   <p:stCondLst>
                                     <p:cond delay="0"/>
                                   </p:stCondLst>
@@ -30346,7 +32077,7 @@
                                           </p:stCondLst>
                                         </p:cTn>
                                         <p:tgtEl>
-                                          <p:spTgt spid="9"/>
+                                          <p:spTgt spid="11"/>
                                         </p:tgtEl>
                                         <p:attrNameLst>
                                           <p:attrName>style.visibility</p:attrName>
@@ -30359,26 +32090,35 @@
                                   </p:childTnLst>
                                 </p:cTn>
                               </p:par>
-                            </p:childTnLst>
-                          </p:cTn>
-                        </p:par>
-                      </p:childTnLst>
-                    </p:cTn>
-                  </p:par>
-                  <p:par>
-                    <p:cTn id="7" fill="hold">
-                      <p:stCondLst>
-                        <p:cond delay="indefinite"/>
-                      </p:stCondLst>
-                      <p:childTnLst>
-                        <p:par>
-                          <p:cTn id="8" fill="hold">
-                            <p:stCondLst>
-                              <p:cond delay="0"/>
-                            </p:stCondLst>
-                            <p:childTnLst>
                               <p:par>
-                                <p:cTn id="9" presetID="1" presetClass="entr" presetSubtype="0" fill="hold" nodeType="clickEffect">
+                                <p:cTn id="7" presetID="1" presetClass="entr" presetSubtype="0" fill="hold" grpId="0" nodeType="withEffect">
+                                  <p:stCondLst>
+                                    <p:cond delay="0"/>
+                                  </p:stCondLst>
+                                  <p:childTnLst>
+                                    <p:set>
+                                      <p:cBhvr>
+                                        <p:cTn id="8" dur="1" fill="hold">
+                                          <p:stCondLst>
+                                            <p:cond delay="0"/>
+                                          </p:stCondLst>
+                                        </p:cTn>
+                                        <p:tgtEl>
+                                          <p:spTgt spid="18"/>
+                                        </p:tgtEl>
+                                        <p:attrNameLst>
+                                          <p:attrName>style.visibility</p:attrName>
+                                        </p:attrNameLst>
+                                      </p:cBhvr>
+                                      <p:to>
+                                        <p:strVal val="visible"/>
+                                      </p:to>
+                                    </p:set>
+                                  </p:childTnLst>
+                                </p:cTn>
+                              </p:par>
+                              <p:par>
+                                <p:cTn id="9" presetID="1" presetClass="entr" presetSubtype="0" fill="hold" grpId="0" nodeType="withEffect">
                                   <p:stCondLst>
                                     <p:cond delay="0"/>
                                   </p:stCondLst>
@@ -30391,7 +32131,61 @@
                                           </p:stCondLst>
                                         </p:cTn>
                                         <p:tgtEl>
-                                          <p:spTgt spid="12"/>
+                                          <p:spTgt spid="10"/>
+                                        </p:tgtEl>
+                                        <p:attrNameLst>
+                                          <p:attrName>style.visibility</p:attrName>
+                                        </p:attrNameLst>
+                                      </p:cBhvr>
+                                      <p:to>
+                                        <p:strVal val="visible"/>
+                                      </p:to>
+                                    </p:set>
+                                  </p:childTnLst>
+                                </p:cTn>
+                              </p:par>
+                              <p:par>
+                                <p:cTn id="11" presetID="1" presetClass="entr" presetSubtype="0" fill="hold" nodeType="withEffect">
+                                  <p:stCondLst>
+                                    <p:cond delay="0"/>
+                                  </p:stCondLst>
+                                  <p:childTnLst>
+                                    <p:set>
+                                      <p:cBhvr>
+                                        <p:cTn id="12" dur="1" fill="hold">
+                                          <p:stCondLst>
+                                            <p:cond delay="0"/>
+                                          </p:stCondLst>
+                                        </p:cTn>
+                                        <p:tgtEl>
+                                          <p:spTgt spid="16"/>
+                                        </p:tgtEl>
+                                        <p:attrNameLst>
+                                          <p:attrName>style.visibility</p:attrName>
+                                        </p:attrNameLst>
+                                      </p:cBhvr>
+                                      <p:to>
+                                        <p:strVal val="visible"/>
+                                      </p:to>
+                                    </p:set>
+                                  </p:childTnLst>
+                                </p:cTn>
+                              </p:par>
+                              <p:par>
+                                <p:cTn id="13" presetID="1" presetClass="entr" presetSubtype="0" fill="hold" grpId="0" nodeType="withEffect">
+                                  <p:stCondLst>
+                                    <p:cond delay="0"/>
+                                  </p:stCondLst>
+                                  <p:childTnLst>
+                                    <p:set>
+                                      <p:cBhvr>
+                                        <p:cTn id="14" dur="1" fill="hold">
+                                          <p:stCondLst>
+                                            <p:cond delay="0"/>
+                                          </p:stCondLst>
+                                        </p:cTn>
+                                        <p:tgtEl>
+                                          <p:spTgt spid="20"/>
                                         </p:tgtEl>
                                         <p:attrNameLst>
                                           <p:attrName>style.visibility</p:attrName>
@@ -30431,11 +32225,17 @@
         </p:cTn>
       </p:par>
     </p:tnLst>
+    <p:bldLst>
+      <p:bldP spid="11" grpId="0"/>
+      <p:bldP spid="18" grpId="0"/>
+      <p:bldP spid="20" grpId="0"/>
+      <p:bldP spid="10" grpId="0"/>
+    </p:bldLst>
   </p:timing>
 </p:sld>
 </file>
 
-<file path=ppt/slides/slide14.xml><?xml version="1.0" encoding="utf-8"?>
+<file path=ppt/slides/slide13.xml><?xml version="1.0" encoding="utf-8"?>
 <p:sld xmlns:a="http://schemas.openxmlformats.org/drawingml/2006/main" xmlns:r="http://schemas.openxmlformats.org/officeDocument/2006/relationships" xmlns:p="http://schemas.openxmlformats.org/presentationml/2006/main">
   <p:cSld>
     <p:bg>
@@ -30460,6 +32260,192 @@
           <a:chExt cx="0" cy="0"/>
         </a:xfrm>
       </p:grpSpPr>
+      <p:grpSp>
+        <p:nvGrpSpPr>
+          <p:cNvPr id="11" name="ARMA(13,1) White Noise">
+            <a:extLst>
+              <a:ext uri="{FF2B5EF4-FFF2-40B4-BE49-F238E27FC236}">
+                <a16:creationId xmlns:a16="http://schemas.microsoft.com/office/drawing/2014/main" id="{D6A5462E-8CE3-4922-9382-BD91F4AD3E7E}"/>
+              </a:ext>
+            </a:extLst>
+          </p:cNvPr>
+          <p:cNvGrpSpPr/>
+          <p:nvPr/>
+        </p:nvGrpSpPr>
+        <p:grpSpPr>
+          <a:xfrm>
+            <a:off x="4607981" y="1947096"/>
+            <a:ext cx="4422146" cy="3697896"/>
+            <a:chOff x="4607981" y="1947096"/>
+            <a:chExt cx="4422146" cy="3697896"/>
+          </a:xfrm>
+        </p:grpSpPr>
+        <p:pic>
+          <p:nvPicPr>
+            <p:cNvPr id="3" name="Picture 2">
+              <a:extLst>
+                <a:ext uri="{FF2B5EF4-FFF2-40B4-BE49-F238E27FC236}">
+                  <a16:creationId xmlns:a16="http://schemas.microsoft.com/office/drawing/2014/main" id="{D1654EE3-8586-4DAB-A2C2-35C983AEFC8A}"/>
+                </a:ext>
+              </a:extLst>
+            </p:cNvPr>
+            <p:cNvPicPr>
+              <a:picLocks noChangeAspect="1"/>
+            </p:cNvPicPr>
+            <p:nvPr/>
+          </p:nvPicPr>
+          <p:blipFill>
+            <a:blip r:embed="rId2"/>
+            <a:srcRect/>
+            <a:stretch/>
+          </p:blipFill>
+          <p:spPr>
+            <a:xfrm>
+              <a:off x="4607981" y="1947096"/>
+              <a:ext cx="4422146" cy="3167213"/>
+            </a:xfrm>
+            <a:prstGeom prst="rect">
+              <a:avLst/>
+            </a:prstGeom>
+          </p:spPr>
+        </p:pic>
+        <p:sp>
+          <p:nvSpPr>
+            <p:cNvPr id="10" name="TextBox 9">
+              <a:extLst>
+                <a:ext uri="{FF2B5EF4-FFF2-40B4-BE49-F238E27FC236}">
+                  <a16:creationId xmlns:a16="http://schemas.microsoft.com/office/drawing/2014/main" id="{0753EA8D-023B-4488-83A4-2CFA84362F76}"/>
+                </a:ext>
+              </a:extLst>
+            </p:cNvPr>
+            <p:cNvSpPr txBox="1"/>
+            <p:nvPr/>
+          </p:nvSpPr>
+          <p:spPr>
+            <a:xfrm>
+              <a:off x="5122416" y="5275660"/>
+              <a:ext cx="3622089" cy="369332"/>
+            </a:xfrm>
+            <a:prstGeom prst="rect">
+              <a:avLst/>
+            </a:prstGeom>
+            <a:noFill/>
+          </p:spPr>
+          <p:txBody>
+            <a:bodyPr wrap="square" rtlCol="0">
+              <a:spAutoFit/>
+            </a:bodyPr>
+            <a:lstStyle/>
+            <a:p>
+              <a:r>
+                <a:rPr lang="en-US" b="1">
+                  <a:highlight>
+                    <a:srgbClr val="FFFF00"/>
+                  </a:highlight>
+                </a:rPr>
+                <a:t>ARMA(13,1)</a:t>
+              </a:r>
+              <a:r>
+                <a:rPr lang="en-US" b="1"/>
+                <a:t> White Noise Evaluation</a:t>
+              </a:r>
+            </a:p>
+          </p:txBody>
+        </p:sp>
+      </p:grpSp>
+      <p:grpSp>
+        <p:nvGrpSpPr>
+          <p:cNvPr id="13" name="ARIMA(11,1,0) White Noise">
+            <a:extLst>
+              <a:ext uri="{FF2B5EF4-FFF2-40B4-BE49-F238E27FC236}">
+                <a16:creationId xmlns:a16="http://schemas.microsoft.com/office/drawing/2014/main" id="{46870159-3E77-4699-BB22-B195D1924997}"/>
+              </a:ext>
+            </a:extLst>
+          </p:cNvPr>
+          <p:cNvGrpSpPr/>
+          <p:nvPr/>
+        </p:nvGrpSpPr>
+        <p:grpSpPr>
+          <a:xfrm>
+            <a:off x="4520639" y="1947096"/>
+            <a:ext cx="4384032" cy="3757490"/>
+            <a:chOff x="4396352" y="2090907"/>
+            <a:chExt cx="4384032" cy="3757490"/>
+          </a:xfrm>
+        </p:grpSpPr>
+        <p:pic>
+          <p:nvPicPr>
+            <p:cNvPr id="7" name="Picture 6">
+              <a:extLst>
+                <a:ext uri="{FF2B5EF4-FFF2-40B4-BE49-F238E27FC236}">
+                  <a16:creationId xmlns:a16="http://schemas.microsoft.com/office/drawing/2014/main" id="{026B1201-C3B5-4684-B73F-ADA6ABEBCB9A}"/>
+                </a:ext>
+              </a:extLst>
+            </p:cNvPr>
+            <p:cNvPicPr>
+              <a:picLocks noChangeAspect="1"/>
+            </p:cNvPicPr>
+            <p:nvPr/>
+          </p:nvPicPr>
+          <p:blipFill>
+            <a:blip r:embed="rId3"/>
+            <a:srcRect/>
+            <a:stretch/>
+          </p:blipFill>
+          <p:spPr>
+            <a:xfrm>
+              <a:off x="4396352" y="2090907"/>
+              <a:ext cx="4384032" cy="3184753"/>
+            </a:xfrm>
+            <a:prstGeom prst="rect">
+              <a:avLst/>
+            </a:prstGeom>
+          </p:spPr>
+        </p:pic>
+        <p:sp>
+          <p:nvSpPr>
+            <p:cNvPr id="12" name="TextBox 11">
+              <a:extLst>
+                <a:ext uri="{FF2B5EF4-FFF2-40B4-BE49-F238E27FC236}">
+                  <a16:creationId xmlns:a16="http://schemas.microsoft.com/office/drawing/2014/main" id="{9D2882F1-E479-4D1F-9982-55DE93B32BFD}"/>
+                </a:ext>
+              </a:extLst>
+            </p:cNvPr>
+            <p:cNvSpPr txBox="1"/>
+            <p:nvPr/>
+          </p:nvSpPr>
+          <p:spPr>
+            <a:xfrm>
+              <a:off x="4746461" y="5479065"/>
+              <a:ext cx="3954844" cy="369332"/>
+            </a:xfrm>
+            <a:prstGeom prst="rect">
+              <a:avLst/>
+            </a:prstGeom>
+            <a:noFill/>
+          </p:spPr>
+          <p:txBody>
+            <a:bodyPr wrap="square" rtlCol="0">
+              <a:spAutoFit/>
+            </a:bodyPr>
+            <a:lstStyle/>
+            <a:p>
+              <a:r>
+                <a:rPr lang="en-US" b="1">
+                  <a:highlight>
+                    <a:srgbClr val="FFFF00"/>
+                  </a:highlight>
+                </a:rPr>
+                <a:t>ARIMA(11,1,0) </a:t>
+              </a:r>
+              <a:r>
+                <a:rPr lang="en-US" b="1"/>
+                <a:t>White Noise Evaluation</a:t>
+              </a:r>
+            </a:p>
+          </p:txBody>
+        </p:sp>
+      </p:grpSp>
       <p:sp>
         <p:nvSpPr>
           <p:cNvPr id="21" name="Rectangle 11">
@@ -30576,7 +32562,7 @@
           <a:p>
             <a:pPr algn="ctr"/>
             <a:r>
-              <a:rPr lang="en-US" sz="3600" kern="1200" dirty="0">
+              <a:rPr lang="en-US" sz="3600" kern="1200">
                 <a:solidFill>
                   <a:schemeClr val="bg1"/>
                 </a:solidFill>
@@ -30587,7 +32573,7 @@
               <a:t>Model Comparison: </a:t>
             </a:r>
             <a:r>
-              <a:rPr lang="en-US" sz="3600" kern="1200" dirty="0">
+              <a:rPr lang="en-US" sz="3600" kern="1200">
                 <a:solidFill>
                   <a:srgbClr val="FFFF00"/>
                 </a:solidFill>
@@ -30673,7 +32659,7 @@
                 <a:tabLst/>
                 <a:defRPr/>
               </a:pPr>
-              <a:t>14</a:t>
+              <a:t>13</a:t>
             </a:fld>
             <a:endParaRPr kumimoji="0" lang="en-US" sz="1200" b="0" i="0" u="none" strike="noStrike" kern="1200" cap="none" spc="0" normalizeH="0" baseline="0" noProof="0">
               <a:ln>
@@ -30727,7 +32713,7 @@
               <a:buChar char="•"/>
             </a:pPr>
             <a:r>
-              <a:rPr lang="en-US" dirty="0"/>
+              <a:rPr lang="en-US"/>
               <a:t>Evaluating the residuals for the ARMA(13,1) model, we see that they now look like white noise. </a:t>
             </a:r>
           </a:p>
@@ -30736,7 +32722,7 @@
               <a:buFont typeface="Arial" panose="020B0604020202020204" pitchFamily="34" charset="0"/>
               <a:buChar char="•"/>
             </a:pPr>
-            <a:endParaRPr lang="en-US" dirty="0"/>
+            <a:endParaRPr lang="en-US"/>
           </a:p>
           <a:p>
             <a:pPr marL="285750" indent="-285750">
@@ -30744,7 +32730,7 @@
               <a:buChar char="•"/>
             </a:pPr>
             <a:r>
-              <a:rPr lang="en-US" dirty="0"/>
+              <a:rPr lang="en-US"/>
               <a:t>Evaluating the residuals for the ARIMA(11,1,0) model also indicate that the residuals are white noise</a:t>
             </a:r>
           </a:p>
@@ -30753,7 +32739,7 @@
               <a:buFont typeface="Arial" panose="020B0604020202020204" pitchFamily="34" charset="0"/>
               <a:buChar char="•"/>
             </a:pPr>
-            <a:endParaRPr lang="en-US" dirty="0"/>
+            <a:endParaRPr lang="en-US"/>
           </a:p>
           <a:p>
             <a:pPr marL="285750" indent="-285750">
@@ -30761,15 +32747,15 @@
               <a:buChar char="•"/>
             </a:pPr>
             <a:r>
-              <a:rPr lang="en-US" dirty="0"/>
+              <a:rPr lang="en-US"/>
               <a:t>The </a:t>
             </a:r>
             <a:r>
-              <a:rPr lang="en-US" dirty="0" err="1"/>
+              <a:rPr lang="en-US" err="1"/>
               <a:t>Ljung</a:t>
             </a:r>
             <a:r>
-              <a:rPr lang="en-US" dirty="0"/>
+              <a:rPr lang="en-US"/>
               <a:t>-Box test for white noise also fails to reject the null hypothesis for both models for K = 24 and K = 48.</a:t>
             </a:r>
           </a:p>
@@ -30778,7 +32764,7 @@
               <a:buFont typeface="Arial" panose="020B0604020202020204" pitchFamily="34" charset="0"/>
               <a:buChar char="•"/>
             </a:pPr>
-            <a:endParaRPr lang="en-US" dirty="0"/>
+            <a:endParaRPr lang="en-US"/>
           </a:p>
           <a:p>
             <a:pPr marL="285750" indent="-285750">
@@ -30786,19 +32772,19 @@
               <a:buChar char="•"/>
             </a:pPr>
             <a:r>
-              <a:rPr lang="en-US" b="1" dirty="0"/>
+              <a:rPr lang="en-US" b="1"/>
               <a:t>Hence both these models are appropriately capturing the trends in the data and whitening the residuals to the best of their abilities.</a:t>
             </a:r>
-            <a:endParaRPr lang="en-US" dirty="0"/>
+            <a:endParaRPr lang="en-US"/>
           </a:p>
         </p:txBody>
       </p:sp>
       <p:pic>
         <p:nvPicPr>
-          <p:cNvPr id="8" name="Picture 7">
+          <p:cNvPr id="6" name="Picture 5">
             <a:extLst>
               <a:ext uri="{FF2B5EF4-FFF2-40B4-BE49-F238E27FC236}">
-                <a16:creationId xmlns:a16="http://schemas.microsoft.com/office/drawing/2014/main" id="{4AF008D6-D254-4E08-B77B-56C45F0C14B4}"/>
+                <a16:creationId xmlns:a16="http://schemas.microsoft.com/office/drawing/2014/main" id="{A1E7AFCE-3B19-4124-A4DE-1494224739B8}"/>
               </a:ext>
             </a:extLst>
           </p:cNvPr>
@@ -30808,206 +32794,21 @@
           <p:nvPr/>
         </p:nvPicPr>
         <p:blipFill>
-          <a:blip r:embed="rId2"/>
-          <a:srcRect/>
-          <a:stretch/>
+          <a:blip r:embed="rId4"/>
+          <a:stretch>
+            <a:fillRect/>
+          </a:stretch>
         </p:blipFill>
         <p:spPr>
           <a:xfrm>
-            <a:off x="4428711" y="3293412"/>
-            <a:ext cx="4692156" cy="1242041"/>
+            <a:off x="4478972" y="3180604"/>
+            <a:ext cx="4398699" cy="1769174"/>
           </a:xfrm>
           <a:prstGeom prst="rect">
             <a:avLst/>
           </a:prstGeom>
         </p:spPr>
       </p:pic>
-      <p:grpSp>
-        <p:nvGrpSpPr>
-          <p:cNvPr id="11" name="ARMA(13,1) White Noise">
-            <a:extLst>
-              <a:ext uri="{FF2B5EF4-FFF2-40B4-BE49-F238E27FC236}">
-                <a16:creationId xmlns:a16="http://schemas.microsoft.com/office/drawing/2014/main" id="{D6A5462E-8CE3-4922-9382-BD91F4AD3E7E}"/>
-              </a:ext>
-            </a:extLst>
-          </p:cNvPr>
-          <p:cNvGrpSpPr/>
-          <p:nvPr/>
-        </p:nvGrpSpPr>
-        <p:grpSpPr>
-          <a:xfrm>
-            <a:off x="4607981" y="1947096"/>
-            <a:ext cx="4422146" cy="3697896"/>
-            <a:chOff x="4607981" y="1947096"/>
-            <a:chExt cx="4422146" cy="3697896"/>
-          </a:xfrm>
-        </p:grpSpPr>
-        <p:pic>
-          <p:nvPicPr>
-            <p:cNvPr id="3" name="Picture 2">
-              <a:extLst>
-                <a:ext uri="{FF2B5EF4-FFF2-40B4-BE49-F238E27FC236}">
-                  <a16:creationId xmlns:a16="http://schemas.microsoft.com/office/drawing/2014/main" id="{D1654EE3-8586-4DAB-A2C2-35C983AEFC8A}"/>
-                </a:ext>
-              </a:extLst>
-            </p:cNvPr>
-            <p:cNvPicPr>
-              <a:picLocks noChangeAspect="1"/>
-            </p:cNvPicPr>
-            <p:nvPr/>
-          </p:nvPicPr>
-          <p:blipFill>
-            <a:blip r:embed="rId3"/>
-            <a:srcRect/>
-            <a:stretch/>
-          </p:blipFill>
-          <p:spPr>
-            <a:xfrm>
-              <a:off x="4607981" y="1947096"/>
-              <a:ext cx="4422146" cy="3167213"/>
-            </a:xfrm>
-            <a:prstGeom prst="rect">
-              <a:avLst/>
-            </a:prstGeom>
-          </p:spPr>
-        </p:pic>
-        <p:sp>
-          <p:nvSpPr>
-            <p:cNvPr id="10" name="TextBox 9">
-              <a:extLst>
-                <a:ext uri="{FF2B5EF4-FFF2-40B4-BE49-F238E27FC236}">
-                  <a16:creationId xmlns:a16="http://schemas.microsoft.com/office/drawing/2014/main" id="{0753EA8D-023B-4488-83A4-2CFA84362F76}"/>
-                </a:ext>
-              </a:extLst>
-            </p:cNvPr>
-            <p:cNvSpPr txBox="1"/>
-            <p:nvPr/>
-          </p:nvSpPr>
-          <p:spPr>
-            <a:xfrm>
-              <a:off x="5122416" y="5275660"/>
-              <a:ext cx="3622089" cy="369332"/>
-            </a:xfrm>
-            <a:prstGeom prst="rect">
-              <a:avLst/>
-            </a:prstGeom>
-            <a:noFill/>
-          </p:spPr>
-          <p:txBody>
-            <a:bodyPr wrap="square" rtlCol="0">
-              <a:spAutoFit/>
-            </a:bodyPr>
-            <a:lstStyle/>
-            <a:p>
-              <a:r>
-                <a:rPr lang="en-US" b="1" dirty="0">
-                  <a:highlight>
-                    <a:srgbClr val="FFFF00"/>
-                  </a:highlight>
-                </a:rPr>
-                <a:t>ARMA(13,1)</a:t>
-              </a:r>
-              <a:r>
-                <a:rPr lang="en-US" b="1" dirty="0"/>
-                <a:t> White Noise Evaluation</a:t>
-              </a:r>
-            </a:p>
-          </p:txBody>
-        </p:sp>
-      </p:grpSp>
-      <p:grpSp>
-        <p:nvGrpSpPr>
-          <p:cNvPr id="13" name="ARIMA(11,1,0) White Noise">
-            <a:extLst>
-              <a:ext uri="{FF2B5EF4-FFF2-40B4-BE49-F238E27FC236}">
-                <a16:creationId xmlns:a16="http://schemas.microsoft.com/office/drawing/2014/main" id="{46870159-3E77-4699-BB22-B195D1924997}"/>
-              </a:ext>
-            </a:extLst>
-          </p:cNvPr>
-          <p:cNvGrpSpPr/>
-          <p:nvPr/>
-        </p:nvGrpSpPr>
-        <p:grpSpPr>
-          <a:xfrm>
-            <a:off x="4520639" y="1947096"/>
-            <a:ext cx="4384032" cy="3757490"/>
-            <a:chOff x="4396352" y="2090907"/>
-            <a:chExt cx="4384032" cy="3757490"/>
-          </a:xfrm>
-        </p:grpSpPr>
-        <p:pic>
-          <p:nvPicPr>
-            <p:cNvPr id="7" name="Picture 6">
-              <a:extLst>
-                <a:ext uri="{FF2B5EF4-FFF2-40B4-BE49-F238E27FC236}">
-                  <a16:creationId xmlns:a16="http://schemas.microsoft.com/office/drawing/2014/main" id="{026B1201-C3B5-4684-B73F-ADA6ABEBCB9A}"/>
-                </a:ext>
-              </a:extLst>
-            </p:cNvPr>
-            <p:cNvPicPr>
-              <a:picLocks noChangeAspect="1"/>
-            </p:cNvPicPr>
-            <p:nvPr/>
-          </p:nvPicPr>
-          <p:blipFill>
-            <a:blip r:embed="rId4"/>
-            <a:srcRect/>
-            <a:stretch/>
-          </p:blipFill>
-          <p:spPr>
-            <a:xfrm>
-              <a:off x="4396352" y="2090907"/>
-              <a:ext cx="4384032" cy="3184753"/>
-            </a:xfrm>
-            <a:prstGeom prst="rect">
-              <a:avLst/>
-            </a:prstGeom>
-          </p:spPr>
-        </p:pic>
-        <p:sp>
-          <p:nvSpPr>
-            <p:cNvPr id="12" name="TextBox 11">
-              <a:extLst>
-                <a:ext uri="{FF2B5EF4-FFF2-40B4-BE49-F238E27FC236}">
-                  <a16:creationId xmlns:a16="http://schemas.microsoft.com/office/drawing/2014/main" id="{9D2882F1-E479-4D1F-9982-55DE93B32BFD}"/>
-                </a:ext>
-              </a:extLst>
-            </p:cNvPr>
-            <p:cNvSpPr txBox="1"/>
-            <p:nvPr/>
-          </p:nvSpPr>
-          <p:spPr>
-            <a:xfrm>
-              <a:off x="4746461" y="5479065"/>
-              <a:ext cx="3954844" cy="369332"/>
-            </a:xfrm>
-            <a:prstGeom prst="rect">
-              <a:avLst/>
-            </a:prstGeom>
-            <a:noFill/>
-          </p:spPr>
-          <p:txBody>
-            <a:bodyPr wrap="square" rtlCol="0">
-              <a:spAutoFit/>
-            </a:bodyPr>
-            <a:lstStyle/>
-            <a:p>
-              <a:r>
-                <a:rPr lang="en-US" b="1" dirty="0">
-                  <a:highlight>
-                    <a:srgbClr val="FFFF00"/>
-                  </a:highlight>
-                </a:rPr>
-                <a:t>ARIMA(11,1,0) </a:t>
-              </a:r>
-              <a:r>
-                <a:rPr lang="en-US" b="1" dirty="0"/>
-                <a:t>White Noise Evaluation</a:t>
-              </a:r>
-            </a:p>
-          </p:txBody>
-        </p:sp>
-      </p:grpSp>
     </p:spTree>
     <p:extLst>
       <p:ext uri="{BB962C8B-B14F-4D97-AF65-F5344CB8AC3E}">
@@ -31018,11 +32819,11 @@
   <p:clrMapOvr>
     <a:masterClrMapping/>
   </p:clrMapOvr>
-  <mc:AlternateContent xmlns:mc="http://schemas.openxmlformats.org/markup-compatibility/2006" xmlns:p14="http://schemas.microsoft.com/office/powerpoint/2010/main">
-    <mc:Choice Requires="p14">
+  <mc:AlternateContent xmlns:mc="http://schemas.openxmlformats.org/markup-compatibility/2006">
+    <mc:Choice xmlns:p14="http://schemas.microsoft.com/office/powerpoint/2010/main" Requires="p14">
       <p:transition p14:dur="10" advClick="0"/>
     </mc:Choice>
-    <mc:Fallback xmlns="">
+    <mc:Fallback>
       <p:transition advClick="0"/>
     </mc:Fallback>
   </mc:AlternateContent>
@@ -31297,7 +33098,7 @@
                                           </p:stCondLst>
                                         </p:cTn>
                                         <p:tgtEl>
-                                          <p:spTgt spid="8"/>
+                                          <p:spTgt spid="6"/>
                                         </p:tgtEl>
                                         <p:attrNameLst>
                                           <p:attrName>style.visibility</p:attrName>
@@ -31390,7 +33191,7 @@
 </p:sld>
 </file>
 
-<file path=ppt/slides/slide15.xml><?xml version="1.0" encoding="utf-8"?>
+<file path=ppt/slides/slide14.xml><?xml version="1.0" encoding="utf-8"?>
 <p:sld xmlns:a="http://schemas.openxmlformats.org/drawingml/2006/main" xmlns:r="http://schemas.openxmlformats.org/officeDocument/2006/relationships" xmlns:p="http://schemas.openxmlformats.org/presentationml/2006/main">
   <p:cSld>
     <p:bg>
@@ -31417,10 +33218,10 @@
       </p:grpSpPr>
       <p:pic>
         <p:nvPicPr>
-          <p:cNvPr id="6" name="Picture 5">
+          <p:cNvPr id="8" name="Picture 7">
             <a:extLst>
               <a:ext uri="{FF2B5EF4-FFF2-40B4-BE49-F238E27FC236}">
-                <a16:creationId xmlns:a16="http://schemas.microsoft.com/office/drawing/2014/main" id="{11CED8C9-2143-4A74-851C-01A6914EF08C}"/>
+                <a16:creationId xmlns:a16="http://schemas.microsoft.com/office/drawing/2014/main" id="{7786BF54-E029-4AE0-B396-1D752044546C}"/>
               </a:ext>
             </a:extLst>
           </p:cNvPr>
@@ -31431,35 +33232,6 @@
         </p:nvPicPr>
         <p:blipFill rotWithShape="1">
           <a:blip r:embed="rId2"/>
-          <a:srcRect/>
-          <a:stretch/>
-        </p:blipFill>
-        <p:spPr>
-          <a:xfrm>
-            <a:off x="1120807" y="4076816"/>
-            <a:ext cx="6956266" cy="2821881"/>
-          </a:xfrm>
-          <a:prstGeom prst="rect">
-            <a:avLst/>
-          </a:prstGeom>
-        </p:spPr>
-      </p:pic>
-      <p:pic>
-        <p:nvPicPr>
-          <p:cNvPr id="5" name="Picture 4">
-            <a:extLst>
-              <a:ext uri="{FF2B5EF4-FFF2-40B4-BE49-F238E27FC236}">
-                <a16:creationId xmlns:a16="http://schemas.microsoft.com/office/drawing/2014/main" id="{C5089AF2-8955-4DD4-B485-A50FCB027A4D}"/>
-              </a:ext>
-            </a:extLst>
-          </p:cNvPr>
-          <p:cNvPicPr>
-            <a:picLocks noChangeAspect="1"/>
-          </p:cNvPicPr>
-          <p:nvPr/>
-        </p:nvPicPr>
-        <p:blipFill rotWithShape="1">
-          <a:blip r:embed="rId3"/>
           <a:srcRect/>
           <a:stretch/>
         </p:blipFill>
@@ -31589,7 +33361,7 @@
           <a:p>
             <a:pPr algn="ctr"/>
             <a:r>
-              <a:rPr lang="en-US" sz="3600" kern="1200" dirty="0">
+              <a:rPr lang="en-US" sz="3600" kern="1200">
                 <a:solidFill>
                   <a:schemeClr val="bg1"/>
                 </a:solidFill>
@@ -31600,14 +33372,14 @@
               <a:t>Model Comparison: </a:t>
             </a:r>
             <a:r>
-              <a:rPr lang="en-US" sz="3600" dirty="0">
+              <a:rPr lang="en-US" sz="3600">
                 <a:solidFill>
                   <a:srgbClr val="FFFF00"/>
                 </a:solidFill>
               </a:rPr>
               <a:t>Forecasting</a:t>
             </a:r>
-            <a:endParaRPr lang="en-US" sz="3600" kern="1200" dirty="0">
+            <a:endParaRPr lang="en-US" sz="3600" kern="1200">
               <a:solidFill>
                 <a:srgbClr val="FFFF00"/>
               </a:solidFill>
@@ -31691,7 +33463,7 @@
                 <a:tabLst/>
                 <a:defRPr/>
               </a:pPr>
-              <a:t>15</a:t>
+              <a:t>14</a:t>
             </a:fld>
             <a:endParaRPr kumimoji="0" lang="en-US" sz="1200" b="0" i="0" u="none" strike="noStrike" kern="1200" cap="none" spc="0" normalizeH="0" baseline="0" noProof="0">
               <a:ln>
@@ -31712,6 +33484,35 @@
           </a:p>
         </p:txBody>
       </p:sp>
+      <p:pic>
+        <p:nvPicPr>
+          <p:cNvPr id="7" name="Picture 6">
+            <a:extLst>
+              <a:ext uri="{FF2B5EF4-FFF2-40B4-BE49-F238E27FC236}">
+                <a16:creationId xmlns:a16="http://schemas.microsoft.com/office/drawing/2014/main" id="{89CEA17C-4483-483C-B76B-365A9A207DC5}"/>
+              </a:ext>
+            </a:extLst>
+          </p:cNvPr>
+          <p:cNvPicPr>
+            <a:picLocks noChangeAspect="1"/>
+          </p:cNvPicPr>
+          <p:nvPr/>
+        </p:nvPicPr>
+        <p:blipFill rotWithShape="1">
+          <a:blip r:embed="rId3"/>
+          <a:srcRect/>
+          <a:stretch/>
+        </p:blipFill>
+        <p:spPr>
+          <a:xfrm>
+            <a:off x="1120807" y="4076816"/>
+            <a:ext cx="6956266" cy="2821881"/>
+          </a:xfrm>
+          <a:prstGeom prst="rect">
+            <a:avLst/>
+          </a:prstGeom>
+        </p:spPr>
+      </p:pic>
     </p:spTree>
     <p:extLst>
       <p:ext uri="{BB962C8B-B14F-4D97-AF65-F5344CB8AC3E}">
@@ -31722,18 +33523,18 @@
   <p:clrMapOvr>
     <a:masterClrMapping/>
   </p:clrMapOvr>
-  <mc:AlternateContent xmlns:mc="http://schemas.openxmlformats.org/markup-compatibility/2006" xmlns:p14="http://schemas.microsoft.com/office/powerpoint/2010/main">
-    <mc:Choice Requires="p14">
+  <mc:AlternateContent xmlns:mc="http://schemas.openxmlformats.org/markup-compatibility/2006">
+    <mc:Choice xmlns:p14="http://schemas.microsoft.com/office/powerpoint/2010/main" Requires="p14">
       <p:transition p14:dur="10" advClick="0"/>
     </mc:Choice>
-    <mc:Fallback xmlns="">
+    <mc:Fallback>
       <p:transition advClick="0"/>
     </mc:Fallback>
   </mc:AlternateContent>
 </p:sld>
 </file>
 
-<file path=ppt/slides/slide16.xml><?xml version="1.0" encoding="utf-8"?>
+<file path=ppt/slides/slide15.xml><?xml version="1.0" encoding="utf-8"?>
 <p:sld xmlns:a="http://schemas.openxmlformats.org/drawingml/2006/main" xmlns:r="http://schemas.openxmlformats.org/officeDocument/2006/relationships" xmlns:p="http://schemas.openxmlformats.org/presentationml/2006/main">
   <p:cSld>
     <p:bg>
@@ -31874,7 +33675,7 @@
           <a:p>
             <a:pPr algn="ctr"/>
             <a:r>
-              <a:rPr lang="en-US" sz="3600" kern="1200" dirty="0">
+              <a:rPr lang="en-US" sz="3600" kern="1200">
                 <a:solidFill>
                   <a:schemeClr val="bg1"/>
                 </a:solidFill>
@@ -31885,14 +33686,14 @@
               <a:t>Model Comparison: </a:t>
             </a:r>
             <a:r>
-              <a:rPr lang="en-US" sz="3600" dirty="0">
+              <a:rPr lang="en-US" sz="3600">
                 <a:solidFill>
                   <a:srgbClr val="FFFF00"/>
                 </a:solidFill>
               </a:rPr>
               <a:t>Rolling ASE Values</a:t>
             </a:r>
-            <a:endParaRPr lang="en-US" sz="3600" kern="1200" dirty="0">
+            <a:endParaRPr lang="en-US" sz="3600" kern="1200">
               <a:solidFill>
                 <a:srgbClr val="FFFF00"/>
               </a:solidFill>
@@ -31976,7 +33777,7 @@
                 <a:tabLst/>
                 <a:defRPr/>
               </a:pPr>
-              <a:t>16</a:t>
+              <a:t>15</a:t>
             </a:fld>
             <a:endParaRPr kumimoji="0" lang="en-US" sz="1200" b="0" i="0" u="none" strike="noStrike" kern="1200" cap="none" spc="0" normalizeH="0" baseline="0" noProof="0">
               <a:ln>
@@ -31997,93 +33798,12 @@
           </a:p>
         </p:txBody>
       </p:sp>
-      <p:grpSp>
-        <p:nvGrpSpPr>
-          <p:cNvPr id="9" name="Group 8">
+      <p:pic>
+        <p:nvPicPr>
+          <p:cNvPr id="10" name="Picture 9">
             <a:extLst>
               <a:ext uri="{FF2B5EF4-FFF2-40B4-BE49-F238E27FC236}">
-                <a16:creationId xmlns:a16="http://schemas.microsoft.com/office/drawing/2014/main" id="{A7B2A40B-A3B9-4887-B16C-BC6274073052}"/>
-              </a:ext>
-            </a:extLst>
-          </p:cNvPr>
-          <p:cNvGrpSpPr/>
-          <p:nvPr/>
-        </p:nvGrpSpPr>
-        <p:grpSpPr>
-          <a:xfrm>
-            <a:off x="417399" y="1666089"/>
-            <a:ext cx="4292336" cy="4203963"/>
-            <a:chOff x="417399" y="1666089"/>
-            <a:chExt cx="4292336" cy="4203963"/>
-          </a:xfrm>
-        </p:grpSpPr>
-        <p:pic>
-          <p:nvPicPr>
-            <p:cNvPr id="3" name="Picture 2">
-              <a:extLst>
-                <a:ext uri="{FF2B5EF4-FFF2-40B4-BE49-F238E27FC236}">
-                  <a16:creationId xmlns:a16="http://schemas.microsoft.com/office/drawing/2014/main" id="{A205D000-2734-4096-BA11-AF233329A712}"/>
-                </a:ext>
-              </a:extLst>
-            </p:cNvPr>
-            <p:cNvPicPr>
-              <a:picLocks noChangeAspect="1"/>
-            </p:cNvPicPr>
-            <p:nvPr/>
-          </p:nvPicPr>
-          <p:blipFill>
-            <a:blip r:embed="rId2"/>
-            <a:stretch>
-              <a:fillRect/>
-            </a:stretch>
-          </p:blipFill>
-          <p:spPr>
-            <a:xfrm>
-              <a:off x="417399" y="1666089"/>
-              <a:ext cx="4292336" cy="3064182"/>
-            </a:xfrm>
-            <a:prstGeom prst="rect">
-              <a:avLst/>
-            </a:prstGeom>
-          </p:spPr>
-        </p:pic>
-        <p:pic>
-          <p:nvPicPr>
-            <p:cNvPr id="7" name="Picture 6">
-              <a:extLst>
-                <a:ext uri="{FF2B5EF4-FFF2-40B4-BE49-F238E27FC236}">
-                  <a16:creationId xmlns:a16="http://schemas.microsoft.com/office/drawing/2014/main" id="{86081950-5313-418B-ABBE-1F234CCC6DAB}"/>
-                </a:ext>
-              </a:extLst>
-            </p:cNvPr>
-            <p:cNvPicPr>
-              <a:picLocks noChangeAspect="1"/>
-            </p:cNvPicPr>
-            <p:nvPr/>
-          </p:nvPicPr>
-          <p:blipFill>
-            <a:blip r:embed="rId3"/>
-            <a:stretch>
-              <a:fillRect/>
-            </a:stretch>
-          </p:blipFill>
-          <p:spPr>
-            <a:xfrm>
-              <a:off x="650504" y="5010248"/>
-              <a:ext cx="3826126" cy="859804"/>
-            </a:xfrm>
-            <a:prstGeom prst="rect">
-              <a:avLst/>
-            </a:prstGeom>
-          </p:spPr>
-        </p:pic>
-      </p:grpSp>
-      <p:pic>
-        <p:nvPicPr>
-          <p:cNvPr id="8" name="Picture 7">
-            <a:extLst>
-              <a:ext uri="{FF2B5EF4-FFF2-40B4-BE49-F238E27FC236}">
-                <a16:creationId xmlns:a16="http://schemas.microsoft.com/office/drawing/2014/main" id="{3EFDAB55-C396-4F7D-A025-74631F512369}"/>
+                <a16:creationId xmlns:a16="http://schemas.microsoft.com/office/drawing/2014/main" id="{A40BEAAF-3B57-464E-86C7-83FED80568E8}"/>
               </a:ext>
             </a:extLst>
           </p:cNvPr>
@@ -32093,14 +33813,115 @@
           <p:nvPr/>
         </p:nvPicPr>
         <p:blipFill>
-          <a:blip r:embed="rId4"/>
-          <a:srcRect/>
-          <a:stretch/>
+          <a:blip r:embed="rId2"/>
+          <a:stretch>
+            <a:fillRect/>
+          </a:stretch>
         </p:blipFill>
         <p:spPr>
           <a:xfrm>
-            <a:off x="4709735" y="1783792"/>
-            <a:ext cx="4425664" cy="4138475"/>
+            <a:off x="4406143" y="2036190"/>
+            <a:ext cx="4737857" cy="3382227"/>
+          </a:xfrm>
+          <a:prstGeom prst="rect">
+            <a:avLst/>
+          </a:prstGeom>
+        </p:spPr>
+      </p:pic>
+      <p:sp>
+        <p:nvSpPr>
+          <p:cNvPr id="11" name="TextBox 10">
+            <a:extLst>
+              <a:ext uri="{FF2B5EF4-FFF2-40B4-BE49-F238E27FC236}">
+                <a16:creationId xmlns:a16="http://schemas.microsoft.com/office/drawing/2014/main" id="{F477FEAE-6B6D-4D69-8FA7-037313320B10}"/>
+              </a:ext>
+            </a:extLst>
+          </p:cNvPr>
+          <p:cNvSpPr txBox="1"/>
+          <p:nvPr/>
+        </p:nvSpPr>
+        <p:spPr>
+          <a:xfrm>
+            <a:off x="348792" y="2036190"/>
+            <a:ext cx="4105985" cy="2862322"/>
+          </a:xfrm>
+          <a:prstGeom prst="rect">
+            <a:avLst/>
+          </a:prstGeom>
+          <a:noFill/>
+        </p:spPr>
+        <p:txBody>
+          <a:bodyPr wrap="square" rtlCol="0">
+            <a:spAutoFit/>
+          </a:bodyPr>
+          <a:lstStyle/>
+          <a:p>
+            <a:r>
+              <a:rPr lang="en-US"/>
+              <a:t>There does not appear to evidence of difference between performance of the two models over 73 batches. </a:t>
+            </a:r>
+            <a:endParaRPr lang="en-US">
+              <a:highlight>
+                <a:srgbClr val="FFFF00"/>
+              </a:highlight>
+            </a:endParaRPr>
+          </a:p>
+          <a:p>
+            <a:endParaRPr lang="en-US"/>
+          </a:p>
+          <a:p>
+            <a:r>
+              <a:rPr lang="en-US"/>
+              <a:t>Test for difference in mean ASE</a:t>
+            </a:r>
+          </a:p>
+          <a:p>
+            <a:r>
+              <a:rPr lang="en-US"/>
+              <a:t>P-value: 0.685</a:t>
+            </a:r>
+          </a:p>
+          <a:p>
+            <a:endParaRPr lang="en-US"/>
+          </a:p>
+          <a:p>
+            <a:r>
+              <a:rPr lang="en-US"/>
+              <a:t>ASE Comparison</a:t>
+            </a:r>
+          </a:p>
+          <a:p>
+            <a:endParaRPr lang="en-US"/>
+          </a:p>
+          <a:p>
+            <a:endParaRPr lang="en-US"/>
+          </a:p>
+        </p:txBody>
+      </p:sp>
+      <p:pic>
+        <p:nvPicPr>
+          <p:cNvPr id="12" name="Picture 11">
+            <a:extLst>
+              <a:ext uri="{FF2B5EF4-FFF2-40B4-BE49-F238E27FC236}">
+                <a16:creationId xmlns:a16="http://schemas.microsoft.com/office/drawing/2014/main" id="{B7E3983F-FD32-4573-83C5-810990CB6755}"/>
+              </a:ext>
+            </a:extLst>
+          </p:cNvPr>
+          <p:cNvPicPr>
+            <a:picLocks noChangeAspect="1"/>
+          </p:cNvPicPr>
+          <p:nvPr/>
+        </p:nvPicPr>
+        <p:blipFill>
+          <a:blip r:embed="rId3"/>
+          <a:stretch>
+            <a:fillRect/>
+          </a:stretch>
+        </p:blipFill>
+        <p:spPr>
+          <a:xfrm>
+            <a:off x="348792" y="4468610"/>
+            <a:ext cx="4078260" cy="859804"/>
           </a:xfrm>
           <a:prstGeom prst="rect">
             <a:avLst/>
@@ -32117,138 +33938,18 @@
   <p:clrMapOvr>
     <a:masterClrMapping/>
   </p:clrMapOvr>
-  <mc:AlternateContent xmlns:mc="http://schemas.openxmlformats.org/markup-compatibility/2006" xmlns:p14="http://schemas.microsoft.com/office/powerpoint/2010/main">
-    <mc:Choice Requires="p14">
+  <mc:AlternateContent xmlns:mc="http://schemas.openxmlformats.org/markup-compatibility/2006">
+    <mc:Choice xmlns:p14="http://schemas.microsoft.com/office/powerpoint/2010/main" Requires="p14">
       <p:transition p14:dur="10" advClick="0"/>
     </mc:Choice>
-    <mc:Fallback xmlns="">
+    <mc:Fallback>
       <p:transition advClick="0"/>
     </mc:Fallback>
   </mc:AlternateContent>
-  <p:timing>
-    <p:tnLst>
-      <p:par>
-        <p:cTn id="1" dur="indefinite" restart="never" nodeType="tmRoot">
-          <p:childTnLst>
-            <p:seq concurrent="1" nextAc="seek">
-              <p:cTn id="2" dur="indefinite" nodeType="mainSeq">
-                <p:childTnLst>
-                  <p:par>
-                    <p:cTn id="3" fill="hold">
-                      <p:stCondLst>
-                        <p:cond delay="indefinite"/>
-                      </p:stCondLst>
-                      <p:childTnLst>
-                        <p:par>
-                          <p:cTn id="4" fill="hold">
-                            <p:stCondLst>
-                              <p:cond delay="0"/>
-                            </p:stCondLst>
-                            <p:childTnLst>
-                              <p:par>
-                                <p:cTn id="5" presetID="1" presetClass="entr" presetSubtype="0" fill="hold" nodeType="clickEffect">
-                                  <p:stCondLst>
-                                    <p:cond delay="0"/>
-                                  </p:stCondLst>
-                                  <p:childTnLst>
-                                    <p:set>
-                                      <p:cBhvr>
-                                        <p:cTn id="6" dur="1" fill="hold">
-                                          <p:stCondLst>
-                                            <p:cond delay="0"/>
-                                          </p:stCondLst>
-                                        </p:cTn>
-                                        <p:tgtEl>
-                                          <p:spTgt spid="9"/>
-                                        </p:tgtEl>
-                                        <p:attrNameLst>
-                                          <p:attrName>style.visibility</p:attrName>
-                                        </p:attrNameLst>
-                                      </p:cBhvr>
-                                      <p:to>
-                                        <p:strVal val="visible"/>
-                                      </p:to>
-                                    </p:set>
-                                  </p:childTnLst>
-                                </p:cTn>
-                              </p:par>
-                            </p:childTnLst>
-                          </p:cTn>
-                        </p:par>
-                      </p:childTnLst>
-                    </p:cTn>
-                  </p:par>
-                  <p:par>
-                    <p:cTn id="7" fill="hold">
-                      <p:stCondLst>
-                        <p:cond delay="indefinite"/>
-                      </p:stCondLst>
-                      <p:childTnLst>
-                        <p:par>
-                          <p:cTn id="8" fill="hold">
-                            <p:stCondLst>
-                              <p:cond delay="0"/>
-                            </p:stCondLst>
-                            <p:childTnLst>
-                              <p:par>
-                                <p:cTn id="9" presetID="1" presetClass="entr" presetSubtype="0" fill="hold" nodeType="clickEffect">
-                                  <p:stCondLst>
-                                    <p:cond delay="0"/>
-                                  </p:stCondLst>
-                                  <p:childTnLst>
-                                    <p:set>
-                                      <p:cBhvr>
-                                        <p:cTn id="10" dur="1" fill="hold">
-                                          <p:stCondLst>
-                                            <p:cond delay="0"/>
-                                          </p:stCondLst>
-                                        </p:cTn>
-                                        <p:tgtEl>
-                                          <p:spTgt spid="8"/>
-                                        </p:tgtEl>
-                                        <p:attrNameLst>
-                                          <p:attrName>style.visibility</p:attrName>
-                                        </p:attrNameLst>
-                                      </p:cBhvr>
-                                      <p:to>
-                                        <p:strVal val="visible"/>
-                                      </p:to>
-                                    </p:set>
-                                  </p:childTnLst>
-                                </p:cTn>
-                              </p:par>
-                            </p:childTnLst>
-                          </p:cTn>
-                        </p:par>
-                      </p:childTnLst>
-                    </p:cTn>
-                  </p:par>
-                </p:childTnLst>
-              </p:cTn>
-              <p:prevCondLst>
-                <p:cond evt="onPrev" delay="0">
-                  <p:tgtEl>
-                    <p:sldTgt/>
-                  </p:tgtEl>
-                </p:cond>
-              </p:prevCondLst>
-              <p:nextCondLst>
-                <p:cond evt="onNext" delay="0">
-                  <p:tgtEl>
-                    <p:sldTgt/>
-                  </p:tgtEl>
-                </p:cond>
-              </p:nextCondLst>
-            </p:seq>
-          </p:childTnLst>
-        </p:cTn>
-      </p:par>
-    </p:tnLst>
-  </p:timing>
 </p:sld>
 </file>
 
-<file path=ppt/slides/slide17.xml><?xml version="1.0" encoding="utf-8"?>
+<file path=ppt/slides/slide16.xml><?xml version="1.0" encoding="utf-8"?>
 <p:sld xmlns:a="http://schemas.openxmlformats.org/drawingml/2006/main" xmlns:r="http://schemas.openxmlformats.org/officeDocument/2006/relationships" xmlns:p="http://schemas.openxmlformats.org/presentationml/2006/main">
   <p:cSld>
     <p:bg>
@@ -32389,7 +34090,7 @@
           <a:p>
             <a:pPr algn="ctr"/>
             <a:r>
-              <a:rPr lang="en-US" sz="3200" kern="1200" dirty="0">
+              <a:rPr lang="en-US" sz="3200" kern="1200">
                 <a:solidFill>
                   <a:schemeClr val="bg1"/>
                 </a:solidFill>
@@ -32400,7 +34101,7 @@
               <a:t>Model Comparison: </a:t>
             </a:r>
             <a:r>
-              <a:rPr lang="en-US" sz="3200" kern="1200" dirty="0">
+              <a:rPr lang="en-US" sz="3200" kern="1200">
                 <a:solidFill>
                   <a:srgbClr val="FFFF00"/>
                 </a:solidFill>
@@ -32486,7 +34187,7 @@
                 <a:tabLst/>
                 <a:defRPr/>
               </a:pPr>
-              <a:t>17</a:t>
+              <a:t>16</a:t>
             </a:fld>
             <a:endParaRPr kumimoji="0" lang="en-US" sz="1200" b="0" i="0" u="none" strike="noStrike" kern="1200" cap="none" spc="0" normalizeH="0" baseline="0" noProof="0">
               <a:ln>
@@ -32509,10 +34210,10 @@
       </p:sp>
       <p:pic>
         <p:nvPicPr>
-          <p:cNvPr id="5" name="Picture 4">
+          <p:cNvPr id="7" name="Picture 6">
             <a:extLst>
               <a:ext uri="{FF2B5EF4-FFF2-40B4-BE49-F238E27FC236}">
-                <a16:creationId xmlns:a16="http://schemas.microsoft.com/office/drawing/2014/main" id="{8A70FD03-1F3D-4680-9E5A-B7113A69956F}"/>
+                <a16:creationId xmlns:a16="http://schemas.microsoft.com/office/drawing/2014/main" id="{CE60BB0B-F84D-4472-B157-AAA00E573A73}"/>
               </a:ext>
             </a:extLst>
           </p:cNvPr>
@@ -32539,10 +34240,10 @@
       </p:pic>
       <p:pic>
         <p:nvPicPr>
-          <p:cNvPr id="6" name="Picture 5">
+          <p:cNvPr id="8" name="Picture 7">
             <a:extLst>
               <a:ext uri="{FF2B5EF4-FFF2-40B4-BE49-F238E27FC236}">
-                <a16:creationId xmlns:a16="http://schemas.microsoft.com/office/drawing/2014/main" id="{35363BF3-E799-4C0B-BECD-EA19174E5783}"/>
+                <a16:creationId xmlns:a16="http://schemas.microsoft.com/office/drawing/2014/main" id="{1EA8EB5A-930C-4567-8012-496A78020E63}"/>
               </a:ext>
             </a:extLst>
           </p:cNvPr>
@@ -32553,13 +34254,44 @@
         </p:nvPicPr>
         <p:blipFill>
           <a:blip r:embed="rId3"/>
-          <a:srcRect/>
-          <a:stretch/>
+          <a:stretch>
+            <a:fillRect/>
+          </a:stretch>
         </p:blipFill>
         <p:spPr>
           <a:xfrm>
             <a:off x="4621882" y="1624614"/>
-            <a:ext cx="4480960" cy="5233386"/>
+            <a:ext cx="4453610" cy="2581626"/>
+          </a:xfrm>
+          <a:prstGeom prst="rect">
+            <a:avLst/>
+          </a:prstGeom>
+        </p:spPr>
+      </p:pic>
+      <p:pic>
+        <p:nvPicPr>
+          <p:cNvPr id="9" name="Picture 8">
+            <a:extLst>
+              <a:ext uri="{FF2B5EF4-FFF2-40B4-BE49-F238E27FC236}">
+                <a16:creationId xmlns:a16="http://schemas.microsoft.com/office/drawing/2014/main" id="{05D04C0F-ED7F-420A-A7EB-0FED180C65F2}"/>
+              </a:ext>
+            </a:extLst>
+          </p:cNvPr>
+          <p:cNvPicPr>
+            <a:picLocks noChangeAspect="1"/>
+          </p:cNvPicPr>
+          <p:nvPr/>
+        </p:nvPicPr>
+        <p:blipFill>
+          <a:blip r:embed="rId4"/>
+          <a:stretch>
+            <a:fillRect/>
+          </a:stretch>
+        </p:blipFill>
+        <p:spPr>
+          <a:xfrm>
+            <a:off x="4648552" y="4206240"/>
+            <a:ext cx="4397794" cy="2562873"/>
           </a:xfrm>
           <a:prstGeom prst="rect">
             <a:avLst/>
@@ -32576,18 +34308,183 @@
   <p:clrMapOvr>
     <a:masterClrMapping/>
   </p:clrMapOvr>
-  <mc:AlternateContent xmlns:mc="http://schemas.openxmlformats.org/markup-compatibility/2006" xmlns:p14="http://schemas.microsoft.com/office/powerpoint/2010/main">
-    <mc:Choice Requires="p14">
+  <mc:AlternateContent xmlns:mc="http://schemas.openxmlformats.org/markup-compatibility/2006">
+    <mc:Choice xmlns:p14="http://schemas.microsoft.com/office/powerpoint/2010/main" Requires="p14">
       <p:transition p14:dur="10" advClick="0"/>
     </mc:Choice>
-    <mc:Fallback xmlns="">
+    <mc:Fallback>
       <p:transition advClick="0"/>
     </mc:Fallback>
   </mc:AlternateContent>
+  <p:timing>
+    <p:tnLst>
+      <p:par>
+        <p:cTn id="1" dur="indefinite" restart="never" nodeType="tmRoot">
+          <p:childTnLst>
+            <p:seq concurrent="1" nextAc="seek">
+              <p:cTn id="2" dur="indefinite" nodeType="mainSeq">
+                <p:childTnLst>
+                  <p:par>
+                    <p:cTn id="3" fill="hold">
+                      <p:stCondLst>
+                        <p:cond delay="indefinite"/>
+                      </p:stCondLst>
+                      <p:childTnLst>
+                        <p:par>
+                          <p:cTn id="4" fill="hold">
+                            <p:stCondLst>
+                              <p:cond delay="0"/>
+                            </p:stCondLst>
+                            <p:childTnLst>
+                              <p:par>
+                                <p:cTn id="5" presetID="1" presetClass="entr" presetSubtype="0" fill="hold" nodeType="clickEffect">
+                                  <p:stCondLst>
+                                    <p:cond delay="0"/>
+                                  </p:stCondLst>
+                                  <p:childTnLst>
+                                    <p:set>
+                                      <p:cBhvr>
+                                        <p:cTn id="6" dur="1" fill="hold">
+                                          <p:stCondLst>
+                                            <p:cond delay="0"/>
+                                          </p:stCondLst>
+                                        </p:cTn>
+                                        <p:tgtEl>
+                                          <p:spTgt spid="7"/>
+                                        </p:tgtEl>
+                                        <p:attrNameLst>
+                                          <p:attrName>style.visibility</p:attrName>
+                                        </p:attrNameLst>
+                                      </p:cBhvr>
+                                      <p:to>
+                                        <p:strVal val="visible"/>
+                                      </p:to>
+                                    </p:set>
+                                  </p:childTnLst>
+                                </p:cTn>
+                              </p:par>
+                            </p:childTnLst>
+                          </p:cTn>
+                        </p:par>
+                      </p:childTnLst>
+                    </p:cTn>
+                  </p:par>
+                  <p:par>
+                    <p:cTn id="7" fill="hold">
+                      <p:stCondLst>
+                        <p:cond delay="indefinite"/>
+                      </p:stCondLst>
+                      <p:childTnLst>
+                        <p:par>
+                          <p:cTn id="8" fill="hold">
+                            <p:stCondLst>
+                              <p:cond delay="0"/>
+                            </p:stCondLst>
+                            <p:childTnLst>
+                              <p:par>
+                                <p:cTn id="9" presetID="1" presetClass="entr" presetSubtype="0" fill="hold" nodeType="clickEffect">
+                                  <p:stCondLst>
+                                    <p:cond delay="0"/>
+                                  </p:stCondLst>
+                                  <p:childTnLst>
+                                    <p:set>
+                                      <p:cBhvr>
+                                        <p:cTn id="10" dur="1" fill="hold">
+                                          <p:stCondLst>
+                                            <p:cond delay="0"/>
+                                          </p:stCondLst>
+                                        </p:cTn>
+                                        <p:tgtEl>
+                                          <p:spTgt spid="8"/>
+                                        </p:tgtEl>
+                                        <p:attrNameLst>
+                                          <p:attrName>style.visibility</p:attrName>
+                                        </p:attrNameLst>
+                                      </p:cBhvr>
+                                      <p:to>
+                                        <p:strVal val="visible"/>
+                                      </p:to>
+                                    </p:set>
+                                  </p:childTnLst>
+                                </p:cTn>
+                              </p:par>
+                            </p:childTnLst>
+                          </p:cTn>
+                        </p:par>
+                      </p:childTnLst>
+                    </p:cTn>
+                  </p:par>
+                  <p:par>
+                    <p:cTn id="11" fill="hold">
+                      <p:stCondLst>
+                        <p:cond delay="indefinite"/>
+                      </p:stCondLst>
+                      <p:childTnLst>
+                        <p:par>
+                          <p:cTn id="12" fill="hold">
+                            <p:stCondLst>
+                              <p:cond delay="0"/>
+                            </p:stCondLst>
+                            <p:childTnLst>
+                              <p:par>
+                                <p:cTn id="13" presetID="1" presetClass="entr" presetSubtype="0" fill="hold" nodeType="clickEffect">
+                                  <p:stCondLst>
+                                    <p:cond delay="0"/>
+                                  </p:stCondLst>
+                                  <p:childTnLst>
+                                    <p:set>
+                                      <p:cBhvr>
+                                        <p:cTn id="14" dur="1" fill="hold">
+                                          <p:stCondLst>
+                                            <p:cond delay="0"/>
+                                          </p:stCondLst>
+                                        </p:cTn>
+                                        <p:tgtEl>
+                                          <p:spTgt spid="9"/>
+                                        </p:tgtEl>
+                                        <p:attrNameLst>
+                                          <p:attrName>style.visibility</p:attrName>
+                                        </p:attrNameLst>
+                                      </p:cBhvr>
+                                      <p:to>
+                                        <p:strVal val="visible"/>
+                                      </p:to>
+                                    </p:set>
+                                  </p:childTnLst>
+                                </p:cTn>
+                              </p:par>
+                            </p:childTnLst>
+                          </p:cTn>
+                        </p:par>
+                      </p:childTnLst>
+                    </p:cTn>
+                  </p:par>
+                </p:childTnLst>
+              </p:cTn>
+              <p:prevCondLst>
+                <p:cond evt="onPrev" delay="0">
+                  <p:tgtEl>
+                    <p:sldTgt/>
+                  </p:tgtEl>
+                </p:cond>
+              </p:prevCondLst>
+              <p:nextCondLst>
+                <p:cond evt="onNext" delay="0">
+                  <p:tgtEl>
+                    <p:sldTgt/>
+                  </p:tgtEl>
+                </p:cond>
+              </p:nextCondLst>
+            </p:seq>
+          </p:childTnLst>
+        </p:cTn>
+      </p:par>
+    </p:tnLst>
+  </p:timing>
 </p:sld>
 </file>
 
-<file path=ppt/slides/slide18.xml><?xml version="1.0" encoding="utf-8"?>
+<file path=ppt/slides/slide17.xml><?xml version="1.0" encoding="utf-8"?>
 <p:sld xmlns:a="http://schemas.openxmlformats.org/drawingml/2006/main" xmlns:r="http://schemas.openxmlformats.org/officeDocument/2006/relationships" xmlns:p="http://schemas.openxmlformats.org/presentationml/2006/main">
   <p:cSld>
     <p:bg>
@@ -32699,14 +34596,14 @@
           <a:p>
             <a:pPr algn="ctr"/>
             <a:r>
-              <a:rPr lang="en-US" sz="5400" dirty="0">
+              <a:rPr lang="en-US" sz="5400">
                 <a:solidFill>
                   <a:schemeClr val="bg1"/>
                 </a:solidFill>
               </a:rPr>
               <a:t>Key Findings &amp; Next Steps</a:t>
             </a:r>
-            <a:endParaRPr lang="en-US" sz="5400" kern="1200" dirty="0">
+            <a:endParaRPr lang="en-US" sz="5400" kern="1200">
               <a:solidFill>
                 <a:schemeClr val="bg1"/>
               </a:solidFill>
@@ -32751,7 +34648,7 @@
                   <a:spcPts val="600"/>
                 </a:spcAft>
               </a:pPr>
-              <a:t>18</a:t>
+              <a:t>17</a:t>
             </a:fld>
             <a:endParaRPr lang="en-US"/>
           </a:p>
@@ -32795,11 +34692,11 @@
   <p:clrMapOvr>
     <a:masterClrMapping/>
   </p:clrMapOvr>
-  <mc:AlternateContent xmlns:mc="http://schemas.openxmlformats.org/markup-compatibility/2006" xmlns:p14="http://schemas.microsoft.com/office/powerpoint/2010/main">
-    <mc:Choice Requires="p14">
+  <mc:AlternateContent xmlns:mc="http://schemas.openxmlformats.org/markup-compatibility/2006">
+    <mc:Choice xmlns:p14="http://schemas.microsoft.com/office/powerpoint/2010/main" Requires="p14">
       <p:transition p14:dur="10" advClick="0"/>
     </mc:Choice>
-    <mc:Fallback xmlns="">
+    <mc:Fallback>
       <p:transition advClick="0"/>
     </mc:Fallback>
   </mc:AlternateContent>
@@ -33163,7 +35060,7 @@
 </p:sld>
 </file>
 
-<file path=ppt/slides/slide19.xml><?xml version="1.0" encoding="utf-8"?>
+<file path=ppt/slides/slide18.xml><?xml version="1.0" encoding="utf-8"?>
 <p:sld xmlns:a="http://schemas.openxmlformats.org/drawingml/2006/main" xmlns:r="http://schemas.openxmlformats.org/officeDocument/2006/relationships" xmlns:p="http://schemas.openxmlformats.org/presentationml/2006/main">
   <p:cSld>
     <p:spTree>
@@ -33210,40 +35107,40 @@
           <a:p>
             <a:pPr algn="l"/>
             <a:r>
-              <a:rPr lang="en-US" b="1" dirty="0"/>
+              <a:rPr lang="en-US" b="1"/>
               <a:t>Reproducible Research: </a:t>
             </a:r>
             <a:r>
-              <a:rPr lang="en-US" dirty="0"/>
+              <a:rPr lang="en-US"/>
               <a:t>Code for the complete analysis is available on </a:t>
             </a:r>
             <a:r>
-              <a:rPr lang="en-US" dirty="0">
+              <a:rPr lang="en-US">
                 <a:hlinkClick r:id="rId2"/>
               </a:rPr>
               <a:t>GitHub</a:t>
             </a:r>
-            <a:endParaRPr lang="en-US" dirty="0"/>
+            <a:endParaRPr lang="en-US"/>
           </a:p>
           <a:p>
             <a:pPr algn="l"/>
             <a:r>
-              <a:rPr lang="en-US" b="1" dirty="0" err="1"/>
+              <a:rPr lang="en-US" b="1" err="1"/>
               <a:t>Youtube</a:t>
             </a:r>
             <a:r>
-              <a:rPr lang="en-US" b="1" dirty="0"/>
+              <a:rPr lang="en-US" b="1"/>
               <a:t> Video</a:t>
             </a:r>
             <a:r>
-              <a:rPr lang="en-US" dirty="0"/>
+              <a:rPr lang="en-US"/>
               <a:t>: Link</a:t>
             </a:r>
           </a:p>
           <a:p>
             <a:pPr algn="l"/>
             <a:r>
-              <a:rPr lang="en-US" b="1" dirty="0"/>
+              <a:rPr lang="en-US" b="1"/>
               <a:t>References:</a:t>
             </a:r>
           </a:p>
@@ -33253,24 +35150,24 @@
               <a:buChar char="•"/>
             </a:pPr>
             <a:r>
-              <a:rPr lang="en-US" dirty="0"/>
+              <a:rPr lang="en-US"/>
               <a:t>Jim Chappelow, </a:t>
             </a:r>
             <a:r>
-              <a:rPr lang="en-US" i="1" dirty="0"/>
+              <a:rPr lang="en-US" i="1"/>
               <a:t>Recession</a:t>
             </a:r>
             <a:r>
-              <a:rPr lang="en-US" dirty="0"/>
+              <a:rPr lang="en-US"/>
               <a:t>,  Investopedia. Accessed March 6, 2020. </a:t>
             </a:r>
             <a:r>
-              <a:rPr lang="en-US" dirty="0">
+              <a:rPr lang="en-US">
                 <a:hlinkClick r:id="rId3"/>
               </a:rPr>
               <a:t>https://www.investopedia.com/terms/r/recession.asp</a:t>
             </a:r>
-            <a:endParaRPr lang="en-US" dirty="0"/>
+            <a:endParaRPr lang="en-US"/>
           </a:p>
           <a:p>
             <a:pPr marL="342900" indent="-342900" algn="l">
@@ -33278,17 +35175,17 @@
               <a:buChar char="•"/>
             </a:pPr>
             <a:r>
-              <a:rPr lang="en-US" dirty="0"/>
+              <a:rPr lang="en-US"/>
               <a:t>U.S. Bureau of Economic Analysis, Gross Domestic Product [A191RP1Q027SBEA], retrieved from FRED, Federal Reserve Bank of St. Louis; </a:t>
             </a:r>
             <a:r>
-              <a:rPr lang="en-US" dirty="0">
+              <a:rPr lang="en-US">
                 <a:hlinkClick r:id="rId4"/>
               </a:rPr>
               <a:t>https://fred.stlouisfed.org/series/A191RP1Q027SBEA</a:t>
             </a:r>
             <a:r>
-              <a:rPr lang="en-US" dirty="0"/>
+              <a:rPr lang="en-US"/>
               <a:t>, March 6, 2020.</a:t>
             </a:r>
           </a:p>
@@ -33298,17 +35195,17 @@
               <a:buChar char="•"/>
             </a:pPr>
             <a:r>
-              <a:rPr lang="en-US" dirty="0"/>
+              <a:rPr lang="en-US"/>
               <a:t>U.S. Bureau of Labor Statistics, All Employees, Total Nonfarm [PAYEMS], retrieved from FRED, Federal Reserve Bank of St. Louis; </a:t>
             </a:r>
             <a:r>
-              <a:rPr lang="en-US" dirty="0">
+              <a:rPr lang="en-US">
                 <a:hlinkClick r:id="rId5"/>
               </a:rPr>
               <a:t>https://fred.stlouisfed.org/series/PAYEMS</a:t>
             </a:r>
             <a:r>
-              <a:rPr lang="en-US" dirty="0"/>
+              <a:rPr lang="en-US"/>
               <a:t>, March 6, 2020.</a:t>
             </a:r>
           </a:p>
@@ -33318,17 +35215,17 @@
               <a:buChar char="•"/>
             </a:pPr>
             <a:r>
-              <a:rPr lang="en-US" dirty="0"/>
+              <a:rPr lang="en-US"/>
               <a:t>Board of Governors of the Federal Reserve System (US), 10-Year Treasury Constant Maturity Rate [DGS10], retrieved from FRED, Federal Reserve Bank of St. Louis; </a:t>
             </a:r>
             <a:r>
-              <a:rPr lang="en-US" dirty="0">
+              <a:rPr lang="en-US">
                 <a:hlinkClick r:id="rId6"/>
               </a:rPr>
               <a:t>https://fred.stlouisfed.org/series/DGS10</a:t>
             </a:r>
             <a:r>
-              <a:rPr lang="en-US" dirty="0"/>
+              <a:rPr lang="en-US"/>
               <a:t>, March 6, 2020.</a:t>
             </a:r>
           </a:p>
@@ -33338,17 +35235,17 @@
               <a:buChar char="•"/>
             </a:pPr>
             <a:r>
-              <a:rPr lang="en-US" dirty="0"/>
+              <a:rPr lang="en-US"/>
               <a:t>Board of Governors of the Federal Reserve System (US), Effective Federal Funds Rate [FEDFUNDS], retrieved from FRED, Federal Reserve Bank of St. Louis; </a:t>
             </a:r>
             <a:r>
-              <a:rPr lang="en-US" dirty="0">
+              <a:rPr lang="en-US">
                 <a:hlinkClick r:id="rId7"/>
               </a:rPr>
               <a:t>https://fred.stlouisfed.org/series/FEDFUNDS</a:t>
             </a:r>
             <a:r>
-              <a:rPr lang="en-US" dirty="0"/>
+              <a:rPr lang="en-US"/>
               <a:t>, March 6, 2020.</a:t>
             </a:r>
           </a:p>
@@ -33358,17 +35255,17 @@
               <a:buChar char="•"/>
             </a:pPr>
             <a:r>
-              <a:rPr lang="en-US" dirty="0"/>
+              <a:rPr lang="en-US"/>
               <a:t>U.S. Bureau of Economic Analysis, Real Disposable Personal Income [A067RO1Q156NBEA], retrieved from FRED, Federal Reserve Bank of St. Louis; </a:t>
             </a:r>
             <a:r>
-              <a:rPr lang="en-US" dirty="0">
+              <a:rPr lang="en-US">
                 <a:hlinkClick r:id="rId8"/>
               </a:rPr>
               <a:t>https://fred.stlouisfed.org/series/A067RO1Q156NBEA</a:t>
             </a:r>
             <a:r>
-              <a:rPr lang="en-US" dirty="0"/>
+              <a:rPr lang="en-US"/>
               <a:t>, March 6, 2020.</a:t>
             </a:r>
           </a:p>
@@ -33378,17 +35275,17 @@
               <a:buChar char="•"/>
             </a:pPr>
             <a:r>
-              <a:rPr lang="en-US" dirty="0"/>
+              <a:rPr lang="en-US"/>
               <a:t>U.S. Bureau of Labor Statistics, Consumer Price Index for All Urban Consumers: All Items in U.S. City Average [CPIAUCNS], retrieved from FRED, Federal Reserve Bank of St. Louis; </a:t>
             </a:r>
             <a:r>
-              <a:rPr lang="en-US" dirty="0">
+              <a:rPr lang="en-US">
                 <a:hlinkClick r:id="rId9"/>
               </a:rPr>
               <a:t>https://fred.stlouisfed.org/series/CPIAUCNS</a:t>
             </a:r>
             <a:r>
-              <a:rPr lang="en-US" dirty="0"/>
+              <a:rPr lang="en-US"/>
               <a:t>, March 6, 2020.</a:t>
             </a:r>
           </a:p>
@@ -33398,17 +35295,17 @@
               <a:buChar char="•"/>
             </a:pPr>
             <a:r>
-              <a:rPr lang="en-US" dirty="0"/>
+              <a:rPr lang="en-US"/>
               <a:t>U.S. Bureau of Economic Analysis, Population [POPTHM], retrieved from FRED, Federal Reserve Bank of St. Louis; </a:t>
             </a:r>
             <a:r>
-              <a:rPr lang="en-US" dirty="0">
+              <a:rPr lang="en-US">
                 <a:hlinkClick r:id="rId10"/>
               </a:rPr>
               <a:t>https://fred.stlouisfed.org/series/POPTHM</a:t>
             </a:r>
             <a:r>
-              <a:rPr lang="en-US" dirty="0"/>
+              <a:rPr lang="en-US"/>
               <a:t>, March 6, 2020.</a:t>
             </a:r>
           </a:p>
@@ -33418,25 +35315,25 @@
               <a:buChar char="•"/>
             </a:pPr>
             <a:r>
-              <a:rPr lang="en-US" dirty="0"/>
+              <a:rPr lang="en-US"/>
               <a:t>U.S. Bureau of Economic Analysis, Corporate Profits After Tax (without IVA and </a:t>
             </a:r>
             <a:r>
-              <a:rPr lang="en-US" dirty="0" err="1"/>
+              <a:rPr lang="en-US" err="1"/>
               <a:t>CCAdj</a:t>
             </a:r>
             <a:r>
-              <a:rPr lang="en-US" dirty="0"/>
+              <a:rPr lang="en-US"/>
               <a:t>) [CP], retrieved from FRED, Federal Reserve Bank of St. Louis; </a:t>
             </a:r>
             <a:r>
-              <a:rPr lang="en-US" dirty="0">
+              <a:rPr lang="en-US">
                 <a:hlinkClick r:id="rId11"/>
               </a:rPr>
               <a:t>https://fred.stlouisfed.org/series/CP</a:t>
             </a:r>
             <a:r>
-              <a:rPr lang="en-US" dirty="0"/>
+              <a:rPr lang="en-US"/>
               <a:t>, March 6, 2020.</a:t>
             </a:r>
           </a:p>
@@ -33446,17 +35343,17 @@
               <a:buChar char="•"/>
             </a:pPr>
             <a:r>
-              <a:rPr lang="en-US" dirty="0"/>
+              <a:rPr lang="en-US"/>
               <a:t>Federal Reserve Bank of St. Louis, Spot Crude Oil Price: West Texas Intermediate (WTI) [WTISPLC], retrieved from FRED, Federal Reserve Bank of St. Louis; </a:t>
             </a:r>
             <a:r>
-              <a:rPr lang="en-US" dirty="0">
+              <a:rPr lang="en-US">
                 <a:hlinkClick r:id="rId12"/>
               </a:rPr>
               <a:t>https://fred.stlouisfed.org/series/WTISPLC</a:t>
             </a:r>
             <a:r>
-              <a:rPr lang="en-US" dirty="0"/>
+              <a:rPr lang="en-US"/>
               <a:t>, March 6, 2020.</a:t>
             </a:r>
           </a:p>
@@ -33466,17 +35363,17 @@
               <a:buChar char="•"/>
             </a:pPr>
             <a:r>
-              <a:rPr lang="en-US" dirty="0"/>
+              <a:rPr lang="en-US"/>
               <a:t>ICE Benchmark Administration Limited (IBA), Gold Fixing Price 10:30 A.M. (London time) in London Bullion Market, based in U.S. Dollars [GOLDAMGBD228NLBM], retrieved from FRED, Federal Reserve Bank of St. Louis; </a:t>
             </a:r>
             <a:r>
-              <a:rPr lang="en-US" dirty="0">
+              <a:rPr lang="en-US">
                 <a:hlinkClick r:id="rId13"/>
               </a:rPr>
               <a:t>https://fred.stlouisfed.org/series/GOLDAMGBD228NLBM</a:t>
             </a:r>
             <a:r>
-              <a:rPr lang="en-US" dirty="0"/>
+              <a:rPr lang="en-US"/>
               <a:t>, March 6, 2020.</a:t>
             </a:r>
           </a:p>
@@ -33486,17 +35383,17 @@
               <a:buChar char="•"/>
             </a:pPr>
             <a:r>
-              <a:rPr lang="en-US" dirty="0"/>
+              <a:rPr lang="en-US"/>
               <a:t>Board of Governors of the Federal Reserve System (US), Japan / U.S. Foreign Exchange Rate [EXJPUS], retrieved from FRED, Federal Reserve Bank of St. Louis; </a:t>
             </a:r>
             <a:r>
-              <a:rPr lang="en-US" dirty="0">
+              <a:rPr lang="en-US">
                 <a:hlinkClick r:id="rId14"/>
               </a:rPr>
               <a:t>https://fred.stlouisfed.org/series/EXJPUS</a:t>
             </a:r>
             <a:r>
-              <a:rPr lang="en-US" dirty="0"/>
+              <a:rPr lang="en-US"/>
               <a:t>, March 6, 2020.</a:t>
             </a:r>
           </a:p>
@@ -33506,17 +35403,17 @@
               <a:buChar char="•"/>
             </a:pPr>
             <a:r>
-              <a:rPr lang="en-US" dirty="0"/>
+              <a:rPr lang="en-US"/>
               <a:t>Board of Governors of the Federal Reserve System (US), U.S. / U.K. Foreign Exchange Rate [EXUSUK], retrieved from FRED, Federal Reserve Bank of St. Louis; </a:t>
             </a:r>
             <a:r>
-              <a:rPr lang="en-US" dirty="0">
+              <a:rPr lang="en-US">
                 <a:hlinkClick r:id="rId15"/>
               </a:rPr>
               <a:t>https://fred.stlouisfed.org/series/EXUSUK</a:t>
             </a:r>
             <a:r>
-              <a:rPr lang="en-US" dirty="0"/>
+              <a:rPr lang="en-US"/>
               <a:t>, March 6, 2020.</a:t>
             </a:r>
           </a:p>
@@ -33525,26 +35422,26 @@
               <a:buFont typeface="Arial" panose="020B0604020202020204" pitchFamily="34" charset="0"/>
               <a:buChar char="•"/>
             </a:pPr>
-            <a:endParaRPr lang="en-US" dirty="0"/>
+            <a:endParaRPr lang="en-US"/>
           </a:p>
           <a:p>
             <a:pPr algn="l"/>
-            <a:endParaRPr lang="en-US" dirty="0"/>
+            <a:endParaRPr lang="en-US"/>
           </a:p>
           <a:p>
             <a:pPr marL="0" indent="0" algn="ctr">
               <a:buNone/>
             </a:pPr>
-            <a:endParaRPr lang="en-US" dirty="0"/>
+            <a:endParaRPr lang="en-US"/>
           </a:p>
           <a:p>
-            <a:endParaRPr lang="en-US" dirty="0"/>
+            <a:endParaRPr lang="en-US"/>
           </a:p>
           <a:p>
             <a:pPr marL="0" indent="0">
               <a:buNone/>
             </a:pPr>
-            <a:endParaRPr lang="en-US" dirty="0"/>
+            <a:endParaRPr lang="en-US"/>
           </a:p>
         </p:txBody>
       </p:sp>
@@ -33572,7 +35469,7 @@
             <a:fld id="{38327683-8978-6B4B-9130-4A6A841F0549}" type="slidenum">
               <a:rPr lang="en-US" smtClean="0"/>
               <a:pPr/>
-              <a:t>19</a:t>
+              <a:t>18</a:t>
             </a:fld>
             <a:endParaRPr lang="en-US"/>
           </a:p>
@@ -33588,11 +35485,11 @@
   <p:clrMapOvr>
     <a:masterClrMapping/>
   </p:clrMapOvr>
-  <mc:AlternateContent xmlns:mc="http://schemas.openxmlformats.org/markup-compatibility/2006" xmlns:p14="http://schemas.microsoft.com/office/powerpoint/2010/main">
-    <mc:Choice Requires="p14">
+  <mc:AlternateContent xmlns:mc="http://schemas.openxmlformats.org/markup-compatibility/2006">
+    <mc:Choice xmlns:p14="http://schemas.microsoft.com/office/powerpoint/2010/main" Requires="p14">
       <p:transition p14:dur="10" advClick="0"/>
     </mc:Choice>
-    <mc:Fallback xmlns="">
+    <mc:Fallback>
       <p:transition advClick="0"/>
     </mc:Fallback>
   </mc:AlternateContent>
@@ -33740,7 +35637,7 @@
           <a:p>
             <a:pPr algn="ctr"/>
             <a:r>
-              <a:rPr lang="en-US" sz="6000" dirty="0">
+              <a:rPr lang="en-US" sz="6000">
                 <a:solidFill>
                   <a:schemeClr val="bg1"/>
                 </a:solidFill>
@@ -33861,17 +35758,17 @@
           <a:lstStyle/>
           <a:p>
             <a:r>
-              <a:rPr lang="en-US" sz="1400" dirty="0"/>
+              <a:rPr lang="en-US" sz="1400"/>
               <a:t>* </a:t>
             </a:r>
             <a:r>
-              <a:rPr lang="en-US" sz="1400" dirty="0">
+              <a:rPr lang="en-US" sz="1400">
                 <a:hlinkClick r:id="rId7"/>
               </a:rPr>
               <a:t>https://www.investopedia.com/terms/r/recession.asp</a:t>
             </a:r>
             <a:r>
-              <a:rPr lang="en-US" sz="1400" dirty="0"/>
+              <a:rPr lang="en-US" sz="1400"/>
               <a:t> </a:t>
             </a:r>
           </a:p>
@@ -33887,12 +35784,12 @@
   <p:clrMapOvr>
     <a:masterClrMapping/>
   </p:clrMapOvr>
-  <mc:AlternateContent xmlns:mc="http://schemas.openxmlformats.org/markup-compatibility/2006" xmlns:p14="http://schemas.microsoft.com/office/powerpoint/2010/main">
-    <mc:Choice Requires="p14">
-      <p:transition p14:dur="10" advClick="0"/>
+  <mc:AlternateContent xmlns:mc="http://schemas.openxmlformats.org/markup-compatibility/2006">
+    <mc:Choice xmlns:p14="http://schemas.microsoft.com/office/powerpoint/2010/main" Requires="p14">
+      <p:transition p14:dur="10" advClick="0" advTm="208520"/>
     </mc:Choice>
-    <mc:Fallback xmlns="">
-      <p:transition advClick="0"/>
+    <mc:Fallback>
+      <p:transition advClick="0" advTm="208520"/>
     </mc:Fallback>
   </mc:AlternateContent>
 </p:sld>
@@ -34010,7 +35907,7 @@
           <a:p>
             <a:pPr algn="ctr"/>
             <a:r>
-              <a:rPr lang="en-US" sz="6000" kern="1200" dirty="0">
+              <a:rPr lang="en-US" sz="6000" kern="1200">
                 <a:solidFill>
                   <a:schemeClr val="bg1"/>
                 </a:solidFill>
@@ -34119,17 +36016,17 @@
           <a:lstStyle/>
           <a:p>
             <a:r>
-              <a:rPr lang="en-US" sz="1400" dirty="0"/>
+              <a:rPr lang="en-US" sz="1400"/>
               <a:t>Data was collected from the Federal Reserve Bank of St. Louis Economic Data (FRED) </a:t>
             </a:r>
             <a:r>
-              <a:rPr lang="en-US" sz="1400" dirty="0">
+              <a:rPr lang="en-US" sz="1400">
                 <a:hlinkClick r:id="rId7"/>
               </a:rPr>
               <a:t>https://fred.stlouisfed.org/</a:t>
             </a:r>
             <a:r>
-              <a:rPr lang="en-US" sz="1400" dirty="0"/>
+              <a:rPr lang="en-US" sz="1400"/>
               <a:t> </a:t>
             </a:r>
           </a:p>
@@ -34145,12 +36042,12 @@
   <p:clrMapOvr>
     <a:masterClrMapping/>
   </p:clrMapOvr>
-  <mc:AlternateContent xmlns:mc="http://schemas.openxmlformats.org/markup-compatibility/2006" xmlns:p14="http://schemas.microsoft.com/office/powerpoint/2010/main">
-    <mc:Choice Requires="p14">
-      <p:transition p14:dur="10" advClick="0"/>
+  <mc:AlternateContent xmlns:mc="http://schemas.openxmlformats.org/markup-compatibility/2006">
+    <mc:Choice xmlns:p14="http://schemas.microsoft.com/office/powerpoint/2010/main" Requires="p14">
+      <p:transition p14:dur="10" advClick="0" advTm="36050"/>
     </mc:Choice>
-    <mc:Fallback xmlns="">
-      <p:transition advClick="0"/>
+    <mc:Fallback>
+      <p:transition advClick="0" advTm="36050"/>
     </mc:Fallback>
   </mc:AlternateContent>
 </p:sld>
@@ -34268,7 +36165,7 @@
           <a:p>
             <a:pPr algn="ctr"/>
             <a:r>
-              <a:rPr lang="en-US" sz="4000" kern="1200" dirty="0">
+              <a:rPr lang="en-US" sz="4000" kern="1200">
                 <a:solidFill>
                   <a:schemeClr val="bg1"/>
                 </a:solidFill>
@@ -34276,29 +36173,7 @@
                 <a:ea typeface="+mj-ea"/>
                 <a:cs typeface="+mj-cs"/>
               </a:rPr>
-              <a:t>EDA: Checking Stationarity (</a:t>
-            </a:r>
-            <a:r>
-              <a:rPr lang="en-US" sz="4000" kern="1200" dirty="0">
-                <a:solidFill>
-                  <a:srgbClr val="FFFF00"/>
-                </a:solidFill>
-                <a:latin typeface="+mj-lt"/>
-                <a:ea typeface="+mj-ea"/>
-                <a:cs typeface="+mj-cs"/>
-              </a:rPr>
-              <a:t>Condition 1</a:t>
-            </a:r>
-            <a:r>
-              <a:rPr lang="en-US" sz="4000" kern="1200" dirty="0">
-                <a:solidFill>
-                  <a:schemeClr val="bg1"/>
-                </a:solidFill>
-                <a:latin typeface="+mj-lt"/>
-                <a:ea typeface="+mj-ea"/>
-                <a:cs typeface="+mj-cs"/>
-              </a:rPr>
-              <a:t>)</a:t>
+              <a:t>EDA: Checking Stationarity</a:t>
             </a:r>
           </a:p>
         </p:txBody>
@@ -34561,12 +36436,12 @@
   <p:clrMapOvr>
     <a:masterClrMapping/>
   </p:clrMapOvr>
-  <mc:AlternateContent xmlns:mc="http://schemas.openxmlformats.org/markup-compatibility/2006" xmlns:p14="http://schemas.microsoft.com/office/powerpoint/2010/main">
-    <mc:Choice Requires="p14">
-      <p:transition p14:dur="10" advClick="0"/>
+  <mc:AlternateContent xmlns:mc="http://schemas.openxmlformats.org/markup-compatibility/2006">
+    <mc:Choice xmlns:p14="http://schemas.microsoft.com/office/powerpoint/2010/main" Requires="p14">
+      <p:transition p14:dur="10" advClick="0" advTm="8786"/>
     </mc:Choice>
-    <mc:Fallback xmlns="">
-      <p:transition advClick="0"/>
+    <mc:Fallback>
+      <p:transition advClick="0" advTm="8786"/>
     </mc:Fallback>
   </mc:AlternateContent>
 </p:sld>
@@ -34684,7 +36559,7 @@
           <a:p>
             <a:pPr algn="ctr"/>
             <a:r>
-              <a:rPr lang="en-US" sz="4000" kern="1200" dirty="0">
+              <a:rPr lang="en-US" sz="4000" kern="1200">
                 <a:solidFill>
                   <a:schemeClr val="bg1"/>
                 </a:solidFill>
@@ -34692,29 +36567,7 @@
                 <a:ea typeface="+mj-ea"/>
                 <a:cs typeface="+mj-cs"/>
               </a:rPr>
-              <a:t>EDA: Checking Stationarity (</a:t>
-            </a:r>
-            <a:r>
-              <a:rPr lang="en-US" sz="4000" kern="1200" dirty="0">
-                <a:solidFill>
-                  <a:srgbClr val="FFFF00"/>
-                </a:solidFill>
-                <a:latin typeface="+mj-lt"/>
-                <a:ea typeface="+mj-ea"/>
-                <a:cs typeface="+mj-cs"/>
-              </a:rPr>
-              <a:t>Condition 2</a:t>
-            </a:r>
-            <a:r>
-              <a:rPr lang="en-US" sz="4000" kern="1200" dirty="0">
-                <a:solidFill>
-                  <a:schemeClr val="bg1"/>
-                </a:solidFill>
-                <a:latin typeface="+mj-lt"/>
-                <a:ea typeface="+mj-ea"/>
-                <a:cs typeface="+mj-cs"/>
-              </a:rPr>
-              <a:t>)</a:t>
+              <a:t>EDA: Checking Stationarity</a:t>
             </a:r>
           </a:p>
         </p:txBody>
@@ -34857,11 +36710,11 @@
   <p:clrMapOvr>
     <a:masterClrMapping/>
   </p:clrMapOvr>
-  <mc:AlternateContent xmlns:mc="http://schemas.openxmlformats.org/markup-compatibility/2006" xmlns:p14="http://schemas.microsoft.com/office/powerpoint/2010/main">
-    <mc:Choice Requires="p14">
+  <mc:AlternateContent xmlns:mc="http://schemas.openxmlformats.org/markup-compatibility/2006">
+    <mc:Choice xmlns:p14="http://schemas.microsoft.com/office/powerpoint/2010/main" Requires="p14">
       <p:transition p14:dur="10" advClick="0"/>
     </mc:Choice>
-    <mc:Fallback xmlns="">
+    <mc:Fallback>
       <p:transition advClick="0"/>
     </mc:Fallback>
   </mc:AlternateContent>
@@ -34980,7 +36833,7 @@
           <a:p>
             <a:pPr algn="ctr"/>
             <a:r>
-              <a:rPr lang="en-US" sz="4000" kern="1200" dirty="0">
+              <a:rPr lang="en-US" sz="4000" kern="1200">
                 <a:solidFill>
                   <a:schemeClr val="bg1"/>
                 </a:solidFill>
@@ -34988,29 +36841,7 @@
                 <a:ea typeface="+mj-ea"/>
                 <a:cs typeface="+mj-cs"/>
               </a:rPr>
-              <a:t>EDA: Checking Stationarity (</a:t>
-            </a:r>
-            <a:r>
-              <a:rPr lang="en-US" sz="4000" kern="1200" dirty="0">
-                <a:solidFill>
-                  <a:srgbClr val="FFFF00"/>
-                </a:solidFill>
-                <a:latin typeface="+mj-lt"/>
-                <a:ea typeface="+mj-ea"/>
-                <a:cs typeface="+mj-cs"/>
-              </a:rPr>
-              <a:t>Condition 3</a:t>
-            </a:r>
-            <a:r>
-              <a:rPr lang="en-US" sz="4000" kern="1200" dirty="0">
-                <a:solidFill>
-                  <a:schemeClr val="bg1"/>
-                </a:solidFill>
-                <a:latin typeface="+mj-lt"/>
-                <a:ea typeface="+mj-ea"/>
-                <a:cs typeface="+mj-cs"/>
-              </a:rPr>
-              <a:t>)</a:t>
+              <a:t>EDA: Checking Stationarity</a:t>
             </a:r>
           </a:p>
         </p:txBody>
@@ -35187,11 +37018,11 @@
   <p:clrMapOvr>
     <a:masterClrMapping/>
   </p:clrMapOvr>
-  <mc:AlternateContent xmlns:mc="http://schemas.openxmlformats.org/markup-compatibility/2006" xmlns:p14="http://schemas.microsoft.com/office/powerpoint/2010/main">
-    <mc:Choice Requires="p14">
+  <mc:AlternateContent xmlns:mc="http://schemas.openxmlformats.org/markup-compatibility/2006">
+    <mc:Choice xmlns:p14="http://schemas.microsoft.com/office/powerpoint/2010/main" Requires="p14">
       <p:transition p14:dur="10" advClick="0"/>
     </mc:Choice>
-    <mc:Fallback xmlns="">
+    <mc:Fallback>
       <p:transition advClick="0"/>
     </mc:Fallback>
   </mc:AlternateContent>
@@ -35310,7 +37141,7 @@
           <a:p>
             <a:pPr algn="ctr"/>
             <a:r>
-              <a:rPr lang="en-US" sz="4000" kern="1200" dirty="0">
+              <a:rPr lang="en-US" sz="4000" kern="1200">
                 <a:solidFill>
                   <a:schemeClr val="bg1"/>
                 </a:solidFill>
@@ -35401,11 +37232,11 @@
   <p:clrMapOvr>
     <a:masterClrMapping/>
   </p:clrMapOvr>
-  <mc:AlternateContent xmlns:mc="http://schemas.openxmlformats.org/markup-compatibility/2006" xmlns:p14="http://schemas.microsoft.com/office/powerpoint/2010/main">
-    <mc:Choice Requires="p14">
+  <mc:AlternateContent xmlns:mc="http://schemas.openxmlformats.org/markup-compatibility/2006">
+    <mc:Choice xmlns:p14="http://schemas.microsoft.com/office/powerpoint/2010/main" Requires="p14">
       <p:transition p14:dur="10" advClick="0"/>
     </mc:Choice>
-    <mc:Fallback xmlns="">
+    <mc:Fallback>
       <p:transition advClick="0"/>
     </mc:Fallback>
   </mc:AlternateContent>
@@ -35553,7 +37384,7 @@
           <a:p>
             <a:pPr algn="ctr"/>
             <a:r>
-              <a:rPr lang="en-US" sz="4800" kern="1200" dirty="0">
+              <a:rPr lang="en-US" sz="4800" kern="1200">
                 <a:solidFill>
                   <a:schemeClr val="bg1"/>
                 </a:solidFill>
@@ -35564,7 +37395,7 @@
               <a:t>ARMA: </a:t>
             </a:r>
             <a:r>
-              <a:rPr lang="en-US" sz="4800" kern="1200" dirty="0">
+              <a:rPr lang="en-US" sz="4800" kern="1200">
                 <a:solidFill>
                   <a:srgbClr val="FFFF00"/>
                 </a:solidFill>
@@ -35671,35 +37502,6 @@
           </a:p>
         </p:txBody>
       </p:sp>
-      <p:pic>
-        <p:nvPicPr>
-          <p:cNvPr id="5" name="Picture 4">
-            <a:extLst>
-              <a:ext uri="{FF2B5EF4-FFF2-40B4-BE49-F238E27FC236}">
-                <a16:creationId xmlns:a16="http://schemas.microsoft.com/office/drawing/2014/main" id="{A6967F55-D459-43EC-9FAF-C94ADBD84193}"/>
-              </a:ext>
-            </a:extLst>
-          </p:cNvPr>
-          <p:cNvPicPr>
-            <a:picLocks noChangeAspect="1"/>
-          </p:cNvPicPr>
-          <p:nvPr/>
-        </p:nvPicPr>
-        <p:blipFill rotWithShape="1">
-          <a:blip r:embed="rId2"/>
-          <a:srcRect b="64525"/>
-          <a:stretch/>
-        </p:blipFill>
-        <p:spPr>
-          <a:xfrm>
-            <a:off x="4572000" y="1543790"/>
-            <a:ext cx="4479517" cy="1885210"/>
-          </a:xfrm>
-          <a:prstGeom prst="rect">
-            <a:avLst/>
-          </a:prstGeom>
-        </p:spPr>
-      </p:pic>
       <p:sp>
         <p:nvSpPr>
           <p:cNvPr id="9" name="TextBox 8">
@@ -35733,7 +37535,7 @@
               <a:buChar char="•"/>
             </a:pPr>
             <a:r>
-              <a:rPr lang="en-US" dirty="0"/>
+              <a:rPr lang="en-US"/>
               <a:t>AIC and BIC both indicate that an ARMA(2,1) might be an appropriate model.</a:t>
             </a:r>
           </a:p>
@@ -35742,14 +37544,14 @@
               <a:buFont typeface="Arial" panose="020B0604020202020204" pitchFamily="34" charset="0"/>
               <a:buChar char="•"/>
             </a:pPr>
-            <a:endParaRPr lang="en-US" dirty="0"/>
+            <a:endParaRPr lang="en-US"/>
           </a:p>
           <a:p>
             <a:pPr marL="285750" indent="-285750">
               <a:buFont typeface="Arial" panose="020B0604020202020204" pitchFamily="34" charset="0"/>
               <a:buChar char="•"/>
             </a:pPr>
-            <a:endParaRPr lang="en-US" dirty="0"/>
+            <a:endParaRPr lang="en-US"/>
           </a:p>
           <a:p>
             <a:pPr marL="285750" indent="-285750">
@@ -35757,15 +37559,15 @@
               <a:buChar char="•"/>
             </a:pPr>
             <a:r>
-              <a:rPr lang="en-US" dirty="0"/>
+              <a:rPr lang="en-US"/>
               <a:t>The parameter estimation clears a lot of confusion about whether this is coming from a stationary or non stationary process. </a:t>
             </a:r>
             <a:r>
-              <a:rPr lang="en-US" b="1" dirty="0"/>
+              <a:rPr lang="en-US" b="1"/>
               <a:t>Even when fitting a stationary ARMA model, we get an estimated root of 0.9917 in the factor table which is very close to 1 (non stationary model)</a:t>
             </a:r>
             <a:r>
-              <a:rPr lang="en-US" dirty="0"/>
+              <a:rPr lang="en-US"/>
               <a:t>. </a:t>
             </a:r>
           </a:p>
@@ -35773,10 +37575,10 @@
       </p:sp>
       <p:pic>
         <p:nvPicPr>
-          <p:cNvPr id="13" name="Picture 12">
+          <p:cNvPr id="3" name="Picture 2">
             <a:extLst>
               <a:ext uri="{FF2B5EF4-FFF2-40B4-BE49-F238E27FC236}">
-                <a16:creationId xmlns:a16="http://schemas.microsoft.com/office/drawing/2014/main" id="{766090BA-1837-4B61-B00A-13E5120F0BBD}"/>
+                <a16:creationId xmlns:a16="http://schemas.microsoft.com/office/drawing/2014/main" id="{EAA83FC5-D7A0-4A8A-9816-983ADA5C2C3A}"/>
               </a:ext>
             </a:extLst>
           </p:cNvPr>
@@ -35785,15 +37587,146 @@
           </p:cNvPicPr>
           <p:nvPr/>
         </p:nvPicPr>
-        <p:blipFill rotWithShape="1">
+        <p:blipFill>
           <a:blip r:embed="rId2"/>
-          <a:srcRect t="38546"/>
-          <a:stretch/>
+          <a:stretch>
+            <a:fillRect/>
+          </a:stretch>
         </p:blipFill>
         <p:spPr>
           <a:xfrm>
-            <a:off x="4571999" y="3518248"/>
-            <a:ext cx="4479517" cy="3265798"/>
+            <a:off x="6089631" y="2234455"/>
+            <a:ext cx="2028825" cy="1571625"/>
+          </a:xfrm>
+          <a:prstGeom prst="rect">
+            <a:avLst/>
+          </a:prstGeom>
+        </p:spPr>
+      </p:pic>
+      <p:pic>
+        <p:nvPicPr>
+          <p:cNvPr id="6" name="Picture 5">
+            <a:extLst>
+              <a:ext uri="{FF2B5EF4-FFF2-40B4-BE49-F238E27FC236}">
+                <a16:creationId xmlns:a16="http://schemas.microsoft.com/office/drawing/2014/main" id="{2F9E95D7-EDF3-4E8C-8CAC-91EA3F5F0CBF}"/>
+              </a:ext>
+            </a:extLst>
+          </p:cNvPr>
+          <p:cNvPicPr>
+            <a:picLocks noChangeAspect="1"/>
+          </p:cNvPicPr>
+          <p:nvPr/>
+        </p:nvPicPr>
+        <p:blipFill>
+          <a:blip r:embed="rId3"/>
+          <a:stretch>
+            <a:fillRect/>
+          </a:stretch>
+        </p:blipFill>
+        <p:spPr>
+          <a:xfrm>
+            <a:off x="4982557" y="4414765"/>
+            <a:ext cx="3939502" cy="474933"/>
+          </a:xfrm>
+          <a:prstGeom prst="rect">
+            <a:avLst/>
+          </a:prstGeom>
+        </p:spPr>
+      </p:pic>
+      <p:sp>
+        <p:nvSpPr>
+          <p:cNvPr id="7" name="TextBox 6">
+            <a:extLst>
+              <a:ext uri="{FF2B5EF4-FFF2-40B4-BE49-F238E27FC236}">
+                <a16:creationId xmlns:a16="http://schemas.microsoft.com/office/drawing/2014/main" id="{094AE341-0747-4E74-8674-2A487B1CDB67}"/>
+              </a:ext>
+            </a:extLst>
+          </p:cNvPr>
+          <p:cNvSpPr txBox="1"/>
+          <p:nvPr/>
+        </p:nvSpPr>
+        <p:spPr>
+          <a:xfrm>
+            <a:off x="4844139" y="5069026"/>
+            <a:ext cx="2145792" cy="369332"/>
+          </a:xfrm>
+          <a:prstGeom prst="rect">
+            <a:avLst/>
+          </a:prstGeom>
+          <a:noFill/>
+        </p:spPr>
+        <p:txBody>
+          <a:bodyPr wrap="square" rtlCol="0">
+            <a:spAutoFit/>
+          </a:bodyPr>
+          <a:lstStyle/>
+          <a:p>
+            <a:r>
+              <a:rPr lang="en-US"/>
+              <a:t>MA Factor Table</a:t>
+            </a:r>
+          </a:p>
+        </p:txBody>
+      </p:sp>
+      <p:sp>
+        <p:nvSpPr>
+          <p:cNvPr id="11" name="TextBox 10">
+            <a:extLst>
+              <a:ext uri="{FF2B5EF4-FFF2-40B4-BE49-F238E27FC236}">
+                <a16:creationId xmlns:a16="http://schemas.microsoft.com/office/drawing/2014/main" id="{3B55566D-D7B0-443E-AEF9-900CBF6CDEBD}"/>
+              </a:ext>
+            </a:extLst>
+          </p:cNvPr>
+          <p:cNvSpPr txBox="1"/>
+          <p:nvPr/>
+        </p:nvSpPr>
+        <p:spPr>
+          <a:xfrm>
+            <a:off x="4844139" y="3989613"/>
+            <a:ext cx="2145792" cy="369332"/>
+          </a:xfrm>
+          <a:prstGeom prst="rect">
+            <a:avLst/>
+          </a:prstGeom>
+          <a:noFill/>
+        </p:spPr>
+        <p:txBody>
+          <a:bodyPr wrap="square" rtlCol="0">
+            <a:spAutoFit/>
+          </a:bodyPr>
+          <a:lstStyle/>
+          <a:p>
+            <a:r>
+              <a:rPr lang="en-US"/>
+              <a:t>AR Factor Table</a:t>
+            </a:r>
+          </a:p>
+        </p:txBody>
+      </p:sp>
+      <p:pic>
+        <p:nvPicPr>
+          <p:cNvPr id="8" name="Picture 7">
+            <a:extLst>
+              <a:ext uri="{FF2B5EF4-FFF2-40B4-BE49-F238E27FC236}">
+                <a16:creationId xmlns:a16="http://schemas.microsoft.com/office/drawing/2014/main" id="{5FFFFAE6-9BF2-4CBD-9A78-286380835909}"/>
+              </a:ext>
+            </a:extLst>
+          </p:cNvPr>
+          <p:cNvPicPr>
+            <a:picLocks noChangeAspect="1"/>
+          </p:cNvPicPr>
+          <p:nvPr/>
+        </p:nvPicPr>
+        <p:blipFill>
+          <a:blip r:embed="rId4"/>
+          <a:stretch>
+            <a:fillRect/>
+          </a:stretch>
+        </p:blipFill>
+        <p:spPr>
+          <a:xfrm>
+            <a:off x="4982557" y="5498384"/>
+            <a:ext cx="3939502" cy="323711"/>
           </a:xfrm>
           <a:prstGeom prst="rect">
             <a:avLst/>
@@ -35810,11 +37743,11 @@
   <p:clrMapOvr>
     <a:masterClrMapping/>
   </p:clrMapOvr>
-  <mc:AlternateContent xmlns:mc="http://schemas.openxmlformats.org/markup-compatibility/2006" xmlns:p14="http://schemas.microsoft.com/office/powerpoint/2010/main">
-    <mc:Choice Requires="p14">
+  <mc:AlternateContent xmlns:mc="http://schemas.openxmlformats.org/markup-compatibility/2006">
+    <mc:Choice xmlns:p14="http://schemas.microsoft.com/office/powerpoint/2010/main" Requires="p14">
       <p:transition p14:dur="10" advClick="0"/>
     </mc:Choice>
-    <mc:Fallback xmlns="">
+    <mc:Fallback>
       <p:transition advClick="0"/>
     </mc:Fallback>
   </mc:AlternateContent>
@@ -35883,7 +37816,7 @@
                                           </p:stCondLst>
                                         </p:cTn>
                                         <p:tgtEl>
-                                          <p:spTgt spid="5"/>
+                                          <p:spTgt spid="3"/>
                                         </p:tgtEl>
                                         <p:attrNameLst>
                                           <p:attrName>style.visibility</p:attrName>
@@ -35959,7 +37892,88 @@
                                           </p:stCondLst>
                                         </p:cTn>
                                         <p:tgtEl>
-                                          <p:spTgt spid="13"/>
+                                          <p:spTgt spid="6"/>
+                                        </p:tgtEl>
+                                        <p:attrNameLst>
+                                          <p:attrName>style.visibility</p:attrName>
+                                        </p:attrNameLst>
+                                      </p:cBhvr>
+                                      <p:to>
+                                        <p:strVal val="visible"/>
+                                      </p:to>
+                                    </p:set>
+                                  </p:childTnLst>
+                                </p:cTn>
+                              </p:par>
+                              <p:par>
+                                <p:cTn id="15" presetID="1" presetClass="entr" presetSubtype="0" fill="hold" grpId="0" nodeType="withEffect">
+                                  <p:stCondLst>
+                                    <p:cond delay="0"/>
+                                  </p:stCondLst>
+                                  <p:childTnLst>
+                                    <p:set>
+                                      <p:cBhvr>
+                                        <p:cTn id="16" dur="1" fill="hold">
+                                          <p:stCondLst>
+                                            <p:cond delay="0"/>
+                                          </p:stCondLst>
+                                        </p:cTn>
+                                        <p:tgtEl>
+                                          <p:spTgt spid="11"/>
+                                        </p:tgtEl>
+                                        <p:attrNameLst>
+                                          <p:attrName>style.visibility</p:attrName>
+                                        </p:attrNameLst>
+                                      </p:cBhvr>
+                                      <p:to>
+                                        <p:strVal val="visible"/>
+                                      </p:to>
+                                    </p:set>
+                                  </p:childTnLst>
+                                </p:cTn>
+                              </p:par>
+                              <p:par>
+                                <p:cTn id="17" presetID="1" presetClass="entr" presetSubtype="0" fill="hold" grpId="0" nodeType="withEffect">
+                                  <p:stCondLst>
+                                    <p:cond delay="0"/>
+                                  </p:stCondLst>
+                                  <p:childTnLst>
+                                    <p:set>
+                                      <p:cBhvr>
+                                        <p:cTn id="18" dur="1" fill="hold">
+                                          <p:stCondLst>
+                                            <p:cond delay="0"/>
+                                          </p:stCondLst>
+                                        </p:cTn>
+                                        <p:tgtEl>
+                                          <p:spTgt spid="7"/>
+                                        </p:tgtEl>
+                                        <p:attrNameLst>
+                                          <p:attrName>style.visibility</p:attrName>
+                                        </p:attrNameLst>
+                                      </p:cBhvr>
+                                      <p:to>
+                                        <p:strVal val="visible"/>
+                                      </p:to>
+                                    </p:set>
+                                  </p:childTnLst>
+                                </p:cTn>
+                              </p:par>
+                              <p:par>
+                                <p:cTn id="19" presetID="1" presetClass="entr" presetSubtype="0" fill="hold" nodeType="withEffect">
+                                  <p:stCondLst>
+                                    <p:cond delay="0"/>
+                                  </p:stCondLst>
+                                  <p:childTnLst>
+                                    <p:set>
+                                      <p:cBhvr>
+                                        <p:cTn id="20" dur="1" fill="hold">
+                                          <p:stCondLst>
+                                            <p:cond delay="0"/>
+                                          </p:stCondLst>
+                                        </p:cTn>
+                                        <p:tgtEl>
+                                          <p:spTgt spid="8"/>
                                         </p:tgtEl>
                                         <p:attrNameLst>
                                           <p:attrName>style.visibility</p:attrName>
@@ -35999,6 +38013,10 @@
         </p:cTn>
       </p:par>
     </p:tnLst>
+    <p:bldLst>
+      <p:bldP spid="7" grpId="0"/>
+      <p:bldP spid="11" grpId="0"/>
+    </p:bldLst>
   </p:timing>
 </p:sld>
 </file>
@@ -36144,7 +38162,7 @@
           <a:p>
             <a:pPr algn="ctr"/>
             <a:r>
-              <a:rPr lang="en-US" sz="4800" kern="1200" dirty="0">
+              <a:rPr lang="en-US" sz="4800" kern="1200">
                 <a:solidFill>
                   <a:schemeClr val="bg1"/>
                 </a:solidFill>
@@ -36155,7 +38173,7 @@
               <a:t>ARIMA: </a:t>
             </a:r>
             <a:r>
-              <a:rPr lang="en-US" sz="4800" kern="1200" dirty="0">
+              <a:rPr lang="en-US" sz="4800" kern="1200">
                 <a:solidFill>
                   <a:srgbClr val="FFFF00"/>
                 </a:solidFill>
@@ -36295,7 +38313,7 @@
               <a:buChar char="•"/>
             </a:pPr>
             <a:r>
-              <a:rPr lang="en-US" dirty="0"/>
+              <a:rPr lang="en-US"/>
               <a:t>The overfit tables show that 1-B may be a dominant factor in the model. The other factors don’t indicate any major seasonality</a:t>
             </a:r>
           </a:p>
@@ -36304,7 +38322,7 @@
               <a:buFont typeface="Arial" panose="020B0604020202020204" pitchFamily="34" charset="0"/>
               <a:buChar char="•"/>
             </a:pPr>
-            <a:endParaRPr lang="en-US" dirty="0"/>
+            <a:endParaRPr lang="en-US"/>
           </a:p>
           <a:p>
             <a:pPr marL="285750" indent="-285750">
@@ -36312,7 +38330,7 @@
               <a:buChar char="•"/>
             </a:pPr>
             <a:r>
-              <a:rPr lang="en-US" dirty="0"/>
+              <a:rPr lang="en-US"/>
               <a:t>We will proceed with including only a (1-B) term (i.e. d = 1).</a:t>
             </a:r>
           </a:p>
@@ -36321,7 +38339,7 @@
               <a:buFont typeface="Arial" panose="020B0604020202020204" pitchFamily="34" charset="0"/>
               <a:buChar char="•"/>
             </a:pPr>
-            <a:endParaRPr lang="en-US" dirty="0"/>
+            <a:endParaRPr lang="en-US"/>
           </a:p>
           <a:p>
             <a:pPr marL="285750" indent="-285750">
@@ -36329,7 +38347,7 @@
               <a:buChar char="•"/>
             </a:pPr>
             <a:r>
-              <a:rPr lang="en-US" dirty="0"/>
+              <a:rPr lang="en-US"/>
               <a:t>The differenced data seems stationary and seems to be indicative of an MA(1) process due to the appreciable dip at f = 0.</a:t>
             </a:r>
           </a:p>
@@ -36338,7 +38356,7 @@
               <a:buFont typeface="Arial" panose="020B0604020202020204" pitchFamily="34" charset="0"/>
               <a:buChar char="•"/>
             </a:pPr>
-            <a:endParaRPr lang="en-US" dirty="0"/>
+            <a:endParaRPr lang="en-US"/>
           </a:p>
           <a:p>
             <a:pPr marL="285750" indent="-285750">
@@ -36346,7 +38364,7 @@
               <a:buChar char="•"/>
             </a:pPr>
             <a:r>
-              <a:rPr lang="en-US" dirty="0"/>
+              <a:rPr lang="en-US"/>
               <a:t>AIC and BIC both confirm that an ARMA(0,1) model is appropriate for the differenced data.</a:t>
             </a:r>
           </a:p>
@@ -36355,23 +38373,23 @@
               <a:buFont typeface="Arial" panose="020B0604020202020204" pitchFamily="34" charset="0"/>
               <a:buChar char="•"/>
             </a:pPr>
-            <a:endParaRPr lang="en-US" dirty="0"/>
+            <a:endParaRPr lang="en-US"/>
           </a:p>
           <a:p>
             <a:pPr marL="285750" indent="-285750">
               <a:buFont typeface="Arial" panose="020B0604020202020204" pitchFamily="34" charset="0"/>
               <a:buChar char="•"/>
             </a:pPr>
-            <a:endParaRPr lang="en-US" dirty="0"/>
+            <a:endParaRPr lang="en-US"/>
           </a:p>
         </p:txBody>
       </p:sp>
       <p:pic>
         <p:nvPicPr>
-          <p:cNvPr id="3" name="Picture 2">
+          <p:cNvPr id="5" name="Picture 4">
             <a:extLst>
               <a:ext uri="{FF2B5EF4-FFF2-40B4-BE49-F238E27FC236}">
-                <a16:creationId xmlns:a16="http://schemas.microsoft.com/office/drawing/2014/main" id="{FE30C285-D0D1-4407-A741-B5EE4DCF7AC6}"/>
+                <a16:creationId xmlns:a16="http://schemas.microsoft.com/office/drawing/2014/main" id="{BC829FBC-895C-483D-A53E-0C9028858002}"/>
               </a:ext>
             </a:extLst>
           </p:cNvPr>
@@ -36388,8 +38406,8 @@
         </p:blipFill>
         <p:spPr>
           <a:xfrm>
-            <a:off x="4660220" y="2327176"/>
-            <a:ext cx="4298531" cy="2989660"/>
+            <a:off x="4732380" y="2273643"/>
+            <a:ext cx="4203337" cy="2987117"/>
           </a:xfrm>
           <a:prstGeom prst="rect">
             <a:avLst/>
@@ -36398,10 +38416,10 @@
       </p:pic>
       <p:pic>
         <p:nvPicPr>
-          <p:cNvPr id="7" name="Picture 6">
+          <p:cNvPr id="6" name="Picture 5">
             <a:extLst>
               <a:ext uri="{FF2B5EF4-FFF2-40B4-BE49-F238E27FC236}">
-                <a16:creationId xmlns:a16="http://schemas.microsoft.com/office/drawing/2014/main" id="{DBD16A37-9C54-43BE-9BE0-E5AD3E71EA59}"/>
+                <a16:creationId xmlns:a16="http://schemas.microsoft.com/office/drawing/2014/main" id="{D743B2F8-803B-47FB-9698-4B01804192E6}"/>
               </a:ext>
             </a:extLst>
           </p:cNvPr>
@@ -36418,8 +38436,8 @@
         </p:blipFill>
         <p:spPr>
           <a:xfrm>
-            <a:off x="5149960" y="1405484"/>
-            <a:ext cx="3269704" cy="2673436"/>
+            <a:off x="4572000" y="1823493"/>
+            <a:ext cx="4490193" cy="1712187"/>
           </a:xfrm>
           <a:prstGeom prst="rect">
             <a:avLst/>
@@ -36428,10 +38446,10 @@
       </p:pic>
       <p:pic>
         <p:nvPicPr>
-          <p:cNvPr id="8" name="Picture 7">
+          <p:cNvPr id="13" name="Picture 12">
             <a:extLst>
               <a:ext uri="{FF2B5EF4-FFF2-40B4-BE49-F238E27FC236}">
-                <a16:creationId xmlns:a16="http://schemas.microsoft.com/office/drawing/2014/main" id="{A585322B-56DB-4BCA-BDF0-9085ECC8F655}"/>
+                <a16:creationId xmlns:a16="http://schemas.microsoft.com/office/drawing/2014/main" id="{7F018434-79CE-4E1D-BBA3-F1667551B68F}"/>
               </a:ext>
             </a:extLst>
           </p:cNvPr>
@@ -36448,8 +38466,8 @@
         </p:blipFill>
         <p:spPr>
           <a:xfrm>
-            <a:off x="4474344" y="1743673"/>
-            <a:ext cx="4520389" cy="1685327"/>
+            <a:off x="4997866" y="1713116"/>
+            <a:ext cx="3638459" cy="2608373"/>
           </a:xfrm>
           <a:prstGeom prst="rect">
             <a:avLst/>
@@ -36458,10 +38476,10 @@
       </p:pic>
       <p:pic>
         <p:nvPicPr>
-          <p:cNvPr id="10" name="Picture 9">
+          <p:cNvPr id="14" name="Picture 13">
             <a:extLst>
               <a:ext uri="{FF2B5EF4-FFF2-40B4-BE49-F238E27FC236}">
-                <a16:creationId xmlns:a16="http://schemas.microsoft.com/office/drawing/2014/main" id="{77DD988E-962A-47F2-8743-5A35F2B5A851}"/>
+                <a16:creationId xmlns:a16="http://schemas.microsoft.com/office/drawing/2014/main" id="{80492B61-25F9-4407-912C-813DAAE1C41C}"/>
               </a:ext>
             </a:extLst>
           </p:cNvPr>
@@ -36478,8 +38496,8 @@
         </p:blipFill>
         <p:spPr>
           <a:xfrm>
-            <a:off x="4572000" y="2286829"/>
-            <a:ext cx="4454305" cy="3643242"/>
+            <a:off x="5094355" y="4121495"/>
+            <a:ext cx="3547033" cy="2539157"/>
           </a:xfrm>
           <a:prstGeom prst="rect">
             <a:avLst/>
@@ -36488,10 +38506,10 @@
       </p:pic>
       <p:pic>
         <p:nvPicPr>
-          <p:cNvPr id="11" name="Picture 10">
+          <p:cNvPr id="15" name="Picture 14">
             <a:extLst>
               <a:ext uri="{FF2B5EF4-FFF2-40B4-BE49-F238E27FC236}">
-                <a16:creationId xmlns:a16="http://schemas.microsoft.com/office/drawing/2014/main" id="{05650EE9-C11C-429F-9EBB-34386B0A2B8D}"/>
+                <a16:creationId xmlns:a16="http://schemas.microsoft.com/office/drawing/2014/main" id="{ACCBF236-FBB4-479A-9306-EAD61E4A4C75}"/>
               </a:ext>
             </a:extLst>
           </p:cNvPr>
@@ -36508,38 +38526,8 @@
         </p:blipFill>
         <p:spPr>
           <a:xfrm>
-            <a:off x="5149960" y="4115798"/>
-            <a:ext cx="3269704" cy="2736864"/>
-          </a:xfrm>
-          <a:prstGeom prst="rect">
-            <a:avLst/>
-          </a:prstGeom>
-        </p:spPr>
-      </p:pic>
-      <p:pic>
-        <p:nvPicPr>
-          <p:cNvPr id="12" name="Picture 11">
-            <a:extLst>
-              <a:ext uri="{FF2B5EF4-FFF2-40B4-BE49-F238E27FC236}">
-                <a16:creationId xmlns:a16="http://schemas.microsoft.com/office/drawing/2014/main" id="{42380A93-5946-496A-9390-87A169BF6E1D}"/>
-              </a:ext>
-            </a:extLst>
-          </p:cNvPr>
-          <p:cNvPicPr>
-            <a:picLocks noChangeAspect="1"/>
-          </p:cNvPicPr>
-          <p:nvPr/>
-        </p:nvPicPr>
-        <p:blipFill>
-          <a:blip r:embed="rId7"/>
-          <a:stretch>
-            <a:fillRect/>
-          </a:stretch>
-        </p:blipFill>
-        <p:spPr>
-          <a:xfrm>
-            <a:off x="4474344" y="3744552"/>
-            <a:ext cx="4520388" cy="2389632"/>
+            <a:off x="5829646" y="4907304"/>
+            <a:ext cx="2076450" cy="1590675"/>
           </a:xfrm>
           <a:prstGeom prst="rect">
             <a:avLst/>
@@ -36556,11 +38544,11 @@
   <p:clrMapOvr>
     <a:masterClrMapping/>
   </p:clrMapOvr>
-  <mc:AlternateContent xmlns:mc="http://schemas.openxmlformats.org/markup-compatibility/2006" xmlns:p14="http://schemas.microsoft.com/office/powerpoint/2010/main">
-    <mc:Choice Requires="p14">
+  <mc:AlternateContent xmlns:mc="http://schemas.openxmlformats.org/markup-compatibility/2006">
+    <mc:Choice xmlns:p14="http://schemas.microsoft.com/office/powerpoint/2010/main" Requires="p14">
       <p:transition p14:dur="10" advClick="0"/>
     </mc:Choice>
-    <mc:Fallback xmlns="">
+    <mc:Fallback>
       <p:transition advClick="0"/>
     </mc:Fallback>
   </mc:AlternateContent>
@@ -36616,7 +38604,7 @@
                                 </p:cTn>
                               </p:par>
                               <p:par>
-                                <p:cTn id="7" presetID="1" presetClass="entr" presetSubtype="0" fill="hold" nodeType="withEffect">
+                                <p:cTn id="7" presetID="1" presetClass="exit" presetSubtype="0" fill="hold" nodeType="withEffect">
                                   <p:stCondLst>
                                     <p:cond delay="0"/>
                                   </p:stCondLst>
@@ -36629,21 +38617,21 @@
                                           </p:stCondLst>
                                         </p:cTn>
                                         <p:tgtEl>
-                                          <p:spTgt spid="10"/>
+                                          <p:spTgt spid="6"/>
                                         </p:tgtEl>
                                         <p:attrNameLst>
                                           <p:attrName>style.visibility</p:attrName>
                                         </p:attrNameLst>
                                       </p:cBhvr>
                                       <p:to>
-                                        <p:strVal val="visible"/>
+                                        <p:strVal val="hidden"/>
                                       </p:to>
                                     </p:set>
                                   </p:childTnLst>
                                 </p:cTn>
                               </p:par>
                               <p:par>
-                                <p:cTn id="9" presetID="1" presetClass="exit" presetSubtype="0" fill="hold" nodeType="withEffect">
+                                <p:cTn id="9" presetID="1" presetClass="entr" presetSubtype="0" fill="hold" nodeType="withEffect">
                                   <p:stCondLst>
                                     <p:cond delay="0"/>
                                   </p:stCondLst>
@@ -36656,14 +38644,14 @@
                                           </p:stCondLst>
                                         </p:cTn>
                                         <p:tgtEl>
-                                          <p:spTgt spid="3"/>
+                                          <p:spTgt spid="5"/>
                                         </p:tgtEl>
                                         <p:attrNameLst>
                                           <p:attrName>style.visibility</p:attrName>
                                         </p:attrNameLst>
                                       </p:cBhvr>
                                       <p:to>
-                                        <p:strVal val="hidden"/>
+                                        <p:strVal val="visible"/>
                                       </p:to>
                                     </p:set>
                                   </p:childTnLst>
@@ -36732,7 +38720,7 @@
                                           </p:stCondLst>
                                         </p:cTn>
                                         <p:tgtEl>
-                                          <p:spTgt spid="10"/>
+                                          <p:spTgt spid="5"/>
                                         </p:tgtEl>
                                         <p:attrNameLst>
                                           <p:attrName>style.visibility</p:attrName>
@@ -36759,7 +38747,7 @@
                                           </p:stCondLst>
                                         </p:cTn>
                                         <p:tgtEl>
-                                          <p:spTgt spid="7"/>
+                                          <p:spTgt spid="14"/>
                                         </p:tgtEl>
                                         <p:attrNameLst>
                                           <p:attrName>style.visibility</p:attrName>
@@ -36786,7 +38774,7 @@
                                           </p:stCondLst>
                                         </p:cTn>
                                         <p:tgtEl>
-                                          <p:spTgt spid="11"/>
+                                          <p:spTgt spid="13"/>
                                         </p:tgtEl>
                                         <p:attrNameLst>
                                           <p:attrName>style.visibility</p:attrName>
@@ -36849,7 +38837,7 @@
                                 </p:cTn>
                               </p:par>
                               <p:par>
-                                <p:cTn id="25" presetID="1" presetClass="entr" presetSubtype="0" fill="hold" nodeType="withEffect">
+                                <p:cTn id="25" presetID="1" presetClass="exit" presetSubtype="0" fill="hold" nodeType="withEffect">
                                   <p:stCondLst>
                                     <p:cond delay="0"/>
                                   </p:stCondLst>
@@ -36862,14 +38850,14 @@
                                           </p:stCondLst>
                                         </p:cTn>
                                         <p:tgtEl>
-                                          <p:spTgt spid="8"/>
+                                          <p:spTgt spid="14"/>
                                         </p:tgtEl>
                                         <p:attrNameLst>
                                           <p:attrName>style.visibility</p:attrName>
                                         </p:attrNameLst>
                                       </p:cBhvr>
                                       <p:to>
-                                        <p:strVal val="visible"/>
+                                        <p:strVal val="hidden"/>
                                       </p:to>
                                     </p:set>
                                   </p:childTnLst>
@@ -36889,7 +38877,7 @@
                                           </p:stCondLst>
                                         </p:cTn>
                                         <p:tgtEl>
-                                          <p:spTgt spid="7"/>
+                                          <p:spTgt spid="13"/>
                                         </p:tgtEl>
                                         <p:attrNameLst>
                                           <p:attrName>style.visibility</p:attrName>
@@ -36903,7 +38891,7 @@
                                 </p:cTn>
                               </p:par>
                               <p:par>
-                                <p:cTn id="29" presetID="1" presetClass="exit" presetSubtype="0" fill="hold" nodeType="withEffect">
+                                <p:cTn id="29" presetID="1" presetClass="entr" presetSubtype="0" fill="hold" nodeType="withEffect">
                                   <p:stCondLst>
                                     <p:cond delay="0"/>
                                   </p:stCondLst>
@@ -36916,34 +38904,7 @@
                                           </p:stCondLst>
                                         </p:cTn>
                                         <p:tgtEl>
-                                          <p:spTgt spid="11"/>
-                                        </p:tgtEl>
-                                        <p:attrNameLst>
-                                          <p:attrName>style.visibility</p:attrName>
-                                        </p:attrNameLst>
-                                      </p:cBhvr>
-                                      <p:to>
-                                        <p:strVal val="hidden"/>
-                                      </p:to>
-                                    </p:set>
-                                  </p:childTnLst>
-                                </p:cTn>
-                              </p:par>
-                              <p:par>
-                                <p:cTn id="31" presetID="1" presetClass="entr" presetSubtype="0" fill="hold" nodeType="withEffect">
-                                  <p:stCondLst>
-                                    <p:cond delay="0"/>
-                                  </p:stCondLst>
-                                  <p:childTnLst>
-                                    <p:set>
-                                      <p:cBhvr>
-                                        <p:cTn id="32" dur="1" fill="hold">
-                                          <p:stCondLst>
-                                            <p:cond delay="0"/>
-                                          </p:stCondLst>
-                                        </p:cTn>
-                                        <p:tgtEl>
-                                          <p:spTgt spid="12"/>
+                                          <p:spTgt spid="15"/>
                                         </p:tgtEl>
                                         <p:attrNameLst>
                                           <p:attrName>style.visibility</p:attrName>
@@ -37519,6 +39480,15 @@
 </file>
 
 <file path=customXml/item2.xml><?xml version="1.0" encoding="utf-8"?>
+<p:properties xmlns:p="http://schemas.microsoft.com/office/2006/metadata/properties" xmlns:xsi="http://www.w3.org/2001/XMLSchema-instance" xmlns:pc="http://schemas.microsoft.com/office/infopath/2007/PartnerControls">
+  <documentManagement>
+    <_ip_UnifiedCompliancePolicyUIAction xmlns="http://schemas.microsoft.com/sharepoint/v3" xsi:nil="true"/>
+    <_ip_UnifiedCompliancePolicyProperties xmlns="http://schemas.microsoft.com/sharepoint/v3" xsi:nil="true"/>
+  </documentManagement>
+</p:properties>
+</file>
+
+<file path=customXml/item3.xml><?xml version="1.0" encoding="utf-8"?>
 <ct:contentTypeSchema xmlns:ct="http://schemas.microsoft.com/office/2006/metadata/contentType" xmlns:ma="http://schemas.microsoft.com/office/2006/metadata/properties/metaAttributes" ct:_="" ma:_="" ma:contentTypeName="Document" ma:contentTypeID="0x0101000BA00A350CC6324D82DC9282A0038118" ma:contentTypeVersion="15" ma:contentTypeDescription="Create a new document." ma:contentTypeScope="" ma:versionID="9d94f4077288f7c70ea355586b38170f">
   <xsd:schema xmlns:xsd="http://www.w3.org/2001/XMLSchema" xmlns:xs="http://www.w3.org/2001/XMLSchema" xmlns:p="http://schemas.microsoft.com/office/2006/metadata/properties" xmlns:ns1="http://schemas.microsoft.com/sharepoint/v3" xmlns:ns3="589ac885-bad4-4eac-89be-ec2338c06621" xmlns:ns4="8190c6ef-338c-48dd-84b7-b08ad1d527aa" targetNamespace="http://schemas.microsoft.com/office/2006/metadata/properties" ma:root="true" ma:fieldsID="5b1fd8e5bbbce311c23d1e8d6c73ce17" ns1:_="" ns3:_="" ns4:_="">
     <xsd:import namespace="http://schemas.microsoft.com/sharepoint/v3"/>
@@ -37758,15 +39728,6 @@
 </ct:contentTypeSchema>
 </file>
 
-<file path=customXml/item3.xml><?xml version="1.0" encoding="utf-8"?>
-<p:properties xmlns:p="http://schemas.microsoft.com/office/2006/metadata/properties" xmlns:xsi="http://www.w3.org/2001/XMLSchema-instance" xmlns:pc="http://schemas.microsoft.com/office/infopath/2007/PartnerControls">
-  <documentManagement>
-    <_ip_UnifiedCompliancePolicyUIAction xmlns="http://schemas.microsoft.com/sharepoint/v3" xsi:nil="true"/>
-    <_ip_UnifiedCompliancePolicyProperties xmlns="http://schemas.microsoft.com/sharepoint/v3" xsi:nil="true"/>
-  </documentManagement>
-</p:properties>
-</file>
-
 <file path=customXml/itemProps1.xml><?xml version="1.0" encoding="utf-8"?>
 <ds:datastoreItem xmlns:ds="http://schemas.openxmlformats.org/officeDocument/2006/customXml" ds:itemID="{BDE82868-B1CD-40D8-9533-9654244642BC}">
   <ds:schemaRefs>
@@ -37776,39 +39737,39 @@
 </file>
 
 <file path=customXml/itemProps2.xml><?xml version="1.0" encoding="utf-8"?>
-<ds:datastoreItem xmlns:ds="http://schemas.openxmlformats.org/officeDocument/2006/customXml" ds:itemID="{0D01007B-903C-4405-A212-B3470C633F78}">
+<ds:datastoreItem xmlns:ds="http://schemas.openxmlformats.org/officeDocument/2006/customXml" ds:itemID="{41475A62-FFDD-48F6-8775-C6B580D61119}">
   <ds:schemaRefs>
-    <ds:schemaRef ds:uri="http://schemas.microsoft.com/office/2006/metadata/contentType"/>
-    <ds:schemaRef ds:uri="http://schemas.microsoft.com/office/2006/metadata/properties/metaAttributes"/>
-    <ds:schemaRef ds:uri="http://www.w3.org/2001/XMLSchema"/>
-    <ds:schemaRef ds:uri="http://schemas.microsoft.com/office/2006/metadata/properties"/>
-    <ds:schemaRef ds:uri="http://schemas.microsoft.com/sharepoint/v3"/>
     <ds:schemaRef ds:uri="589ac885-bad4-4eac-89be-ec2338c06621"/>
     <ds:schemaRef ds:uri="8190c6ef-338c-48dd-84b7-b08ad1d527aa"/>
-    <ds:schemaRef ds:uri="http://schemas.microsoft.com/office/2006/documentManagement/types"/>
-    <ds:schemaRef ds:uri="http://schemas.microsoft.com/office/infopath/2007/PartnerControls"/>
-    <ds:schemaRef ds:uri="http://schemas.openxmlformats.org/package/2006/metadata/core-properties"/>
+    <ds:schemaRef ds:uri="http://purl.org/dc/dcmitype/"/>
     <ds:schemaRef ds:uri="http://purl.org/dc/elements/1.1/"/>
     <ds:schemaRef ds:uri="http://purl.org/dc/terms/"/>
-    <ds:schemaRef ds:uri="http://schemas.microsoft.com/internal/obd"/>
+    <ds:schemaRef ds:uri="http://schemas.microsoft.com/office/2006/documentManagement/types"/>
+    <ds:schemaRef ds:uri="http://schemas.microsoft.com/office/2006/metadata/properties"/>
+    <ds:schemaRef ds:uri="http://schemas.microsoft.com/office/infopath/2007/PartnerControls"/>
+    <ds:schemaRef ds:uri="http://schemas.microsoft.com/sharepoint/v3"/>
+    <ds:schemaRef ds:uri="http://schemas.openxmlformats.org/package/2006/metadata/core-properties"/>
+    <ds:schemaRef ds:uri="http://www.w3.org/XML/1998/namespace"/>
   </ds:schemaRefs>
 </ds:datastoreItem>
 </file>
 
 <file path=customXml/itemProps3.xml><?xml version="1.0" encoding="utf-8"?>
-<ds:datastoreItem xmlns:ds="http://schemas.openxmlformats.org/officeDocument/2006/customXml" ds:itemID="{41475A62-FFDD-48F6-8775-C6B580D61119}">
+<ds:datastoreItem xmlns:ds="http://schemas.openxmlformats.org/officeDocument/2006/customXml" ds:itemID="{0D01007B-903C-4405-A212-B3470C633F78}">
   <ds:schemaRefs>
+    <ds:schemaRef ds:uri="589ac885-bad4-4eac-89be-ec2338c06621"/>
+    <ds:schemaRef ds:uri="8190c6ef-338c-48dd-84b7-b08ad1d527aa"/>
+    <ds:schemaRef ds:uri="http://purl.org/dc/elements/1.1/"/>
+    <ds:schemaRef ds:uri="http://purl.org/dc/terms/"/>
+    <ds:schemaRef ds:uri="http://schemas.microsoft.com/internal/obd"/>
+    <ds:schemaRef ds:uri="http://schemas.microsoft.com/office/2006/documentManagement/types"/>
+    <ds:schemaRef ds:uri="http://schemas.microsoft.com/office/2006/metadata/contentType"/>
+    <ds:schemaRef ds:uri="http://schemas.microsoft.com/office/2006/metadata/properties"/>
+    <ds:schemaRef ds:uri="http://schemas.microsoft.com/office/2006/metadata/properties/metaAttributes"/>
+    <ds:schemaRef ds:uri="http://schemas.microsoft.com/office/infopath/2007/PartnerControls"/>
+    <ds:schemaRef ds:uri="http://schemas.microsoft.com/sharepoint/v3"/>
     <ds:schemaRef ds:uri="http://schemas.openxmlformats.org/package/2006/metadata/core-properties"/>
-    <ds:schemaRef ds:uri="http://purl.org/dc/terms/"/>
-    <ds:schemaRef ds:uri="http://schemas.microsoft.com/office/2006/documentManagement/types"/>
-    <ds:schemaRef ds:uri="http://purl.org/dc/dcmitype/"/>
-    <ds:schemaRef ds:uri="http://schemas.microsoft.com/office/2006/metadata/properties"/>
-    <ds:schemaRef ds:uri="http://purl.org/dc/elements/1.1/"/>
-    <ds:schemaRef ds:uri="http://schemas.microsoft.com/sharepoint/v3"/>
-    <ds:schemaRef ds:uri="http://schemas.microsoft.com/office/infopath/2007/PartnerControls"/>
-    <ds:schemaRef ds:uri="8190c6ef-338c-48dd-84b7-b08ad1d527aa"/>
-    <ds:schemaRef ds:uri="589ac885-bad4-4eac-89be-ec2338c06621"/>
-    <ds:schemaRef ds:uri="http://www.w3.org/XML/1998/namespace"/>
+    <ds:schemaRef ds:uri="http://www.w3.org/2001/XMLSchema"/>
   </ds:schemaRefs>
 </ds:datastoreItem>
 </file>